--- a/Meetings/2018.05.03-CommitteeMeeting.pptx
+++ b/Meetings/2018.05.03-CommitteeMeeting.pptx
@@ -5,20 +5,19 @@
     <p:sldMasterId id="2147483660" r:id="rId1"/>
   </p:sldMasterIdLst>
   <p:notesMasterIdLst>
-    <p:notesMasterId r:id="rId13"/>
+    <p:notesMasterId r:id="rId12"/>
   </p:notesMasterIdLst>
   <p:sldIdLst>
-    <p:sldId id="258" r:id="rId2"/>
+    <p:sldId id="269" r:id="rId2"/>
     <p:sldId id="259" r:id="rId3"/>
-    <p:sldId id="260" r:id="rId4"/>
-    <p:sldId id="261" r:id="rId5"/>
-    <p:sldId id="262" r:id="rId6"/>
-    <p:sldId id="263" r:id="rId7"/>
-    <p:sldId id="264" r:id="rId8"/>
-    <p:sldId id="265" r:id="rId9"/>
-    <p:sldId id="266" r:id="rId10"/>
-    <p:sldId id="267" r:id="rId11"/>
-    <p:sldId id="268" r:id="rId12"/>
+    <p:sldId id="270" r:id="rId4"/>
+    <p:sldId id="258" r:id="rId5"/>
+    <p:sldId id="260" r:id="rId6"/>
+    <p:sldId id="264" r:id="rId7"/>
+    <p:sldId id="265" r:id="rId8"/>
+    <p:sldId id="266" r:id="rId9"/>
+    <p:sldId id="267" r:id="rId10"/>
+    <p:sldId id="268" r:id="rId11"/>
   </p:sldIdLst>
   <p:sldSz cx="9144000" cy="6858000" type="screen4x3"/>
   <p:notesSz cx="7010400" cy="9296400"/>
@@ -161,7 +160,7 @@
           <c:order val="0"/>
           <c:tx>
             <c:strRef>
-              <c:f>'Listening Info'!$A$3</c:f>
+              <c:f>'Listening Info'!$A$19</c:f>
               <c:strCache>
                 <c:ptCount val="1"/>
                 <c:pt idx="0">
@@ -170,12 +169,47 @@
               </c:strCache>
             </c:strRef>
           </c:tx>
+          <c:spPr>
+            <a:ln w="19050" cap="rnd">
+              <a:solidFill>
+                <a:schemeClr val="accent1"/>
+              </a:solidFill>
+              <a:round/>
+            </a:ln>
+            <a:effectLst/>
+          </c:spPr>
           <c:marker>
             <c:symbol val="none"/>
           </c:marker>
+          <c:cat>
+            <c:strRef>
+              <c:f>'Listening Info'!$B$33:$G$33</c:f>
+              <c:strCache>
+                <c:ptCount val="6"/>
+                <c:pt idx="0">
+                  <c:v>scan 1</c:v>
+                </c:pt>
+                <c:pt idx="1">
+                  <c:v>1</c:v>
+                </c:pt>
+                <c:pt idx="2">
+                  <c:v>2</c:v>
+                </c:pt>
+                <c:pt idx="3">
+                  <c:v>3</c:v>
+                </c:pt>
+                <c:pt idx="4">
+                  <c:v>4</c:v>
+                </c:pt>
+                <c:pt idx="5">
+                  <c:v>scan 2</c:v>
+                </c:pt>
+              </c:strCache>
+            </c:strRef>
+          </c:cat>
           <c:val>
             <c:numRef>
-              <c:f>'Listening Info'!$E$3:$J$3</c:f>
+              <c:f>'Listening Info'!$B$19:$G$19</c:f>
               <c:numCache>
                 <c:formatCode>General</c:formatCode>
                 <c:ptCount val="6"/>
@@ -207,7 +241,7 @@
           <c:order val="1"/>
           <c:tx>
             <c:strRef>
-              <c:f>'Listening Info'!$A$4</c:f>
+              <c:f>'Listening Info'!$A$20</c:f>
               <c:strCache>
                 <c:ptCount val="1"/>
                 <c:pt idx="0">
@@ -216,12 +250,47 @@
               </c:strCache>
             </c:strRef>
           </c:tx>
+          <c:spPr>
+            <a:ln w="19050" cap="rnd">
+              <a:solidFill>
+                <a:schemeClr val="accent2"/>
+              </a:solidFill>
+              <a:round/>
+            </a:ln>
+            <a:effectLst/>
+          </c:spPr>
           <c:marker>
             <c:symbol val="none"/>
           </c:marker>
+          <c:cat>
+            <c:strRef>
+              <c:f>'Listening Info'!$B$33:$G$33</c:f>
+              <c:strCache>
+                <c:ptCount val="6"/>
+                <c:pt idx="0">
+                  <c:v>scan 1</c:v>
+                </c:pt>
+                <c:pt idx="1">
+                  <c:v>1</c:v>
+                </c:pt>
+                <c:pt idx="2">
+                  <c:v>2</c:v>
+                </c:pt>
+                <c:pt idx="3">
+                  <c:v>3</c:v>
+                </c:pt>
+                <c:pt idx="4">
+                  <c:v>4</c:v>
+                </c:pt>
+                <c:pt idx="5">
+                  <c:v>scan 2</c:v>
+                </c:pt>
+              </c:strCache>
+            </c:strRef>
+          </c:cat>
           <c:val>
             <c:numRef>
-              <c:f>'Listening Info'!$E$4:$J$4</c:f>
+              <c:f>'Listening Info'!$B$20:$G$20</c:f>
               <c:numCache>
                 <c:formatCode>General</c:formatCode>
                 <c:ptCount val="6"/>
@@ -253,7 +322,7 @@
           <c:order val="2"/>
           <c:tx>
             <c:strRef>
-              <c:f>'Listening Info'!$A$5</c:f>
+              <c:f>'Listening Info'!$A$21</c:f>
               <c:strCache>
                 <c:ptCount val="1"/>
                 <c:pt idx="0">
@@ -262,12 +331,47 @@
               </c:strCache>
             </c:strRef>
           </c:tx>
+          <c:spPr>
+            <a:ln w="19050" cap="rnd">
+              <a:solidFill>
+                <a:schemeClr val="accent3"/>
+              </a:solidFill>
+              <a:round/>
+            </a:ln>
+            <a:effectLst/>
+          </c:spPr>
           <c:marker>
             <c:symbol val="none"/>
           </c:marker>
+          <c:cat>
+            <c:strRef>
+              <c:f>'Listening Info'!$B$33:$G$33</c:f>
+              <c:strCache>
+                <c:ptCount val="6"/>
+                <c:pt idx="0">
+                  <c:v>scan 1</c:v>
+                </c:pt>
+                <c:pt idx="1">
+                  <c:v>1</c:v>
+                </c:pt>
+                <c:pt idx="2">
+                  <c:v>2</c:v>
+                </c:pt>
+                <c:pt idx="3">
+                  <c:v>3</c:v>
+                </c:pt>
+                <c:pt idx="4">
+                  <c:v>4</c:v>
+                </c:pt>
+                <c:pt idx="5">
+                  <c:v>scan 2</c:v>
+                </c:pt>
+              </c:strCache>
+            </c:strRef>
+          </c:cat>
           <c:val>
             <c:numRef>
-              <c:f>'Listening Info'!$E$5:$J$5</c:f>
+              <c:f>'Listening Info'!$B$21:$G$21</c:f>
               <c:numCache>
                 <c:formatCode>General</c:formatCode>
                 <c:ptCount val="6"/>
@@ -299,7 +403,7 @@
           <c:order val="3"/>
           <c:tx>
             <c:strRef>
-              <c:f>'Listening Info'!$A$6</c:f>
+              <c:f>'Listening Info'!$A$22</c:f>
               <c:strCache>
                 <c:ptCount val="1"/>
                 <c:pt idx="0">
@@ -308,12 +412,47 @@
               </c:strCache>
             </c:strRef>
           </c:tx>
+          <c:spPr>
+            <a:ln w="19050" cap="rnd">
+              <a:solidFill>
+                <a:schemeClr val="accent4"/>
+              </a:solidFill>
+              <a:round/>
+            </a:ln>
+            <a:effectLst/>
+          </c:spPr>
           <c:marker>
             <c:symbol val="none"/>
           </c:marker>
+          <c:cat>
+            <c:strRef>
+              <c:f>'Listening Info'!$B$33:$G$33</c:f>
+              <c:strCache>
+                <c:ptCount val="6"/>
+                <c:pt idx="0">
+                  <c:v>scan 1</c:v>
+                </c:pt>
+                <c:pt idx="1">
+                  <c:v>1</c:v>
+                </c:pt>
+                <c:pt idx="2">
+                  <c:v>2</c:v>
+                </c:pt>
+                <c:pt idx="3">
+                  <c:v>3</c:v>
+                </c:pt>
+                <c:pt idx="4">
+                  <c:v>4</c:v>
+                </c:pt>
+                <c:pt idx="5">
+                  <c:v>scan 2</c:v>
+                </c:pt>
+              </c:strCache>
+            </c:strRef>
+          </c:cat>
           <c:val>
             <c:numRef>
-              <c:f>'Listening Info'!$E$6:$J$6</c:f>
+              <c:f>'Listening Info'!$B$22:$G$22</c:f>
               <c:numCache>
                 <c:formatCode>General</c:formatCode>
                 <c:ptCount val="6"/>
@@ -345,7 +484,7 @@
           <c:order val="4"/>
           <c:tx>
             <c:strRef>
-              <c:f>'Listening Info'!$A$7</c:f>
+              <c:f>'Listening Info'!$A$23</c:f>
               <c:strCache>
                 <c:ptCount val="1"/>
                 <c:pt idx="0">
@@ -354,12 +493,47 @@
               </c:strCache>
             </c:strRef>
           </c:tx>
+          <c:spPr>
+            <a:ln w="19050" cap="rnd">
+              <a:solidFill>
+                <a:schemeClr val="accent5"/>
+              </a:solidFill>
+              <a:round/>
+            </a:ln>
+            <a:effectLst/>
+          </c:spPr>
           <c:marker>
             <c:symbol val="none"/>
           </c:marker>
+          <c:cat>
+            <c:strRef>
+              <c:f>'Listening Info'!$B$33:$G$33</c:f>
+              <c:strCache>
+                <c:ptCount val="6"/>
+                <c:pt idx="0">
+                  <c:v>scan 1</c:v>
+                </c:pt>
+                <c:pt idx="1">
+                  <c:v>1</c:v>
+                </c:pt>
+                <c:pt idx="2">
+                  <c:v>2</c:v>
+                </c:pt>
+                <c:pt idx="3">
+                  <c:v>3</c:v>
+                </c:pt>
+                <c:pt idx="4">
+                  <c:v>4</c:v>
+                </c:pt>
+                <c:pt idx="5">
+                  <c:v>scan 2</c:v>
+                </c:pt>
+              </c:strCache>
+            </c:strRef>
+          </c:cat>
           <c:val>
             <c:numRef>
-              <c:f>'Listening Info'!$E$7:$J$7</c:f>
+              <c:f>'Listening Info'!$B$23:$G$23</c:f>
               <c:numCache>
                 <c:formatCode>General</c:formatCode>
                 <c:ptCount val="6"/>
@@ -391,7 +565,7 @@
           <c:order val="5"/>
           <c:tx>
             <c:strRef>
-              <c:f>'Listening Info'!$A$8</c:f>
+              <c:f>'Listening Info'!$A$24</c:f>
               <c:strCache>
                 <c:ptCount val="1"/>
                 <c:pt idx="0">
@@ -400,12 +574,47 @@
               </c:strCache>
             </c:strRef>
           </c:tx>
+          <c:spPr>
+            <a:ln w="19050" cap="rnd">
+              <a:solidFill>
+                <a:schemeClr val="accent6"/>
+              </a:solidFill>
+              <a:round/>
+            </a:ln>
+            <a:effectLst/>
+          </c:spPr>
           <c:marker>
             <c:symbol val="none"/>
           </c:marker>
+          <c:cat>
+            <c:strRef>
+              <c:f>'Listening Info'!$B$33:$G$33</c:f>
+              <c:strCache>
+                <c:ptCount val="6"/>
+                <c:pt idx="0">
+                  <c:v>scan 1</c:v>
+                </c:pt>
+                <c:pt idx="1">
+                  <c:v>1</c:v>
+                </c:pt>
+                <c:pt idx="2">
+                  <c:v>2</c:v>
+                </c:pt>
+                <c:pt idx="3">
+                  <c:v>3</c:v>
+                </c:pt>
+                <c:pt idx="4">
+                  <c:v>4</c:v>
+                </c:pt>
+                <c:pt idx="5">
+                  <c:v>scan 2</c:v>
+                </c:pt>
+              </c:strCache>
+            </c:strRef>
+          </c:cat>
           <c:val>
             <c:numRef>
-              <c:f>'Listening Info'!$E$8:$J$8</c:f>
+              <c:f>'Listening Info'!$B$24:$G$24</c:f>
               <c:numCache>
                 <c:formatCode>General</c:formatCode>
                 <c:ptCount val="6"/>
@@ -437,7 +646,7 @@
           <c:order val="6"/>
           <c:tx>
             <c:strRef>
-              <c:f>'Listening Info'!$A$9</c:f>
+              <c:f>'Listening Info'!$A$25</c:f>
               <c:strCache>
                 <c:ptCount val="1"/>
                 <c:pt idx="0">
@@ -446,12 +655,49 @@
               </c:strCache>
             </c:strRef>
           </c:tx>
+          <c:spPr>
+            <a:ln w="19050" cap="rnd">
+              <a:solidFill>
+                <a:schemeClr val="accent1">
+                  <a:lumMod val="60000"/>
+                </a:schemeClr>
+              </a:solidFill>
+              <a:round/>
+            </a:ln>
+            <a:effectLst/>
+          </c:spPr>
           <c:marker>
             <c:symbol val="none"/>
           </c:marker>
+          <c:cat>
+            <c:strRef>
+              <c:f>'Listening Info'!$B$33:$G$33</c:f>
+              <c:strCache>
+                <c:ptCount val="6"/>
+                <c:pt idx="0">
+                  <c:v>scan 1</c:v>
+                </c:pt>
+                <c:pt idx="1">
+                  <c:v>1</c:v>
+                </c:pt>
+                <c:pt idx="2">
+                  <c:v>2</c:v>
+                </c:pt>
+                <c:pt idx="3">
+                  <c:v>3</c:v>
+                </c:pt>
+                <c:pt idx="4">
+                  <c:v>4</c:v>
+                </c:pt>
+                <c:pt idx="5">
+                  <c:v>scan 2</c:v>
+                </c:pt>
+              </c:strCache>
+            </c:strRef>
+          </c:cat>
           <c:val>
             <c:numRef>
-              <c:f>'Listening Info'!$E$9:$J$9</c:f>
+              <c:f>'Listening Info'!$B$25:$G$25</c:f>
               <c:numCache>
                 <c:formatCode>General</c:formatCode>
                 <c:ptCount val="6"/>
@@ -472,6 +718,589 @@
                 </c:pt>
                 <c:pt idx="5">
                   <c:v>80.952399999999997</c:v>
+                </c:pt>
+              </c:numCache>
+            </c:numRef>
+          </c:val>
+          <c:smooth val="0"/>
+        </c:ser>
+        <c:ser>
+          <c:idx val="7"/>
+          <c:order val="7"/>
+          <c:tx>
+            <c:strRef>
+              <c:f>'Listening Info'!$A$26</c:f>
+              <c:strCache>
+                <c:ptCount val="1"/>
+                <c:pt idx="0">
+                  <c:v>P108</c:v>
+                </c:pt>
+              </c:strCache>
+            </c:strRef>
+          </c:tx>
+          <c:spPr>
+            <a:ln w="19050" cap="rnd">
+              <a:solidFill>
+                <a:schemeClr val="accent2">
+                  <a:lumMod val="60000"/>
+                </a:schemeClr>
+              </a:solidFill>
+              <a:round/>
+            </a:ln>
+            <a:effectLst/>
+          </c:spPr>
+          <c:marker>
+            <c:symbol val="none"/>
+          </c:marker>
+          <c:cat>
+            <c:strRef>
+              <c:f>'Listening Info'!$B$33:$G$33</c:f>
+              <c:strCache>
+                <c:ptCount val="6"/>
+                <c:pt idx="0">
+                  <c:v>scan 1</c:v>
+                </c:pt>
+                <c:pt idx="1">
+                  <c:v>1</c:v>
+                </c:pt>
+                <c:pt idx="2">
+                  <c:v>2</c:v>
+                </c:pt>
+                <c:pt idx="3">
+                  <c:v>3</c:v>
+                </c:pt>
+                <c:pt idx="4">
+                  <c:v>4</c:v>
+                </c:pt>
+                <c:pt idx="5">
+                  <c:v>scan 2</c:v>
+                </c:pt>
+              </c:strCache>
+            </c:strRef>
+          </c:cat>
+          <c:val>
+            <c:numRef>
+              <c:f>'Listening Info'!$B$26:$G$26</c:f>
+              <c:numCache>
+                <c:formatCode>General</c:formatCode>
+                <c:ptCount val="6"/>
+                <c:pt idx="0">
+                  <c:v>48.2759</c:v>
+                </c:pt>
+                <c:pt idx="1">
+                  <c:v>60</c:v>
+                </c:pt>
+                <c:pt idx="2">
+                  <c:v>90</c:v>
+                </c:pt>
+                <c:pt idx="3">
+                  <c:v>80</c:v>
+                </c:pt>
+                <c:pt idx="4">
+                  <c:v>70</c:v>
+                </c:pt>
+                <c:pt idx="5">
+                  <c:v>86.29</c:v>
+                </c:pt>
+              </c:numCache>
+            </c:numRef>
+          </c:val>
+          <c:smooth val="0"/>
+        </c:ser>
+        <c:ser>
+          <c:idx val="8"/>
+          <c:order val="8"/>
+          <c:tx>
+            <c:strRef>
+              <c:f>'Listening Info'!$A$27</c:f>
+              <c:strCache>
+                <c:ptCount val="1"/>
+                <c:pt idx="0">
+                  <c:v>P110</c:v>
+                </c:pt>
+              </c:strCache>
+            </c:strRef>
+          </c:tx>
+          <c:spPr>
+            <a:ln w="19050" cap="rnd">
+              <a:solidFill>
+                <a:schemeClr val="accent3">
+                  <a:lumMod val="60000"/>
+                </a:schemeClr>
+              </a:solidFill>
+              <a:round/>
+            </a:ln>
+            <a:effectLst/>
+          </c:spPr>
+          <c:marker>
+            <c:symbol val="none"/>
+          </c:marker>
+          <c:cat>
+            <c:strRef>
+              <c:f>'Listening Info'!$B$33:$G$33</c:f>
+              <c:strCache>
+                <c:ptCount val="6"/>
+                <c:pt idx="0">
+                  <c:v>scan 1</c:v>
+                </c:pt>
+                <c:pt idx="1">
+                  <c:v>1</c:v>
+                </c:pt>
+                <c:pt idx="2">
+                  <c:v>2</c:v>
+                </c:pt>
+                <c:pt idx="3">
+                  <c:v>3</c:v>
+                </c:pt>
+                <c:pt idx="4">
+                  <c:v>4</c:v>
+                </c:pt>
+                <c:pt idx="5">
+                  <c:v>scan 2</c:v>
+                </c:pt>
+              </c:strCache>
+            </c:strRef>
+          </c:cat>
+          <c:val>
+            <c:numRef>
+              <c:f>'Listening Info'!$B$27:$G$27</c:f>
+              <c:numCache>
+                <c:formatCode>General</c:formatCode>
+                <c:ptCount val="6"/>
+                <c:pt idx="0">
+                  <c:v>48.2759</c:v>
+                </c:pt>
+                <c:pt idx="1">
+                  <c:v>80</c:v>
+                </c:pt>
+                <c:pt idx="2">
+                  <c:v>90</c:v>
+                </c:pt>
+                <c:pt idx="3">
+                  <c:v>90</c:v>
+                </c:pt>
+                <c:pt idx="4">
+                  <c:v>90</c:v>
+                </c:pt>
+                <c:pt idx="5">
+                  <c:v>100</c:v>
+                </c:pt>
+              </c:numCache>
+            </c:numRef>
+          </c:val>
+          <c:smooth val="0"/>
+        </c:ser>
+        <c:ser>
+          <c:idx val="9"/>
+          <c:order val="9"/>
+          <c:tx>
+            <c:strRef>
+              <c:f>'Listening Info'!$A$28</c:f>
+              <c:strCache>
+                <c:ptCount val="1"/>
+                <c:pt idx="0">
+                  <c:v>P111</c:v>
+                </c:pt>
+              </c:strCache>
+            </c:strRef>
+          </c:tx>
+          <c:spPr>
+            <a:ln w="19050" cap="rnd">
+              <a:solidFill>
+                <a:schemeClr val="accent4">
+                  <a:lumMod val="60000"/>
+                </a:schemeClr>
+              </a:solidFill>
+              <a:round/>
+            </a:ln>
+            <a:effectLst/>
+          </c:spPr>
+          <c:marker>
+            <c:symbol val="none"/>
+          </c:marker>
+          <c:cat>
+            <c:strRef>
+              <c:f>'Listening Info'!$B$33:$G$33</c:f>
+              <c:strCache>
+                <c:ptCount val="6"/>
+                <c:pt idx="0">
+                  <c:v>scan 1</c:v>
+                </c:pt>
+                <c:pt idx="1">
+                  <c:v>1</c:v>
+                </c:pt>
+                <c:pt idx="2">
+                  <c:v>2</c:v>
+                </c:pt>
+                <c:pt idx="3">
+                  <c:v>3</c:v>
+                </c:pt>
+                <c:pt idx="4">
+                  <c:v>4</c:v>
+                </c:pt>
+                <c:pt idx="5">
+                  <c:v>scan 2</c:v>
+                </c:pt>
+              </c:strCache>
+            </c:strRef>
+          </c:cat>
+          <c:val>
+            <c:numRef>
+              <c:f>'Listening Info'!$B$28:$G$28</c:f>
+              <c:numCache>
+                <c:formatCode>General</c:formatCode>
+                <c:ptCount val="6"/>
+                <c:pt idx="0">
+                  <c:v>14.2857</c:v>
+                </c:pt>
+                <c:pt idx="1">
+                  <c:v>40</c:v>
+                </c:pt>
+                <c:pt idx="2">
+                  <c:v>50</c:v>
+                </c:pt>
+                <c:pt idx="3">
+                  <c:v>50</c:v>
+                </c:pt>
+                <c:pt idx="4">
+                  <c:v>50</c:v>
+                </c:pt>
+                <c:pt idx="5">
+                  <c:v>90.746200000000002</c:v>
+                </c:pt>
+              </c:numCache>
+            </c:numRef>
+          </c:val>
+          <c:smooth val="0"/>
+        </c:ser>
+        <c:ser>
+          <c:idx val="10"/>
+          <c:order val="10"/>
+          <c:tx>
+            <c:strRef>
+              <c:f>'Listening Info'!$A$29</c:f>
+              <c:strCache>
+                <c:ptCount val="1"/>
+                <c:pt idx="0">
+                  <c:v>P112</c:v>
+                </c:pt>
+              </c:strCache>
+            </c:strRef>
+          </c:tx>
+          <c:spPr>
+            <a:ln w="19050" cap="rnd">
+              <a:solidFill>
+                <a:schemeClr val="accent5">
+                  <a:lumMod val="60000"/>
+                </a:schemeClr>
+              </a:solidFill>
+              <a:round/>
+            </a:ln>
+            <a:effectLst/>
+          </c:spPr>
+          <c:marker>
+            <c:symbol val="none"/>
+          </c:marker>
+          <c:cat>
+            <c:strRef>
+              <c:f>'Listening Info'!$B$33:$G$33</c:f>
+              <c:strCache>
+                <c:ptCount val="6"/>
+                <c:pt idx="0">
+                  <c:v>scan 1</c:v>
+                </c:pt>
+                <c:pt idx="1">
+                  <c:v>1</c:v>
+                </c:pt>
+                <c:pt idx="2">
+                  <c:v>2</c:v>
+                </c:pt>
+                <c:pt idx="3">
+                  <c:v>3</c:v>
+                </c:pt>
+                <c:pt idx="4">
+                  <c:v>4</c:v>
+                </c:pt>
+                <c:pt idx="5">
+                  <c:v>scan 2</c:v>
+                </c:pt>
+              </c:strCache>
+            </c:strRef>
+          </c:cat>
+          <c:val>
+            <c:numRef>
+              <c:f>'Listening Info'!$B$29:$G$29</c:f>
+              <c:numCache>
+                <c:formatCode>General</c:formatCode>
+                <c:ptCount val="6"/>
+                <c:pt idx="0">
+                  <c:v>48.2759</c:v>
+                </c:pt>
+                <c:pt idx="1">
+                  <c:v>70</c:v>
+                </c:pt>
+                <c:pt idx="2">
+                  <c:v>60</c:v>
+                </c:pt>
+                <c:pt idx="3">
+                  <c:v>60</c:v>
+                </c:pt>
+                <c:pt idx="4">
+                  <c:v>70</c:v>
+                </c:pt>
+                <c:pt idx="5">
+                  <c:v>75.862099999999998</c:v>
+                </c:pt>
+              </c:numCache>
+            </c:numRef>
+          </c:val>
+          <c:smooth val="0"/>
+        </c:ser>
+        <c:ser>
+          <c:idx val="11"/>
+          <c:order val="11"/>
+          <c:tx>
+            <c:strRef>
+              <c:f>'Listening Info'!$A$30</c:f>
+              <c:strCache>
+                <c:ptCount val="1"/>
+                <c:pt idx="0">
+                  <c:v>P113</c:v>
+                </c:pt>
+              </c:strCache>
+            </c:strRef>
+          </c:tx>
+          <c:spPr>
+            <a:ln w="19050" cap="rnd">
+              <a:solidFill>
+                <a:schemeClr val="accent6">
+                  <a:lumMod val="60000"/>
+                </a:schemeClr>
+              </a:solidFill>
+              <a:round/>
+            </a:ln>
+            <a:effectLst/>
+          </c:spPr>
+          <c:marker>
+            <c:symbol val="none"/>
+          </c:marker>
+          <c:cat>
+            <c:strRef>
+              <c:f>'Listening Info'!$B$33:$G$33</c:f>
+              <c:strCache>
+                <c:ptCount val="6"/>
+                <c:pt idx="0">
+                  <c:v>scan 1</c:v>
+                </c:pt>
+                <c:pt idx="1">
+                  <c:v>1</c:v>
+                </c:pt>
+                <c:pt idx="2">
+                  <c:v>2</c:v>
+                </c:pt>
+                <c:pt idx="3">
+                  <c:v>3</c:v>
+                </c:pt>
+                <c:pt idx="4">
+                  <c:v>4</c:v>
+                </c:pt>
+                <c:pt idx="5">
+                  <c:v>scan 2</c:v>
+                </c:pt>
+              </c:strCache>
+            </c:strRef>
+          </c:cat>
+          <c:val>
+            <c:numRef>
+              <c:f>'Listening Info'!$B$30:$G$30</c:f>
+              <c:numCache>
+                <c:formatCode>General</c:formatCode>
+                <c:ptCount val="6"/>
+                <c:pt idx="0">
+                  <c:v>38.095199999999998</c:v>
+                </c:pt>
+                <c:pt idx="1">
+                  <c:v>50</c:v>
+                </c:pt>
+                <c:pt idx="2">
+                  <c:v>60</c:v>
+                </c:pt>
+                <c:pt idx="3">
+                  <c:v>30</c:v>
+                </c:pt>
+                <c:pt idx="4">
+                  <c:v>40</c:v>
+                </c:pt>
+                <c:pt idx="5">
+                  <c:v>80.952399999999997</c:v>
+                </c:pt>
+              </c:numCache>
+            </c:numRef>
+          </c:val>
+          <c:smooth val="0"/>
+        </c:ser>
+        <c:ser>
+          <c:idx val="12"/>
+          <c:order val="12"/>
+          <c:tx>
+            <c:strRef>
+              <c:f>'Listening Info'!$A$31</c:f>
+              <c:strCache>
+                <c:ptCount val="1"/>
+                <c:pt idx="0">
+                  <c:v>P114</c:v>
+                </c:pt>
+              </c:strCache>
+            </c:strRef>
+          </c:tx>
+          <c:spPr>
+            <a:ln w="19050" cap="rnd">
+              <a:solidFill>
+                <a:schemeClr val="accent1">
+                  <a:lumMod val="80000"/>
+                  <a:lumOff val="20000"/>
+                </a:schemeClr>
+              </a:solidFill>
+              <a:round/>
+            </a:ln>
+            <a:effectLst/>
+          </c:spPr>
+          <c:marker>
+            <c:symbol val="none"/>
+          </c:marker>
+          <c:cat>
+            <c:strRef>
+              <c:f>'Listening Info'!$B$33:$G$33</c:f>
+              <c:strCache>
+                <c:ptCount val="6"/>
+                <c:pt idx="0">
+                  <c:v>scan 1</c:v>
+                </c:pt>
+                <c:pt idx="1">
+                  <c:v>1</c:v>
+                </c:pt>
+                <c:pt idx="2">
+                  <c:v>2</c:v>
+                </c:pt>
+                <c:pt idx="3">
+                  <c:v>3</c:v>
+                </c:pt>
+                <c:pt idx="4">
+                  <c:v>4</c:v>
+                </c:pt>
+                <c:pt idx="5">
+                  <c:v>scan 2</c:v>
+                </c:pt>
+              </c:strCache>
+            </c:strRef>
+          </c:cat>
+          <c:val>
+            <c:numRef>
+              <c:f>'Listening Info'!$B$31:$G$31</c:f>
+              <c:numCache>
+                <c:formatCode>General</c:formatCode>
+                <c:ptCount val="6"/>
+                <c:pt idx="0">
+                  <c:v>44.827599999999997</c:v>
+                </c:pt>
+                <c:pt idx="1">
+                  <c:v>50</c:v>
+                </c:pt>
+                <c:pt idx="2">
+                  <c:v>80</c:v>
+                </c:pt>
+                <c:pt idx="3">
+                  <c:v>70</c:v>
+                </c:pt>
+                <c:pt idx="4">
+                  <c:v>80</c:v>
+                </c:pt>
+                <c:pt idx="5">
+                  <c:v>79.310299999999998</c:v>
+                </c:pt>
+              </c:numCache>
+            </c:numRef>
+          </c:val>
+          <c:smooth val="0"/>
+        </c:ser>
+        <c:ser>
+          <c:idx val="13"/>
+          <c:order val="13"/>
+          <c:tx>
+            <c:strRef>
+              <c:f>'Listening Info'!$A$32</c:f>
+              <c:strCache>
+                <c:ptCount val="1"/>
+                <c:pt idx="0">
+                  <c:v>P115</c:v>
+                </c:pt>
+              </c:strCache>
+            </c:strRef>
+          </c:tx>
+          <c:spPr>
+            <a:ln w="19050" cap="rnd">
+              <a:solidFill>
+                <a:schemeClr val="accent2">
+                  <a:lumMod val="80000"/>
+                  <a:lumOff val="20000"/>
+                </a:schemeClr>
+              </a:solidFill>
+              <a:round/>
+            </a:ln>
+            <a:effectLst/>
+          </c:spPr>
+          <c:marker>
+            <c:symbol val="none"/>
+          </c:marker>
+          <c:cat>
+            <c:strRef>
+              <c:f>'Listening Info'!$B$33:$G$33</c:f>
+              <c:strCache>
+                <c:ptCount val="6"/>
+                <c:pt idx="0">
+                  <c:v>scan 1</c:v>
+                </c:pt>
+                <c:pt idx="1">
+                  <c:v>1</c:v>
+                </c:pt>
+                <c:pt idx="2">
+                  <c:v>2</c:v>
+                </c:pt>
+                <c:pt idx="3">
+                  <c:v>3</c:v>
+                </c:pt>
+                <c:pt idx="4">
+                  <c:v>4</c:v>
+                </c:pt>
+                <c:pt idx="5">
+                  <c:v>scan 2</c:v>
+                </c:pt>
+              </c:strCache>
+            </c:strRef>
+          </c:cat>
+          <c:val>
+            <c:numRef>
+              <c:f>'Listening Info'!$B$32:$G$32</c:f>
+              <c:numCache>
+                <c:formatCode>General</c:formatCode>
+                <c:ptCount val="6"/>
+                <c:pt idx="0">
+                  <c:v>19.047599999999999</c:v>
+                </c:pt>
+                <c:pt idx="1">
+                  <c:v>70</c:v>
+                </c:pt>
+                <c:pt idx="2">
+                  <c:v>70</c:v>
+                </c:pt>
+                <c:pt idx="3">
+                  <c:v>60</c:v>
+                </c:pt>
+                <c:pt idx="4">
+                  <c:v>100</c:v>
+                </c:pt>
+                <c:pt idx="5">
+                  <c:v>76.1905</c:v>
                 </c:pt>
               </c:numCache>
             </c:numRef>
@@ -487,112 +1316,138 @@
           <c:showBubbleSize val="0"/>
         </c:dLbls>
         <c:smooth val="0"/>
-        <c:axId val="448417944"/>
-        <c:axId val="448418336"/>
+        <c:axId val="238992880"/>
+        <c:axId val="238993272"/>
       </c:lineChart>
       <c:catAx>
-        <c:axId val="448417944"/>
+        <c:axId val="238992880"/>
         <c:scaling>
           <c:orientation val="minMax"/>
         </c:scaling>
         <c:delete val="0"/>
         <c:axPos val="b"/>
-        <c:title>
-          <c:tx>
-            <c:rich>
-              <a:bodyPr/>
-              <a:lstStyle/>
-              <a:p>
-                <a:pPr>
-                  <a:defRPr sz="1400" b="0" i="0"/>
-                </a:pPr>
-                <a:r>
-                  <a:rPr lang="en-US" sz="1400" b="0" i="0" dirty="0"/>
-                  <a:t>Lab Session</a:t>
-                </a:r>
-              </a:p>
-            </c:rich>
-          </c:tx>
-          <c:layout>
-            <c:manualLayout>
-              <c:xMode val="edge"/>
-              <c:yMode val="edge"/>
-              <c:x val="0.411930312280404"/>
-              <c:y val="0.91458254369377801"/>
-            </c:manualLayout>
-          </c:layout>
-          <c:overlay val="0"/>
-        </c:title>
-        <c:majorTickMark val="out"/>
+        <c:numFmt formatCode="General" sourceLinked="1"/>
+        <c:majorTickMark val="none"/>
         <c:minorTickMark val="none"/>
         <c:tickLblPos val="nextTo"/>
-        <c:crossAx val="448418336"/>
+        <c:spPr>
+          <a:noFill/>
+          <a:ln w="9525" cap="flat" cmpd="sng" algn="ctr">
+            <a:solidFill>
+              <a:schemeClr val="tx1">
+                <a:lumMod val="15000"/>
+                <a:lumOff val="85000"/>
+              </a:schemeClr>
+            </a:solidFill>
+            <a:round/>
+          </a:ln>
+          <a:effectLst/>
+        </c:spPr>
+        <c:txPr>
+          <a:bodyPr rot="-60000000" spcFirstLastPara="1" vertOverflow="ellipsis" vert="horz" wrap="square" anchor="ctr" anchorCtr="1"/>
+          <a:lstStyle/>
+          <a:p>
+            <a:pPr>
+              <a:defRPr sz="1400" b="0" i="0" u="none" strike="noStrike" kern="1200" baseline="0">
+                <a:solidFill>
+                  <a:schemeClr val="tx1">
+                    <a:lumMod val="65000"/>
+                    <a:lumOff val="35000"/>
+                  </a:schemeClr>
+                </a:solidFill>
+                <a:latin typeface="+mn-lt"/>
+                <a:ea typeface="+mn-ea"/>
+                <a:cs typeface="+mn-cs"/>
+              </a:defRPr>
+            </a:pPr>
+            <a:endParaRPr lang="en-US"/>
+          </a:p>
+        </c:txPr>
+        <c:crossAx val="238993272"/>
         <c:crosses val="autoZero"/>
-        <c:auto val="0"/>
+        <c:auto val="1"/>
         <c:lblAlgn val="ctr"/>
         <c:lblOffset val="100"/>
         <c:noMultiLvlLbl val="0"/>
       </c:catAx>
       <c:valAx>
-        <c:axId val="448418336"/>
+        <c:axId val="238993272"/>
         <c:scaling>
           <c:orientation val="minMax"/>
           <c:max val="100"/>
         </c:scaling>
         <c:delete val="0"/>
         <c:axPos val="l"/>
-        <c:title>
-          <c:tx>
-            <c:rich>
-              <a:bodyPr rot="-5400000" vert="horz"/>
-              <a:lstStyle/>
-              <a:p>
-                <a:pPr>
-                  <a:defRPr/>
-                </a:pPr>
-                <a:r>
-                  <a:rPr lang="en-US"/>
-                  <a:t>Lyric Modification Task Score</a:t>
-                </a:r>
-              </a:p>
-            </c:rich>
-          </c:tx>
-          <c:layout/>
-          <c:overlay val="0"/>
-        </c:title>
         <c:numFmt formatCode="General" sourceLinked="1"/>
-        <c:majorTickMark val="out"/>
+        <c:majorTickMark val="in"/>
         <c:minorTickMark val="none"/>
         <c:tickLblPos val="nextTo"/>
-        <c:crossAx val="448417944"/>
+        <c:spPr>
+          <a:noFill/>
+          <a:ln>
+            <a:solidFill>
+              <a:schemeClr val="accent1"/>
+            </a:solidFill>
+          </a:ln>
+          <a:effectLst/>
+        </c:spPr>
+        <c:txPr>
+          <a:bodyPr rot="-60000000" spcFirstLastPara="1" vertOverflow="ellipsis" vert="horz" wrap="square" anchor="ctr" anchorCtr="1"/>
+          <a:lstStyle/>
+          <a:p>
+            <a:pPr>
+              <a:defRPr sz="1400" b="0" i="0" u="none" strike="noStrike" kern="1200" baseline="0">
+                <a:solidFill>
+                  <a:schemeClr val="tx1">
+                    <a:lumMod val="65000"/>
+                    <a:lumOff val="35000"/>
+                  </a:schemeClr>
+                </a:solidFill>
+                <a:latin typeface="+mn-lt"/>
+                <a:ea typeface="+mn-ea"/>
+                <a:cs typeface="+mn-cs"/>
+              </a:defRPr>
+            </a:pPr>
+            <a:endParaRPr lang="en-US"/>
+          </a:p>
+        </c:txPr>
+        <c:crossAx val="238992880"/>
         <c:crosses val="autoZero"/>
         <c:crossBetween val="between"/>
         <c:majorUnit val="20"/>
       </c:valAx>
+      <c:spPr>
+        <a:noFill/>
+        <a:ln>
+          <a:noFill/>
+        </a:ln>
+        <a:effectLst/>
+      </c:spPr>
     </c:plotArea>
-    <c:legend>
-      <c:legendPos val="r"/>
-      <c:layout/>
-      <c:overlay val="0"/>
-    </c:legend>
     <c:plotVisOnly val="1"/>
     <c:dispBlanksAs val="gap"/>
     <c:showDLblsOverMax val="0"/>
   </c:chart>
+  <c:spPr>
+    <a:noFill/>
+    <a:ln>
+      <a:noFill/>
+    </a:ln>
+    <a:effectLst/>
+  </c:spPr>
   <c:txPr>
     <a:bodyPr/>
     <a:lstStyle/>
     <a:p>
       <a:pPr>
-        <a:defRPr sz="1800"/>
+        <a:defRPr/>
       </a:pPr>
       <a:endParaRPr lang="en-US"/>
     </a:p>
   </c:txPr>
-  <c:externalData r:id="rId1">
+  <c:externalData r:id="rId3">
     <c:autoUpdate val="0"/>
   </c:externalData>
-  <c:userShapes r:id="rId2"/>
 </c:chartSpace>
 </file>
 
@@ -612,17 +1467,7 @@
   <c:chart>
     <c:autoTitleDeleted val="1"/>
     <c:plotArea>
-      <c:layout>
-        <c:manualLayout>
-          <c:layoutTarget val="inner"/>
-          <c:xMode val="edge"/>
-          <c:yMode val="edge"/>
-          <c:x val="0.152297422484132"/>
-          <c:y val="0.19134618642797299"/>
-          <c:w val="0.773619335273664"/>
-          <c:h val="0.57213910362895604"/>
-        </c:manualLayout>
-      </c:layout>
+      <c:layout/>
       <c:scatterChart>
         <c:scatterStyle val="lineMarker"/>
         <c:varyColors val="0"/>
@@ -630,7 +1475,7 @@
           <c:idx val="0"/>
           <c:order val="0"/>
           <c:spPr>
-            <a:ln w="25400" cap="rnd">
+            <a:ln w="19050" cap="rnd">
               <a:noFill/>
               <a:round/>
             </a:ln>
@@ -653,10 +1498,10 @@
           </c:marker>
           <c:xVal>
             <c:numRef>
-              <c:f>'Listening Info'!$P$3:$P$9</c:f>
+              <c:f>'Listening Info'!$M$3:$M$16</c:f>
               <c:numCache>
                 <c:formatCode>General</c:formatCode>
-                <c:ptCount val="7"/>
+                <c:ptCount val="14"/>
                 <c:pt idx="0">
                   <c:v>12.125</c:v>
                 </c:pt>
@@ -677,16 +1522,37 @@
                 </c:pt>
                 <c:pt idx="6">
                   <c:v>7.25</c:v>
+                </c:pt>
+                <c:pt idx="7">
+                  <c:v>9.875</c:v>
+                </c:pt>
+                <c:pt idx="8">
+                  <c:v>10.5</c:v>
+                </c:pt>
+                <c:pt idx="9">
+                  <c:v>14.25</c:v>
+                </c:pt>
+                <c:pt idx="10">
+                  <c:v>9.75</c:v>
+                </c:pt>
+                <c:pt idx="11">
+                  <c:v>8.5</c:v>
+                </c:pt>
+                <c:pt idx="12">
+                  <c:v>17.125</c:v>
+                </c:pt>
+                <c:pt idx="13">
+                  <c:v>12.625</c:v>
                 </c:pt>
               </c:numCache>
             </c:numRef>
           </c:xVal>
           <c:yVal>
             <c:numRef>
-              <c:f>'Listening Info'!$J$3:$J$9</c:f>
+              <c:f>'Listening Info'!$H$3:$H$16</c:f>
               <c:numCache>
                 <c:formatCode>General</c:formatCode>
-                <c:ptCount val="7"/>
+                <c:ptCount val="14"/>
                 <c:pt idx="0">
                   <c:v>66.667000000000002</c:v>
                 </c:pt>
@@ -707,6 +1573,27 @@
                 </c:pt>
                 <c:pt idx="6">
                   <c:v>80.952399999999997</c:v>
+                </c:pt>
+                <c:pt idx="7">
+                  <c:v>86.29</c:v>
+                </c:pt>
+                <c:pt idx="8">
+                  <c:v>100</c:v>
+                </c:pt>
+                <c:pt idx="9">
+                  <c:v>90.746200000000002</c:v>
+                </c:pt>
+                <c:pt idx="10">
+                  <c:v>75.862099999999998</c:v>
+                </c:pt>
+                <c:pt idx="11">
+                  <c:v>80.952399999999997</c:v>
+                </c:pt>
+                <c:pt idx="12">
+                  <c:v>79.310299999999998</c:v>
+                </c:pt>
+                <c:pt idx="13">
+                  <c:v>76.1905</c:v>
                 </c:pt>
               </c:numCache>
             </c:numRef>
@@ -721,15 +1608,13 @@
           <c:showPercent val="0"/>
           <c:showBubbleSize val="0"/>
         </c:dLbls>
-        <c:axId val="448419120"/>
-        <c:axId val="448419512"/>
+        <c:axId val="323152184"/>
+        <c:axId val="323151792"/>
       </c:scatterChart>
       <c:valAx>
-        <c:axId val="448419120"/>
+        <c:axId val="323152184"/>
         <c:scaling>
           <c:orientation val="minMax"/>
-          <c:max val="25"/>
-          <c:min val="0"/>
         </c:scaling>
         <c:delete val="0"/>
         <c:axPos val="b"/>
@@ -740,9 +1625,12 @@
               <a:lstStyle/>
               <a:p>
                 <a:pPr>
-                  <a:defRPr sz="1400" b="0" i="0" u="none" strike="noStrike" kern="1200" baseline="0">
+                  <a:defRPr sz="1200" b="0" i="0" u="none" strike="noStrike" kern="1200" baseline="0">
                     <a:solidFill>
-                      <a:schemeClr val="tx1"/>
+                      <a:schemeClr val="tx1">
+                        <a:lumMod val="65000"/>
+                        <a:lumOff val="35000"/>
+                      </a:schemeClr>
                     </a:solidFill>
                     <a:latin typeface="+mn-lt"/>
                     <a:ea typeface="+mn-ea"/>
@@ -750,26 +1638,14 @@
                   </a:defRPr>
                 </a:pPr>
                 <a:r>
-                  <a:rPr lang="en-US" sz="1400">
-                    <a:solidFill>
-                      <a:schemeClr val="tx1"/>
-                    </a:solidFill>
-                  </a:rPr>
+                  <a:rPr lang="en-CA" sz="1200"/>
                   <a:t>Average</a:t>
                 </a:r>
                 <a:r>
-                  <a:rPr lang="en-US" sz="1400" baseline="0">
-                    <a:solidFill>
-                      <a:schemeClr val="tx1"/>
-                    </a:solidFill>
-                  </a:rPr>
-                  <a:t> number of listens</a:t>
+                  <a:rPr lang="en-CA" sz="1200" baseline="0"/>
+                  <a:t> Number of Listens</a:t>
                 </a:r>
-                <a:endParaRPr lang="en-US" sz="1400">
-                  <a:solidFill>
-                    <a:schemeClr val="tx1"/>
-                  </a:solidFill>
-                </a:endParaRPr>
+                <a:endParaRPr lang="en-CA" sz="1200"/>
               </a:p>
             </c:rich>
           </c:tx>
@@ -782,6 +1658,26 @@
             </a:ln>
             <a:effectLst/>
           </c:spPr>
+          <c:txPr>
+            <a:bodyPr rot="0" spcFirstLastPara="1" vertOverflow="ellipsis" vert="horz" wrap="square" anchor="ctr" anchorCtr="1"/>
+            <a:lstStyle/>
+            <a:p>
+              <a:pPr>
+                <a:defRPr sz="1200" b="0" i="0" u="none" strike="noStrike" kern="1200" baseline="0">
+                  <a:solidFill>
+                    <a:schemeClr val="tx1">
+                      <a:lumMod val="65000"/>
+                      <a:lumOff val="35000"/>
+                    </a:schemeClr>
+                  </a:solidFill>
+                  <a:latin typeface="+mn-lt"/>
+                  <a:ea typeface="+mn-ea"/>
+                  <a:cs typeface="+mn-cs"/>
+                </a:defRPr>
+              </a:pPr>
+              <a:endParaRPr lang="en-US"/>
+            </a:p>
+          </c:txPr>
         </c:title>
         <c:numFmt formatCode="General" sourceLinked="1"/>
         <c:majorTickMark val="none"/>
@@ -805,9 +1701,12 @@
           <a:lstStyle/>
           <a:p>
             <a:pPr>
-              <a:defRPr sz="1400" b="0" i="0" u="none" strike="noStrike" kern="1200" baseline="0">
+              <a:defRPr sz="900" b="0" i="0" u="none" strike="noStrike" kern="1200" baseline="0">
                 <a:solidFill>
-                  <a:schemeClr val="tx1"/>
+                  <a:schemeClr val="tx1">
+                    <a:lumMod val="65000"/>
+                    <a:lumOff val="35000"/>
+                  </a:schemeClr>
                 </a:solidFill>
                 <a:latin typeface="+mn-lt"/>
                 <a:ea typeface="+mn-ea"/>
@@ -817,17 +1716,14 @@
             <a:endParaRPr lang="en-US"/>
           </a:p>
         </c:txPr>
-        <c:crossAx val="448419512"/>
+        <c:crossAx val="323151792"/>
         <c:crosses val="autoZero"/>
         <c:crossBetween val="midCat"/>
-        <c:majorUnit val="5"/>
-        <c:minorUnit val="1"/>
       </c:valAx>
       <c:valAx>
-        <c:axId val="448419512"/>
+        <c:axId val="323151792"/>
         <c:scaling>
           <c:orientation val="minMax"/>
-          <c:max val="100"/>
           <c:min val="50"/>
         </c:scaling>
         <c:delete val="0"/>
@@ -839,9 +1735,12 @@
               <a:lstStyle/>
               <a:p>
                 <a:pPr>
-                  <a:defRPr sz="1400" b="0" i="0" u="none" strike="noStrike" kern="1200" baseline="0">
+                  <a:defRPr sz="1200" b="0" i="0" u="none" strike="noStrike" kern="1200" baseline="0">
                     <a:solidFill>
-                      <a:schemeClr val="tx1"/>
+                      <a:schemeClr val="tx1">
+                        <a:lumMod val="65000"/>
+                        <a:lumOff val="35000"/>
+                      </a:schemeClr>
                     </a:solidFill>
                     <a:latin typeface="+mn-lt"/>
                     <a:ea typeface="+mn-ea"/>
@@ -849,26 +1748,14 @@
                   </a:defRPr>
                 </a:pPr>
                 <a:r>
-                  <a:rPr lang="en-US" sz="1400">
-                    <a:solidFill>
-                      <a:schemeClr val="tx1"/>
-                    </a:solidFill>
-                  </a:rPr>
-                  <a:t>Lyric modification</a:t>
+                  <a:rPr lang="en-CA" sz="1200"/>
+                  <a:t>Final Lyric Modification</a:t>
                 </a:r>
                 <a:r>
-                  <a:rPr lang="en-US" sz="1400" baseline="0">
-                    <a:solidFill>
-                      <a:schemeClr val="tx1"/>
-                    </a:solidFill>
-                  </a:rPr>
-                  <a:t> score</a:t>
+                  <a:rPr lang="en-CA" sz="1200" baseline="0"/>
+                  <a:t> Score</a:t>
                 </a:r>
-                <a:endParaRPr lang="en-US" sz="1400">
-                  <a:solidFill>
-                    <a:schemeClr val="tx1"/>
-                  </a:solidFill>
-                </a:endParaRPr>
+                <a:endParaRPr lang="en-CA" sz="1200"/>
               </a:p>
             </c:rich>
           </c:tx>
@@ -881,8 +1768,28 @@
             </a:ln>
             <a:effectLst/>
           </c:spPr>
+          <c:txPr>
+            <a:bodyPr rot="-5400000" spcFirstLastPara="1" vertOverflow="ellipsis" vert="horz" wrap="square" anchor="ctr" anchorCtr="1"/>
+            <a:lstStyle/>
+            <a:p>
+              <a:pPr>
+                <a:defRPr sz="1200" b="0" i="0" u="none" strike="noStrike" kern="1200" baseline="0">
+                  <a:solidFill>
+                    <a:schemeClr val="tx1">
+                      <a:lumMod val="65000"/>
+                      <a:lumOff val="35000"/>
+                    </a:schemeClr>
+                  </a:solidFill>
+                  <a:latin typeface="+mn-lt"/>
+                  <a:ea typeface="+mn-ea"/>
+                  <a:cs typeface="+mn-cs"/>
+                </a:defRPr>
+              </a:pPr>
+              <a:endParaRPr lang="en-US"/>
+            </a:p>
+          </c:txPr>
         </c:title>
-        <c:numFmt formatCode="General" sourceLinked="0"/>
+        <c:numFmt formatCode="General" sourceLinked="1"/>
         <c:majorTickMark val="none"/>
         <c:minorTickMark val="none"/>
         <c:tickLblPos val="nextTo"/>
@@ -904,9 +1811,12 @@
           <a:lstStyle/>
           <a:p>
             <a:pPr>
-              <a:defRPr sz="1400" b="0" i="0" u="none" strike="noStrike" kern="1200" baseline="0">
+              <a:defRPr sz="900" b="0" i="0" u="none" strike="noStrike" kern="1200" baseline="0">
                 <a:solidFill>
-                  <a:schemeClr val="tx1"/>
+                  <a:schemeClr val="tx1">
+                    <a:lumMod val="65000"/>
+                    <a:lumOff val="35000"/>
+                  </a:schemeClr>
                 </a:solidFill>
                 <a:latin typeface="+mn-lt"/>
                 <a:ea typeface="+mn-ea"/>
@@ -916,10 +1826,9 @@
             <a:endParaRPr lang="en-US"/>
           </a:p>
         </c:txPr>
-        <c:crossAx val="448419120"/>
+        <c:crossAx val="323152184"/>
         <c:crosses val="autoZero"/>
         <c:crossBetween val="midCat"/>
-        <c:majorUnit val="10"/>
       </c:valAx>
       <c:spPr>
         <a:noFill/>
@@ -934,17 +1843,9 @@
     <c:showDLblsOverMax val="0"/>
   </c:chart>
   <c:spPr>
-    <a:solidFill>
-      <a:schemeClr val="bg1"/>
-    </a:solidFill>
-    <a:ln w="9525" cap="flat" cmpd="sng" algn="ctr">
-      <a:solidFill>
-        <a:schemeClr val="tx1">
-          <a:lumMod val="15000"/>
-          <a:lumOff val="85000"/>
-        </a:schemeClr>
-      </a:solidFill>
-      <a:round/>
+    <a:noFill/>
+    <a:ln>
+      <a:noFill/>
     </a:ln>
     <a:effectLst/>
   </c:spPr>
@@ -958,7 +1859,7 @@
       <a:endParaRPr lang="en-US"/>
     </a:p>
   </c:txPr>
-  <c:externalData r:id="rId1">
+  <c:externalData r:id="rId3">
     <c:autoUpdate val="0"/>
   </c:externalData>
 </c:chartSpace>
@@ -988,7 +1889,7 @@
           <c:idx val="0"/>
           <c:order val="0"/>
           <c:spPr>
-            <a:ln w="31750" cap="rnd">
+            <a:ln w="19050" cap="rnd">
               <a:noFill/>
               <a:round/>
             </a:ln>
@@ -1011,10 +1912,10 @@
           </c:marker>
           <c:xVal>
             <c:numRef>
-              <c:f>'Listening Info'!$P$3:$P$9</c:f>
+              <c:f>'Listening Info'!$M$3:$M$16</c:f>
               <c:numCache>
                 <c:formatCode>General</c:formatCode>
-                <c:ptCount val="7"/>
+                <c:ptCount val="14"/>
                 <c:pt idx="0">
                   <c:v>12.125</c:v>
                 </c:pt>
@@ -1035,21 +1936,42 @@
                 </c:pt>
                 <c:pt idx="6">
                   <c:v>7.25</c:v>
+                </c:pt>
+                <c:pt idx="7">
+                  <c:v>9.875</c:v>
+                </c:pt>
+                <c:pt idx="8">
+                  <c:v>10.5</c:v>
+                </c:pt>
+                <c:pt idx="9">
+                  <c:v>14.25</c:v>
+                </c:pt>
+                <c:pt idx="10">
+                  <c:v>9.75</c:v>
+                </c:pt>
+                <c:pt idx="11">
+                  <c:v>8.5</c:v>
+                </c:pt>
+                <c:pt idx="12">
+                  <c:v>17.125</c:v>
+                </c:pt>
+                <c:pt idx="13">
+                  <c:v>12.625</c:v>
                 </c:pt>
               </c:numCache>
             </c:numRef>
           </c:xVal>
           <c:yVal>
             <c:numRef>
-              <c:f>'Listening Info'!$N$3:$N$9</c:f>
+              <c:f>'Listening Info'!$K$3:$K$16</c:f>
               <c:numCache>
                 <c:formatCode>General</c:formatCode>
-                <c:ptCount val="7"/>
+                <c:ptCount val="14"/>
                 <c:pt idx="0">
                   <c:v>91.304299999999998</c:v>
                 </c:pt>
                 <c:pt idx="1">
-                  <c:v>95.652199999999979</c:v>
+                  <c:v>95.652199999999993</c:v>
                 </c:pt>
                 <c:pt idx="2">
                   <c:v>100</c:v>
@@ -1064,7 +1986,28 @@
                   <c:v>86.959599999999995</c:v>
                 </c:pt>
                 <c:pt idx="6">
-                  <c:v>82.608699999999985</c:v>
+                  <c:v>82.608699999999999</c:v>
+                </c:pt>
+                <c:pt idx="7">
+                  <c:v>82.608699999999999</c:v>
+                </c:pt>
+                <c:pt idx="8">
+                  <c:v>95.652199999999993</c:v>
+                </c:pt>
+                <c:pt idx="9">
+                  <c:v>100</c:v>
+                </c:pt>
+                <c:pt idx="10">
+                  <c:v>86.956500000000005</c:v>
+                </c:pt>
+                <c:pt idx="11">
+                  <c:v>100</c:v>
+                </c:pt>
+                <c:pt idx="12">
+                  <c:v>95.652199999999993</c:v>
+                </c:pt>
+                <c:pt idx="13">
+                  <c:v>95.652199999999993</c:v>
                 </c:pt>
               </c:numCache>
             </c:numRef>
@@ -1079,11 +2022,11 @@
           <c:showPercent val="0"/>
           <c:showBubbleSize val="0"/>
         </c:dLbls>
-        <c:axId val="448420296"/>
-        <c:axId val="448420688"/>
+        <c:axId val="323151400"/>
+        <c:axId val="361363552"/>
       </c:scatterChart>
       <c:valAx>
-        <c:axId val="448420296"/>
+        <c:axId val="323151400"/>
         <c:scaling>
           <c:orientation val="minMax"/>
         </c:scaling>
@@ -1096,9 +2039,12 @@
               <a:lstStyle/>
               <a:p>
                 <a:pPr>
-                  <a:defRPr sz="1400" b="0" i="0" u="none" strike="noStrike" kern="1200" baseline="0">
+                  <a:defRPr sz="1200" b="0" i="0" u="none" strike="noStrike" kern="1200" baseline="0">
                     <a:solidFill>
-                      <a:schemeClr val="tx1"/>
+                      <a:schemeClr val="tx1">
+                        <a:lumMod val="65000"/>
+                        <a:lumOff val="35000"/>
+                      </a:schemeClr>
                     </a:solidFill>
                     <a:latin typeface="+mn-lt"/>
                     <a:ea typeface="+mn-ea"/>
@@ -1106,26 +2052,14 @@
                   </a:defRPr>
                 </a:pPr>
                 <a:r>
-                  <a:rPr lang="en-US" sz="1400">
-                    <a:solidFill>
-                      <a:schemeClr val="tx1"/>
-                    </a:solidFill>
-                  </a:rPr>
+                  <a:rPr lang="en-CA" sz="1200"/>
                   <a:t>Average</a:t>
                 </a:r>
                 <a:r>
-                  <a:rPr lang="en-US" sz="1400" baseline="0">
-                    <a:solidFill>
-                      <a:schemeClr val="tx1"/>
-                    </a:solidFill>
-                  </a:rPr>
-                  <a:t> number of listens</a:t>
+                  <a:rPr lang="en-CA" sz="1200" baseline="0"/>
+                  <a:t> Number of Listens</a:t>
                 </a:r>
-                <a:endParaRPr lang="en-US" sz="1400">
-                  <a:solidFill>
-                    <a:schemeClr val="tx1"/>
-                  </a:solidFill>
-                </a:endParaRPr>
+                <a:endParaRPr lang="en-CA" sz="1200"/>
               </a:p>
             </c:rich>
           </c:tx>
@@ -1138,6 +2072,26 @@
             </a:ln>
             <a:effectLst/>
           </c:spPr>
+          <c:txPr>
+            <a:bodyPr rot="0" spcFirstLastPara="1" vertOverflow="ellipsis" vert="horz" wrap="square" anchor="ctr" anchorCtr="1"/>
+            <a:lstStyle/>
+            <a:p>
+              <a:pPr>
+                <a:defRPr sz="1200" b="0" i="0" u="none" strike="noStrike" kern="1200" baseline="0">
+                  <a:solidFill>
+                    <a:schemeClr val="tx1">
+                      <a:lumMod val="65000"/>
+                      <a:lumOff val="35000"/>
+                    </a:schemeClr>
+                  </a:solidFill>
+                  <a:latin typeface="+mn-lt"/>
+                  <a:ea typeface="+mn-ea"/>
+                  <a:cs typeface="+mn-cs"/>
+                </a:defRPr>
+              </a:pPr>
+              <a:endParaRPr lang="en-US"/>
+            </a:p>
+          </c:txPr>
         </c:title>
         <c:numFmt formatCode="General" sourceLinked="1"/>
         <c:majorTickMark val="none"/>
@@ -1161,9 +2115,12 @@
           <a:lstStyle/>
           <a:p>
             <a:pPr>
-              <a:defRPr sz="1400" b="0" i="0" u="none" strike="noStrike" kern="1200" baseline="0">
+              <a:defRPr sz="900" b="0" i="0" u="none" strike="noStrike" kern="1200" baseline="0">
                 <a:solidFill>
-                  <a:schemeClr val="tx1"/>
+                  <a:schemeClr val="tx1">
+                    <a:lumMod val="65000"/>
+                    <a:lumOff val="35000"/>
+                  </a:schemeClr>
                 </a:solidFill>
                 <a:latin typeface="+mn-lt"/>
                 <a:ea typeface="+mn-ea"/>
@@ -1173,15 +2130,14 @@
             <a:endParaRPr lang="en-US"/>
           </a:p>
         </c:txPr>
-        <c:crossAx val="448420688"/>
+        <c:crossAx val="361363552"/>
         <c:crosses val="autoZero"/>
         <c:crossBetween val="midCat"/>
       </c:valAx>
       <c:valAx>
-        <c:axId val="448420688"/>
+        <c:axId val="361363552"/>
         <c:scaling>
           <c:orientation val="minMax"/>
-          <c:max val="100"/>
           <c:min val="50"/>
         </c:scaling>
         <c:delete val="0"/>
@@ -1193,9 +2149,12 @@
               <a:lstStyle/>
               <a:p>
                 <a:pPr>
-                  <a:defRPr sz="1400" b="0" i="0" u="none" strike="noStrike" kern="1200" baseline="0">
+                  <a:defRPr sz="1200" b="0" i="0" u="none" strike="noStrike" kern="1200" baseline="0">
                     <a:solidFill>
-                      <a:schemeClr val="tx1"/>
+                      <a:schemeClr val="tx1">
+                        <a:lumMod val="65000"/>
+                        <a:lumOff val="35000"/>
+                      </a:schemeClr>
                     </a:solidFill>
                     <a:latin typeface="+mn-lt"/>
                     <a:ea typeface="+mn-ea"/>
@@ -1203,12 +2162,8 @@
                   </a:defRPr>
                 </a:pPr>
                 <a:r>
-                  <a:rPr lang="en-US" sz="1400">
-                    <a:solidFill>
-                      <a:schemeClr val="tx1"/>
-                    </a:solidFill>
-                  </a:rPr>
-                  <a:t>Melody  memory score</a:t>
+                  <a:rPr lang="en-CA" sz="1200"/>
+                  <a:t>Melody Memory Score</a:t>
                 </a:r>
               </a:p>
             </c:rich>
@@ -1222,8 +2177,28 @@
             </a:ln>
             <a:effectLst/>
           </c:spPr>
+          <c:txPr>
+            <a:bodyPr rot="-5400000" spcFirstLastPara="1" vertOverflow="ellipsis" vert="horz" wrap="square" anchor="ctr" anchorCtr="1"/>
+            <a:lstStyle/>
+            <a:p>
+              <a:pPr>
+                <a:defRPr sz="1200" b="0" i="0" u="none" strike="noStrike" kern="1200" baseline="0">
+                  <a:solidFill>
+                    <a:schemeClr val="tx1">
+                      <a:lumMod val="65000"/>
+                      <a:lumOff val="35000"/>
+                    </a:schemeClr>
+                  </a:solidFill>
+                  <a:latin typeface="+mn-lt"/>
+                  <a:ea typeface="+mn-ea"/>
+                  <a:cs typeface="+mn-cs"/>
+                </a:defRPr>
+              </a:pPr>
+              <a:endParaRPr lang="en-US"/>
+            </a:p>
+          </c:txPr>
         </c:title>
-        <c:numFmt formatCode="General" sourceLinked="0"/>
+        <c:numFmt formatCode="General" sourceLinked="1"/>
         <c:majorTickMark val="none"/>
         <c:minorTickMark val="none"/>
         <c:tickLblPos val="nextTo"/>
@@ -1245,9 +2220,12 @@
           <a:lstStyle/>
           <a:p>
             <a:pPr>
-              <a:defRPr sz="1400" b="0" i="0" u="none" strike="noStrike" kern="1200" baseline="0">
+              <a:defRPr sz="900" b="0" i="0" u="none" strike="noStrike" kern="1200" baseline="0">
                 <a:solidFill>
-                  <a:schemeClr val="tx1"/>
+                  <a:schemeClr val="tx1">
+                    <a:lumMod val="65000"/>
+                    <a:lumOff val="35000"/>
+                  </a:schemeClr>
                 </a:solidFill>
                 <a:latin typeface="+mn-lt"/>
                 <a:ea typeface="+mn-ea"/>
@@ -1257,13 +2235,13 @@
             <a:endParaRPr lang="en-US"/>
           </a:p>
         </c:txPr>
-        <c:crossAx val="448420296"/>
+        <c:crossAx val="323151400"/>
         <c:crosses val="autoZero"/>
         <c:crossBetween val="midCat"/>
       </c:valAx>
       <c:spPr>
         <a:noFill/>
-        <a:ln>
+        <a:ln w="25400">
           <a:noFill/>
         </a:ln>
         <a:effectLst/>
@@ -1274,17 +2252,9 @@
     <c:showDLblsOverMax val="0"/>
   </c:chart>
   <c:spPr>
-    <a:solidFill>
-      <a:schemeClr val="bg1"/>
-    </a:solidFill>
-    <a:ln w="9525" cap="flat" cmpd="sng" algn="ctr">
-      <a:solidFill>
-        <a:schemeClr val="tx1">
-          <a:lumMod val="15000"/>
-          <a:lumOff val="85000"/>
-        </a:schemeClr>
-      </a:solidFill>
-      <a:round/>
+    <a:noFill/>
+    <a:ln>
+      <a:noFill/>
     </a:ln>
     <a:effectLst/>
   </c:spPr>
@@ -1298,68 +2268,1678 @@
       <a:endParaRPr lang="en-US"/>
     </a:p>
   </c:txPr>
-  <c:externalData r:id="rId1">
+  <c:externalData r:id="rId3">
     <c:autoUpdate val="0"/>
   </c:externalData>
 </c:chartSpace>
 </file>
 
-<file path=ppt/drawings/drawing1.xml><?xml version="1.0" encoding="utf-8"?>
-<c:userShapes xmlns:c="http://schemas.openxmlformats.org/drawingml/2006/chart">
-  <cdr:relSizeAnchor xmlns:cdr="http://schemas.openxmlformats.org/drawingml/2006/chartDrawing">
-    <cdr:from>
-      <cdr:x>0.09251</cdr:x>
-      <cdr:y>0.84187</cdr:y>
-    </cdr:from>
-    <cdr:to>
-      <cdr:x>0.88935</cdr:x>
-      <cdr:y>0.90907</cdr:y>
-    </cdr:to>
-    <cdr:sp macro="" textlink="">
-      <cdr:nvSpPr>
-        <cdr:cNvPr id="2" name="Rectangle 1"/>
-        <cdr:cNvSpPr/>
-      </cdr:nvSpPr>
-      <cdr:spPr>
-        <a:xfrm xmlns:a="http://schemas.openxmlformats.org/drawingml/2006/main">
-          <a:off x="660233" y="3604884"/>
-          <a:ext cx="5686778" cy="287763"/>
-        </a:xfrm>
-        <a:prstGeom xmlns:a="http://schemas.openxmlformats.org/drawingml/2006/main" prst="rect">
-          <a:avLst/>
-        </a:prstGeom>
-        <a:solidFill xmlns:a="http://schemas.openxmlformats.org/drawingml/2006/main">
-          <a:schemeClr val="bg1"/>
+<file path=ppt/charts/colors1.xml><?xml version="1.0" encoding="utf-8"?>
+<cs:colorStyle xmlns:cs="http://schemas.microsoft.com/office/drawing/2012/chartStyle" xmlns:a="http://schemas.openxmlformats.org/drawingml/2006/main" meth="cycle" id="10">
+  <a:schemeClr val="accent1"/>
+  <a:schemeClr val="accent2"/>
+  <a:schemeClr val="accent3"/>
+  <a:schemeClr val="accent4"/>
+  <a:schemeClr val="accent5"/>
+  <a:schemeClr val="accent6"/>
+  <cs:variation/>
+  <cs:variation>
+    <a:lumMod val="60000"/>
+  </cs:variation>
+  <cs:variation>
+    <a:lumMod val="80000"/>
+    <a:lumOff val="20000"/>
+  </cs:variation>
+  <cs:variation>
+    <a:lumMod val="80000"/>
+  </cs:variation>
+  <cs:variation>
+    <a:lumMod val="60000"/>
+    <a:lumOff val="40000"/>
+  </cs:variation>
+  <cs:variation>
+    <a:lumMod val="50000"/>
+  </cs:variation>
+  <cs:variation>
+    <a:lumMod val="70000"/>
+    <a:lumOff val="30000"/>
+  </cs:variation>
+  <cs:variation>
+    <a:lumMod val="70000"/>
+  </cs:variation>
+  <cs:variation>
+    <a:lumMod val="50000"/>
+    <a:lumOff val="50000"/>
+  </cs:variation>
+</cs:colorStyle>
+</file>
+
+<file path=ppt/charts/colors2.xml><?xml version="1.0" encoding="utf-8"?>
+<cs:colorStyle xmlns:cs="http://schemas.microsoft.com/office/drawing/2012/chartStyle" xmlns:a="http://schemas.openxmlformats.org/drawingml/2006/main" meth="cycle" id="10">
+  <a:schemeClr val="accent1"/>
+  <a:schemeClr val="accent2"/>
+  <a:schemeClr val="accent3"/>
+  <a:schemeClr val="accent4"/>
+  <a:schemeClr val="accent5"/>
+  <a:schemeClr val="accent6"/>
+  <cs:variation/>
+  <cs:variation>
+    <a:lumMod val="60000"/>
+  </cs:variation>
+  <cs:variation>
+    <a:lumMod val="80000"/>
+    <a:lumOff val="20000"/>
+  </cs:variation>
+  <cs:variation>
+    <a:lumMod val="80000"/>
+  </cs:variation>
+  <cs:variation>
+    <a:lumMod val="60000"/>
+    <a:lumOff val="40000"/>
+  </cs:variation>
+  <cs:variation>
+    <a:lumMod val="50000"/>
+  </cs:variation>
+  <cs:variation>
+    <a:lumMod val="70000"/>
+    <a:lumOff val="30000"/>
+  </cs:variation>
+  <cs:variation>
+    <a:lumMod val="70000"/>
+  </cs:variation>
+  <cs:variation>
+    <a:lumMod val="50000"/>
+    <a:lumOff val="50000"/>
+  </cs:variation>
+</cs:colorStyle>
+</file>
+
+<file path=ppt/charts/colors3.xml><?xml version="1.0" encoding="utf-8"?>
+<cs:colorStyle xmlns:cs="http://schemas.microsoft.com/office/drawing/2012/chartStyle" xmlns:a="http://schemas.openxmlformats.org/drawingml/2006/main" meth="cycle" id="10">
+  <a:schemeClr val="accent1"/>
+  <a:schemeClr val="accent2"/>
+  <a:schemeClr val="accent3"/>
+  <a:schemeClr val="accent4"/>
+  <a:schemeClr val="accent5"/>
+  <a:schemeClr val="accent6"/>
+  <cs:variation/>
+  <cs:variation>
+    <a:lumMod val="60000"/>
+  </cs:variation>
+  <cs:variation>
+    <a:lumMod val="80000"/>
+    <a:lumOff val="20000"/>
+  </cs:variation>
+  <cs:variation>
+    <a:lumMod val="80000"/>
+  </cs:variation>
+  <cs:variation>
+    <a:lumMod val="60000"/>
+    <a:lumOff val="40000"/>
+  </cs:variation>
+  <cs:variation>
+    <a:lumMod val="50000"/>
+  </cs:variation>
+  <cs:variation>
+    <a:lumMod val="70000"/>
+    <a:lumOff val="30000"/>
+  </cs:variation>
+  <cs:variation>
+    <a:lumMod val="70000"/>
+  </cs:variation>
+  <cs:variation>
+    <a:lumMod val="50000"/>
+    <a:lumOff val="50000"/>
+  </cs:variation>
+</cs:colorStyle>
+</file>
+
+<file path=ppt/charts/style1.xml><?xml version="1.0" encoding="utf-8"?>
+<cs:chartStyle xmlns:cs="http://schemas.microsoft.com/office/drawing/2012/chartStyle" xmlns:a="http://schemas.openxmlformats.org/drawingml/2006/main" id="227">
+  <cs:axisTitle>
+    <cs:lnRef idx="0"/>
+    <cs:fillRef idx="0"/>
+    <cs:effectRef idx="0"/>
+    <cs:fontRef idx="minor">
+      <a:schemeClr val="tx1">
+        <a:lumMod val="65000"/>
+        <a:lumOff val="35000"/>
+      </a:schemeClr>
+    </cs:fontRef>
+    <cs:defRPr sz="1000" kern="1200"/>
+  </cs:axisTitle>
+  <cs:categoryAxis>
+    <cs:lnRef idx="0"/>
+    <cs:fillRef idx="0"/>
+    <cs:effectRef idx="0"/>
+    <cs:fontRef idx="minor">
+      <a:schemeClr val="tx1">
+        <a:lumMod val="65000"/>
+        <a:lumOff val="35000"/>
+      </a:schemeClr>
+    </cs:fontRef>
+    <cs:spPr>
+      <a:ln w="9525" cap="flat" cmpd="sng" algn="ctr">
+        <a:solidFill>
+          <a:schemeClr val="tx1">
+            <a:lumMod val="15000"/>
+            <a:lumOff val="85000"/>
+          </a:schemeClr>
         </a:solidFill>
-        <a:ln xmlns:a="http://schemas.openxmlformats.org/drawingml/2006/main">
-          <a:noFill/>
-        </a:ln>
-        <a:effectLst xmlns:a="http://schemas.openxmlformats.org/drawingml/2006/main"/>
-      </cdr:spPr>
-      <cdr:style>
-        <a:lnRef xmlns:a="http://schemas.openxmlformats.org/drawingml/2006/main" idx="1">
-          <a:schemeClr val="accent1"/>
-        </a:lnRef>
-        <a:fillRef xmlns:a="http://schemas.openxmlformats.org/drawingml/2006/main" idx="3">
-          <a:schemeClr val="accent1"/>
-        </a:fillRef>
-        <a:effectRef xmlns:a="http://schemas.openxmlformats.org/drawingml/2006/main" idx="2">
-          <a:schemeClr val="accent1"/>
-        </a:effectRef>
-        <a:fontRef xmlns:a="http://schemas.openxmlformats.org/drawingml/2006/main" idx="minor">
-          <a:schemeClr val="lt1"/>
-        </a:fontRef>
-      </cdr:style>
-      <cdr:txBody>
-        <a:bodyPr xmlns:a="http://schemas.openxmlformats.org/drawingml/2006/main" vertOverflow="clip"/>
-        <a:lstStyle xmlns:a="http://schemas.openxmlformats.org/drawingml/2006/main"/>
-        <a:p xmlns:a="http://schemas.openxmlformats.org/drawingml/2006/main">
-          <a:endParaRPr lang="en-US" dirty="0"/>
-        </a:p>
-      </cdr:txBody>
-    </cdr:sp>
-  </cdr:relSizeAnchor>
-</c:userShapes>
+        <a:round/>
+      </a:ln>
+    </cs:spPr>
+    <cs:defRPr sz="900" kern="1200"/>
+  </cs:categoryAxis>
+  <cs:chartArea mods="allowNoFillOverride allowNoLineOverride">
+    <cs:lnRef idx="0"/>
+    <cs:fillRef idx="0"/>
+    <cs:effectRef idx="0"/>
+    <cs:fontRef idx="minor">
+      <a:schemeClr val="tx1"/>
+    </cs:fontRef>
+    <cs:spPr>
+      <a:solidFill>
+        <a:schemeClr val="bg1"/>
+      </a:solidFill>
+      <a:ln w="9525" cap="flat" cmpd="sng" algn="ctr">
+        <a:solidFill>
+          <a:schemeClr val="tx1">
+            <a:lumMod val="15000"/>
+            <a:lumOff val="85000"/>
+          </a:schemeClr>
+        </a:solidFill>
+        <a:round/>
+      </a:ln>
+    </cs:spPr>
+    <cs:defRPr sz="1000" kern="1200"/>
+  </cs:chartArea>
+  <cs:dataLabel>
+    <cs:lnRef idx="0"/>
+    <cs:fillRef idx="0"/>
+    <cs:effectRef idx="0"/>
+    <cs:fontRef idx="minor">
+      <a:schemeClr val="tx1">
+        <a:lumMod val="75000"/>
+        <a:lumOff val="25000"/>
+      </a:schemeClr>
+    </cs:fontRef>
+    <cs:defRPr sz="900" kern="1200"/>
+  </cs:dataLabel>
+  <cs:dataLabelCallout>
+    <cs:lnRef idx="0"/>
+    <cs:fillRef idx="0"/>
+    <cs:effectRef idx="0"/>
+    <cs:fontRef idx="minor">
+      <a:schemeClr val="dk1">
+        <a:lumMod val="65000"/>
+        <a:lumOff val="35000"/>
+      </a:schemeClr>
+    </cs:fontRef>
+    <cs:spPr>
+      <a:solidFill>
+        <a:schemeClr val="lt1"/>
+      </a:solidFill>
+      <a:ln>
+        <a:solidFill>
+          <a:schemeClr val="dk1">
+            <a:lumMod val="25000"/>
+            <a:lumOff val="75000"/>
+          </a:schemeClr>
+        </a:solidFill>
+      </a:ln>
+    </cs:spPr>
+    <cs:defRPr sz="900" kern="1200"/>
+    <cs:bodyPr rot="0" spcFirstLastPara="1" vertOverflow="clip" horzOverflow="clip" vert="horz" wrap="square" lIns="36576" tIns="18288" rIns="36576" bIns="18288" anchor="ctr" anchorCtr="1">
+      <a:spAutoFit/>
+    </cs:bodyPr>
+  </cs:dataLabelCallout>
+  <cs:dataPoint>
+    <cs:lnRef idx="0"/>
+    <cs:fillRef idx="1">
+      <cs:styleClr val="auto"/>
+    </cs:fillRef>
+    <cs:effectRef idx="0"/>
+    <cs:fontRef idx="minor">
+      <a:schemeClr val="tx1"/>
+    </cs:fontRef>
+    <cs:spPr>
+      <a:solidFill>
+        <a:schemeClr val="phClr"/>
+      </a:solidFill>
+    </cs:spPr>
+  </cs:dataPoint>
+  <cs:dataPoint3D>
+    <cs:lnRef idx="0"/>
+    <cs:fillRef idx="1">
+      <cs:styleClr val="auto"/>
+    </cs:fillRef>
+    <cs:effectRef idx="0"/>
+    <cs:fontRef idx="minor">
+      <a:schemeClr val="tx1"/>
+    </cs:fontRef>
+    <cs:spPr>
+      <a:solidFill>
+        <a:schemeClr val="phClr"/>
+      </a:solidFill>
+    </cs:spPr>
+  </cs:dataPoint3D>
+  <cs:dataPointLine>
+    <cs:lnRef idx="0">
+      <cs:styleClr val="auto"/>
+    </cs:lnRef>
+    <cs:fillRef idx="1"/>
+    <cs:effectRef idx="0"/>
+    <cs:fontRef idx="minor">
+      <a:schemeClr val="tx1"/>
+    </cs:fontRef>
+    <cs:spPr>
+      <a:ln w="28575" cap="rnd">
+        <a:solidFill>
+          <a:schemeClr val="phClr"/>
+        </a:solidFill>
+        <a:round/>
+      </a:ln>
+    </cs:spPr>
+  </cs:dataPointLine>
+  <cs:dataPointMarker>
+    <cs:lnRef idx="0">
+      <cs:styleClr val="auto"/>
+    </cs:lnRef>
+    <cs:fillRef idx="1">
+      <cs:styleClr val="auto"/>
+    </cs:fillRef>
+    <cs:effectRef idx="0"/>
+    <cs:fontRef idx="minor">
+      <a:schemeClr val="tx1"/>
+    </cs:fontRef>
+    <cs:spPr>
+      <a:solidFill>
+        <a:schemeClr val="phClr"/>
+      </a:solidFill>
+      <a:ln w="9525">
+        <a:solidFill>
+          <a:schemeClr val="phClr"/>
+        </a:solidFill>
+      </a:ln>
+    </cs:spPr>
+  </cs:dataPointMarker>
+  <cs:dataPointMarkerLayout symbol="circle" size="5"/>
+  <cs:dataPointWireframe>
+    <cs:lnRef idx="0">
+      <cs:styleClr val="auto"/>
+    </cs:lnRef>
+    <cs:fillRef idx="1"/>
+    <cs:effectRef idx="0"/>
+    <cs:fontRef idx="minor">
+      <a:schemeClr val="tx1"/>
+    </cs:fontRef>
+    <cs:spPr>
+      <a:ln w="9525" cap="rnd">
+        <a:solidFill>
+          <a:schemeClr val="phClr"/>
+        </a:solidFill>
+        <a:round/>
+      </a:ln>
+    </cs:spPr>
+  </cs:dataPointWireframe>
+  <cs:dataTable>
+    <cs:lnRef idx="0"/>
+    <cs:fillRef idx="0"/>
+    <cs:effectRef idx="0"/>
+    <cs:fontRef idx="minor">
+      <a:schemeClr val="tx1">
+        <a:lumMod val="65000"/>
+        <a:lumOff val="35000"/>
+      </a:schemeClr>
+    </cs:fontRef>
+    <cs:spPr>
+      <a:noFill/>
+      <a:ln w="9525" cap="flat" cmpd="sng" algn="ctr">
+        <a:solidFill>
+          <a:schemeClr val="tx1">
+            <a:lumMod val="15000"/>
+            <a:lumOff val="85000"/>
+          </a:schemeClr>
+        </a:solidFill>
+        <a:round/>
+      </a:ln>
+    </cs:spPr>
+    <cs:defRPr sz="900" kern="1200"/>
+  </cs:dataTable>
+  <cs:downBar>
+    <cs:lnRef idx="0"/>
+    <cs:fillRef idx="0"/>
+    <cs:effectRef idx="0"/>
+    <cs:fontRef idx="minor">
+      <a:schemeClr val="dk1"/>
+    </cs:fontRef>
+    <cs:spPr>
+      <a:solidFill>
+        <a:schemeClr val="dk1">
+          <a:lumMod val="65000"/>
+          <a:lumOff val="35000"/>
+        </a:schemeClr>
+      </a:solidFill>
+      <a:ln w="9525">
+        <a:solidFill>
+          <a:schemeClr val="tx1">
+            <a:lumMod val="65000"/>
+            <a:lumOff val="35000"/>
+          </a:schemeClr>
+        </a:solidFill>
+      </a:ln>
+    </cs:spPr>
+  </cs:downBar>
+  <cs:dropLine>
+    <cs:lnRef idx="0"/>
+    <cs:fillRef idx="0"/>
+    <cs:effectRef idx="0"/>
+    <cs:fontRef idx="minor">
+      <a:schemeClr val="tx1"/>
+    </cs:fontRef>
+    <cs:spPr>
+      <a:ln w="9525" cap="flat" cmpd="sng" algn="ctr">
+        <a:solidFill>
+          <a:schemeClr val="tx1">
+            <a:lumMod val="35000"/>
+            <a:lumOff val="65000"/>
+          </a:schemeClr>
+        </a:solidFill>
+        <a:round/>
+      </a:ln>
+    </cs:spPr>
+  </cs:dropLine>
+  <cs:errorBar>
+    <cs:lnRef idx="0"/>
+    <cs:fillRef idx="0"/>
+    <cs:effectRef idx="0"/>
+    <cs:fontRef idx="minor">
+      <a:schemeClr val="tx1"/>
+    </cs:fontRef>
+    <cs:spPr>
+      <a:ln w="9525" cap="flat" cmpd="sng" algn="ctr">
+        <a:solidFill>
+          <a:schemeClr val="tx1">
+            <a:lumMod val="65000"/>
+            <a:lumOff val="35000"/>
+          </a:schemeClr>
+        </a:solidFill>
+        <a:round/>
+      </a:ln>
+    </cs:spPr>
+  </cs:errorBar>
+  <cs:floor>
+    <cs:lnRef idx="0"/>
+    <cs:fillRef idx="0"/>
+    <cs:effectRef idx="0"/>
+    <cs:fontRef idx="minor">
+      <a:schemeClr val="tx1"/>
+    </cs:fontRef>
+    <cs:spPr>
+      <a:noFill/>
+      <a:ln>
+        <a:noFill/>
+      </a:ln>
+    </cs:spPr>
+  </cs:floor>
+  <cs:gridlineMajor>
+    <cs:lnRef idx="0"/>
+    <cs:fillRef idx="0"/>
+    <cs:effectRef idx="0"/>
+    <cs:fontRef idx="minor">
+      <a:schemeClr val="tx1"/>
+    </cs:fontRef>
+    <cs:spPr>
+      <a:ln w="9525" cap="flat" cmpd="sng" algn="ctr">
+        <a:solidFill>
+          <a:schemeClr val="tx1">
+            <a:lumMod val="15000"/>
+            <a:lumOff val="85000"/>
+          </a:schemeClr>
+        </a:solidFill>
+        <a:round/>
+      </a:ln>
+    </cs:spPr>
+  </cs:gridlineMajor>
+  <cs:gridlineMinor>
+    <cs:lnRef idx="0"/>
+    <cs:fillRef idx="0"/>
+    <cs:effectRef idx="0"/>
+    <cs:fontRef idx="minor">
+      <a:schemeClr val="tx1"/>
+    </cs:fontRef>
+    <cs:spPr>
+      <a:ln w="9525" cap="flat" cmpd="sng" algn="ctr">
+        <a:solidFill>
+          <a:schemeClr val="tx1">
+            <a:lumMod val="5000"/>
+            <a:lumOff val="95000"/>
+          </a:schemeClr>
+        </a:solidFill>
+        <a:round/>
+      </a:ln>
+    </cs:spPr>
+  </cs:gridlineMinor>
+  <cs:hiLoLine>
+    <cs:lnRef idx="0"/>
+    <cs:fillRef idx="0"/>
+    <cs:effectRef idx="0"/>
+    <cs:fontRef idx="minor">
+      <a:schemeClr val="tx1"/>
+    </cs:fontRef>
+    <cs:spPr>
+      <a:ln w="9525" cap="flat" cmpd="sng" algn="ctr">
+        <a:solidFill>
+          <a:schemeClr val="tx1">
+            <a:lumMod val="75000"/>
+            <a:lumOff val="25000"/>
+          </a:schemeClr>
+        </a:solidFill>
+        <a:round/>
+      </a:ln>
+    </cs:spPr>
+  </cs:hiLoLine>
+  <cs:leaderLine>
+    <cs:lnRef idx="0"/>
+    <cs:fillRef idx="0"/>
+    <cs:effectRef idx="0"/>
+    <cs:fontRef idx="minor">
+      <a:schemeClr val="tx1"/>
+    </cs:fontRef>
+    <cs:spPr>
+      <a:ln w="9525" cap="flat" cmpd="sng" algn="ctr">
+        <a:solidFill>
+          <a:schemeClr val="tx1">
+            <a:lumMod val="35000"/>
+            <a:lumOff val="65000"/>
+          </a:schemeClr>
+        </a:solidFill>
+        <a:round/>
+      </a:ln>
+    </cs:spPr>
+  </cs:leaderLine>
+  <cs:legend>
+    <cs:lnRef idx="0"/>
+    <cs:fillRef idx="0"/>
+    <cs:effectRef idx="0"/>
+    <cs:fontRef idx="minor">
+      <a:schemeClr val="tx1">
+        <a:lumMod val="65000"/>
+        <a:lumOff val="35000"/>
+      </a:schemeClr>
+    </cs:fontRef>
+    <cs:defRPr sz="900" kern="1200"/>
+  </cs:legend>
+  <cs:plotArea mods="allowNoFillOverride allowNoLineOverride">
+    <cs:lnRef idx="0"/>
+    <cs:fillRef idx="0"/>
+    <cs:effectRef idx="0"/>
+    <cs:fontRef idx="minor">
+      <a:schemeClr val="tx1"/>
+    </cs:fontRef>
+  </cs:plotArea>
+  <cs:plotArea3D mods="allowNoFillOverride allowNoLineOverride">
+    <cs:lnRef idx="0"/>
+    <cs:fillRef idx="0"/>
+    <cs:effectRef idx="0"/>
+    <cs:fontRef idx="minor">
+      <a:schemeClr val="tx1"/>
+    </cs:fontRef>
+  </cs:plotArea3D>
+  <cs:seriesAxis>
+    <cs:lnRef idx="0"/>
+    <cs:fillRef idx="0"/>
+    <cs:effectRef idx="0"/>
+    <cs:fontRef idx="minor">
+      <a:schemeClr val="tx1">
+        <a:lumMod val="65000"/>
+        <a:lumOff val="35000"/>
+      </a:schemeClr>
+    </cs:fontRef>
+    <cs:defRPr sz="900" kern="1200"/>
+  </cs:seriesAxis>
+  <cs:seriesLine>
+    <cs:lnRef idx="0"/>
+    <cs:fillRef idx="0"/>
+    <cs:effectRef idx="0"/>
+    <cs:fontRef idx="minor">
+      <a:schemeClr val="tx1"/>
+    </cs:fontRef>
+    <cs:spPr>
+      <a:ln w="9525" cap="flat" cmpd="sng" algn="ctr">
+        <a:solidFill>
+          <a:schemeClr val="tx1">
+            <a:lumMod val="35000"/>
+            <a:lumOff val="65000"/>
+          </a:schemeClr>
+        </a:solidFill>
+        <a:round/>
+      </a:ln>
+    </cs:spPr>
+  </cs:seriesLine>
+  <cs:title>
+    <cs:lnRef idx="0"/>
+    <cs:fillRef idx="0"/>
+    <cs:effectRef idx="0"/>
+    <cs:fontRef idx="minor">
+      <a:schemeClr val="tx1">
+        <a:lumMod val="65000"/>
+        <a:lumOff val="35000"/>
+      </a:schemeClr>
+    </cs:fontRef>
+    <cs:defRPr sz="1400" b="0" kern="1200" spc="0" baseline="0"/>
+  </cs:title>
+  <cs:trendline>
+    <cs:lnRef idx="0">
+      <cs:styleClr val="auto"/>
+    </cs:lnRef>
+    <cs:fillRef idx="0"/>
+    <cs:effectRef idx="0"/>
+    <cs:fontRef idx="minor">
+      <a:schemeClr val="tx1"/>
+    </cs:fontRef>
+    <cs:spPr>
+      <a:ln w="19050" cap="rnd">
+        <a:solidFill>
+          <a:schemeClr val="phClr"/>
+        </a:solidFill>
+        <a:prstDash val="sysDot"/>
+      </a:ln>
+    </cs:spPr>
+  </cs:trendline>
+  <cs:trendlineLabel>
+    <cs:lnRef idx="0"/>
+    <cs:fillRef idx="0"/>
+    <cs:effectRef idx="0"/>
+    <cs:fontRef idx="minor">
+      <a:schemeClr val="tx1">
+        <a:lumMod val="65000"/>
+        <a:lumOff val="35000"/>
+      </a:schemeClr>
+    </cs:fontRef>
+    <cs:defRPr sz="900" kern="1200"/>
+  </cs:trendlineLabel>
+  <cs:upBar>
+    <cs:lnRef idx="0"/>
+    <cs:fillRef idx="0"/>
+    <cs:effectRef idx="0"/>
+    <cs:fontRef idx="minor">
+      <a:schemeClr val="dk1"/>
+    </cs:fontRef>
+    <cs:spPr>
+      <a:solidFill>
+        <a:schemeClr val="lt1"/>
+      </a:solidFill>
+      <a:ln w="9525">
+        <a:solidFill>
+          <a:schemeClr val="tx1">
+            <a:lumMod val="15000"/>
+            <a:lumOff val="85000"/>
+          </a:schemeClr>
+        </a:solidFill>
+      </a:ln>
+    </cs:spPr>
+  </cs:upBar>
+  <cs:valueAxis>
+    <cs:lnRef idx="0"/>
+    <cs:fillRef idx="0"/>
+    <cs:effectRef idx="0"/>
+    <cs:fontRef idx="minor">
+      <a:schemeClr val="tx1">
+        <a:lumMod val="65000"/>
+        <a:lumOff val="35000"/>
+      </a:schemeClr>
+    </cs:fontRef>
+    <cs:defRPr sz="900" kern="1200"/>
+  </cs:valueAxis>
+  <cs:wall>
+    <cs:lnRef idx="0"/>
+    <cs:fillRef idx="0"/>
+    <cs:effectRef idx="0"/>
+    <cs:fontRef idx="minor">
+      <a:schemeClr val="tx1"/>
+    </cs:fontRef>
+    <cs:spPr>
+      <a:noFill/>
+      <a:ln>
+        <a:noFill/>
+      </a:ln>
+    </cs:spPr>
+  </cs:wall>
+</cs:chartStyle>
+</file>
+
+<file path=ppt/charts/style2.xml><?xml version="1.0" encoding="utf-8"?>
+<cs:chartStyle xmlns:cs="http://schemas.microsoft.com/office/drawing/2012/chartStyle" xmlns:a="http://schemas.openxmlformats.org/drawingml/2006/main" id="240">
+  <cs:axisTitle>
+    <cs:lnRef idx="0"/>
+    <cs:fillRef idx="0"/>
+    <cs:effectRef idx="0"/>
+    <cs:fontRef idx="minor">
+      <a:schemeClr val="tx1">
+        <a:lumMod val="65000"/>
+        <a:lumOff val="35000"/>
+      </a:schemeClr>
+    </cs:fontRef>
+    <cs:defRPr sz="1000" kern="1200"/>
+  </cs:axisTitle>
+  <cs:categoryAxis>
+    <cs:lnRef idx="0"/>
+    <cs:fillRef idx="0"/>
+    <cs:effectRef idx="0"/>
+    <cs:fontRef idx="minor">
+      <a:schemeClr val="tx1">
+        <a:lumMod val="65000"/>
+        <a:lumOff val="35000"/>
+      </a:schemeClr>
+    </cs:fontRef>
+    <cs:spPr>
+      <a:ln w="9525" cap="flat" cmpd="sng" algn="ctr">
+        <a:solidFill>
+          <a:schemeClr val="tx1">
+            <a:lumMod val="25000"/>
+            <a:lumOff val="75000"/>
+          </a:schemeClr>
+        </a:solidFill>
+        <a:round/>
+      </a:ln>
+    </cs:spPr>
+    <cs:defRPr sz="900" kern="1200"/>
+  </cs:categoryAxis>
+  <cs:chartArea mods="allowNoFillOverride allowNoLineOverride">
+    <cs:lnRef idx="0"/>
+    <cs:fillRef idx="0"/>
+    <cs:effectRef idx="0"/>
+    <cs:fontRef idx="minor">
+      <a:schemeClr val="tx1"/>
+    </cs:fontRef>
+    <cs:spPr>
+      <a:solidFill>
+        <a:schemeClr val="bg1"/>
+      </a:solidFill>
+      <a:ln w="9525" cap="flat" cmpd="sng" algn="ctr">
+        <a:solidFill>
+          <a:schemeClr val="tx1">
+            <a:lumMod val="15000"/>
+            <a:lumOff val="85000"/>
+          </a:schemeClr>
+        </a:solidFill>
+        <a:round/>
+      </a:ln>
+    </cs:spPr>
+    <cs:defRPr sz="1000" kern="1200"/>
+  </cs:chartArea>
+  <cs:dataLabel>
+    <cs:lnRef idx="0"/>
+    <cs:fillRef idx="0"/>
+    <cs:effectRef idx="0"/>
+    <cs:fontRef idx="minor">
+      <a:schemeClr val="tx1">
+        <a:lumMod val="75000"/>
+        <a:lumOff val="25000"/>
+      </a:schemeClr>
+    </cs:fontRef>
+    <cs:defRPr sz="900" kern="1200"/>
+  </cs:dataLabel>
+  <cs:dataLabelCallout>
+    <cs:lnRef idx="0"/>
+    <cs:fillRef idx="0"/>
+    <cs:effectRef idx="0"/>
+    <cs:fontRef idx="minor">
+      <a:schemeClr val="dk1">
+        <a:lumMod val="65000"/>
+        <a:lumOff val="35000"/>
+      </a:schemeClr>
+    </cs:fontRef>
+    <cs:spPr>
+      <a:solidFill>
+        <a:schemeClr val="lt1"/>
+      </a:solidFill>
+      <a:ln>
+        <a:solidFill>
+          <a:schemeClr val="dk1">
+            <a:lumMod val="25000"/>
+            <a:lumOff val="75000"/>
+          </a:schemeClr>
+        </a:solidFill>
+      </a:ln>
+    </cs:spPr>
+    <cs:defRPr sz="900" kern="1200"/>
+    <cs:bodyPr rot="0" spcFirstLastPara="1" vertOverflow="clip" horzOverflow="clip" vert="horz" wrap="square" lIns="36576" tIns="18288" rIns="36576" bIns="18288" anchor="ctr" anchorCtr="1">
+      <a:spAutoFit/>
+    </cs:bodyPr>
+  </cs:dataLabelCallout>
+  <cs:dataPoint>
+    <cs:lnRef idx="0"/>
+    <cs:fillRef idx="1">
+      <cs:styleClr val="auto"/>
+    </cs:fillRef>
+    <cs:effectRef idx="0"/>
+    <cs:fontRef idx="minor">
+      <a:schemeClr val="tx1"/>
+    </cs:fontRef>
+  </cs:dataPoint>
+  <cs:dataPoint3D>
+    <cs:lnRef idx="0"/>
+    <cs:fillRef idx="1">
+      <cs:styleClr val="auto"/>
+    </cs:fillRef>
+    <cs:effectRef idx="0"/>
+    <cs:fontRef idx="minor">
+      <a:schemeClr val="tx1"/>
+    </cs:fontRef>
+  </cs:dataPoint3D>
+  <cs:dataPointLine>
+    <cs:lnRef idx="0">
+      <cs:styleClr val="auto"/>
+    </cs:lnRef>
+    <cs:fillRef idx="1"/>
+    <cs:effectRef idx="0"/>
+    <cs:fontRef idx="minor">
+      <a:schemeClr val="tx1"/>
+    </cs:fontRef>
+    <cs:spPr>
+      <a:ln w="19050" cap="rnd">
+        <a:solidFill>
+          <a:schemeClr val="phClr"/>
+        </a:solidFill>
+        <a:round/>
+      </a:ln>
+    </cs:spPr>
+  </cs:dataPointLine>
+  <cs:dataPointMarker>
+    <cs:lnRef idx="0">
+      <cs:styleClr val="auto"/>
+    </cs:lnRef>
+    <cs:fillRef idx="1">
+      <cs:styleClr val="auto"/>
+    </cs:fillRef>
+    <cs:effectRef idx="0"/>
+    <cs:fontRef idx="minor">
+      <a:schemeClr val="tx1"/>
+    </cs:fontRef>
+    <cs:spPr>
+      <a:ln w="9525">
+        <a:solidFill>
+          <a:schemeClr val="phClr"/>
+        </a:solidFill>
+      </a:ln>
+    </cs:spPr>
+  </cs:dataPointMarker>
+  <cs:dataPointMarkerLayout symbol="circle" size="5"/>
+  <cs:dataPointWireframe>
+    <cs:lnRef idx="0">
+      <cs:styleClr val="auto"/>
+    </cs:lnRef>
+    <cs:fillRef idx="0"/>
+    <cs:effectRef idx="0"/>
+    <cs:fontRef idx="minor">
+      <a:schemeClr val="dk1"/>
+    </cs:fontRef>
+    <cs:spPr>
+      <a:ln w="9525" cap="rnd">
+        <a:solidFill>
+          <a:schemeClr val="phClr"/>
+        </a:solidFill>
+        <a:round/>
+      </a:ln>
+    </cs:spPr>
+  </cs:dataPointWireframe>
+  <cs:dataTable>
+    <cs:lnRef idx="0"/>
+    <cs:fillRef idx="0"/>
+    <cs:effectRef idx="0"/>
+    <cs:fontRef idx="minor">
+      <a:schemeClr val="tx1">
+        <a:lumMod val="65000"/>
+        <a:lumOff val="35000"/>
+      </a:schemeClr>
+    </cs:fontRef>
+    <cs:spPr>
+      <a:noFill/>
+      <a:ln w="9525" cap="flat" cmpd="sng" algn="ctr">
+        <a:solidFill>
+          <a:schemeClr val="tx1">
+            <a:lumMod val="15000"/>
+            <a:lumOff val="85000"/>
+          </a:schemeClr>
+        </a:solidFill>
+        <a:round/>
+      </a:ln>
+    </cs:spPr>
+    <cs:defRPr sz="900" kern="1200"/>
+  </cs:dataTable>
+  <cs:downBar>
+    <cs:lnRef idx="0"/>
+    <cs:fillRef idx="0"/>
+    <cs:effectRef idx="0"/>
+    <cs:fontRef idx="minor">
+      <a:schemeClr val="tx1"/>
+    </cs:fontRef>
+    <cs:spPr>
+      <a:solidFill>
+        <a:schemeClr val="dk1">
+          <a:lumMod val="75000"/>
+          <a:lumOff val="25000"/>
+        </a:schemeClr>
+      </a:solidFill>
+      <a:ln w="9525" cap="flat" cmpd="sng" algn="ctr">
+        <a:solidFill>
+          <a:schemeClr val="tx1">
+            <a:lumMod val="65000"/>
+            <a:lumOff val="35000"/>
+          </a:schemeClr>
+        </a:solidFill>
+        <a:round/>
+      </a:ln>
+    </cs:spPr>
+  </cs:downBar>
+  <cs:dropLine>
+    <cs:lnRef idx="0"/>
+    <cs:fillRef idx="0"/>
+    <cs:effectRef idx="0"/>
+    <cs:fontRef idx="minor">
+      <a:schemeClr val="tx1"/>
+    </cs:fontRef>
+    <cs:spPr>
+      <a:ln w="9525" cap="flat" cmpd="sng" algn="ctr">
+        <a:solidFill>
+          <a:schemeClr val="tx1">
+            <a:lumMod val="35000"/>
+            <a:lumOff val="65000"/>
+          </a:schemeClr>
+        </a:solidFill>
+        <a:round/>
+      </a:ln>
+    </cs:spPr>
+  </cs:dropLine>
+  <cs:errorBar>
+    <cs:lnRef idx="0"/>
+    <cs:fillRef idx="0"/>
+    <cs:effectRef idx="0"/>
+    <cs:fontRef idx="minor">
+      <a:schemeClr val="tx1"/>
+    </cs:fontRef>
+    <cs:spPr>
+      <a:ln w="9525" cap="flat" cmpd="sng" algn="ctr">
+        <a:solidFill>
+          <a:schemeClr val="tx1">
+            <a:lumMod val="65000"/>
+            <a:lumOff val="35000"/>
+          </a:schemeClr>
+        </a:solidFill>
+        <a:round/>
+      </a:ln>
+    </cs:spPr>
+  </cs:errorBar>
+  <cs:floor>
+    <cs:lnRef idx="0"/>
+    <cs:fillRef idx="0"/>
+    <cs:effectRef idx="0"/>
+    <cs:fontRef idx="minor">
+      <a:schemeClr val="tx1"/>
+    </cs:fontRef>
+    <cs:spPr>
+      <a:noFill/>
+      <a:ln>
+        <a:noFill/>
+      </a:ln>
+    </cs:spPr>
+  </cs:floor>
+  <cs:gridlineMajor>
+    <cs:lnRef idx="0"/>
+    <cs:fillRef idx="0"/>
+    <cs:effectRef idx="0"/>
+    <cs:fontRef idx="minor">
+      <a:schemeClr val="tx1"/>
+    </cs:fontRef>
+    <cs:spPr>
+      <a:ln w="9525" cap="flat" cmpd="sng" algn="ctr">
+        <a:solidFill>
+          <a:schemeClr val="tx1">
+            <a:lumMod val="15000"/>
+            <a:lumOff val="85000"/>
+          </a:schemeClr>
+        </a:solidFill>
+        <a:round/>
+      </a:ln>
+    </cs:spPr>
+  </cs:gridlineMajor>
+  <cs:gridlineMinor>
+    <cs:lnRef idx="0"/>
+    <cs:fillRef idx="0"/>
+    <cs:effectRef idx="0"/>
+    <cs:fontRef idx="minor">
+      <a:schemeClr val="tx1"/>
+    </cs:fontRef>
+    <cs:spPr>
+      <a:ln w="9525" cap="flat" cmpd="sng" algn="ctr">
+        <a:solidFill>
+          <a:schemeClr val="tx1">
+            <a:lumMod val="5000"/>
+            <a:lumOff val="95000"/>
+          </a:schemeClr>
+        </a:solidFill>
+        <a:round/>
+      </a:ln>
+    </cs:spPr>
+  </cs:gridlineMinor>
+  <cs:hiLoLine>
+    <cs:lnRef idx="0"/>
+    <cs:fillRef idx="0"/>
+    <cs:effectRef idx="0"/>
+    <cs:fontRef idx="minor">
+      <a:schemeClr val="tx1"/>
+    </cs:fontRef>
+    <cs:spPr>
+      <a:ln w="9525" cap="flat" cmpd="sng" algn="ctr">
+        <a:solidFill>
+          <a:schemeClr val="tx1">
+            <a:lumMod val="50000"/>
+            <a:lumOff val="50000"/>
+          </a:schemeClr>
+        </a:solidFill>
+        <a:round/>
+      </a:ln>
+    </cs:spPr>
+  </cs:hiLoLine>
+  <cs:leaderLine>
+    <cs:lnRef idx="0"/>
+    <cs:fillRef idx="0"/>
+    <cs:effectRef idx="0"/>
+    <cs:fontRef idx="minor">
+      <a:schemeClr val="tx1"/>
+    </cs:fontRef>
+    <cs:spPr>
+      <a:ln w="9525" cap="flat" cmpd="sng" algn="ctr">
+        <a:solidFill>
+          <a:schemeClr val="tx1">
+            <a:lumMod val="35000"/>
+            <a:lumOff val="65000"/>
+          </a:schemeClr>
+        </a:solidFill>
+        <a:round/>
+      </a:ln>
+    </cs:spPr>
+  </cs:leaderLine>
+  <cs:legend>
+    <cs:lnRef idx="0"/>
+    <cs:fillRef idx="0"/>
+    <cs:effectRef idx="0"/>
+    <cs:fontRef idx="minor">
+      <a:schemeClr val="tx1">
+        <a:lumMod val="65000"/>
+        <a:lumOff val="35000"/>
+      </a:schemeClr>
+    </cs:fontRef>
+    <cs:defRPr sz="900" kern="1200"/>
+  </cs:legend>
+  <cs:plotArea mods="allowNoFillOverride allowNoLineOverride">
+    <cs:lnRef idx="0"/>
+    <cs:fillRef idx="0"/>
+    <cs:effectRef idx="0"/>
+    <cs:fontRef idx="minor">
+      <a:schemeClr val="tx1"/>
+    </cs:fontRef>
+  </cs:plotArea>
+  <cs:plotArea3D mods="allowNoFillOverride allowNoLineOverride">
+    <cs:lnRef idx="0"/>
+    <cs:fillRef idx="0"/>
+    <cs:effectRef idx="0"/>
+    <cs:fontRef idx="minor">
+      <a:schemeClr val="tx1"/>
+    </cs:fontRef>
+  </cs:plotArea3D>
+  <cs:seriesAxis>
+    <cs:lnRef idx="0"/>
+    <cs:fillRef idx="0"/>
+    <cs:effectRef idx="0"/>
+    <cs:fontRef idx="minor">
+      <a:schemeClr val="tx1">
+        <a:lumMod val="65000"/>
+        <a:lumOff val="35000"/>
+      </a:schemeClr>
+    </cs:fontRef>
+    <cs:defRPr sz="900" kern="1200"/>
+  </cs:seriesAxis>
+  <cs:seriesLine>
+    <cs:lnRef idx="0"/>
+    <cs:fillRef idx="0"/>
+    <cs:effectRef idx="0"/>
+    <cs:fontRef idx="minor">
+      <a:schemeClr val="tx1"/>
+    </cs:fontRef>
+    <cs:spPr>
+      <a:ln w="9525" cap="flat" cmpd="sng" algn="ctr">
+        <a:solidFill>
+          <a:schemeClr val="tx1">
+            <a:lumMod val="35000"/>
+            <a:lumOff val="65000"/>
+          </a:schemeClr>
+        </a:solidFill>
+        <a:round/>
+      </a:ln>
+    </cs:spPr>
+  </cs:seriesLine>
+  <cs:title>
+    <cs:lnRef idx="0"/>
+    <cs:fillRef idx="0"/>
+    <cs:effectRef idx="0"/>
+    <cs:fontRef idx="minor">
+      <a:schemeClr val="tx1">
+        <a:lumMod val="65000"/>
+        <a:lumOff val="35000"/>
+      </a:schemeClr>
+    </cs:fontRef>
+    <cs:defRPr sz="1400" b="0" kern="1200" spc="0" baseline="0"/>
+  </cs:title>
+  <cs:trendline>
+    <cs:lnRef idx="0">
+      <cs:styleClr val="auto"/>
+    </cs:lnRef>
+    <cs:fillRef idx="0"/>
+    <cs:effectRef idx="0"/>
+    <cs:fontRef idx="minor">
+      <a:schemeClr val="tx1"/>
+    </cs:fontRef>
+    <cs:spPr>
+      <a:ln w="19050" cap="rnd">
+        <a:solidFill>
+          <a:schemeClr val="phClr"/>
+        </a:solidFill>
+        <a:prstDash val="sysDot"/>
+      </a:ln>
+    </cs:spPr>
+  </cs:trendline>
+  <cs:trendlineLabel>
+    <cs:lnRef idx="0"/>
+    <cs:fillRef idx="0"/>
+    <cs:effectRef idx="0"/>
+    <cs:fontRef idx="minor">
+      <a:schemeClr val="tx1">
+        <a:lumMod val="65000"/>
+        <a:lumOff val="35000"/>
+      </a:schemeClr>
+    </cs:fontRef>
+    <cs:defRPr sz="900" kern="1200"/>
+  </cs:trendlineLabel>
+  <cs:upBar>
+    <cs:lnRef idx="0"/>
+    <cs:fillRef idx="0"/>
+    <cs:effectRef idx="0"/>
+    <cs:fontRef idx="minor">
+      <a:schemeClr val="tx1"/>
+    </cs:fontRef>
+    <cs:spPr>
+      <a:solidFill>
+        <a:schemeClr val="lt1"/>
+      </a:solidFill>
+      <a:ln w="9525" cap="flat" cmpd="sng" algn="ctr">
+        <a:solidFill>
+          <a:schemeClr val="tx1">
+            <a:lumMod val="65000"/>
+            <a:lumOff val="35000"/>
+          </a:schemeClr>
+        </a:solidFill>
+        <a:round/>
+      </a:ln>
+    </cs:spPr>
+  </cs:upBar>
+  <cs:valueAxis>
+    <cs:lnRef idx="0"/>
+    <cs:fillRef idx="0"/>
+    <cs:effectRef idx="0"/>
+    <cs:fontRef idx="minor">
+      <a:schemeClr val="tx1">
+        <a:lumMod val="65000"/>
+        <a:lumOff val="35000"/>
+      </a:schemeClr>
+    </cs:fontRef>
+    <cs:spPr>
+      <a:ln w="9525" cap="flat" cmpd="sng" algn="ctr">
+        <a:solidFill>
+          <a:schemeClr val="tx1">
+            <a:lumMod val="25000"/>
+            <a:lumOff val="75000"/>
+          </a:schemeClr>
+        </a:solidFill>
+        <a:round/>
+      </a:ln>
+    </cs:spPr>
+    <cs:defRPr sz="900" kern="1200"/>
+  </cs:valueAxis>
+  <cs:wall>
+    <cs:lnRef idx="0"/>
+    <cs:fillRef idx="0"/>
+    <cs:effectRef idx="0"/>
+    <cs:fontRef idx="minor">
+      <a:schemeClr val="tx1"/>
+    </cs:fontRef>
+    <cs:spPr>
+      <a:noFill/>
+      <a:ln>
+        <a:noFill/>
+      </a:ln>
+    </cs:spPr>
+  </cs:wall>
+</cs:chartStyle>
+</file>
+
+<file path=ppt/charts/style3.xml><?xml version="1.0" encoding="utf-8"?>
+<cs:chartStyle xmlns:cs="http://schemas.microsoft.com/office/drawing/2012/chartStyle" xmlns:a="http://schemas.openxmlformats.org/drawingml/2006/main" id="240">
+  <cs:axisTitle>
+    <cs:lnRef idx="0"/>
+    <cs:fillRef idx="0"/>
+    <cs:effectRef idx="0"/>
+    <cs:fontRef idx="minor">
+      <a:schemeClr val="tx1">
+        <a:lumMod val="65000"/>
+        <a:lumOff val="35000"/>
+      </a:schemeClr>
+    </cs:fontRef>
+    <cs:defRPr sz="1000" kern="1200"/>
+  </cs:axisTitle>
+  <cs:categoryAxis>
+    <cs:lnRef idx="0"/>
+    <cs:fillRef idx="0"/>
+    <cs:effectRef idx="0"/>
+    <cs:fontRef idx="minor">
+      <a:schemeClr val="tx1">
+        <a:lumMod val="65000"/>
+        <a:lumOff val="35000"/>
+      </a:schemeClr>
+    </cs:fontRef>
+    <cs:spPr>
+      <a:ln w="9525" cap="flat" cmpd="sng" algn="ctr">
+        <a:solidFill>
+          <a:schemeClr val="tx1">
+            <a:lumMod val="25000"/>
+            <a:lumOff val="75000"/>
+          </a:schemeClr>
+        </a:solidFill>
+        <a:round/>
+      </a:ln>
+    </cs:spPr>
+    <cs:defRPr sz="900" kern="1200"/>
+  </cs:categoryAxis>
+  <cs:chartArea mods="allowNoFillOverride allowNoLineOverride">
+    <cs:lnRef idx="0"/>
+    <cs:fillRef idx="0"/>
+    <cs:effectRef idx="0"/>
+    <cs:fontRef idx="minor">
+      <a:schemeClr val="tx1"/>
+    </cs:fontRef>
+    <cs:spPr>
+      <a:solidFill>
+        <a:schemeClr val="bg1"/>
+      </a:solidFill>
+      <a:ln w="9525" cap="flat" cmpd="sng" algn="ctr">
+        <a:solidFill>
+          <a:schemeClr val="tx1">
+            <a:lumMod val="15000"/>
+            <a:lumOff val="85000"/>
+          </a:schemeClr>
+        </a:solidFill>
+        <a:round/>
+      </a:ln>
+    </cs:spPr>
+    <cs:defRPr sz="1000" kern="1200"/>
+  </cs:chartArea>
+  <cs:dataLabel>
+    <cs:lnRef idx="0"/>
+    <cs:fillRef idx="0"/>
+    <cs:effectRef idx="0"/>
+    <cs:fontRef idx="minor">
+      <a:schemeClr val="tx1">
+        <a:lumMod val="75000"/>
+        <a:lumOff val="25000"/>
+      </a:schemeClr>
+    </cs:fontRef>
+    <cs:defRPr sz="900" kern="1200"/>
+  </cs:dataLabel>
+  <cs:dataLabelCallout>
+    <cs:lnRef idx="0"/>
+    <cs:fillRef idx="0"/>
+    <cs:effectRef idx="0"/>
+    <cs:fontRef idx="minor">
+      <a:schemeClr val="dk1">
+        <a:lumMod val="65000"/>
+        <a:lumOff val="35000"/>
+      </a:schemeClr>
+    </cs:fontRef>
+    <cs:spPr>
+      <a:solidFill>
+        <a:schemeClr val="lt1"/>
+      </a:solidFill>
+      <a:ln>
+        <a:solidFill>
+          <a:schemeClr val="dk1">
+            <a:lumMod val="25000"/>
+            <a:lumOff val="75000"/>
+          </a:schemeClr>
+        </a:solidFill>
+      </a:ln>
+    </cs:spPr>
+    <cs:defRPr sz="900" kern="1200"/>
+    <cs:bodyPr rot="0" spcFirstLastPara="1" vertOverflow="clip" horzOverflow="clip" vert="horz" wrap="square" lIns="36576" tIns="18288" rIns="36576" bIns="18288" anchor="ctr" anchorCtr="1">
+      <a:spAutoFit/>
+    </cs:bodyPr>
+  </cs:dataLabelCallout>
+  <cs:dataPoint>
+    <cs:lnRef idx="0"/>
+    <cs:fillRef idx="1">
+      <cs:styleClr val="auto"/>
+    </cs:fillRef>
+    <cs:effectRef idx="0"/>
+    <cs:fontRef idx="minor">
+      <a:schemeClr val="tx1"/>
+    </cs:fontRef>
+  </cs:dataPoint>
+  <cs:dataPoint3D>
+    <cs:lnRef idx="0"/>
+    <cs:fillRef idx="1">
+      <cs:styleClr val="auto"/>
+    </cs:fillRef>
+    <cs:effectRef idx="0"/>
+    <cs:fontRef idx="minor">
+      <a:schemeClr val="tx1"/>
+    </cs:fontRef>
+  </cs:dataPoint3D>
+  <cs:dataPointLine>
+    <cs:lnRef idx="0">
+      <cs:styleClr val="auto"/>
+    </cs:lnRef>
+    <cs:fillRef idx="1"/>
+    <cs:effectRef idx="0"/>
+    <cs:fontRef idx="minor">
+      <a:schemeClr val="tx1"/>
+    </cs:fontRef>
+    <cs:spPr>
+      <a:ln w="19050" cap="rnd">
+        <a:solidFill>
+          <a:schemeClr val="phClr"/>
+        </a:solidFill>
+        <a:round/>
+      </a:ln>
+    </cs:spPr>
+  </cs:dataPointLine>
+  <cs:dataPointMarker>
+    <cs:lnRef idx="0">
+      <cs:styleClr val="auto"/>
+    </cs:lnRef>
+    <cs:fillRef idx="1">
+      <cs:styleClr val="auto"/>
+    </cs:fillRef>
+    <cs:effectRef idx="0"/>
+    <cs:fontRef idx="minor">
+      <a:schemeClr val="tx1"/>
+    </cs:fontRef>
+    <cs:spPr>
+      <a:ln w="9525">
+        <a:solidFill>
+          <a:schemeClr val="phClr"/>
+        </a:solidFill>
+      </a:ln>
+    </cs:spPr>
+  </cs:dataPointMarker>
+  <cs:dataPointMarkerLayout symbol="circle" size="5"/>
+  <cs:dataPointWireframe>
+    <cs:lnRef idx="0">
+      <cs:styleClr val="auto"/>
+    </cs:lnRef>
+    <cs:fillRef idx="0"/>
+    <cs:effectRef idx="0"/>
+    <cs:fontRef idx="minor">
+      <a:schemeClr val="dk1"/>
+    </cs:fontRef>
+    <cs:spPr>
+      <a:ln w="9525" cap="rnd">
+        <a:solidFill>
+          <a:schemeClr val="phClr"/>
+        </a:solidFill>
+        <a:round/>
+      </a:ln>
+    </cs:spPr>
+  </cs:dataPointWireframe>
+  <cs:dataTable>
+    <cs:lnRef idx="0"/>
+    <cs:fillRef idx="0"/>
+    <cs:effectRef idx="0"/>
+    <cs:fontRef idx="minor">
+      <a:schemeClr val="tx1">
+        <a:lumMod val="65000"/>
+        <a:lumOff val="35000"/>
+      </a:schemeClr>
+    </cs:fontRef>
+    <cs:spPr>
+      <a:noFill/>
+      <a:ln w="9525" cap="flat" cmpd="sng" algn="ctr">
+        <a:solidFill>
+          <a:schemeClr val="tx1">
+            <a:lumMod val="15000"/>
+            <a:lumOff val="85000"/>
+          </a:schemeClr>
+        </a:solidFill>
+        <a:round/>
+      </a:ln>
+    </cs:spPr>
+    <cs:defRPr sz="900" kern="1200"/>
+  </cs:dataTable>
+  <cs:downBar>
+    <cs:lnRef idx="0"/>
+    <cs:fillRef idx="0"/>
+    <cs:effectRef idx="0"/>
+    <cs:fontRef idx="minor">
+      <a:schemeClr val="tx1"/>
+    </cs:fontRef>
+    <cs:spPr>
+      <a:solidFill>
+        <a:schemeClr val="dk1">
+          <a:lumMod val="75000"/>
+          <a:lumOff val="25000"/>
+        </a:schemeClr>
+      </a:solidFill>
+      <a:ln w="9525" cap="flat" cmpd="sng" algn="ctr">
+        <a:solidFill>
+          <a:schemeClr val="tx1">
+            <a:lumMod val="65000"/>
+            <a:lumOff val="35000"/>
+          </a:schemeClr>
+        </a:solidFill>
+        <a:round/>
+      </a:ln>
+    </cs:spPr>
+  </cs:downBar>
+  <cs:dropLine>
+    <cs:lnRef idx="0"/>
+    <cs:fillRef idx="0"/>
+    <cs:effectRef idx="0"/>
+    <cs:fontRef idx="minor">
+      <a:schemeClr val="tx1"/>
+    </cs:fontRef>
+    <cs:spPr>
+      <a:ln w="9525" cap="flat" cmpd="sng" algn="ctr">
+        <a:solidFill>
+          <a:schemeClr val="tx1">
+            <a:lumMod val="35000"/>
+            <a:lumOff val="65000"/>
+          </a:schemeClr>
+        </a:solidFill>
+        <a:round/>
+      </a:ln>
+    </cs:spPr>
+  </cs:dropLine>
+  <cs:errorBar>
+    <cs:lnRef idx="0"/>
+    <cs:fillRef idx="0"/>
+    <cs:effectRef idx="0"/>
+    <cs:fontRef idx="minor">
+      <a:schemeClr val="tx1"/>
+    </cs:fontRef>
+    <cs:spPr>
+      <a:ln w="9525" cap="flat" cmpd="sng" algn="ctr">
+        <a:solidFill>
+          <a:schemeClr val="tx1">
+            <a:lumMod val="65000"/>
+            <a:lumOff val="35000"/>
+          </a:schemeClr>
+        </a:solidFill>
+        <a:round/>
+      </a:ln>
+    </cs:spPr>
+  </cs:errorBar>
+  <cs:floor>
+    <cs:lnRef idx="0"/>
+    <cs:fillRef idx="0"/>
+    <cs:effectRef idx="0"/>
+    <cs:fontRef idx="minor">
+      <a:schemeClr val="tx1"/>
+    </cs:fontRef>
+    <cs:spPr>
+      <a:noFill/>
+      <a:ln>
+        <a:noFill/>
+      </a:ln>
+    </cs:spPr>
+  </cs:floor>
+  <cs:gridlineMajor>
+    <cs:lnRef idx="0"/>
+    <cs:fillRef idx="0"/>
+    <cs:effectRef idx="0"/>
+    <cs:fontRef idx="minor">
+      <a:schemeClr val="tx1"/>
+    </cs:fontRef>
+    <cs:spPr>
+      <a:ln w="9525" cap="flat" cmpd="sng" algn="ctr">
+        <a:solidFill>
+          <a:schemeClr val="tx1">
+            <a:lumMod val="15000"/>
+            <a:lumOff val="85000"/>
+          </a:schemeClr>
+        </a:solidFill>
+        <a:round/>
+      </a:ln>
+    </cs:spPr>
+  </cs:gridlineMajor>
+  <cs:gridlineMinor>
+    <cs:lnRef idx="0"/>
+    <cs:fillRef idx="0"/>
+    <cs:effectRef idx="0"/>
+    <cs:fontRef idx="minor">
+      <a:schemeClr val="tx1"/>
+    </cs:fontRef>
+    <cs:spPr>
+      <a:ln w="9525" cap="flat" cmpd="sng" algn="ctr">
+        <a:solidFill>
+          <a:schemeClr val="tx1">
+            <a:lumMod val="5000"/>
+            <a:lumOff val="95000"/>
+          </a:schemeClr>
+        </a:solidFill>
+        <a:round/>
+      </a:ln>
+    </cs:spPr>
+  </cs:gridlineMinor>
+  <cs:hiLoLine>
+    <cs:lnRef idx="0"/>
+    <cs:fillRef idx="0"/>
+    <cs:effectRef idx="0"/>
+    <cs:fontRef idx="minor">
+      <a:schemeClr val="tx1"/>
+    </cs:fontRef>
+    <cs:spPr>
+      <a:ln w="9525" cap="flat" cmpd="sng" algn="ctr">
+        <a:solidFill>
+          <a:schemeClr val="tx1">
+            <a:lumMod val="50000"/>
+            <a:lumOff val="50000"/>
+          </a:schemeClr>
+        </a:solidFill>
+        <a:round/>
+      </a:ln>
+    </cs:spPr>
+  </cs:hiLoLine>
+  <cs:leaderLine>
+    <cs:lnRef idx="0"/>
+    <cs:fillRef idx="0"/>
+    <cs:effectRef idx="0"/>
+    <cs:fontRef idx="minor">
+      <a:schemeClr val="tx1"/>
+    </cs:fontRef>
+    <cs:spPr>
+      <a:ln w="9525" cap="flat" cmpd="sng" algn="ctr">
+        <a:solidFill>
+          <a:schemeClr val="tx1">
+            <a:lumMod val="35000"/>
+            <a:lumOff val="65000"/>
+          </a:schemeClr>
+        </a:solidFill>
+        <a:round/>
+      </a:ln>
+    </cs:spPr>
+  </cs:leaderLine>
+  <cs:legend>
+    <cs:lnRef idx="0"/>
+    <cs:fillRef idx="0"/>
+    <cs:effectRef idx="0"/>
+    <cs:fontRef idx="minor">
+      <a:schemeClr val="tx1">
+        <a:lumMod val="65000"/>
+        <a:lumOff val="35000"/>
+      </a:schemeClr>
+    </cs:fontRef>
+    <cs:defRPr sz="900" kern="1200"/>
+  </cs:legend>
+  <cs:plotArea mods="allowNoFillOverride allowNoLineOverride">
+    <cs:lnRef idx="0"/>
+    <cs:fillRef idx="0"/>
+    <cs:effectRef idx="0"/>
+    <cs:fontRef idx="minor">
+      <a:schemeClr val="tx1"/>
+    </cs:fontRef>
+  </cs:plotArea>
+  <cs:plotArea3D mods="allowNoFillOverride allowNoLineOverride">
+    <cs:lnRef idx="0"/>
+    <cs:fillRef idx="0"/>
+    <cs:effectRef idx="0"/>
+    <cs:fontRef idx="minor">
+      <a:schemeClr val="tx1"/>
+    </cs:fontRef>
+  </cs:plotArea3D>
+  <cs:seriesAxis>
+    <cs:lnRef idx="0"/>
+    <cs:fillRef idx="0"/>
+    <cs:effectRef idx="0"/>
+    <cs:fontRef idx="minor">
+      <a:schemeClr val="tx1">
+        <a:lumMod val="65000"/>
+        <a:lumOff val="35000"/>
+      </a:schemeClr>
+    </cs:fontRef>
+    <cs:defRPr sz="900" kern="1200"/>
+  </cs:seriesAxis>
+  <cs:seriesLine>
+    <cs:lnRef idx="0"/>
+    <cs:fillRef idx="0"/>
+    <cs:effectRef idx="0"/>
+    <cs:fontRef idx="minor">
+      <a:schemeClr val="tx1"/>
+    </cs:fontRef>
+    <cs:spPr>
+      <a:ln w="9525" cap="flat" cmpd="sng" algn="ctr">
+        <a:solidFill>
+          <a:schemeClr val="tx1">
+            <a:lumMod val="35000"/>
+            <a:lumOff val="65000"/>
+          </a:schemeClr>
+        </a:solidFill>
+        <a:round/>
+      </a:ln>
+    </cs:spPr>
+  </cs:seriesLine>
+  <cs:title>
+    <cs:lnRef idx="0"/>
+    <cs:fillRef idx="0"/>
+    <cs:effectRef idx="0"/>
+    <cs:fontRef idx="minor">
+      <a:schemeClr val="tx1">
+        <a:lumMod val="65000"/>
+        <a:lumOff val="35000"/>
+      </a:schemeClr>
+    </cs:fontRef>
+    <cs:defRPr sz="1400" b="0" kern="1200" spc="0" baseline="0"/>
+  </cs:title>
+  <cs:trendline>
+    <cs:lnRef idx="0">
+      <cs:styleClr val="auto"/>
+    </cs:lnRef>
+    <cs:fillRef idx="0"/>
+    <cs:effectRef idx="0"/>
+    <cs:fontRef idx="minor">
+      <a:schemeClr val="tx1"/>
+    </cs:fontRef>
+    <cs:spPr>
+      <a:ln w="19050" cap="rnd">
+        <a:solidFill>
+          <a:schemeClr val="phClr"/>
+        </a:solidFill>
+        <a:prstDash val="sysDot"/>
+      </a:ln>
+    </cs:spPr>
+  </cs:trendline>
+  <cs:trendlineLabel>
+    <cs:lnRef idx="0"/>
+    <cs:fillRef idx="0"/>
+    <cs:effectRef idx="0"/>
+    <cs:fontRef idx="minor">
+      <a:schemeClr val="tx1">
+        <a:lumMod val="65000"/>
+        <a:lumOff val="35000"/>
+      </a:schemeClr>
+    </cs:fontRef>
+    <cs:defRPr sz="900" kern="1200"/>
+  </cs:trendlineLabel>
+  <cs:upBar>
+    <cs:lnRef idx="0"/>
+    <cs:fillRef idx="0"/>
+    <cs:effectRef idx="0"/>
+    <cs:fontRef idx="minor">
+      <a:schemeClr val="tx1"/>
+    </cs:fontRef>
+    <cs:spPr>
+      <a:solidFill>
+        <a:schemeClr val="lt1"/>
+      </a:solidFill>
+      <a:ln w="9525" cap="flat" cmpd="sng" algn="ctr">
+        <a:solidFill>
+          <a:schemeClr val="tx1">
+            <a:lumMod val="65000"/>
+            <a:lumOff val="35000"/>
+          </a:schemeClr>
+        </a:solidFill>
+        <a:round/>
+      </a:ln>
+    </cs:spPr>
+  </cs:upBar>
+  <cs:valueAxis>
+    <cs:lnRef idx="0"/>
+    <cs:fillRef idx="0"/>
+    <cs:effectRef idx="0"/>
+    <cs:fontRef idx="minor">
+      <a:schemeClr val="tx1">
+        <a:lumMod val="65000"/>
+        <a:lumOff val="35000"/>
+      </a:schemeClr>
+    </cs:fontRef>
+    <cs:spPr>
+      <a:ln w="9525" cap="flat" cmpd="sng" algn="ctr">
+        <a:solidFill>
+          <a:schemeClr val="tx1">
+            <a:lumMod val="25000"/>
+            <a:lumOff val="75000"/>
+          </a:schemeClr>
+        </a:solidFill>
+        <a:round/>
+      </a:ln>
+    </cs:spPr>
+    <cs:defRPr sz="900" kern="1200"/>
+  </cs:valueAxis>
+  <cs:wall>
+    <cs:lnRef idx="0"/>
+    <cs:fillRef idx="0"/>
+    <cs:effectRef idx="0"/>
+    <cs:fontRef idx="minor">
+      <a:schemeClr val="tx1"/>
+    </cs:fontRef>
+    <cs:spPr>
+      <a:noFill/>
+      <a:ln>
+        <a:noFill/>
+      </a:ln>
+    </cs:spPr>
+  </cs:wall>
+</cs:chartStyle>
 </file>
 
 <file path=ppt/notesMasters/notesMaster1.xml><?xml version="1.0" encoding="utf-8"?>
@@ -1444,7 +4024,7 @@
           <a:p>
             <a:fld id="{F4441845-50B6-45FE-AF8F-9F286F9BE4A8}" type="datetimeFigureOut">
               <a:rPr lang="en-CA" smtClean="0"/>
-              <a:t>25/04/2018</a:t>
+              <a:t>30/04/2018</a:t>
             </a:fld>
             <a:endParaRPr lang="en-CA"/>
           </a:p>
@@ -1758,21 +4338,67 @@
           <a:p>
             <a:r>
               <a:rPr lang="en-CA" dirty="0" smtClean="0"/>
-              <a:t>Over 2-3 weeks,</a:t>
-            </a:r>
-            <a:r>
-              <a:rPr lang="en-CA" baseline="0" dirty="0" smtClean="0"/>
-              <a:t> participants listen to 8 stimuli using an online music player that records each time they listen to the songs. </a:t>
-            </a:r>
-          </a:p>
-          <a:p>
-            <a:r>
-              <a:rPr lang="en-CA" baseline="0" dirty="0" smtClean="0"/>
-              <a:t>They also come in to the lab twice a week to listen to the songs in lab (to make sure that they are at least listening to them that much) and to fill out a number of questionnaires. </a:t>
-            </a:r>
-          </a:p>
-          <a:p>
-            <a:endParaRPr lang="en-CA" baseline="0" dirty="0" smtClean="0"/>
+              <a:t>Starting with Young adults &amp; music </a:t>
+            </a:r>
+          </a:p>
+          <a:p>
+            <a:pPr lvl="1"/>
+            <a:r>
+              <a:rPr lang="en-CA" dirty="0" smtClean="0"/>
+              <a:t>Speech and movie has been done</a:t>
+            </a:r>
+          </a:p>
+          <a:p>
+            <a:r>
+              <a:rPr lang="en-CA" dirty="0" smtClean="0"/>
+              <a:t>Moving to healthy older adults</a:t>
+            </a:r>
+          </a:p>
+          <a:p>
+            <a:pPr lvl="1"/>
+            <a:r>
+              <a:rPr lang="en-CA" dirty="0" smtClean="0"/>
+              <a:t>Same music paradigm as younger adults</a:t>
+            </a:r>
+          </a:p>
+          <a:p>
+            <a:pPr lvl="1"/>
+            <a:r>
+              <a:rPr lang="en-CA" dirty="0" smtClean="0"/>
+              <a:t>Introduce well known music </a:t>
+            </a:r>
+          </a:p>
+          <a:p>
+            <a:pPr lvl="1"/>
+            <a:r>
+              <a:rPr lang="en-CA" dirty="0" smtClean="0"/>
+              <a:t>Maybe Hitchcock movie?</a:t>
+            </a:r>
+          </a:p>
+          <a:p>
+            <a:r>
+              <a:rPr lang="en-CA" dirty="0" smtClean="0"/>
+              <a:t>Finally to dementia/AD</a:t>
+            </a:r>
+          </a:p>
+          <a:p>
+            <a:pPr lvl="1"/>
+            <a:r>
+              <a:rPr lang="en-CA" dirty="0" smtClean="0"/>
+              <a:t>Use well known music only</a:t>
+            </a:r>
+          </a:p>
+          <a:p>
+            <a:pPr lvl="1"/>
+            <a:r>
+              <a:rPr lang="en-CA" dirty="0" smtClean="0"/>
+              <a:t>Use well characterized stim – Hitchcock movie, Taken, </a:t>
+            </a:r>
+            <a:r>
+              <a:rPr lang="en-CA" dirty="0" err="1" smtClean="0"/>
+              <a:t>etc</a:t>
+            </a:r>
+            <a:endParaRPr lang="en-CA" dirty="0" smtClean="0"/>
           </a:p>
           <a:p>
             <a:endParaRPr lang="en-CA" dirty="0"/>
@@ -1794,18 +4420,18 @@
           <a:bodyPr/>
           <a:lstStyle/>
           <a:p>
-            <a:fld id="{717BCE6A-23B2-F447-8723-4FF14C692392}" type="slidenum">
-              <a:rPr lang="en-US" smtClean="0"/>
-              <a:t>3</a:t>
+            <a:fld id="{2B2789B2-826E-41BD-B1F7-A734C17E5E7B}" type="slidenum">
+              <a:rPr lang="en-CA" smtClean="0"/>
+              <a:t>2</a:t>
             </a:fld>
-            <a:endParaRPr lang="en-US"/>
+            <a:endParaRPr lang="en-CA"/>
           </a:p>
         </p:txBody>
       </p:sp>
     </p:spTree>
     <p:extLst>
       <p:ext uri="{BB962C8B-B14F-4D97-AF65-F5344CB8AC3E}">
-        <p14:creationId xmlns:p14="http://schemas.microsoft.com/office/powerpoint/2010/main" val="1997794781"/>
+        <p14:creationId xmlns:p14="http://schemas.microsoft.com/office/powerpoint/2010/main" val="277468251"/>
       </p:ext>
     </p:extLst>
   </p:cSld>
@@ -1861,12 +4487,23 @@
           <a:p>
             <a:r>
               <a:rPr lang="en-CA" dirty="0" smtClean="0"/>
-              <a:t>Before</a:t>
+              <a:t>Over 2-3 weeks,</a:t>
             </a:r>
             <a:r>
               <a:rPr lang="en-CA" baseline="0" dirty="0" smtClean="0"/>
-              <a:t> the first scan I have participants complete a familiarity test on the stimuli. They have never heard the stimuli before but I get a baseline on my tasks as a starting point. </a:t>
-            </a:r>
+              <a:t> participants listen to 8 stimuli using an online music player that records each time they listen to the songs. </a:t>
+            </a:r>
+          </a:p>
+          <a:p>
+            <a:r>
+              <a:rPr lang="en-CA" baseline="0" dirty="0" smtClean="0"/>
+              <a:t>They also come in to the lab twice a week to listen to the songs in lab (to make sure that they are at least listening to them that much) and to fill out a number of questionnaires. </a:t>
+            </a:r>
+          </a:p>
+          <a:p>
+            <a:endParaRPr lang="en-CA" baseline="0" dirty="0" smtClean="0"/>
+          </a:p>
+          <a:p>
             <a:endParaRPr lang="en-CA" dirty="0"/>
           </a:p>
         </p:txBody>
@@ -1888,7 +4525,7 @@
           <a:p>
             <a:fld id="{717BCE6A-23B2-F447-8723-4FF14C692392}" type="slidenum">
               <a:rPr lang="en-US" smtClean="0"/>
-              <a:t>4</a:t>
+              <a:t>5</a:t>
             </a:fld>
             <a:endParaRPr lang="en-US"/>
           </a:p>
@@ -1897,7 +4534,7 @@
     </p:spTree>
     <p:extLst>
       <p:ext uri="{BB962C8B-B14F-4D97-AF65-F5344CB8AC3E}">
-        <p14:creationId xmlns:p14="http://schemas.microsoft.com/office/powerpoint/2010/main" val="3558042810"/>
+        <p14:creationId xmlns:p14="http://schemas.microsoft.com/office/powerpoint/2010/main" val="1997794781"/>
       </p:ext>
     </p:extLst>
   </p:cSld>
@@ -1953,23 +4590,8 @@
           <a:p>
             <a:r>
               <a:rPr lang="en-CA" dirty="0" smtClean="0"/>
-              <a:t>Over 2-3 weeks,</a:t>
-            </a:r>
-            <a:r>
-              <a:rPr lang="en-CA" baseline="0" dirty="0" smtClean="0"/>
-              <a:t> participants listen to 8 stimuli using an online music player that records each time they listen to the songs. </a:t>
-            </a:r>
-          </a:p>
-          <a:p>
-            <a:r>
-              <a:rPr lang="en-CA" baseline="0" dirty="0" smtClean="0"/>
-              <a:t>They also come in to the lab twice a week to listen to the songs in lab (to make sure that they are at least listening to them that much) and to fill out a number of questionnaires. </a:t>
-            </a:r>
-          </a:p>
-          <a:p>
-            <a:endParaRPr lang="en-CA" baseline="0" dirty="0" smtClean="0"/>
-          </a:p>
-          <a:p>
+              <a:t>Describe what the two familiarity tests are</a:t>
+            </a:r>
             <a:endParaRPr lang="en-CA" dirty="0"/>
           </a:p>
         </p:txBody>
@@ -1989,9 +4611,9 @@
           <a:bodyPr/>
           <a:lstStyle/>
           <a:p>
-            <a:fld id="{717BCE6A-23B2-F447-8723-4FF14C692392}" type="slidenum">
+            <a:fld id="{BA0C90E3-8C05-AF43-8579-8D2D04A296B0}" type="slidenum">
               <a:rPr lang="en-US" smtClean="0"/>
-              <a:t>5</a:t>
+              <a:t>6</a:t>
             </a:fld>
             <a:endParaRPr lang="en-US"/>
           </a:p>
@@ -2000,7 +4622,7 @@
     </p:spTree>
     <p:extLst>
       <p:ext uri="{BB962C8B-B14F-4D97-AF65-F5344CB8AC3E}">
-        <p14:creationId xmlns:p14="http://schemas.microsoft.com/office/powerpoint/2010/main" val="3870488345"/>
+        <p14:creationId xmlns:p14="http://schemas.microsoft.com/office/powerpoint/2010/main" val="2051879234"/>
       </p:ext>
     </p:extLst>
   </p:cSld>
@@ -2056,11 +4678,7 @@
           <a:p>
             <a:r>
               <a:rPr lang="en-CA" dirty="0" smtClean="0"/>
-              <a:t>After the final scan (which</a:t>
-            </a:r>
-            <a:r>
-              <a:rPr lang="en-CA" baseline="0" dirty="0" smtClean="0"/>
-              <a:t> is identical to the first) I have the participants complete a final familiarity test</a:t>
+              <a:t>Describe what the two familiarity tests are</a:t>
             </a:r>
             <a:endParaRPr lang="en-CA" dirty="0"/>
           </a:p>
@@ -2081,9 +4699,9 @@
           <a:bodyPr/>
           <a:lstStyle/>
           <a:p>
-            <a:fld id="{717BCE6A-23B2-F447-8723-4FF14C692392}" type="slidenum">
+            <a:fld id="{BA0C90E3-8C05-AF43-8579-8D2D04A296B0}" type="slidenum">
               <a:rPr lang="en-US" smtClean="0"/>
-              <a:t>6</a:t>
+              <a:t>7</a:t>
             </a:fld>
             <a:endParaRPr lang="en-US"/>
           </a:p>
@@ -2092,7 +4710,7 @@
     </p:spTree>
     <p:extLst>
       <p:ext uri="{BB962C8B-B14F-4D97-AF65-F5344CB8AC3E}">
-        <p14:creationId xmlns:p14="http://schemas.microsoft.com/office/powerpoint/2010/main" val="3581844322"/>
+        <p14:creationId xmlns:p14="http://schemas.microsoft.com/office/powerpoint/2010/main" val="3280679086"/>
       </p:ext>
     </p:extLst>
   </p:cSld>
@@ -2146,11 +4764,7 @@
           <a:bodyPr/>
           <a:lstStyle/>
           <a:p>
-            <a:r>
-              <a:rPr lang="en-CA" dirty="0" smtClean="0"/>
-              <a:t>Describe what the two familiarity tests are</a:t>
-            </a:r>
-            <a:endParaRPr lang="en-CA" dirty="0"/>
+            <a:endParaRPr lang="en-US" dirty="0"/>
           </a:p>
         </p:txBody>
       </p:sp>
@@ -2169,9 +4783,9 @@
           <a:bodyPr/>
           <a:lstStyle/>
           <a:p>
-            <a:fld id="{BA0C90E3-8C05-AF43-8579-8D2D04A296B0}" type="slidenum">
+            <a:fld id="{717BCE6A-23B2-F447-8723-4FF14C692392}" type="slidenum">
               <a:rPr lang="en-US" smtClean="0"/>
-              <a:t>7</a:t>
+              <a:t>8</a:t>
             </a:fld>
             <a:endParaRPr lang="en-US"/>
           </a:p>
@@ -2180,7 +4794,7 @@
     </p:spTree>
     <p:extLst>
       <p:ext uri="{BB962C8B-B14F-4D97-AF65-F5344CB8AC3E}">
-        <p14:creationId xmlns:p14="http://schemas.microsoft.com/office/powerpoint/2010/main" val="2051879234"/>
+        <p14:creationId xmlns:p14="http://schemas.microsoft.com/office/powerpoint/2010/main" val="3863261666"/>
       </p:ext>
     </p:extLst>
   </p:cSld>
@@ -2235,10 +4849,57 @@
           <a:lstStyle/>
           <a:p>
             <a:r>
-              <a:rPr lang="en-CA" dirty="0" smtClean="0"/>
-              <a:t>Describe what the two familiarity tests are</a:t>
-            </a:r>
-            <a:endParaRPr lang="en-CA" dirty="0"/>
+              <a:rPr lang="en-US" dirty="0" smtClean="0"/>
+              <a:t>Lab</a:t>
+            </a:r>
+            <a:r>
+              <a:rPr lang="en-US" baseline="0" dirty="0" smtClean="0"/>
+              <a:t> session 1= baseline</a:t>
+            </a:r>
+          </a:p>
+          <a:p>
+            <a:r>
+              <a:rPr lang="en-US" baseline="0" dirty="0" smtClean="0"/>
+              <a:t>Lab session 6 = after scan 2</a:t>
+            </a:r>
+          </a:p>
+          <a:p>
+            <a:endParaRPr lang="en-US" dirty="0" smtClean="0"/>
+          </a:p>
+          <a:p>
+            <a:r>
+              <a:rPr lang="en-US" dirty="0" smtClean="0"/>
+              <a:t>Each line is one participant</a:t>
+            </a:r>
+            <a:r>
+              <a:rPr lang="en-US" baseline="0" dirty="0" smtClean="0"/>
+              <a:t> </a:t>
+            </a:r>
+            <a:r>
+              <a:rPr lang="mr-IN" baseline="0" dirty="0" smtClean="0"/>
+              <a:t>–</a:t>
+            </a:r>
+            <a:r>
+              <a:rPr lang="en-US" baseline="0" dirty="0" smtClean="0"/>
+              <a:t> they all get better! They are learning the </a:t>
+            </a:r>
+            <a:r>
+              <a:rPr lang="en-US" baseline="0" dirty="0" smtClean="0"/>
+              <a:t>songs</a:t>
+            </a:r>
+          </a:p>
+          <a:p>
+            <a:r>
+              <a:rPr lang="en-US" baseline="0" dirty="0" smtClean="0"/>
+              <a:t>Average before scan 1 = 36.5%</a:t>
+            </a:r>
+          </a:p>
+          <a:p>
+            <a:r>
+              <a:rPr lang="en-US" baseline="0" dirty="0" smtClean="0"/>
+              <a:t>Average after scan 2 = 82%</a:t>
+            </a:r>
+            <a:endParaRPr lang="en-US" dirty="0"/>
           </a:p>
         </p:txBody>
       </p:sp>
@@ -2257,9 +4918,9 @@
           <a:bodyPr/>
           <a:lstStyle/>
           <a:p>
-            <a:fld id="{BA0C90E3-8C05-AF43-8579-8D2D04A296B0}" type="slidenum">
+            <a:fld id="{717BCE6A-23B2-F447-8723-4FF14C692392}" type="slidenum">
               <a:rPr lang="en-US" smtClean="0"/>
-              <a:t>8</a:t>
+              <a:t>9</a:t>
             </a:fld>
             <a:endParaRPr lang="en-US"/>
           </a:p>
@@ -2268,7 +4929,7 @@
     </p:spTree>
     <p:extLst>
       <p:ext uri="{BB962C8B-B14F-4D97-AF65-F5344CB8AC3E}">
-        <p14:creationId xmlns:p14="http://schemas.microsoft.com/office/powerpoint/2010/main" val="3280679086"/>
+        <p14:creationId xmlns:p14="http://schemas.microsoft.com/office/powerpoint/2010/main" val="131717076"/>
       </p:ext>
     </p:extLst>
   </p:cSld>
@@ -2322,6 +4983,29 @@
           <a:bodyPr/>
           <a:lstStyle/>
           <a:p>
+            <a:r>
+              <a:rPr lang="en-US" dirty="0" smtClean="0"/>
+              <a:t>How</a:t>
+            </a:r>
+            <a:r>
+              <a:rPr lang="en-US" baseline="0" dirty="0" smtClean="0"/>
+              <a:t> do the familiarity test scores after scan 2 relate to the number of times a participant heard the song</a:t>
+            </a:r>
+          </a:p>
+          <a:p>
+            <a:endParaRPr lang="en-US" baseline="0" dirty="0" smtClean="0"/>
+          </a:p>
+          <a:p>
+            <a:r>
+              <a:rPr lang="en-US" baseline="0" dirty="0" smtClean="0"/>
+              <a:t>Doesn’t look related to lyric modification score</a:t>
+            </a:r>
+          </a:p>
+          <a:p>
+            <a:r>
+              <a:rPr lang="en-US" baseline="0" dirty="0" smtClean="0"/>
+              <a:t>Looks related to melody memory score</a:t>
+            </a:r>
             <a:endParaRPr lang="en-US" dirty="0"/>
           </a:p>
         </p:txBody>
@@ -2343,233 +5027,7 @@
           <a:p>
             <a:fld id="{717BCE6A-23B2-F447-8723-4FF14C692392}" type="slidenum">
               <a:rPr lang="en-US" smtClean="0"/>
-              <a:t>9</a:t>
-            </a:fld>
-            <a:endParaRPr lang="en-US"/>
-          </a:p>
-        </p:txBody>
-      </p:sp>
-    </p:spTree>
-    <p:extLst>
-      <p:ext uri="{BB962C8B-B14F-4D97-AF65-F5344CB8AC3E}">
-        <p14:creationId xmlns:p14="http://schemas.microsoft.com/office/powerpoint/2010/main" val="3863261666"/>
-      </p:ext>
-    </p:extLst>
-  </p:cSld>
-  <p:clrMapOvr>
-    <a:masterClrMapping/>
-  </p:clrMapOvr>
-</p:notes>
-</file>
-
-<file path=ppt/notesSlides/notesSlide8.xml><?xml version="1.0" encoding="utf-8"?>
-<p:notes xmlns:a="http://schemas.openxmlformats.org/drawingml/2006/main" xmlns:r="http://schemas.openxmlformats.org/officeDocument/2006/relationships" xmlns:p="http://schemas.openxmlformats.org/presentationml/2006/main">
-  <p:cSld>
-    <p:spTree>
-      <p:nvGrpSpPr>
-        <p:cNvPr id="1" name=""/>
-        <p:cNvGrpSpPr/>
-        <p:nvPr/>
-      </p:nvGrpSpPr>
-      <p:grpSpPr>
-        <a:xfrm>
-          <a:off x="0" y="0"/>
-          <a:ext cx="0" cy="0"/>
-          <a:chOff x="0" y="0"/>
-          <a:chExt cx="0" cy="0"/>
-        </a:xfrm>
-      </p:grpSpPr>
-      <p:sp>
-        <p:nvSpPr>
-          <p:cNvPr id="2" name="Slide Image Placeholder 1"/>
-          <p:cNvSpPr>
-            <a:spLocks noGrp="1" noRot="1" noChangeAspect="1"/>
-          </p:cNvSpPr>
-          <p:nvPr>
-            <p:ph type="sldImg"/>
-          </p:nvPr>
-        </p:nvSpPr>
-        <p:spPr/>
-      </p:sp>
-      <p:sp>
-        <p:nvSpPr>
-          <p:cNvPr id="3" name="Notes Placeholder 2"/>
-          <p:cNvSpPr>
-            <a:spLocks noGrp="1"/>
-          </p:cNvSpPr>
-          <p:nvPr>
-            <p:ph type="body" idx="1"/>
-          </p:nvPr>
-        </p:nvSpPr>
-        <p:spPr/>
-        <p:txBody>
-          <a:bodyPr/>
-          <a:lstStyle/>
-          <a:p>
-            <a:r>
-              <a:rPr lang="en-US" dirty="0" smtClean="0"/>
-              <a:t>Lab</a:t>
-            </a:r>
-            <a:r>
-              <a:rPr lang="en-US" baseline="0" dirty="0" smtClean="0"/>
-              <a:t> session 1= baseline</a:t>
-            </a:r>
-          </a:p>
-          <a:p>
-            <a:r>
-              <a:rPr lang="en-US" baseline="0" dirty="0" smtClean="0"/>
-              <a:t>Lab session 6 = after scan 2</a:t>
-            </a:r>
-          </a:p>
-          <a:p>
-            <a:endParaRPr lang="en-US" dirty="0" smtClean="0"/>
-          </a:p>
-          <a:p>
-            <a:r>
-              <a:rPr lang="en-US" dirty="0" smtClean="0"/>
-              <a:t>Each line is one participant</a:t>
-            </a:r>
-            <a:r>
-              <a:rPr lang="en-US" baseline="0" dirty="0" smtClean="0"/>
-              <a:t> </a:t>
-            </a:r>
-            <a:r>
-              <a:rPr lang="mr-IN" baseline="0" dirty="0" smtClean="0"/>
-              <a:t>–</a:t>
-            </a:r>
-            <a:r>
-              <a:rPr lang="en-US" baseline="0" dirty="0" smtClean="0"/>
-              <a:t> they all get better! They are learning the songs</a:t>
-            </a:r>
-            <a:endParaRPr lang="en-US" dirty="0"/>
-          </a:p>
-        </p:txBody>
-      </p:sp>
-      <p:sp>
-        <p:nvSpPr>
-          <p:cNvPr id="4" name="Slide Number Placeholder 3"/>
-          <p:cNvSpPr>
-            <a:spLocks noGrp="1"/>
-          </p:cNvSpPr>
-          <p:nvPr>
-            <p:ph type="sldNum" sz="quarter" idx="10"/>
-          </p:nvPr>
-        </p:nvSpPr>
-        <p:spPr/>
-        <p:txBody>
-          <a:bodyPr/>
-          <a:lstStyle/>
-          <a:p>
-            <a:fld id="{717BCE6A-23B2-F447-8723-4FF14C692392}" type="slidenum">
-              <a:rPr lang="en-US" smtClean="0"/>
               <a:t>10</a:t>
-            </a:fld>
-            <a:endParaRPr lang="en-US"/>
-          </a:p>
-        </p:txBody>
-      </p:sp>
-    </p:spTree>
-    <p:extLst>
-      <p:ext uri="{BB962C8B-B14F-4D97-AF65-F5344CB8AC3E}">
-        <p14:creationId xmlns:p14="http://schemas.microsoft.com/office/powerpoint/2010/main" val="131717076"/>
-      </p:ext>
-    </p:extLst>
-  </p:cSld>
-  <p:clrMapOvr>
-    <a:masterClrMapping/>
-  </p:clrMapOvr>
-</p:notes>
-</file>
-
-<file path=ppt/notesSlides/notesSlide9.xml><?xml version="1.0" encoding="utf-8"?>
-<p:notes xmlns:a="http://schemas.openxmlformats.org/drawingml/2006/main" xmlns:r="http://schemas.openxmlformats.org/officeDocument/2006/relationships" xmlns:p="http://schemas.openxmlformats.org/presentationml/2006/main">
-  <p:cSld>
-    <p:spTree>
-      <p:nvGrpSpPr>
-        <p:cNvPr id="1" name=""/>
-        <p:cNvGrpSpPr/>
-        <p:nvPr/>
-      </p:nvGrpSpPr>
-      <p:grpSpPr>
-        <a:xfrm>
-          <a:off x="0" y="0"/>
-          <a:ext cx="0" cy="0"/>
-          <a:chOff x="0" y="0"/>
-          <a:chExt cx="0" cy="0"/>
-        </a:xfrm>
-      </p:grpSpPr>
-      <p:sp>
-        <p:nvSpPr>
-          <p:cNvPr id="2" name="Slide Image Placeholder 1"/>
-          <p:cNvSpPr>
-            <a:spLocks noGrp="1" noRot="1" noChangeAspect="1"/>
-          </p:cNvSpPr>
-          <p:nvPr>
-            <p:ph type="sldImg"/>
-          </p:nvPr>
-        </p:nvSpPr>
-        <p:spPr/>
-      </p:sp>
-      <p:sp>
-        <p:nvSpPr>
-          <p:cNvPr id="3" name="Notes Placeholder 2"/>
-          <p:cNvSpPr>
-            <a:spLocks noGrp="1"/>
-          </p:cNvSpPr>
-          <p:nvPr>
-            <p:ph type="body" idx="1"/>
-          </p:nvPr>
-        </p:nvSpPr>
-        <p:spPr/>
-        <p:txBody>
-          <a:bodyPr/>
-          <a:lstStyle/>
-          <a:p>
-            <a:r>
-              <a:rPr lang="en-US" dirty="0" smtClean="0"/>
-              <a:t>How</a:t>
-            </a:r>
-            <a:r>
-              <a:rPr lang="en-US" baseline="0" dirty="0" smtClean="0"/>
-              <a:t> do the familiarity test scores after scan 2 relate to the number of times a participant heard the song</a:t>
-            </a:r>
-          </a:p>
-          <a:p>
-            <a:endParaRPr lang="en-US" baseline="0" dirty="0" smtClean="0"/>
-          </a:p>
-          <a:p>
-            <a:r>
-              <a:rPr lang="en-US" baseline="0" dirty="0" smtClean="0"/>
-              <a:t>Doesn’t look related to lyric modification score</a:t>
-            </a:r>
-          </a:p>
-          <a:p>
-            <a:r>
-              <a:rPr lang="en-US" baseline="0" dirty="0" smtClean="0"/>
-              <a:t>Looks related to melody memory score</a:t>
-            </a:r>
-            <a:endParaRPr lang="en-US" dirty="0"/>
-          </a:p>
-        </p:txBody>
-      </p:sp>
-      <p:sp>
-        <p:nvSpPr>
-          <p:cNvPr id="4" name="Slide Number Placeholder 3"/>
-          <p:cNvSpPr>
-            <a:spLocks noGrp="1"/>
-          </p:cNvSpPr>
-          <p:nvPr>
-            <p:ph type="sldNum" sz="quarter" idx="10"/>
-          </p:nvPr>
-        </p:nvSpPr>
-        <p:spPr/>
-        <p:txBody>
-          <a:bodyPr/>
-          <a:lstStyle/>
-          <a:p>
-            <a:fld id="{717BCE6A-23B2-F447-8723-4FF14C692392}" type="slidenum">
-              <a:rPr lang="en-US" smtClean="0"/>
-              <a:t>11</a:t>
             </a:fld>
             <a:endParaRPr lang="en-US"/>
           </a:p>
@@ -2719,7 +5177,7 @@
           <a:p>
             <a:fld id="{C4FA8CDB-8DD7-4860-AB92-9053B68FDE61}" type="datetimeFigureOut">
               <a:rPr lang="en-CA" smtClean="0"/>
-              <a:t>25/04/2018</a:t>
+              <a:t>30/04/2018</a:t>
             </a:fld>
             <a:endParaRPr lang="en-CA"/>
           </a:p>
@@ -2889,7 +5347,7 @@
           <a:p>
             <a:fld id="{C4FA8CDB-8DD7-4860-AB92-9053B68FDE61}" type="datetimeFigureOut">
               <a:rPr lang="en-CA" smtClean="0"/>
-              <a:t>25/04/2018</a:t>
+              <a:t>30/04/2018</a:t>
             </a:fld>
             <a:endParaRPr lang="en-CA"/>
           </a:p>
@@ -3069,7 +5527,7 @@
           <a:p>
             <a:fld id="{C4FA8CDB-8DD7-4860-AB92-9053B68FDE61}" type="datetimeFigureOut">
               <a:rPr lang="en-CA" smtClean="0"/>
-              <a:t>25/04/2018</a:t>
+              <a:t>30/04/2018</a:t>
             </a:fld>
             <a:endParaRPr lang="en-CA"/>
           </a:p>
@@ -3239,7 +5697,7 @@
           <a:p>
             <a:fld id="{C4FA8CDB-8DD7-4860-AB92-9053B68FDE61}" type="datetimeFigureOut">
               <a:rPr lang="en-CA" smtClean="0"/>
-              <a:t>25/04/2018</a:t>
+              <a:t>30/04/2018</a:t>
             </a:fld>
             <a:endParaRPr lang="en-CA"/>
           </a:p>
@@ -3483,7 +5941,7 @@
           <a:p>
             <a:fld id="{C4FA8CDB-8DD7-4860-AB92-9053B68FDE61}" type="datetimeFigureOut">
               <a:rPr lang="en-CA" smtClean="0"/>
-              <a:t>25/04/2018</a:t>
+              <a:t>30/04/2018</a:t>
             </a:fld>
             <a:endParaRPr lang="en-CA"/>
           </a:p>
@@ -3715,7 +6173,7 @@
           <a:p>
             <a:fld id="{C4FA8CDB-8DD7-4860-AB92-9053B68FDE61}" type="datetimeFigureOut">
               <a:rPr lang="en-CA" smtClean="0"/>
-              <a:t>25/04/2018</a:t>
+              <a:t>30/04/2018</a:t>
             </a:fld>
             <a:endParaRPr lang="en-CA"/>
           </a:p>
@@ -4082,7 +6540,7 @@
           <a:p>
             <a:fld id="{C4FA8CDB-8DD7-4860-AB92-9053B68FDE61}" type="datetimeFigureOut">
               <a:rPr lang="en-CA" smtClean="0"/>
-              <a:t>25/04/2018</a:t>
+              <a:t>30/04/2018</a:t>
             </a:fld>
             <a:endParaRPr lang="en-CA"/>
           </a:p>
@@ -4200,7 +6658,7 @@
           <a:p>
             <a:fld id="{C4FA8CDB-8DD7-4860-AB92-9053B68FDE61}" type="datetimeFigureOut">
               <a:rPr lang="en-CA" smtClean="0"/>
-              <a:t>25/04/2018</a:t>
+              <a:t>30/04/2018</a:t>
             </a:fld>
             <a:endParaRPr lang="en-CA"/>
           </a:p>
@@ -4295,7 +6753,7 @@
           <a:p>
             <a:fld id="{C4FA8CDB-8DD7-4860-AB92-9053B68FDE61}" type="datetimeFigureOut">
               <a:rPr lang="en-CA" smtClean="0"/>
-              <a:t>25/04/2018</a:t>
+              <a:t>30/04/2018</a:t>
             </a:fld>
             <a:endParaRPr lang="en-CA"/>
           </a:p>
@@ -4572,7 +7030,7 @@
           <a:p>
             <a:fld id="{C4FA8CDB-8DD7-4860-AB92-9053B68FDE61}" type="datetimeFigureOut">
               <a:rPr lang="en-CA" smtClean="0"/>
-              <a:t>25/04/2018</a:t>
+              <a:t>30/04/2018</a:t>
             </a:fld>
             <a:endParaRPr lang="en-CA"/>
           </a:p>
@@ -4829,7 +7287,7 @@
           <a:p>
             <a:fld id="{C4FA8CDB-8DD7-4860-AB92-9053B68FDE61}" type="datetimeFigureOut">
               <a:rPr lang="en-CA" smtClean="0"/>
-              <a:t>25/04/2018</a:t>
+              <a:t>30/04/2018</a:t>
             </a:fld>
             <a:endParaRPr lang="en-CA"/>
           </a:p>
@@ -5042,7 +7500,7 @@
           <a:p>
             <a:fld id="{C4FA8CDB-8DD7-4860-AB92-9053B68FDE61}" type="datetimeFigureOut">
               <a:rPr lang="en-CA" smtClean="0"/>
-              <a:t>25/04/2018</a:t>
+              <a:t>30/04/2018</a:t>
             </a:fld>
             <a:endParaRPr lang="en-CA"/>
           </a:p>
@@ -5449,13 +7907,489 @@
       </p:grpSpPr>
       <p:sp>
         <p:nvSpPr>
+          <p:cNvPr id="2" name="Title 1"/>
+          <p:cNvSpPr>
+            <a:spLocks noGrp="1"/>
+          </p:cNvSpPr>
+          <p:nvPr>
+            <p:ph type="ctrTitle"/>
+          </p:nvPr>
+        </p:nvSpPr>
+        <p:spPr/>
+        <p:txBody>
+          <a:bodyPr/>
+          <a:lstStyle/>
+          <a:p>
+            <a:r>
+              <a:rPr lang="en-CA" dirty="0" smtClean="0"/>
+              <a:t>Committee Meeting</a:t>
+            </a:r>
+            <a:endParaRPr lang="en-CA" dirty="0"/>
+          </a:p>
+        </p:txBody>
+      </p:sp>
+      <p:sp>
+        <p:nvSpPr>
+          <p:cNvPr id="3" name="Subtitle 2"/>
+          <p:cNvSpPr>
+            <a:spLocks noGrp="1"/>
+          </p:cNvSpPr>
+          <p:nvPr>
+            <p:ph type="subTitle" idx="1"/>
+          </p:nvPr>
+        </p:nvSpPr>
+        <p:spPr/>
+        <p:txBody>
+          <a:bodyPr/>
+          <a:lstStyle/>
+          <a:p>
+            <a:r>
+              <a:rPr lang="en-CA" dirty="0" smtClean="0"/>
+              <a:t>May 3, 2018</a:t>
+            </a:r>
+            <a:endParaRPr lang="en-CA" dirty="0"/>
+          </a:p>
+        </p:txBody>
+      </p:sp>
+    </p:spTree>
+    <p:extLst>
+      <p:ext uri="{BB962C8B-B14F-4D97-AF65-F5344CB8AC3E}">
+        <p14:creationId xmlns:p14="http://schemas.microsoft.com/office/powerpoint/2010/main" val="2708760142"/>
+      </p:ext>
+    </p:extLst>
+  </p:cSld>
+  <p:clrMapOvr>
+    <a:masterClrMapping/>
+  </p:clrMapOvr>
+  <p:timing>
+    <p:tnLst>
+      <p:par>
+        <p:cTn id="1" dur="indefinite" restart="never" nodeType="tmRoot"/>
+      </p:par>
+    </p:tnLst>
+  </p:timing>
+</p:sld>
+</file>
+
+<file path=ppt/slides/slide10.xml><?xml version="1.0" encoding="utf-8"?>
+<p:sld xmlns:a="http://schemas.openxmlformats.org/drawingml/2006/main" xmlns:r="http://schemas.openxmlformats.org/officeDocument/2006/relationships" xmlns:p="http://schemas.openxmlformats.org/presentationml/2006/main">
+  <p:cSld>
+    <p:spTree>
+      <p:nvGrpSpPr>
+        <p:cNvPr id="1" name=""/>
+        <p:cNvGrpSpPr/>
+        <p:nvPr/>
+      </p:nvGrpSpPr>
+      <p:grpSpPr>
+        <a:xfrm>
+          <a:off x="0" y="0"/>
+          <a:ext cx="0" cy="0"/>
+          <a:chOff x="0" y="0"/>
+          <a:chExt cx="0" cy="0"/>
+        </a:xfrm>
+      </p:grpSpPr>
+      <p:sp>
+        <p:nvSpPr>
+          <p:cNvPr id="2" name="Title 1"/>
+          <p:cNvSpPr>
+            <a:spLocks noGrp="1"/>
+          </p:cNvSpPr>
+          <p:nvPr>
+            <p:ph type="title"/>
+          </p:nvPr>
+        </p:nvSpPr>
+        <p:spPr>
+          <a:xfrm>
+            <a:off x="561743" y="121133"/>
+            <a:ext cx="7886700" cy="1325563"/>
+          </a:xfrm>
+        </p:spPr>
+        <p:txBody>
+          <a:bodyPr>
+            <a:normAutofit/>
+          </a:bodyPr>
+          <a:lstStyle/>
+          <a:p>
+            <a:r>
+              <a:rPr lang="en-US" dirty="0" smtClean="0"/>
+              <a:t>Final </a:t>
+            </a:r>
+            <a:r>
+              <a:rPr lang="en-US" dirty="0" err="1" smtClean="0"/>
+              <a:t>Behavioural</a:t>
+            </a:r>
+            <a:r>
+              <a:rPr lang="en-US" dirty="0" smtClean="0"/>
+              <a:t> Memory Tests</a:t>
+            </a:r>
+            <a:endParaRPr lang="en-US" dirty="0"/>
+          </a:p>
+        </p:txBody>
+      </p:sp>
+      <p:sp>
+        <p:nvSpPr>
+          <p:cNvPr id="3" name="TextBox 2"/>
+          <p:cNvSpPr txBox="1"/>
+          <p:nvPr/>
+        </p:nvSpPr>
+        <p:spPr>
+          <a:xfrm>
+            <a:off x="6416262" y="1077364"/>
+            <a:ext cx="2134794" cy="369332"/>
+          </a:xfrm>
+          <a:prstGeom prst="rect">
+            <a:avLst/>
+          </a:prstGeom>
+          <a:noFill/>
+        </p:spPr>
+        <p:txBody>
+          <a:bodyPr wrap="none" rtlCol="0">
+            <a:spAutoFit/>
+          </a:bodyPr>
+          <a:lstStyle/>
+          <a:p>
+            <a:r>
+              <a:rPr lang="en-US" dirty="0" smtClean="0"/>
+              <a:t>scores after scan 2</a:t>
+            </a:r>
+            <a:endParaRPr lang="en-US" dirty="0"/>
+          </a:p>
+        </p:txBody>
+      </p:sp>
+      <p:graphicFrame>
+        <p:nvGraphicFramePr>
+          <p:cNvPr id="6" name="Chart 5"/>
+          <p:cNvGraphicFramePr>
+            <a:graphicFrameLocks/>
+          </p:cNvGraphicFramePr>
+          <p:nvPr>
+            <p:extLst>
+              <p:ext uri="{D42A27DB-BD31-4B8C-83A1-F6EECF244321}">
+                <p14:modId xmlns:p14="http://schemas.microsoft.com/office/powerpoint/2010/main" val="1368744080"/>
+              </p:ext>
+            </p:extLst>
+          </p:nvPr>
+        </p:nvGraphicFramePr>
+        <p:xfrm>
+          <a:off x="260126" y="1446696"/>
+          <a:ext cx="4088850" cy="2790767"/>
+        </p:xfrm>
+        <a:graphic>
+          <a:graphicData uri="http://schemas.openxmlformats.org/drawingml/2006/chart">
+            <c:chart xmlns:c="http://schemas.openxmlformats.org/drawingml/2006/chart" xmlns:r="http://schemas.openxmlformats.org/officeDocument/2006/relationships" r:id="rId3"/>
+          </a:graphicData>
+        </a:graphic>
+      </p:graphicFrame>
+      <p:graphicFrame>
+        <p:nvGraphicFramePr>
+          <p:cNvPr id="7" name="Chart 6"/>
+          <p:cNvGraphicFramePr>
+            <a:graphicFrameLocks/>
+          </p:cNvGraphicFramePr>
+          <p:nvPr>
+            <p:extLst>
+              <p:ext uri="{D42A27DB-BD31-4B8C-83A1-F6EECF244321}">
+                <p14:modId xmlns:p14="http://schemas.microsoft.com/office/powerpoint/2010/main" val="2311668354"/>
+              </p:ext>
+            </p:extLst>
+          </p:nvPr>
+        </p:nvGraphicFramePr>
+        <p:xfrm>
+          <a:off x="4630325" y="3323063"/>
+          <a:ext cx="3818118" cy="2927234"/>
+        </p:xfrm>
+        <a:graphic>
+          <a:graphicData uri="http://schemas.openxmlformats.org/drawingml/2006/chart">
+            <c:chart xmlns:c="http://schemas.openxmlformats.org/drawingml/2006/chart" xmlns:r="http://schemas.openxmlformats.org/officeDocument/2006/relationships" r:id="rId4"/>
+          </a:graphicData>
+        </a:graphic>
+      </p:graphicFrame>
+    </p:spTree>
+    <p:extLst>
+      <p:ext uri="{BB962C8B-B14F-4D97-AF65-F5344CB8AC3E}">
+        <p14:creationId xmlns:p14="http://schemas.microsoft.com/office/powerpoint/2010/main" val="2755287395"/>
+      </p:ext>
+    </p:extLst>
+  </p:cSld>
+  <p:clrMapOvr>
+    <a:masterClrMapping/>
+  </p:clrMapOvr>
+  <p:timing>
+    <p:tnLst>
+      <p:par>
+        <p:cTn id="1" dur="indefinite" restart="never" nodeType="tmRoot"/>
+      </p:par>
+    </p:tnLst>
+  </p:timing>
+</p:sld>
+</file>
+
+<file path=ppt/slides/slide2.xml><?xml version="1.0" encoding="utf-8"?>
+<p:sld xmlns:a="http://schemas.openxmlformats.org/drawingml/2006/main" xmlns:r="http://schemas.openxmlformats.org/officeDocument/2006/relationships" xmlns:p="http://schemas.openxmlformats.org/presentationml/2006/main">
+  <p:cSld>
+    <p:spTree>
+      <p:nvGrpSpPr>
+        <p:cNvPr id="1" name=""/>
+        <p:cNvGrpSpPr/>
+        <p:nvPr/>
+      </p:nvGrpSpPr>
+      <p:grpSpPr>
+        <a:xfrm>
+          <a:off x="0" y="0"/>
+          <a:ext cx="0" cy="0"/>
+          <a:chOff x="0" y="0"/>
+          <a:chExt cx="0" cy="0"/>
+        </a:xfrm>
+      </p:grpSpPr>
+      <p:sp>
+        <p:nvSpPr>
+          <p:cNvPr id="2" name="Title 1"/>
+          <p:cNvSpPr>
+            <a:spLocks noGrp="1"/>
+          </p:cNvSpPr>
+          <p:nvPr>
+            <p:ph type="title"/>
+          </p:nvPr>
+        </p:nvSpPr>
+        <p:spPr/>
+        <p:txBody>
+          <a:bodyPr/>
+          <a:lstStyle/>
+          <a:p>
+            <a:r>
+              <a:rPr lang="en-CA" dirty="0" smtClean="0"/>
+              <a:t>General question</a:t>
+            </a:r>
+            <a:endParaRPr lang="en-CA" dirty="0"/>
+          </a:p>
+        </p:txBody>
+      </p:sp>
+      <p:sp>
+        <p:nvSpPr>
+          <p:cNvPr id="3" name="Content Placeholder 2"/>
+          <p:cNvSpPr>
+            <a:spLocks noGrp="1"/>
+          </p:cNvSpPr>
+          <p:nvPr>
+            <p:ph idx="1"/>
+          </p:nvPr>
+        </p:nvSpPr>
+        <p:spPr/>
+        <p:txBody>
+          <a:bodyPr>
+            <a:normAutofit/>
+          </a:bodyPr>
+          <a:lstStyle/>
+          <a:p>
+            <a:r>
+              <a:rPr lang="en-CA" dirty="0" smtClean="0"/>
+              <a:t>How </a:t>
+            </a:r>
+            <a:r>
+              <a:rPr lang="en-CA" dirty="0" smtClean="0"/>
+              <a:t>does our processing of music change as we age?</a:t>
+            </a:r>
+            <a:endParaRPr lang="en-CA" dirty="0" smtClean="0"/>
+          </a:p>
+          <a:p>
+            <a:pPr lvl="1"/>
+            <a:r>
+              <a:rPr lang="en-CA" dirty="0" smtClean="0"/>
+              <a:t>BOLD fMRI data</a:t>
+            </a:r>
+          </a:p>
+          <a:p>
+            <a:pPr lvl="1"/>
+            <a:r>
+              <a:rPr lang="en-CA" dirty="0" smtClean="0"/>
+              <a:t>Inter-subject synchrony</a:t>
+            </a:r>
+          </a:p>
+          <a:p>
+            <a:endParaRPr lang="en-CA" dirty="0" smtClean="0"/>
+          </a:p>
+          <a:p>
+            <a:pPr lvl="1"/>
+            <a:endParaRPr lang="en-CA" dirty="0"/>
+          </a:p>
+        </p:txBody>
+      </p:sp>
+    </p:spTree>
+    <p:extLst>
+      <p:ext uri="{BB962C8B-B14F-4D97-AF65-F5344CB8AC3E}">
+        <p14:creationId xmlns:p14="http://schemas.microsoft.com/office/powerpoint/2010/main" val="2621877864"/>
+      </p:ext>
+    </p:extLst>
+  </p:cSld>
+  <p:clrMapOvr>
+    <a:masterClrMapping/>
+  </p:clrMapOvr>
+  <p:timing>
+    <p:tnLst>
+      <p:par>
+        <p:cTn id="1" dur="indefinite" restart="never" nodeType="tmRoot"/>
+      </p:par>
+    </p:tnLst>
+  </p:timing>
+</p:sld>
+</file>
+
+<file path=ppt/slides/slide3.xml><?xml version="1.0" encoding="utf-8"?>
+<p:sld xmlns:a="http://schemas.openxmlformats.org/drawingml/2006/main" xmlns:r="http://schemas.openxmlformats.org/officeDocument/2006/relationships" xmlns:p="http://schemas.openxmlformats.org/presentationml/2006/main">
+  <p:cSld>
+    <p:spTree>
+      <p:nvGrpSpPr>
+        <p:cNvPr id="1" name=""/>
+        <p:cNvGrpSpPr/>
+        <p:nvPr/>
+      </p:nvGrpSpPr>
+      <p:grpSpPr>
+        <a:xfrm>
+          <a:off x="0" y="0"/>
+          <a:ext cx="0" cy="0"/>
+          <a:chOff x="0" y="0"/>
+          <a:chExt cx="0" cy="0"/>
+        </a:xfrm>
+      </p:grpSpPr>
+      <p:sp>
+        <p:nvSpPr>
+          <p:cNvPr id="2" name="Title 1"/>
+          <p:cNvSpPr>
+            <a:spLocks noGrp="1"/>
+          </p:cNvSpPr>
+          <p:nvPr>
+            <p:ph type="title"/>
+          </p:nvPr>
+        </p:nvSpPr>
+        <p:spPr/>
+        <p:txBody>
+          <a:bodyPr/>
+          <a:lstStyle/>
+          <a:p>
+            <a:r>
+              <a:rPr lang="en-CA" dirty="0" smtClean="0"/>
+              <a:t>What is new?</a:t>
+            </a:r>
+            <a:endParaRPr lang="en-CA" dirty="0"/>
+          </a:p>
+        </p:txBody>
+      </p:sp>
+      <p:sp>
+        <p:nvSpPr>
+          <p:cNvPr id="3" name="Content Placeholder 2"/>
+          <p:cNvSpPr>
+            <a:spLocks noGrp="1"/>
+          </p:cNvSpPr>
+          <p:nvPr>
+            <p:ph idx="1"/>
+          </p:nvPr>
+        </p:nvSpPr>
+        <p:spPr/>
+        <p:txBody>
+          <a:bodyPr/>
+          <a:lstStyle/>
+          <a:p>
+            <a:r>
+              <a:rPr lang="en-CA" dirty="0" smtClean="0"/>
+              <a:t>Characterizing music familiarity without using long-known music</a:t>
+            </a:r>
+          </a:p>
+          <a:p>
+            <a:pPr lvl="1"/>
+            <a:r>
+              <a:rPr lang="en-CA" dirty="0" smtClean="0"/>
+              <a:t>Training paradigm controls for musical characteristics between known and unknown music</a:t>
+            </a:r>
+          </a:p>
+          <a:p>
+            <a:r>
+              <a:rPr lang="en-CA" dirty="0" smtClean="0"/>
+              <a:t>Inter-subject synchrony</a:t>
+            </a:r>
+          </a:p>
+          <a:p>
+            <a:pPr lvl="1"/>
+            <a:r>
+              <a:rPr lang="en-CA" dirty="0" smtClean="0"/>
+              <a:t>The way synchrony to music changes as we age has not yet been characterized.</a:t>
+            </a:r>
+            <a:endParaRPr lang="en-CA" dirty="0"/>
+          </a:p>
+          <a:p>
+            <a:pPr lvl="1"/>
+            <a:r>
+              <a:rPr lang="en-CA" dirty="0" smtClean="0"/>
+              <a:t>Exploring </a:t>
+            </a:r>
+            <a:r>
+              <a:rPr lang="en-CA" dirty="0"/>
+              <a:t>how other factors relate to </a:t>
+            </a:r>
+            <a:r>
+              <a:rPr lang="en-CA" dirty="0" smtClean="0"/>
+              <a:t>synchrony (e.g. familiarity</a:t>
+            </a:r>
+            <a:r>
+              <a:rPr lang="en-CA" dirty="0"/>
+              <a:t>, </a:t>
+            </a:r>
+            <a:r>
+              <a:rPr lang="en-CA" dirty="0" smtClean="0"/>
+              <a:t>cognition)</a:t>
+            </a:r>
+            <a:endParaRPr lang="en-CA" dirty="0"/>
+          </a:p>
+          <a:p>
+            <a:endParaRPr lang="en-CA" dirty="0"/>
+          </a:p>
+        </p:txBody>
+      </p:sp>
+    </p:spTree>
+    <p:extLst>
+      <p:ext uri="{BB962C8B-B14F-4D97-AF65-F5344CB8AC3E}">
+        <p14:creationId xmlns:p14="http://schemas.microsoft.com/office/powerpoint/2010/main" val="4016051087"/>
+      </p:ext>
+    </p:extLst>
+  </p:cSld>
+  <p:clrMapOvr>
+    <a:masterClrMapping/>
+  </p:clrMapOvr>
+  <p:timing>
+    <p:tnLst>
+      <p:par>
+        <p:cTn id="1" dur="indefinite" restart="never" nodeType="tmRoot"/>
+      </p:par>
+    </p:tnLst>
+  </p:timing>
+</p:sld>
+</file>
+
+<file path=ppt/slides/slide4.xml><?xml version="1.0" encoding="utf-8"?>
+<p:sld xmlns:a="http://schemas.openxmlformats.org/drawingml/2006/main" xmlns:r="http://schemas.openxmlformats.org/officeDocument/2006/relationships" xmlns:p="http://schemas.openxmlformats.org/presentationml/2006/main">
+  <p:cSld>
+    <p:spTree>
+      <p:nvGrpSpPr>
+        <p:cNvPr id="1" name=""/>
+        <p:cNvGrpSpPr/>
+        <p:nvPr/>
+      </p:nvGrpSpPr>
+      <p:grpSpPr>
+        <a:xfrm>
+          <a:off x="0" y="0"/>
+          <a:ext cx="0" cy="0"/>
+          <a:chOff x="0" y="0"/>
+          <a:chExt cx="0" cy="0"/>
+        </a:xfrm>
+      </p:grpSpPr>
+      <p:sp>
+        <p:nvSpPr>
           <p:cNvPr id="5" name="Rectangle 4"/>
           <p:cNvSpPr/>
           <p:nvPr/>
         </p:nvSpPr>
         <p:spPr>
           <a:xfrm>
-            <a:off x="615635" y="633743"/>
+            <a:off x="492972" y="1525841"/>
             <a:ext cx="3016313" cy="1376127"/>
           </a:xfrm>
           <a:prstGeom prst="rect">
@@ -5566,7 +8500,7 @@
         </p:nvSpPr>
         <p:spPr>
           <a:xfrm>
-            <a:off x="615636" y="2009870"/>
+            <a:off x="492973" y="2901968"/>
             <a:ext cx="3016313" cy="1756372"/>
           </a:xfrm>
           <a:prstGeom prst="rect">
@@ -5608,21 +8542,8 @@
                   <a:schemeClr val="tx1"/>
                 </a:solidFill>
               </a:rPr>
-              <a:t>Older </a:t>
-            </a:r>
-            <a:r>
-              <a:rPr lang="en-CA" sz="1200" b="1" u="sng" dirty="0" smtClean="0">
-                <a:solidFill>
-                  <a:schemeClr val="tx1"/>
-                </a:solidFill>
-              </a:rPr>
-              <a:t>Adults (healthy)</a:t>
-            </a:r>
-            <a:endParaRPr lang="en-CA" sz="1200" b="1" u="sng" dirty="0" smtClean="0">
-              <a:solidFill>
-                <a:schemeClr val="tx1"/>
-              </a:solidFill>
-            </a:endParaRPr>
+              <a:t>Older Adults (healthy)</a:t>
+            </a:r>
           </a:p>
           <a:p>
             <a:pPr algn="ctr"/>
@@ -5632,15 +8553,7 @@
                   <a:schemeClr val="tx1"/>
                 </a:solidFill>
               </a:rPr>
-              <a:t>How does the marker of music familiarity change with age</a:t>
-            </a:r>
-            <a:r>
-              <a:rPr lang="en-CA" sz="1200" b="1" dirty="0" smtClean="0">
-                <a:solidFill>
-                  <a:schemeClr val="tx1"/>
-                </a:solidFill>
-              </a:rPr>
-              <a:t>?</a:t>
+              <a:t>How does the marker of music familiarity change with age?</a:t>
             </a:r>
           </a:p>
           <a:p>
@@ -5662,52 +8575,33 @@
                   <a:schemeClr val="tx1"/>
                 </a:solidFill>
               </a:rPr>
-              <a:t>Run music training </a:t>
-            </a:r>
+              <a:t>Run music training paradigm &amp; use long known music</a:t>
+            </a:r>
+          </a:p>
+          <a:p>
+            <a:pPr marL="171450" indent="-171450">
+              <a:buFont typeface="Arial" panose="020B0604020202020204" pitchFamily="34" charset="0"/>
+              <a:buChar char="•"/>
+            </a:pPr>
             <a:r>
               <a:rPr lang="en-CA" sz="1200" dirty="0" smtClean="0">
                 <a:solidFill>
                   <a:schemeClr val="tx1"/>
                 </a:solidFill>
               </a:rPr>
-              <a:t>paradigm &amp; use long known music</a:t>
-            </a:r>
-            <a:endParaRPr lang="en-CA" sz="1200" dirty="0" smtClean="0">
-              <a:solidFill>
-                <a:schemeClr val="tx1"/>
-              </a:solidFill>
-            </a:endParaRPr>
-          </a:p>
-          <a:p>
-            <a:pPr marL="171450" indent="-171450">
-              <a:buFont typeface="Arial" panose="020B0604020202020204" pitchFamily="34" charset="0"/>
-              <a:buChar char="•"/>
-            </a:pPr>
+              <a:t>BOLD fMRI </a:t>
+            </a:r>
             <a:r>
               <a:rPr lang="en-CA" sz="1200" dirty="0" smtClean="0">
                 <a:solidFill>
                   <a:schemeClr val="tx1"/>
                 </a:solidFill>
               </a:rPr>
-              <a:t>BOLD fMRI data</a:t>
-            </a:r>
-          </a:p>
-          <a:p>
-            <a:pPr marL="171450" indent="-171450">
-              <a:buFont typeface="Arial" panose="020B0604020202020204" pitchFamily="34" charset="0"/>
-              <a:buChar char="•"/>
-            </a:pPr>
-            <a:r>
-              <a:rPr lang="en-CA" sz="1200" dirty="0" smtClean="0">
-                <a:solidFill>
-                  <a:srgbClr val="C00000"/>
-                </a:solidFill>
-              </a:rPr>
-              <a:t>CBS scores</a:t>
-            </a:r>
-            <a:endParaRPr lang="en-CA" sz="1200" dirty="0">
+              <a:t>data</a:t>
+            </a:r>
+            <a:endParaRPr lang="en-CA" sz="1200" dirty="0" smtClean="0">
               <a:solidFill>
-                <a:srgbClr val="C00000"/>
+                <a:schemeClr val="tx1"/>
               </a:solidFill>
             </a:endParaRPr>
           </a:p>
@@ -5721,7 +8615,7 @@
         </p:nvSpPr>
         <p:spPr>
           <a:xfrm>
-            <a:off x="3782837" y="624545"/>
+            <a:off x="3660174" y="1516643"/>
             <a:ext cx="3016313" cy="1376127"/>
           </a:xfrm>
           <a:prstGeom prst="rect">
@@ -5786,15 +8680,7 @@
                   <a:schemeClr val="tx1"/>
                 </a:solidFill>
               </a:rPr>
-              <a:t>What does it look like when young adults synchronize to familiar/unfamiliar music</a:t>
-            </a:r>
-            <a:r>
-              <a:rPr lang="en-CA" sz="1200" dirty="0" smtClean="0">
-                <a:solidFill>
-                  <a:schemeClr val="tx1"/>
-                </a:solidFill>
-              </a:rPr>
-              <a:t>?</a:t>
+              <a:t>What does it look like when young adults synchronize to familiar/unfamiliar music?</a:t>
             </a:r>
           </a:p>
           <a:p>
@@ -5810,11 +8696,6 @@
               </a:rPr>
               <a:t>Movies/speech has been done – music is a novel stimulus</a:t>
             </a:r>
-            <a:endParaRPr lang="en-CA" sz="1200" dirty="0" smtClean="0">
-              <a:solidFill>
-                <a:schemeClr val="tx1"/>
-              </a:solidFill>
-            </a:endParaRPr>
           </a:p>
         </p:txBody>
       </p:sp>
@@ -5826,7 +8707,7 @@
         </p:nvSpPr>
         <p:spPr>
           <a:xfrm>
-            <a:off x="3782838" y="2000817"/>
+            <a:off x="3660175" y="2892915"/>
             <a:ext cx="3016313" cy="1756372"/>
           </a:xfrm>
           <a:prstGeom prst="rect">
@@ -5897,11 +8778,6 @@
               </a:rPr>
               <a:t>usic synchrony change with age?</a:t>
             </a:r>
-            <a:endParaRPr lang="en-CA" sz="1200" b="1" dirty="0" smtClean="0">
-              <a:solidFill>
-                <a:schemeClr val="tx1"/>
-              </a:solidFill>
-            </a:endParaRPr>
           </a:p>
           <a:p>
             <a:pPr marL="171450" indent="-171450">
@@ -5928,15 +8804,7 @@
                   <a:schemeClr val="tx1"/>
                 </a:solidFill>
               </a:rPr>
-              <a:t>Synchrony to long known </a:t>
-            </a:r>
-            <a:r>
-              <a:rPr lang="en-CA" sz="1200" dirty="0" smtClean="0">
-                <a:solidFill>
-                  <a:schemeClr val="tx1"/>
-                </a:solidFill>
-              </a:rPr>
-              <a:t>music as </a:t>
+              <a:t>Synchrony to long known music as </a:t>
             </a:r>
             <a:r>
               <a:rPr lang="en-CA" sz="1200" dirty="0" smtClean="0">
@@ -5946,28 +8814,11 @@
               </a:rPr>
               <a:t>comparison</a:t>
             </a:r>
-          </a:p>
-          <a:p>
-            <a:pPr marL="171450" indent="-171450">
-              <a:buFont typeface="Arial" panose="020B0604020202020204" pitchFamily="34" charset="0"/>
-              <a:buChar char="•"/>
-            </a:pPr>
-            <a:r>
-              <a:rPr lang="en-CA" sz="1200" dirty="0" smtClean="0">
-                <a:solidFill>
-                  <a:srgbClr val="C00000"/>
-                </a:solidFill>
-              </a:rPr>
-              <a:t>CBS </a:t>
-            </a:r>
-            <a:r>
-              <a:rPr lang="en-CA" sz="1200" dirty="0" smtClean="0">
-                <a:solidFill>
-                  <a:srgbClr val="C00000"/>
-                </a:solidFill>
-              </a:rPr>
-              <a:t>scores</a:t>
-            </a:r>
+            <a:endParaRPr lang="en-CA" sz="1200" dirty="0" smtClean="0">
+              <a:solidFill>
+                <a:schemeClr val="tx1"/>
+              </a:solidFill>
+            </a:endParaRPr>
           </a:p>
         </p:txBody>
       </p:sp>
@@ -5979,7 +8830,7 @@
         </p:nvSpPr>
         <p:spPr>
           <a:xfrm>
-            <a:off x="6853469" y="2213573"/>
+            <a:off x="6730806" y="3105671"/>
             <a:ext cx="2098214" cy="3105338"/>
           </a:xfrm>
           <a:prstGeom prst="rect">
@@ -6048,8 +8899,24 @@
                   <a:schemeClr val="tx1"/>
                 </a:solidFill>
               </a:rPr>
-              <a:t>How does cognition change as we age?</a:t>
-            </a:r>
+              <a:t>How does cognition change as we age</a:t>
+            </a:r>
+            <a:r>
+              <a:rPr lang="en-CA" sz="1200" b="1" dirty="0" smtClean="0">
+                <a:solidFill>
+                  <a:schemeClr val="tx1"/>
+                </a:solidFill>
+              </a:rPr>
+              <a:t>?</a:t>
+            </a:r>
+            <a:endParaRPr lang="en-CA" sz="1200" dirty="0">
+              <a:solidFill>
+                <a:schemeClr val="tx1"/>
+              </a:solidFill>
+            </a:endParaRPr>
+          </a:p>
+          <a:p>
+            <a:pPr algn="ctr"/>
             <a:endParaRPr lang="en-CA" sz="1200" dirty="0" smtClean="0">
               <a:solidFill>
                 <a:schemeClr val="tx1"/>
@@ -6064,18 +8931,10 @@
             <a:r>
               <a:rPr lang="en-CA" sz="1200" dirty="0" smtClean="0">
                 <a:solidFill>
-                  <a:srgbClr val="C00000"/>
-                </a:solidFill>
-              </a:rPr>
-              <a:t>CBS</a:t>
-            </a:r>
-            <a:r>
-              <a:rPr lang="en-CA" sz="1200" dirty="0" smtClean="0">
-                <a:solidFill>
                   <a:schemeClr val="tx1"/>
                 </a:solidFill>
               </a:rPr>
-              <a:t>, </a:t>
+              <a:t>CBS as an addition to better differentiate </a:t>
             </a:r>
             <a:r>
               <a:rPr lang="en-CA" sz="1200" dirty="0" err="1" smtClean="0">
@@ -6085,24 +8944,13 @@
               </a:rPr>
               <a:t>MoCA</a:t>
             </a:r>
-            <a:endParaRPr lang="en-CA" sz="1200" dirty="0" smtClean="0">
-              <a:solidFill>
-                <a:schemeClr val="tx1"/>
-              </a:solidFill>
-            </a:endParaRPr>
-          </a:p>
-          <a:p>
-            <a:pPr marL="171450" indent="-171450">
-              <a:buFont typeface="Arial" panose="020B0604020202020204" pitchFamily="34" charset="0"/>
-              <a:buChar char="•"/>
-            </a:pPr>
             <a:r>
               <a:rPr lang="en-CA" sz="1200" dirty="0" smtClean="0">
                 <a:solidFill>
                   <a:schemeClr val="tx1"/>
                 </a:solidFill>
               </a:rPr>
-              <a:t>CBS as </a:t>
+              <a:t> </a:t>
             </a:r>
             <a:r>
               <a:rPr lang="en-CA" sz="1200" dirty="0" smtClean="0">
@@ -6110,27 +8958,33 @@
                   <a:schemeClr val="tx1"/>
                 </a:solidFill>
               </a:rPr>
-              <a:t>an addition to better differentiate </a:t>
-            </a:r>
-            <a:r>
-              <a:rPr lang="en-CA" sz="1200" dirty="0" err="1" smtClean="0">
+              <a:t>scores</a:t>
+            </a:r>
+          </a:p>
+          <a:p>
+            <a:pPr marL="171450" indent="-171450">
+              <a:buFont typeface="Arial" panose="020B0604020202020204" pitchFamily="34" charset="0"/>
+              <a:buChar char="•"/>
+            </a:pPr>
+            <a:r>
+              <a:rPr lang="en-CA" sz="1200" dirty="0">
                 <a:solidFill>
-                  <a:schemeClr val="tx1"/>
+                  <a:srgbClr val="C00000"/>
                 </a:solidFill>
               </a:rPr>
-              <a:t>MoCA</a:t>
+              <a:t>CBS </a:t>
             </a:r>
             <a:r>
               <a:rPr lang="en-CA" sz="1200" dirty="0" smtClean="0">
                 <a:solidFill>
-                  <a:schemeClr val="tx1"/>
+                  <a:srgbClr val="C00000"/>
                 </a:solidFill>
               </a:rPr>
-              <a:t> scores</a:t>
-            </a:r>
-            <a:endParaRPr lang="en-CA" sz="1200" dirty="0" smtClean="0">
+              <a:t>scores</a:t>
+            </a:r>
+            <a:endParaRPr lang="en-CA" sz="1200" dirty="0">
               <a:solidFill>
-                <a:schemeClr val="tx1"/>
+                <a:srgbClr val="C00000"/>
               </a:solidFill>
             </a:endParaRPr>
           </a:p>
@@ -6144,7 +8998,7 @@
         </p:nvSpPr>
         <p:spPr>
           <a:xfrm>
-            <a:off x="615634" y="3752787"/>
+            <a:off x="492971" y="4644885"/>
             <a:ext cx="3016313" cy="1778879"/>
           </a:xfrm>
           <a:prstGeom prst="rect">
@@ -6205,15 +9059,7 @@
                   <a:schemeClr val="tx1"/>
                 </a:solidFill>
               </a:rPr>
-              <a:t>aging disorders</a:t>
-            </a:r>
-            <a:r>
-              <a:rPr lang="en-CA" sz="1200" b="1" dirty="0" smtClean="0">
-                <a:solidFill>
-                  <a:schemeClr val="tx1"/>
-                </a:solidFill>
-              </a:rPr>
-              <a:t>?</a:t>
+              <a:t>aging disorders?</a:t>
             </a:r>
           </a:p>
           <a:p>
@@ -6237,39 +9083,33 @@
               </a:rPr>
               <a:t>BOLD fMRI data</a:t>
             </a:r>
+          </a:p>
+          <a:p>
+            <a:pPr marL="171450" indent="-171450">
+              <a:buFont typeface="Arial" panose="020B0604020202020204" pitchFamily="34" charset="0"/>
+              <a:buChar char="•"/>
+            </a:pPr>
+            <a:r>
+              <a:rPr lang="en-CA" sz="1200" dirty="0" smtClean="0">
+                <a:solidFill>
+                  <a:schemeClr val="tx1"/>
+                </a:solidFill>
+              </a:rPr>
+              <a:t>Long known stim </a:t>
+            </a:r>
+            <a:r>
+              <a:rPr lang="en-CA" sz="1200" dirty="0" smtClean="0">
+                <a:solidFill>
+                  <a:schemeClr val="tx1"/>
+                </a:solidFill>
+              </a:rPr>
+              <a:t>only</a:t>
+            </a:r>
             <a:endParaRPr lang="en-CA" sz="1200" dirty="0" smtClean="0">
               <a:solidFill>
                 <a:schemeClr val="tx1"/>
               </a:solidFill>
             </a:endParaRPr>
-          </a:p>
-          <a:p>
-            <a:pPr marL="171450" indent="-171450">
-              <a:buFont typeface="Arial" panose="020B0604020202020204" pitchFamily="34" charset="0"/>
-              <a:buChar char="•"/>
-            </a:pPr>
-            <a:r>
-              <a:rPr lang="en-CA" sz="1200" dirty="0" smtClean="0">
-                <a:solidFill>
-                  <a:schemeClr val="tx1"/>
-                </a:solidFill>
-              </a:rPr>
-              <a:t>Long known stim only</a:t>
-            </a:r>
-          </a:p>
-          <a:p>
-            <a:pPr marL="171450" indent="-171450">
-              <a:buFont typeface="Arial" panose="020B0604020202020204" pitchFamily="34" charset="0"/>
-              <a:buChar char="•"/>
-            </a:pPr>
-            <a:r>
-              <a:rPr lang="en-CA" sz="1200" dirty="0" smtClean="0">
-                <a:solidFill>
-                  <a:srgbClr val="C00000"/>
-                </a:solidFill>
-              </a:rPr>
-              <a:t>CBS scores</a:t>
-            </a:r>
           </a:p>
         </p:txBody>
       </p:sp>
@@ -6296,7 +9136,7 @@
         </p:blipFill>
         <p:spPr bwMode="auto">
           <a:xfrm>
-            <a:off x="3227973" y="685340"/>
+            <a:off x="3105310" y="1577438"/>
             <a:ext cx="269317" cy="280657"/>
           </a:xfrm>
           <a:prstGeom prst="rect">
@@ -6305,7 +9145,7 @@
           <a:noFill/>
           <a:extLst>
             <a:ext uri="{909E8E84-426E-40dd-AFC4-6F175D3DCCD1}">
-              <a14:hiddenFill xmlns="" xmlns:a14="http://schemas.microsoft.com/office/drawing/2010/main">
+              <a14:hiddenFill xmlns:a14="http://schemas.microsoft.com/office/drawing/2010/main" xmlns="">
                 <a:solidFill>
                   <a:srgbClr val="FFFFFF"/>
                 </a:solidFill>
@@ -6337,7 +9177,7 @@
         </p:blipFill>
         <p:spPr bwMode="auto">
           <a:xfrm>
-            <a:off x="6451096" y="685340"/>
+            <a:off x="6328433" y="1577438"/>
             <a:ext cx="269317" cy="280657"/>
           </a:xfrm>
           <a:prstGeom prst="rect">
@@ -6346,7 +9186,7 @@
           <a:noFill/>
           <a:extLst>
             <a:ext uri="{909E8E84-426E-40dd-AFC4-6F175D3DCCD1}">
-              <a14:hiddenFill xmlns="" xmlns:a14="http://schemas.microsoft.com/office/drawing/2010/main">
+              <a14:hiddenFill xmlns:a14="http://schemas.microsoft.com/office/drawing/2010/main" xmlns="">
                 <a:solidFill>
                   <a:srgbClr val="FFFFFF"/>
                 </a:solidFill>
@@ -6363,7 +9203,7 @@
         </p:nvCxnSpPr>
         <p:spPr>
           <a:xfrm>
-            <a:off x="712270" y="1831803"/>
+            <a:off x="589607" y="2723901"/>
             <a:ext cx="0" cy="356134"/>
           </a:xfrm>
           <a:prstGeom prst="straightConnector1">
@@ -6400,7 +9240,7 @@
         </p:nvCxnSpPr>
         <p:spPr>
           <a:xfrm>
-            <a:off x="3906253" y="1831803"/>
+            <a:off x="3783590" y="2723901"/>
             <a:ext cx="0" cy="356134"/>
           </a:xfrm>
           <a:prstGeom prst="straightConnector1">
@@ -6437,7 +9277,7 @@
         </p:nvCxnSpPr>
         <p:spPr>
           <a:xfrm flipV="1">
-            <a:off x="6658181" y="2888056"/>
+            <a:off x="6535518" y="3780154"/>
             <a:ext cx="400452" cy="1399"/>
           </a:xfrm>
           <a:prstGeom prst="straightConnector1">
@@ -6489,7 +9329,7 @@
         </p:blipFill>
         <p:spPr bwMode="auto">
           <a:xfrm>
-            <a:off x="697070" y="175019"/>
+            <a:off x="574407" y="1067117"/>
             <a:ext cx="269317" cy="280657"/>
           </a:xfrm>
           <a:prstGeom prst="rect">
@@ -6498,7 +9338,7 @@
           <a:noFill/>
           <a:extLst>
             <a:ext uri="{909E8E84-426E-40dd-AFC4-6F175D3DCCD1}">
-              <a14:hiddenFill xmlns="" xmlns:a14="http://schemas.microsoft.com/office/drawing/2010/main">
+              <a14:hiddenFill xmlns:a14="http://schemas.microsoft.com/office/drawing/2010/main" xmlns="">
                 <a:solidFill>
                   <a:srgbClr val="FFFFFF"/>
                 </a:solidFill>
@@ -6515,7 +9355,7 @@
         </p:nvSpPr>
         <p:spPr>
           <a:xfrm>
-            <a:off x="831728" y="178300"/>
+            <a:off x="709065" y="1070398"/>
             <a:ext cx="1947777" cy="307777"/>
           </a:xfrm>
           <a:prstGeom prst="rect">
@@ -6545,7 +9385,7 @@
         </p:nvSpPr>
         <p:spPr>
           <a:xfrm>
-            <a:off x="3788283" y="3757334"/>
+            <a:off x="3665620" y="4649432"/>
             <a:ext cx="3010867" cy="1778879"/>
           </a:xfrm>
           <a:prstGeom prst="rect">
@@ -6598,21 +9438,8 @@
                   <a:schemeClr val="tx1"/>
                 </a:solidFill>
               </a:rPr>
-              <a:t>How does m</a:t>
-            </a:r>
-            <a:r>
-              <a:rPr lang="en-CA" sz="1200" b="1" dirty="0" smtClean="0">
-                <a:solidFill>
-                  <a:schemeClr val="tx1"/>
-                </a:solidFill>
-              </a:rPr>
-              <a:t>usic synchrony change with aging disorders?</a:t>
-            </a:r>
-            <a:endParaRPr lang="en-CA" sz="1200" b="1" dirty="0" smtClean="0">
-              <a:solidFill>
-                <a:schemeClr val="tx1"/>
-              </a:solidFill>
-            </a:endParaRPr>
+              <a:t>How does music synchrony change with aging disorders?</a:t>
+            </a:r>
           </a:p>
           <a:p>
             <a:endParaRPr lang="en-CA" sz="1200" dirty="0" smtClean="0">
@@ -6632,7 +9459,7 @@
                   <a:schemeClr val="tx1"/>
                 </a:solidFill>
               </a:rPr>
-              <a:t>Synchrony to long </a:t>
+              <a:t>Synchrony to long known stim </a:t>
             </a:r>
             <a:r>
               <a:rPr lang="en-CA" sz="1200" dirty="0" smtClean="0">
@@ -6640,35 +9467,13 @@
                   <a:schemeClr val="tx1"/>
                 </a:solidFill>
               </a:rPr>
-              <a:t>known stim </a:t>
-            </a:r>
-            <a:r>
-              <a:rPr lang="en-CA" sz="1200" dirty="0" smtClean="0">
-                <a:solidFill>
-                  <a:schemeClr val="tx1"/>
-                </a:solidFill>
-              </a:rPr>
-              <a:t>only </a:t>
+              <a:t>only</a:t>
             </a:r>
             <a:endParaRPr lang="en-CA" sz="1200" dirty="0" smtClean="0">
               <a:solidFill>
                 <a:schemeClr val="tx1"/>
               </a:solidFill>
             </a:endParaRPr>
-          </a:p>
-          <a:p>
-            <a:pPr marL="171450" indent="-171450">
-              <a:buFont typeface="Arial" panose="020B0604020202020204" pitchFamily="34" charset="0"/>
-              <a:buChar char="•"/>
-            </a:pPr>
-            <a:r>
-              <a:rPr lang="en-CA" sz="1200" dirty="0" smtClean="0">
-                <a:solidFill>
-                  <a:srgbClr val="C00000"/>
-                </a:solidFill>
-              </a:rPr>
-              <a:t>CBS scores</a:t>
-            </a:r>
           </a:p>
         </p:txBody>
       </p:sp>
@@ -6680,7 +9485,7 @@
         </p:nvCxnSpPr>
         <p:spPr>
           <a:xfrm>
-            <a:off x="712270" y="3668148"/>
+            <a:off x="589607" y="4560246"/>
             <a:ext cx="0" cy="356134"/>
           </a:xfrm>
           <a:prstGeom prst="straightConnector1">
@@ -6717,7 +9522,7 @@
         </p:nvCxnSpPr>
         <p:spPr>
           <a:xfrm>
-            <a:off x="3906253" y="3668148"/>
+            <a:off x="3783590" y="4560246"/>
             <a:ext cx="0" cy="356134"/>
           </a:xfrm>
           <a:prstGeom prst="straightConnector1">
@@ -6769,7 +9574,7 @@
         </p:blipFill>
         <p:spPr bwMode="auto">
           <a:xfrm>
-            <a:off x="8592109" y="2310128"/>
+            <a:off x="8469446" y="3202226"/>
             <a:ext cx="269317" cy="280657"/>
           </a:xfrm>
           <a:prstGeom prst="rect">
@@ -6778,7 +9583,7 @@
           <a:noFill/>
           <a:extLst>
             <a:ext uri="{909E8E84-426E-40dd-AFC4-6F175D3DCCD1}">
-              <a14:hiddenFill xmlns="" xmlns:a14="http://schemas.microsoft.com/office/drawing/2010/main">
+              <a14:hiddenFill xmlns:a14="http://schemas.microsoft.com/office/drawing/2010/main" xmlns="">
                 <a:solidFill>
                   <a:srgbClr val="FFFFFF"/>
                 </a:solidFill>
@@ -6795,7 +9600,7 @@
         </p:nvCxnSpPr>
         <p:spPr>
           <a:xfrm flipV="1">
-            <a:off x="6658181" y="4642226"/>
+            <a:off x="6535518" y="5534324"/>
             <a:ext cx="400452" cy="1399"/>
           </a:xfrm>
           <a:prstGeom prst="straightConnector1">
@@ -6824,444 +9629,174 @@
           </a:fontRef>
         </p:style>
       </p:cxnSp>
-    </p:spTree>
-    <p:extLst>
-      <p:ext uri="{BB962C8B-B14F-4D97-AF65-F5344CB8AC3E}">
-        <p14:creationId xmlns:p14="http://schemas.microsoft.com/office/powerpoint/2010/main" val="3877421317"/>
-      </p:ext>
-    </p:extLst>
-  </p:cSld>
-  <p:clrMapOvr>
-    <a:masterClrMapping/>
-  </p:clrMapOvr>
-</p:sld>
-</file>
-
-<file path=ppt/slides/slide10.xml><?xml version="1.0" encoding="utf-8"?>
-<p:sld xmlns:a="http://schemas.openxmlformats.org/drawingml/2006/main" xmlns:r="http://schemas.openxmlformats.org/officeDocument/2006/relationships" xmlns:p="http://schemas.openxmlformats.org/presentationml/2006/main">
-  <p:cSld>
-    <p:spTree>
-      <p:nvGrpSpPr>
-        <p:cNvPr id="1" name=""/>
-        <p:cNvGrpSpPr/>
-        <p:nvPr/>
-      </p:nvGrpSpPr>
-      <p:grpSpPr>
-        <a:xfrm>
-          <a:off x="0" y="0"/>
-          <a:ext cx="0" cy="0"/>
-          <a:chOff x="0" y="0"/>
-          <a:chExt cx="0" cy="0"/>
-        </a:xfrm>
-      </p:grpSpPr>
       <p:sp>
         <p:nvSpPr>
-          <p:cNvPr id="2" name="Title 1"/>
-          <p:cNvSpPr>
-            <a:spLocks noGrp="1"/>
-          </p:cNvSpPr>
-          <p:nvPr>
-            <p:ph type="title"/>
-          </p:nvPr>
-        </p:nvSpPr>
-        <p:spPr/>
-        <p:txBody>
-          <a:bodyPr/>
-          <a:lstStyle/>
-          <a:p>
-            <a:r>
-              <a:rPr lang="en-US" dirty="0" smtClean="0"/>
-              <a:t>Lyric Modification Task</a:t>
-            </a:r>
-            <a:endParaRPr lang="en-US" dirty="0"/>
-          </a:p>
-        </p:txBody>
-      </p:sp>
-      <p:graphicFrame>
-        <p:nvGraphicFramePr>
-          <p:cNvPr id="5" name="Chart 4"/>
-          <p:cNvGraphicFramePr>
-            <a:graphicFrameLocks/>
-          </p:cNvGraphicFramePr>
-          <p:nvPr>
-            <p:extLst/>
-          </p:nvPr>
-        </p:nvGraphicFramePr>
-        <p:xfrm>
-          <a:off x="1202434" y="1630338"/>
-          <a:ext cx="7136695" cy="4282017"/>
-        </p:xfrm>
-        <a:graphic>
-          <a:graphicData uri="http://schemas.openxmlformats.org/drawingml/2006/chart">
-            <c:chart xmlns:c="http://schemas.openxmlformats.org/drawingml/2006/chart" xmlns:r="http://schemas.openxmlformats.org/officeDocument/2006/relationships" r:id="rId3"/>
-          </a:graphicData>
-        </a:graphic>
-      </p:graphicFrame>
-      <p:sp>
-        <p:nvSpPr>
-          <p:cNvPr id="3" name="TextBox 2"/>
-          <p:cNvSpPr txBox="1"/>
+          <p:cNvPr id="3" name="Rectangle 2"/>
+          <p:cNvSpPr/>
           <p:nvPr/>
         </p:nvSpPr>
         <p:spPr>
           <a:xfrm>
-            <a:off x="2302551" y="5122144"/>
-            <a:ext cx="743613" cy="307777"/>
+            <a:off x="3660174" y="4342699"/>
+            <a:ext cx="1024511" cy="276999"/>
           </a:xfrm>
           <a:prstGeom prst="rect">
             <a:avLst/>
           </a:prstGeom>
-          <a:noFill/>
         </p:spPr>
         <p:txBody>
-          <a:bodyPr wrap="none" rtlCol="0">
+          <a:bodyPr wrap="none">
             <a:spAutoFit/>
           </a:bodyPr>
           <a:lstStyle/>
           <a:p>
-            <a:r>
-              <a:rPr lang="en-CA" sz="1400" dirty="0" smtClean="0"/>
-              <a:t>Scan 1</a:t>
-            </a:r>
-            <a:endParaRPr lang="en-CA" sz="1400" dirty="0"/>
+            <a:pPr marL="171450" indent="-171450">
+              <a:buFont typeface="Arial" panose="020B0604020202020204" pitchFamily="34" charset="0"/>
+              <a:buChar char="•"/>
+            </a:pPr>
+            <a:r>
+              <a:rPr lang="en-CA" sz="1200" dirty="0">
+                <a:solidFill>
+                  <a:srgbClr val="C00000"/>
+                </a:solidFill>
+              </a:rPr>
+              <a:t>CBS scores</a:t>
+            </a:r>
+            <a:endParaRPr lang="en-CA" sz="1200" dirty="0">
+              <a:solidFill>
+                <a:srgbClr val="C00000"/>
+              </a:solidFill>
+            </a:endParaRPr>
           </a:p>
         </p:txBody>
       </p:sp>
       <p:sp>
         <p:nvSpPr>
-          <p:cNvPr id="6" name="TextBox 5"/>
-          <p:cNvSpPr txBox="1"/>
+          <p:cNvPr id="27" name="Rectangle 26"/>
+          <p:cNvSpPr/>
           <p:nvPr/>
         </p:nvSpPr>
         <p:spPr>
           <a:xfrm>
-            <a:off x="6363729" y="5105176"/>
-            <a:ext cx="743613" cy="307777"/>
+            <a:off x="492969" y="4365998"/>
+            <a:ext cx="1024511" cy="276999"/>
           </a:xfrm>
           <a:prstGeom prst="rect">
             <a:avLst/>
           </a:prstGeom>
-          <a:noFill/>
         </p:spPr>
         <p:txBody>
-          <a:bodyPr wrap="none" rtlCol="0">
+          <a:bodyPr wrap="none">
             <a:spAutoFit/>
           </a:bodyPr>
           <a:lstStyle/>
           <a:p>
-            <a:r>
-              <a:rPr lang="en-CA" sz="1400" dirty="0" smtClean="0"/>
-              <a:t>Scan 2</a:t>
-            </a:r>
-            <a:endParaRPr lang="en-CA" sz="1400" dirty="0"/>
+            <a:pPr marL="171450" indent="-171450">
+              <a:buFont typeface="Arial" panose="020B0604020202020204" pitchFamily="34" charset="0"/>
+              <a:buChar char="•"/>
+            </a:pPr>
+            <a:r>
+              <a:rPr lang="en-CA" sz="1200" dirty="0">
+                <a:solidFill>
+                  <a:srgbClr val="C00000"/>
+                </a:solidFill>
+              </a:rPr>
+              <a:t>CBS scores</a:t>
+            </a:r>
+            <a:endParaRPr lang="en-CA" sz="1200" dirty="0">
+              <a:solidFill>
+                <a:srgbClr val="C00000"/>
+              </a:solidFill>
+            </a:endParaRPr>
           </a:p>
         </p:txBody>
       </p:sp>
       <p:sp>
         <p:nvSpPr>
-          <p:cNvPr id="4" name="TextBox 3"/>
-          <p:cNvSpPr txBox="1"/>
+          <p:cNvPr id="28" name="Rectangle 27"/>
+          <p:cNvSpPr/>
           <p:nvPr/>
         </p:nvSpPr>
         <p:spPr>
           <a:xfrm>
-            <a:off x="3414888" y="5122144"/>
-            <a:ext cx="284515" cy="307777"/>
+            <a:off x="3660174" y="5960571"/>
+            <a:ext cx="1024511" cy="276999"/>
           </a:xfrm>
           <a:prstGeom prst="rect">
             <a:avLst/>
           </a:prstGeom>
-          <a:noFill/>
         </p:spPr>
         <p:txBody>
-          <a:bodyPr wrap="none" rtlCol="0">
+          <a:bodyPr wrap="none">
             <a:spAutoFit/>
           </a:bodyPr>
           <a:lstStyle/>
           <a:p>
-            <a:r>
-              <a:rPr lang="en-CA" sz="1400" dirty="0" smtClean="0"/>
-              <a:t>1</a:t>
-            </a:r>
-            <a:endParaRPr lang="en-CA" sz="1400" dirty="0"/>
+            <a:pPr marL="171450" indent="-171450">
+              <a:buFont typeface="Arial" panose="020B0604020202020204" pitchFamily="34" charset="0"/>
+              <a:buChar char="•"/>
+            </a:pPr>
+            <a:r>
+              <a:rPr lang="en-CA" sz="1200" dirty="0">
+                <a:solidFill>
+                  <a:srgbClr val="C00000"/>
+                </a:solidFill>
+              </a:rPr>
+              <a:t>CBS scores</a:t>
+            </a:r>
+            <a:endParaRPr lang="en-CA" sz="1200" dirty="0">
+              <a:solidFill>
+                <a:srgbClr val="C00000"/>
+              </a:solidFill>
+            </a:endParaRPr>
           </a:p>
         </p:txBody>
       </p:sp>
       <p:sp>
         <p:nvSpPr>
-          <p:cNvPr id="7" name="TextBox 6"/>
-          <p:cNvSpPr txBox="1"/>
+          <p:cNvPr id="29" name="Rectangle 28"/>
+          <p:cNvSpPr/>
           <p:nvPr/>
         </p:nvSpPr>
         <p:spPr>
           <a:xfrm>
-            <a:off x="4172920" y="5122144"/>
-            <a:ext cx="284515" cy="307777"/>
+            <a:off x="492968" y="6034467"/>
+            <a:ext cx="1024511" cy="276999"/>
           </a:xfrm>
           <a:prstGeom prst="rect">
             <a:avLst/>
           </a:prstGeom>
-          <a:noFill/>
         </p:spPr>
         <p:txBody>
-          <a:bodyPr wrap="none" rtlCol="0">
+          <a:bodyPr wrap="none">
             <a:spAutoFit/>
           </a:bodyPr>
           <a:lstStyle/>
           <a:p>
-            <a:r>
-              <a:rPr lang="en-CA" sz="1400" dirty="0"/>
-              <a:t>2</a:t>
-            </a:r>
-          </a:p>
-        </p:txBody>
-      </p:sp>
-      <p:sp>
-        <p:nvSpPr>
-          <p:cNvPr id="8" name="TextBox 7"/>
-          <p:cNvSpPr txBox="1"/>
-          <p:nvPr/>
-        </p:nvSpPr>
-        <p:spPr>
-          <a:xfrm>
-            <a:off x="4994187" y="5122144"/>
-            <a:ext cx="284515" cy="307777"/>
-          </a:xfrm>
-          <a:prstGeom prst="rect">
-            <a:avLst/>
-          </a:prstGeom>
-          <a:noFill/>
-        </p:spPr>
-        <p:txBody>
-          <a:bodyPr wrap="none" rtlCol="0">
-            <a:spAutoFit/>
-          </a:bodyPr>
-          <a:lstStyle/>
-          <a:p>
-            <a:r>
-              <a:rPr lang="en-CA" sz="1400" dirty="0"/>
-              <a:t>3</a:t>
-            </a:r>
-          </a:p>
-        </p:txBody>
-      </p:sp>
-      <p:sp>
-        <p:nvSpPr>
-          <p:cNvPr id="9" name="TextBox 8"/>
-          <p:cNvSpPr txBox="1"/>
-          <p:nvPr/>
-        </p:nvSpPr>
-        <p:spPr>
-          <a:xfrm>
-            <a:off x="5784409" y="5122144"/>
-            <a:ext cx="284515" cy="307777"/>
-          </a:xfrm>
-          <a:prstGeom prst="rect">
-            <a:avLst/>
-          </a:prstGeom>
-          <a:noFill/>
-        </p:spPr>
-        <p:txBody>
-          <a:bodyPr wrap="none" rtlCol="0">
-            <a:spAutoFit/>
-          </a:bodyPr>
-          <a:lstStyle/>
-          <a:p>
-            <a:r>
-              <a:rPr lang="en-CA" sz="1400" dirty="0" smtClean="0"/>
-              <a:t>4</a:t>
-            </a:r>
-            <a:endParaRPr lang="en-CA" sz="1400" dirty="0"/>
-          </a:p>
-        </p:txBody>
-      </p:sp>
-      <p:sp>
-        <p:nvSpPr>
-          <p:cNvPr id="10" name="Right Brace 9"/>
-          <p:cNvSpPr/>
-          <p:nvPr/>
-        </p:nvSpPr>
-        <p:spPr>
-          <a:xfrm rot="5400000">
-            <a:off x="4598979" y="3904689"/>
-            <a:ext cx="214151" cy="3090333"/>
-          </a:xfrm>
-          <a:prstGeom prst="rightBrace">
-            <a:avLst>
-              <a:gd name="adj1" fmla="val 8333"/>
-              <a:gd name="adj2" fmla="val 50853"/>
-            </a:avLst>
-          </a:prstGeom>
-          <a:ln w="12700" cmpd="sng"/>
-          <a:effectLst/>
-        </p:spPr>
-        <p:style>
-          <a:lnRef idx="2">
-            <a:schemeClr val="dk1"/>
-          </a:lnRef>
-          <a:fillRef idx="0">
-            <a:schemeClr val="dk1"/>
-          </a:fillRef>
-          <a:effectRef idx="1">
-            <a:schemeClr val="dk1"/>
-          </a:effectRef>
-          <a:fontRef idx="minor">
-            <a:schemeClr val="tx1"/>
-          </a:fontRef>
-        </p:style>
-        <p:txBody>
-          <a:bodyPr rtlCol="0" anchor="ctr"/>
-          <a:lstStyle/>
-          <a:p>
-            <a:pPr algn="ctr"/>
-            <a:endParaRPr lang="en-CA"/>
+            <a:pPr marL="171450" indent="-171450">
+              <a:buFont typeface="Arial" panose="020B0604020202020204" pitchFamily="34" charset="0"/>
+              <a:buChar char="•"/>
+            </a:pPr>
+            <a:r>
+              <a:rPr lang="en-CA" sz="1200" dirty="0">
+                <a:solidFill>
+                  <a:srgbClr val="C00000"/>
+                </a:solidFill>
+              </a:rPr>
+              <a:t>CBS scores</a:t>
+            </a:r>
+            <a:endParaRPr lang="en-CA" sz="1200" dirty="0">
+              <a:solidFill>
+                <a:srgbClr val="C00000"/>
+              </a:solidFill>
+            </a:endParaRPr>
           </a:p>
         </p:txBody>
       </p:sp>
     </p:spTree>
     <p:extLst>
       <p:ext uri="{BB962C8B-B14F-4D97-AF65-F5344CB8AC3E}">
-        <p14:creationId xmlns:p14="http://schemas.microsoft.com/office/powerpoint/2010/main" val="1756136429"/>
-      </p:ext>
-    </p:extLst>
-  </p:cSld>
-  <p:clrMapOvr>
-    <a:masterClrMapping/>
-  </p:clrMapOvr>
-  <p:timing>
-    <p:tnLst>
-      <p:par>
-        <p:cTn id="1" dur="indefinite" restart="never" nodeType="tmRoot"/>
-      </p:par>
-    </p:tnLst>
-  </p:timing>
-</p:sld>
-</file>
-
-<file path=ppt/slides/slide11.xml><?xml version="1.0" encoding="utf-8"?>
-<p:sld xmlns:a="http://schemas.openxmlformats.org/drawingml/2006/main" xmlns:r="http://schemas.openxmlformats.org/officeDocument/2006/relationships" xmlns:p="http://schemas.openxmlformats.org/presentationml/2006/main">
-  <p:cSld>
-    <p:spTree>
-      <p:nvGrpSpPr>
-        <p:cNvPr id="1" name=""/>
-        <p:cNvGrpSpPr/>
-        <p:nvPr/>
-      </p:nvGrpSpPr>
-      <p:grpSpPr>
-        <a:xfrm>
-          <a:off x="0" y="0"/>
-          <a:ext cx="0" cy="0"/>
-          <a:chOff x="0" y="0"/>
-          <a:chExt cx="0" cy="0"/>
-        </a:xfrm>
-      </p:grpSpPr>
-      <p:sp>
-        <p:nvSpPr>
-          <p:cNvPr id="2" name="Title 1"/>
-          <p:cNvSpPr>
-            <a:spLocks noGrp="1"/>
-          </p:cNvSpPr>
-          <p:nvPr>
-            <p:ph type="title"/>
-          </p:nvPr>
-        </p:nvSpPr>
-        <p:spPr/>
-        <p:txBody>
-          <a:bodyPr>
-            <a:normAutofit/>
-          </a:bodyPr>
-          <a:lstStyle/>
-          <a:p>
-            <a:r>
-              <a:rPr lang="en-US" dirty="0" smtClean="0"/>
-              <a:t>Final </a:t>
-            </a:r>
-            <a:r>
-              <a:rPr lang="en-US" dirty="0" err="1" smtClean="0"/>
-              <a:t>Behavioural</a:t>
-            </a:r>
-            <a:r>
-              <a:rPr lang="en-US" dirty="0" smtClean="0"/>
-              <a:t> Memory Tests</a:t>
-            </a:r>
-            <a:endParaRPr lang="en-US" dirty="0"/>
-          </a:p>
-        </p:txBody>
-      </p:sp>
-      <p:graphicFrame>
-        <p:nvGraphicFramePr>
-          <p:cNvPr id="4" name="Chart 3"/>
-          <p:cNvGraphicFramePr>
-            <a:graphicFrameLocks/>
-          </p:cNvGraphicFramePr>
-          <p:nvPr>
-            <p:extLst/>
-          </p:nvPr>
-        </p:nvGraphicFramePr>
-        <p:xfrm>
-          <a:off x="194675" y="1147367"/>
-          <a:ext cx="4750737" cy="2962367"/>
-        </p:xfrm>
-        <a:graphic>
-          <a:graphicData uri="http://schemas.openxmlformats.org/drawingml/2006/chart">
-            <c:chart xmlns:c="http://schemas.openxmlformats.org/drawingml/2006/chart" xmlns:r="http://schemas.openxmlformats.org/officeDocument/2006/relationships" r:id="rId3"/>
-          </a:graphicData>
-        </a:graphic>
-      </p:graphicFrame>
-      <p:graphicFrame>
-        <p:nvGraphicFramePr>
-          <p:cNvPr id="5" name="Chart 4"/>
-          <p:cNvGraphicFramePr>
-            <a:graphicFrameLocks/>
-          </p:cNvGraphicFramePr>
-          <p:nvPr>
-            <p:extLst/>
-          </p:nvPr>
-        </p:nvGraphicFramePr>
-        <p:xfrm>
-          <a:off x="4616409" y="3022650"/>
-          <a:ext cx="4338707" cy="3095594"/>
-        </p:xfrm>
-        <a:graphic>
-          <a:graphicData uri="http://schemas.openxmlformats.org/drawingml/2006/chart">
-            <c:chart xmlns:c="http://schemas.openxmlformats.org/drawingml/2006/chart" xmlns:r="http://schemas.openxmlformats.org/officeDocument/2006/relationships" r:id="rId4"/>
-          </a:graphicData>
-        </a:graphic>
-      </p:graphicFrame>
-      <p:sp>
-        <p:nvSpPr>
-          <p:cNvPr id="3" name="TextBox 2"/>
-          <p:cNvSpPr txBox="1"/>
-          <p:nvPr/>
-        </p:nvSpPr>
-        <p:spPr>
-          <a:xfrm>
-            <a:off x="6416262" y="1077364"/>
-            <a:ext cx="2134794" cy="369332"/>
-          </a:xfrm>
-          <a:prstGeom prst="rect">
-            <a:avLst/>
-          </a:prstGeom>
-          <a:noFill/>
-        </p:spPr>
-        <p:txBody>
-          <a:bodyPr wrap="none" rtlCol="0">
-            <a:spAutoFit/>
-          </a:bodyPr>
-          <a:lstStyle/>
-          <a:p>
-            <a:r>
-              <a:rPr lang="en-US" dirty="0" smtClean="0"/>
-              <a:t>scores after scan 2</a:t>
-            </a:r>
-            <a:endParaRPr lang="en-US" dirty="0"/>
-          </a:p>
-        </p:txBody>
-      </p:sp>
-    </p:spTree>
-    <p:extLst>
-      <p:ext uri="{BB962C8B-B14F-4D97-AF65-F5344CB8AC3E}">
-        <p14:creationId xmlns:p14="http://schemas.microsoft.com/office/powerpoint/2010/main" val="2755287395"/>
+        <p14:creationId xmlns:p14="http://schemas.microsoft.com/office/powerpoint/2010/main" val="3877421317"/>
       </p:ext>
     </p:extLst>
   </p:cSld>
@@ -7289,7 +9824,7 @@
                             </p:stCondLst>
                             <p:childTnLst>
                               <p:par>
-                                <p:cTn id="5" presetID="1" presetClass="entr" presetSubtype="0" fill="hold" grpId="0" nodeType="clickEffect">
+                                <p:cTn id="5" presetID="1" presetClass="entr" presetSubtype="0" fill="hold" nodeType="clickEffect">
                                   <p:stCondLst>
                                     <p:cond delay="0"/>
                                   </p:stCondLst>
@@ -7302,7 +9837,592 @@
                                           </p:stCondLst>
                                         </p:cTn>
                                         <p:tgtEl>
-                                          <p:spTgt spid="5"/>
+                                          <p:spTgt spid="14"/>
+                                        </p:tgtEl>
+                                        <p:attrNameLst>
+                                          <p:attrName>style.visibility</p:attrName>
+                                        </p:attrNameLst>
+                                      </p:cBhvr>
+                                      <p:to>
+                                        <p:strVal val="visible"/>
+                                      </p:to>
+                                    </p:set>
+                                  </p:childTnLst>
+                                </p:cTn>
+                              </p:par>
+                              <p:par>
+                                <p:cTn id="7" presetID="1" presetClass="entr" presetSubtype="0" fill="hold" nodeType="withEffect">
+                                  <p:stCondLst>
+                                    <p:cond delay="0"/>
+                                  </p:stCondLst>
+                                  <p:childTnLst>
+                                    <p:set>
+                                      <p:cBhvr>
+                                        <p:cTn id="8" dur="1" fill="hold">
+                                          <p:stCondLst>
+                                            <p:cond delay="0"/>
+                                          </p:stCondLst>
+                                        </p:cTn>
+                                        <p:tgtEl>
+                                          <p:spTgt spid="1026"/>
+                                        </p:tgtEl>
+                                        <p:attrNameLst>
+                                          <p:attrName>style.visibility</p:attrName>
+                                        </p:attrNameLst>
+                                      </p:cBhvr>
+                                      <p:to>
+                                        <p:strVal val="visible"/>
+                                      </p:to>
+                                    </p:set>
+                                  </p:childTnLst>
+                                </p:cTn>
+                              </p:par>
+                              <p:par>
+                                <p:cTn id="9" presetID="1" presetClass="entr" presetSubtype="0" fill="hold" grpId="0" nodeType="withEffect">
+                                  <p:stCondLst>
+                                    <p:cond delay="0"/>
+                                  </p:stCondLst>
+                                  <p:childTnLst>
+                                    <p:set>
+                                      <p:cBhvr>
+                                        <p:cTn id="10" dur="1" fill="hold">
+                                          <p:stCondLst>
+                                            <p:cond delay="0"/>
+                                          </p:stCondLst>
+                                        </p:cTn>
+                                        <p:tgtEl>
+                                          <p:spTgt spid="22"/>
+                                        </p:tgtEl>
+                                        <p:attrNameLst>
+                                          <p:attrName>style.visibility</p:attrName>
+                                        </p:attrNameLst>
+                                      </p:cBhvr>
+                                      <p:to>
+                                        <p:strVal val="visible"/>
+                                      </p:to>
+                                    </p:set>
+                                  </p:childTnLst>
+                                </p:cTn>
+                              </p:par>
+                              <p:par>
+                                <p:cTn id="11" presetID="1" presetClass="entr" presetSubtype="0" fill="hold" nodeType="withEffect">
+                                  <p:stCondLst>
+                                    <p:cond delay="0"/>
+                                  </p:stCondLst>
+                                  <p:childTnLst>
+                                    <p:set>
+                                      <p:cBhvr>
+                                        <p:cTn id="12" dur="1" fill="hold">
+                                          <p:stCondLst>
+                                            <p:cond delay="0"/>
+                                          </p:stCondLst>
+                                        </p:cTn>
+                                        <p:tgtEl>
+                                          <p:spTgt spid="24"/>
+                                        </p:tgtEl>
+                                        <p:attrNameLst>
+                                          <p:attrName>style.visibility</p:attrName>
+                                        </p:attrNameLst>
+                                      </p:cBhvr>
+                                      <p:to>
+                                        <p:strVal val="visible"/>
+                                      </p:to>
+                                    </p:set>
+                                  </p:childTnLst>
+                                </p:cTn>
+                              </p:par>
+                            </p:childTnLst>
+                          </p:cTn>
+                        </p:par>
+                      </p:childTnLst>
+                    </p:cTn>
+                  </p:par>
+                  <p:par>
+                    <p:cTn id="13" fill="hold">
+                      <p:stCondLst>
+                        <p:cond delay="indefinite"/>
+                      </p:stCondLst>
+                      <p:childTnLst>
+                        <p:par>
+                          <p:cTn id="14" fill="hold">
+                            <p:stCondLst>
+                              <p:cond delay="0"/>
+                            </p:stCondLst>
+                            <p:childTnLst>
+                              <p:par>
+                                <p:cTn id="15" presetID="1" presetClass="entr" presetSubtype="0" fill="hold" grpId="0" nodeType="clickEffect">
+                                  <p:stCondLst>
+                                    <p:cond delay="0"/>
+                                  </p:stCondLst>
+                                  <p:childTnLst>
+                                    <p:set>
+                                      <p:cBhvr>
+                                        <p:cTn id="16" dur="1" fill="hold">
+                                          <p:stCondLst>
+                                            <p:cond delay="0"/>
+                                          </p:stCondLst>
+                                        </p:cTn>
+                                        <p:tgtEl>
+                                          <p:spTgt spid="6"/>
+                                        </p:tgtEl>
+                                        <p:attrNameLst>
+                                          <p:attrName>style.visibility</p:attrName>
+                                        </p:attrNameLst>
+                                      </p:cBhvr>
+                                      <p:to>
+                                        <p:strVal val="visible"/>
+                                      </p:to>
+                                    </p:set>
+                                  </p:childTnLst>
+                                </p:cTn>
+                              </p:par>
+                              <p:par>
+                                <p:cTn id="17" presetID="1" presetClass="entr" presetSubtype="0" fill="hold" grpId="0" nodeType="withEffect">
+                                  <p:stCondLst>
+                                    <p:cond delay="0"/>
+                                  </p:stCondLst>
+                                  <p:childTnLst>
+                                    <p:set>
+                                      <p:cBhvr>
+                                        <p:cTn id="18" dur="1" fill="hold">
+                                          <p:stCondLst>
+                                            <p:cond delay="0"/>
+                                          </p:stCondLst>
+                                        </p:cTn>
+                                        <p:tgtEl>
+                                          <p:spTgt spid="8"/>
+                                        </p:tgtEl>
+                                        <p:attrNameLst>
+                                          <p:attrName>style.visibility</p:attrName>
+                                        </p:attrNameLst>
+                                      </p:cBhvr>
+                                      <p:to>
+                                        <p:strVal val="visible"/>
+                                      </p:to>
+                                    </p:set>
+                                  </p:childTnLst>
+                                </p:cTn>
+                              </p:par>
+                              <p:par>
+                                <p:cTn id="19" presetID="1" presetClass="entr" presetSubtype="0" fill="hold" nodeType="withEffect">
+                                  <p:stCondLst>
+                                    <p:cond delay="0"/>
+                                  </p:stCondLst>
+                                  <p:childTnLst>
+                                    <p:set>
+                                      <p:cBhvr>
+                                        <p:cTn id="20" dur="1" fill="hold">
+                                          <p:stCondLst>
+                                            <p:cond delay="0"/>
+                                          </p:stCondLst>
+                                        </p:cTn>
+                                        <p:tgtEl>
+                                          <p:spTgt spid="20"/>
+                                        </p:tgtEl>
+                                        <p:attrNameLst>
+                                          <p:attrName>style.visibility</p:attrName>
+                                        </p:attrNameLst>
+                                      </p:cBhvr>
+                                      <p:to>
+                                        <p:strVal val="visible"/>
+                                      </p:to>
+                                    </p:set>
+                                  </p:childTnLst>
+                                </p:cTn>
+                              </p:par>
+                              <p:par>
+                                <p:cTn id="21" presetID="1" presetClass="entr" presetSubtype="0" fill="hold" nodeType="withEffect">
+                                  <p:stCondLst>
+                                    <p:cond delay="0"/>
+                                  </p:stCondLst>
+                                  <p:childTnLst>
+                                    <p:set>
+                                      <p:cBhvr>
+                                        <p:cTn id="22" dur="1" fill="hold">
+                                          <p:stCondLst>
+                                            <p:cond delay="0"/>
+                                          </p:stCondLst>
+                                        </p:cTn>
+                                        <p:tgtEl>
+                                          <p:spTgt spid="16"/>
+                                        </p:tgtEl>
+                                        <p:attrNameLst>
+                                          <p:attrName>style.visibility</p:attrName>
+                                        </p:attrNameLst>
+                                      </p:cBhvr>
+                                      <p:to>
+                                        <p:strVal val="visible"/>
+                                      </p:to>
+                                    </p:set>
+                                  </p:childTnLst>
+                                </p:cTn>
+                              </p:par>
+                            </p:childTnLst>
+                          </p:cTn>
+                        </p:par>
+                      </p:childTnLst>
+                    </p:cTn>
+                  </p:par>
+                  <p:par>
+                    <p:cTn id="23" fill="hold">
+                      <p:stCondLst>
+                        <p:cond delay="indefinite"/>
+                      </p:stCondLst>
+                      <p:childTnLst>
+                        <p:par>
+                          <p:cTn id="24" fill="hold">
+                            <p:stCondLst>
+                              <p:cond delay="0"/>
+                            </p:stCondLst>
+                            <p:childTnLst>
+                              <p:par>
+                                <p:cTn id="25" presetID="1" presetClass="entr" presetSubtype="0" fill="hold" grpId="0" nodeType="clickEffect">
+                                  <p:stCondLst>
+                                    <p:cond delay="0"/>
+                                  </p:stCondLst>
+                                  <p:childTnLst>
+                                    <p:set>
+                                      <p:cBhvr>
+                                        <p:cTn id="26" dur="1" fill="hold">
+                                          <p:stCondLst>
+                                            <p:cond delay="0"/>
+                                          </p:stCondLst>
+                                        </p:cTn>
+                                        <p:tgtEl>
+                                          <p:spTgt spid="12"/>
+                                        </p:tgtEl>
+                                        <p:attrNameLst>
+                                          <p:attrName>style.visibility</p:attrName>
+                                        </p:attrNameLst>
+                                      </p:cBhvr>
+                                      <p:to>
+                                        <p:strVal val="visible"/>
+                                      </p:to>
+                                    </p:set>
+                                  </p:childTnLst>
+                                </p:cTn>
+                              </p:par>
+                              <p:par>
+                                <p:cTn id="27" presetID="1" presetClass="entr" presetSubtype="0" fill="hold" grpId="0" nodeType="withEffect">
+                                  <p:stCondLst>
+                                    <p:cond delay="0"/>
+                                  </p:stCondLst>
+                                  <p:childTnLst>
+                                    <p:set>
+                                      <p:cBhvr>
+                                        <p:cTn id="28" dur="1" fill="hold">
+                                          <p:stCondLst>
+                                            <p:cond delay="0"/>
+                                          </p:stCondLst>
+                                        </p:cTn>
+                                        <p:tgtEl>
+                                          <p:spTgt spid="18"/>
+                                        </p:tgtEl>
+                                        <p:attrNameLst>
+                                          <p:attrName>style.visibility</p:attrName>
+                                        </p:attrNameLst>
+                                      </p:cBhvr>
+                                      <p:to>
+                                        <p:strVal val="visible"/>
+                                      </p:to>
+                                    </p:set>
+                                  </p:childTnLst>
+                                </p:cTn>
+                              </p:par>
+                              <p:par>
+                                <p:cTn id="29" presetID="1" presetClass="entr" presetSubtype="0" fill="hold" nodeType="withEffect">
+                                  <p:stCondLst>
+                                    <p:cond delay="0"/>
+                                  </p:stCondLst>
+                                  <p:childTnLst>
+                                    <p:set>
+                                      <p:cBhvr>
+                                        <p:cTn id="30" dur="1" fill="hold">
+                                          <p:stCondLst>
+                                            <p:cond delay="0"/>
+                                          </p:stCondLst>
+                                        </p:cTn>
+                                        <p:tgtEl>
+                                          <p:spTgt spid="25"/>
+                                        </p:tgtEl>
+                                        <p:attrNameLst>
+                                          <p:attrName>style.visibility</p:attrName>
+                                        </p:attrNameLst>
+                                      </p:cBhvr>
+                                      <p:to>
+                                        <p:strVal val="visible"/>
+                                      </p:to>
+                                    </p:set>
+                                  </p:childTnLst>
+                                </p:cTn>
+                              </p:par>
+                              <p:par>
+                                <p:cTn id="31" presetID="1" presetClass="entr" presetSubtype="0" fill="hold" nodeType="withEffect">
+                                  <p:stCondLst>
+                                    <p:cond delay="0"/>
+                                  </p:stCondLst>
+                                  <p:childTnLst>
+                                    <p:set>
+                                      <p:cBhvr>
+                                        <p:cTn id="32" dur="1" fill="hold">
+                                          <p:stCondLst>
+                                            <p:cond delay="0"/>
+                                          </p:stCondLst>
+                                        </p:cTn>
+                                        <p:tgtEl>
+                                          <p:spTgt spid="19"/>
+                                        </p:tgtEl>
+                                        <p:attrNameLst>
+                                          <p:attrName>style.visibility</p:attrName>
+                                        </p:attrNameLst>
+                                      </p:cBhvr>
+                                      <p:to>
+                                        <p:strVal val="visible"/>
+                                      </p:to>
+                                    </p:set>
+                                  </p:childTnLst>
+                                </p:cTn>
+                              </p:par>
+                            </p:childTnLst>
+                          </p:cTn>
+                        </p:par>
+                      </p:childTnLst>
+                    </p:cTn>
+                  </p:par>
+                  <p:par>
+                    <p:cTn id="33" fill="hold">
+                      <p:stCondLst>
+                        <p:cond delay="indefinite"/>
+                      </p:stCondLst>
+                      <p:childTnLst>
+                        <p:par>
+                          <p:cTn id="34" fill="hold">
+                            <p:stCondLst>
+                              <p:cond delay="0"/>
+                            </p:stCondLst>
+                            <p:childTnLst>
+                              <p:par>
+                                <p:cTn id="35" presetID="1" presetClass="entr" presetSubtype="0" fill="hold" grpId="0" nodeType="clickEffect">
+                                  <p:stCondLst>
+                                    <p:cond delay="0"/>
+                                  </p:stCondLst>
+                                  <p:childTnLst>
+                                    <p:set>
+                                      <p:cBhvr>
+                                        <p:cTn id="36" dur="1" fill="hold">
+                                          <p:stCondLst>
+                                            <p:cond delay="0"/>
+                                          </p:stCondLst>
+                                        </p:cTn>
+                                        <p:tgtEl>
+                                          <p:spTgt spid="10"/>
+                                        </p:tgtEl>
+                                        <p:attrNameLst>
+                                          <p:attrName>style.visibility</p:attrName>
+                                        </p:attrNameLst>
+                                      </p:cBhvr>
+                                      <p:to>
+                                        <p:strVal val="visible"/>
+                                      </p:to>
+                                    </p:set>
+                                  </p:childTnLst>
+                                </p:cTn>
+                              </p:par>
+                              <p:par>
+                                <p:cTn id="37" presetID="1" presetClass="entr" presetSubtype="0" fill="hold" nodeType="withEffect">
+                                  <p:stCondLst>
+                                    <p:cond delay="0"/>
+                                  </p:stCondLst>
+                                  <p:childTnLst>
+                                    <p:set>
+                                      <p:cBhvr>
+                                        <p:cTn id="38" dur="1" fill="hold">
+                                          <p:stCondLst>
+                                            <p:cond delay="0"/>
+                                          </p:stCondLst>
+                                        </p:cTn>
+                                        <p:tgtEl>
+                                          <p:spTgt spid="21"/>
+                                        </p:tgtEl>
+                                        <p:attrNameLst>
+                                          <p:attrName>style.visibility</p:attrName>
+                                        </p:attrNameLst>
+                                      </p:cBhvr>
+                                      <p:to>
+                                        <p:strVal val="visible"/>
+                                      </p:to>
+                                    </p:set>
+                                  </p:childTnLst>
+                                </p:cTn>
+                              </p:par>
+                              <p:par>
+                                <p:cTn id="39" presetID="1" presetClass="entr" presetSubtype="0" fill="hold" nodeType="withEffect">
+                                  <p:stCondLst>
+                                    <p:cond delay="0"/>
+                                  </p:stCondLst>
+                                  <p:childTnLst>
+                                    <p:set>
+                                      <p:cBhvr>
+                                        <p:cTn id="40" dur="1" fill="hold">
+                                          <p:stCondLst>
+                                            <p:cond delay="0"/>
+                                          </p:stCondLst>
+                                        </p:cTn>
+                                        <p:tgtEl>
+                                          <p:spTgt spid="23"/>
+                                        </p:tgtEl>
+                                        <p:attrNameLst>
+                                          <p:attrName>style.visibility</p:attrName>
+                                        </p:attrNameLst>
+                                      </p:cBhvr>
+                                      <p:to>
+                                        <p:strVal val="visible"/>
+                                      </p:to>
+                                    </p:set>
+                                  </p:childTnLst>
+                                </p:cTn>
+                              </p:par>
+                              <p:par>
+                                <p:cTn id="41" presetID="1" presetClass="entr" presetSubtype="0" fill="hold" nodeType="withEffect">
+                                  <p:stCondLst>
+                                    <p:cond delay="0"/>
+                                  </p:stCondLst>
+                                  <p:childTnLst>
+                                    <p:set>
+                                      <p:cBhvr>
+                                        <p:cTn id="42" dur="1" fill="hold">
+                                          <p:stCondLst>
+                                            <p:cond delay="0"/>
+                                          </p:stCondLst>
+                                        </p:cTn>
+                                        <p:tgtEl>
+                                          <p:spTgt spid="26"/>
+                                        </p:tgtEl>
+                                        <p:attrNameLst>
+                                          <p:attrName>style.visibility</p:attrName>
+                                        </p:attrNameLst>
+                                      </p:cBhvr>
+                                      <p:to>
+                                        <p:strVal val="visible"/>
+                                      </p:to>
+                                    </p:set>
+                                  </p:childTnLst>
+                                </p:cTn>
+                              </p:par>
+                            </p:childTnLst>
+                          </p:cTn>
+                        </p:par>
+                      </p:childTnLst>
+                    </p:cTn>
+                  </p:par>
+                  <p:par>
+                    <p:cTn id="43" fill="hold">
+                      <p:stCondLst>
+                        <p:cond delay="indefinite"/>
+                      </p:stCondLst>
+                      <p:childTnLst>
+                        <p:par>
+                          <p:cTn id="44" fill="hold">
+                            <p:stCondLst>
+                              <p:cond delay="0"/>
+                            </p:stCondLst>
+                            <p:childTnLst>
+                              <p:par>
+                                <p:cTn id="45" presetID="1" presetClass="entr" presetSubtype="0" fill="hold" grpId="0" nodeType="clickEffect">
+                                  <p:stCondLst>
+                                    <p:cond delay="0"/>
+                                  </p:stCondLst>
+                                  <p:childTnLst>
+                                    <p:set>
+                                      <p:cBhvr>
+                                        <p:cTn id="46" dur="1" fill="hold">
+                                          <p:stCondLst>
+                                            <p:cond delay="0"/>
+                                          </p:stCondLst>
+                                        </p:cTn>
+                                        <p:tgtEl>
+                                          <p:spTgt spid="28"/>
+                                        </p:tgtEl>
+                                        <p:attrNameLst>
+                                          <p:attrName>style.visibility</p:attrName>
+                                        </p:attrNameLst>
+                                      </p:cBhvr>
+                                      <p:to>
+                                        <p:strVal val="visible"/>
+                                      </p:to>
+                                    </p:set>
+                                  </p:childTnLst>
+                                </p:cTn>
+                              </p:par>
+                              <p:par>
+                                <p:cTn id="47" presetID="1" presetClass="entr" presetSubtype="0" fill="hold" grpId="0" nodeType="withEffect">
+                                  <p:stCondLst>
+                                    <p:cond delay="0"/>
+                                  </p:stCondLst>
+                                  <p:childTnLst>
+                                    <p:set>
+                                      <p:cBhvr>
+                                        <p:cTn id="48" dur="1" fill="hold">
+                                          <p:stCondLst>
+                                            <p:cond delay="0"/>
+                                          </p:stCondLst>
+                                        </p:cTn>
+                                        <p:tgtEl>
+                                          <p:spTgt spid="29"/>
+                                        </p:tgtEl>
+                                        <p:attrNameLst>
+                                          <p:attrName>style.visibility</p:attrName>
+                                        </p:attrNameLst>
+                                      </p:cBhvr>
+                                      <p:to>
+                                        <p:strVal val="visible"/>
+                                      </p:to>
+                                    </p:set>
+                                  </p:childTnLst>
+                                </p:cTn>
+                              </p:par>
+                              <p:par>
+                                <p:cTn id="49" presetID="1" presetClass="entr" presetSubtype="0" fill="hold" grpId="0" nodeType="withEffect">
+                                  <p:stCondLst>
+                                    <p:cond delay="0"/>
+                                  </p:stCondLst>
+                                  <p:childTnLst>
+                                    <p:set>
+                                      <p:cBhvr>
+                                        <p:cTn id="50" dur="1" fill="hold">
+                                          <p:stCondLst>
+                                            <p:cond delay="0"/>
+                                          </p:stCondLst>
+                                        </p:cTn>
+                                        <p:tgtEl>
+                                          <p:spTgt spid="27"/>
+                                        </p:tgtEl>
+                                        <p:attrNameLst>
+                                          <p:attrName>style.visibility</p:attrName>
+                                        </p:attrNameLst>
+                                      </p:cBhvr>
+                                      <p:to>
+                                        <p:strVal val="visible"/>
+                                      </p:to>
+                                    </p:set>
+                                  </p:childTnLst>
+                                </p:cTn>
+                              </p:par>
+                              <p:par>
+                                <p:cTn id="51" presetID="1" presetClass="entr" presetSubtype="0" fill="hold" grpId="0" nodeType="withEffect">
+                                  <p:stCondLst>
+                                    <p:cond delay="0"/>
+                                  </p:stCondLst>
+                                  <p:childTnLst>
+                                    <p:set>
+                                      <p:cBhvr>
+                                        <p:cTn id="52" dur="1" fill="hold">
+                                          <p:stCondLst>
+                                            <p:cond delay="0"/>
+                                          </p:stCondLst>
+                                        </p:cTn>
+                                        <p:tgtEl>
+                                          <p:spTgt spid="3"/>
                                         </p:tgtEl>
                                         <p:attrNameLst>
                                           <p:attrName>style.visibility</p:attrName>
@@ -7343,15 +10463,22 @@
       </p:par>
     </p:tnLst>
     <p:bldLst>
-      <p:bldGraphic spid="5" grpId="0">
-        <p:bldAsOne/>
-      </p:bldGraphic>
+      <p:bldP spid="6" grpId="0" animBg="1"/>
+      <p:bldP spid="8" grpId="0" animBg="1"/>
+      <p:bldP spid="10" grpId="0" animBg="1"/>
+      <p:bldP spid="12" grpId="0" animBg="1"/>
+      <p:bldP spid="22" grpId="0"/>
+      <p:bldP spid="18" grpId="0" animBg="1"/>
+      <p:bldP spid="3" grpId="0"/>
+      <p:bldP spid="27" grpId="0"/>
+      <p:bldP spid="28" grpId="0"/>
+      <p:bldP spid="29" grpId="0"/>
     </p:bldLst>
   </p:timing>
 </p:sld>
 </file>
 
-<file path=ppt/slides/slide2.xml><?xml version="1.0" encoding="utf-8"?>
+<file path=ppt/slides/slide5.xml><?xml version="1.0" encoding="utf-8"?>
 <p:sld xmlns:a="http://schemas.openxmlformats.org/drawingml/2006/main" xmlns:r="http://schemas.openxmlformats.org/officeDocument/2006/relationships" xmlns:p="http://schemas.openxmlformats.org/presentationml/2006/main">
   <p:cSld>
     <p:spTree>
@@ -7378,170 +10505,19 @@
             <p:ph type="title"/>
           </p:nvPr>
         </p:nvSpPr>
-        <p:spPr/>
+        <p:spPr>
+          <a:xfrm>
+            <a:off x="628650" y="142102"/>
+            <a:ext cx="7886700" cy="1325563"/>
+          </a:xfrm>
+        </p:spPr>
         <p:txBody>
           <a:bodyPr/>
           <a:lstStyle/>
           <a:p>
-            <a:endParaRPr lang="en-CA" dirty="0"/>
-          </a:p>
-        </p:txBody>
-      </p:sp>
-      <p:sp>
-        <p:nvSpPr>
-          <p:cNvPr id="3" name="Content Placeholder 2"/>
-          <p:cNvSpPr>
-            <a:spLocks noGrp="1"/>
-          </p:cNvSpPr>
-          <p:nvPr>
-            <p:ph idx="1"/>
-          </p:nvPr>
-        </p:nvSpPr>
-        <p:spPr/>
-        <p:txBody>
-          <a:bodyPr>
-            <a:normAutofit fontScale="92500" lnSpcReduction="20000"/>
-          </a:bodyPr>
-          <a:lstStyle/>
-          <a:p>
-            <a:r>
-              <a:rPr lang="en-CA" dirty="0" smtClean="0"/>
-              <a:t>How does synchrony change as we age</a:t>
-            </a:r>
-          </a:p>
-          <a:p>
-            <a:pPr lvl="1"/>
-            <a:r>
-              <a:rPr lang="en-CA" dirty="0" smtClean="0"/>
-              <a:t>Getting out of speech domain – using music</a:t>
-            </a:r>
-          </a:p>
-          <a:p>
-            <a:pPr lvl="1"/>
-            <a:r>
-              <a:rPr lang="en-CA" dirty="0" smtClean="0"/>
-              <a:t>Exploring how other factors relate to synchrony – familiarity, cognition</a:t>
-            </a:r>
-          </a:p>
-          <a:p>
-            <a:r>
-              <a:rPr lang="en-CA" dirty="0" smtClean="0"/>
-              <a:t>Starting with Young adults &amp; music </a:t>
-            </a:r>
-          </a:p>
-          <a:p>
-            <a:pPr lvl="1"/>
-            <a:r>
-              <a:rPr lang="en-CA" dirty="0" smtClean="0"/>
-              <a:t>Speech and movie has been done</a:t>
-            </a:r>
-          </a:p>
-          <a:p>
-            <a:r>
-              <a:rPr lang="en-CA" dirty="0" smtClean="0"/>
-              <a:t>Moving to healthy older adults</a:t>
-            </a:r>
-          </a:p>
-          <a:p>
-            <a:pPr lvl="1"/>
-            <a:r>
-              <a:rPr lang="en-CA" dirty="0" smtClean="0"/>
-              <a:t>Same music paradigm as younger adults</a:t>
-            </a:r>
-          </a:p>
-          <a:p>
-            <a:pPr lvl="1"/>
-            <a:r>
-              <a:rPr lang="en-CA" dirty="0" smtClean="0"/>
-              <a:t>Introduce well known music </a:t>
-            </a:r>
-          </a:p>
-          <a:p>
-            <a:pPr lvl="1"/>
-            <a:r>
-              <a:rPr lang="en-CA" dirty="0" smtClean="0"/>
-              <a:t>Maybe Hitchcock movie?</a:t>
-            </a:r>
-          </a:p>
-          <a:p>
-            <a:r>
-              <a:rPr lang="en-CA" dirty="0" smtClean="0"/>
-              <a:t>Finally to dementia/AD</a:t>
-            </a:r>
-          </a:p>
-          <a:p>
-            <a:pPr lvl="1"/>
-            <a:r>
-              <a:rPr lang="en-CA" dirty="0" smtClean="0"/>
-              <a:t>Use well known music only</a:t>
-            </a:r>
-          </a:p>
-          <a:p>
-            <a:pPr lvl="1"/>
-            <a:r>
-              <a:rPr lang="en-CA" dirty="0" smtClean="0"/>
-              <a:t>Use well characterized stim – Hitchcock movie, Taken, </a:t>
-            </a:r>
-            <a:r>
-              <a:rPr lang="en-CA" dirty="0" err="1" smtClean="0"/>
-              <a:t>etc</a:t>
-            </a:r>
-            <a:endParaRPr lang="en-CA" dirty="0" smtClean="0"/>
-          </a:p>
-          <a:p>
-            <a:pPr lvl="1"/>
-            <a:endParaRPr lang="en-CA" dirty="0"/>
-          </a:p>
-        </p:txBody>
-      </p:sp>
-    </p:spTree>
-    <p:extLst>
-      <p:ext uri="{BB962C8B-B14F-4D97-AF65-F5344CB8AC3E}">
-        <p14:creationId xmlns:p14="http://schemas.microsoft.com/office/powerpoint/2010/main" val="2621877864"/>
-      </p:ext>
-    </p:extLst>
-  </p:cSld>
-  <p:clrMapOvr>
-    <a:masterClrMapping/>
-  </p:clrMapOvr>
-</p:sld>
-</file>
-
-<file path=ppt/slides/slide3.xml><?xml version="1.0" encoding="utf-8"?>
-<p:sld xmlns:a="http://schemas.openxmlformats.org/drawingml/2006/main" xmlns:r="http://schemas.openxmlformats.org/officeDocument/2006/relationships" xmlns:p="http://schemas.openxmlformats.org/presentationml/2006/main">
-  <p:cSld>
-    <p:spTree>
-      <p:nvGrpSpPr>
-        <p:cNvPr id="1" name=""/>
-        <p:cNvGrpSpPr/>
-        <p:nvPr/>
-      </p:nvGrpSpPr>
-      <p:grpSpPr>
-        <a:xfrm>
-          <a:off x="0" y="0"/>
-          <a:ext cx="0" cy="0"/>
-          <a:chOff x="0" y="0"/>
-          <a:chExt cx="0" cy="0"/>
-        </a:xfrm>
-      </p:grpSpPr>
-      <p:sp>
-        <p:nvSpPr>
-          <p:cNvPr id="2" name="Title 1"/>
-          <p:cNvSpPr>
-            <a:spLocks noGrp="1"/>
-          </p:cNvSpPr>
-          <p:nvPr>
-            <p:ph type="title"/>
-          </p:nvPr>
-        </p:nvSpPr>
-        <p:spPr/>
-        <p:txBody>
-          <a:bodyPr/>
-          <a:lstStyle/>
-          <a:p>
             <a:r>
               <a:rPr lang="en-US" dirty="0" smtClean="0"/>
-              <a:t>Project Outline</a:t>
+              <a:t>Training Paradigm</a:t>
             </a:r>
             <a:endParaRPr lang="en-US" dirty="0"/>
           </a:p>
@@ -7627,7 +10603,7 @@
               <a:avLst/>
             </a:prstGeom>
             <a:solidFill>
-              <a:schemeClr val="accent4"/>
+              <a:srgbClr val="7030A0"/>
             </a:solidFill>
             <a:ln>
               <a:solidFill>
@@ -7717,288 +10693,6 @@
       </p:grpSp>
       <p:sp>
         <p:nvSpPr>
-          <p:cNvPr id="9" name="Content Placeholder 2"/>
-          <p:cNvSpPr>
-            <a:spLocks noGrp="1"/>
-          </p:cNvSpPr>
-          <p:nvPr>
-            <p:ph idx="1"/>
-          </p:nvPr>
-        </p:nvSpPr>
-        <p:spPr>
-          <a:xfrm>
-            <a:off x="379704" y="2202979"/>
-            <a:ext cx="8575412" cy="3356799"/>
-          </a:xfrm>
-        </p:spPr>
-        <p:txBody>
-          <a:bodyPr>
-            <a:normAutofit/>
-          </a:bodyPr>
-          <a:lstStyle/>
-          <a:p>
-            <a:r>
-              <a:rPr lang="en-US" dirty="0" smtClean="0"/>
-              <a:t>Controlling for:</a:t>
-            </a:r>
-          </a:p>
-          <a:p>
-            <a:pPr lvl="1"/>
-            <a:r>
-              <a:rPr lang="en-US" dirty="0" smtClean="0"/>
-              <a:t>Acoustical differences</a:t>
-            </a:r>
-          </a:p>
-          <a:p>
-            <a:pPr lvl="1"/>
-            <a:r>
-              <a:rPr lang="en-US" dirty="0" smtClean="0"/>
-              <a:t>Lifetime associations</a:t>
-            </a:r>
-          </a:p>
-          <a:p>
-            <a:pPr lvl="1"/>
-            <a:r>
-              <a:rPr lang="en-US" dirty="0" smtClean="0"/>
-              <a:t>Exposure</a:t>
-            </a:r>
-          </a:p>
-          <a:p>
-            <a:pPr lvl="1"/>
-            <a:endParaRPr lang="en-US" dirty="0"/>
-          </a:p>
-          <a:p>
-            <a:endParaRPr lang="en-US" dirty="0" smtClean="0"/>
-          </a:p>
-        </p:txBody>
-      </p:sp>
-    </p:spTree>
-    <p:extLst>
-      <p:ext uri="{BB962C8B-B14F-4D97-AF65-F5344CB8AC3E}">
-        <p14:creationId xmlns:p14="http://schemas.microsoft.com/office/powerpoint/2010/main" val="4081760480"/>
-      </p:ext>
-    </p:extLst>
-  </p:cSld>
-  <p:clrMapOvr>
-    <a:masterClrMapping/>
-  </p:clrMapOvr>
-  <p:timing>
-    <p:tnLst>
-      <p:par>
-        <p:cTn id="1" dur="indefinite" restart="never" nodeType="tmRoot">
-          <p:childTnLst>
-            <p:seq concurrent="1" nextAc="seek">
-              <p:cTn id="2" dur="indefinite" nodeType="mainSeq">
-                <p:childTnLst>
-                  <p:par>
-                    <p:cTn id="3" fill="hold">
-                      <p:stCondLst>
-                        <p:cond delay="indefinite"/>
-                      </p:stCondLst>
-                      <p:childTnLst>
-                        <p:par>
-                          <p:cTn id="4" fill="hold">
-                            <p:stCondLst>
-                              <p:cond delay="0"/>
-                            </p:stCondLst>
-                            <p:childTnLst>
-                              <p:par>
-                                <p:cTn id="5" presetID="1" presetClass="entr" presetSubtype="0" fill="hold" nodeType="clickEffect">
-                                  <p:stCondLst>
-                                    <p:cond delay="0"/>
-                                  </p:stCondLst>
-                                  <p:childTnLst>
-                                    <p:set>
-                                      <p:cBhvr>
-                                        <p:cTn id="6" dur="1" fill="hold">
-                                          <p:stCondLst>
-                                            <p:cond delay="0"/>
-                                          </p:stCondLst>
-                                        </p:cTn>
-                                        <p:tgtEl>
-                                          <p:spTgt spid="9">
-                                            <p:txEl>
-                                              <p:pRg st="0" end="0"/>
-                                            </p:txEl>
-                                          </p:spTgt>
-                                        </p:tgtEl>
-                                        <p:attrNameLst>
-                                          <p:attrName>style.visibility</p:attrName>
-                                        </p:attrNameLst>
-                                      </p:cBhvr>
-                                      <p:to>
-                                        <p:strVal val="visible"/>
-                                      </p:to>
-                                    </p:set>
-                                  </p:childTnLst>
-                                </p:cTn>
-                              </p:par>
-                              <p:par>
-                                <p:cTn id="7" presetID="1" presetClass="entr" presetSubtype="0" fill="hold" nodeType="withEffect">
-                                  <p:stCondLst>
-                                    <p:cond delay="0"/>
-                                  </p:stCondLst>
-                                  <p:childTnLst>
-                                    <p:set>
-                                      <p:cBhvr>
-                                        <p:cTn id="8" dur="1" fill="hold">
-                                          <p:stCondLst>
-                                            <p:cond delay="0"/>
-                                          </p:stCondLst>
-                                        </p:cTn>
-                                        <p:tgtEl>
-                                          <p:spTgt spid="9">
-                                            <p:txEl>
-                                              <p:pRg st="1" end="1"/>
-                                            </p:txEl>
-                                          </p:spTgt>
-                                        </p:tgtEl>
-                                        <p:attrNameLst>
-                                          <p:attrName>style.visibility</p:attrName>
-                                        </p:attrNameLst>
-                                      </p:cBhvr>
-                                      <p:to>
-                                        <p:strVal val="visible"/>
-                                      </p:to>
-                                    </p:set>
-                                  </p:childTnLst>
-                                </p:cTn>
-                              </p:par>
-                              <p:par>
-                                <p:cTn id="9" presetID="1" presetClass="entr" presetSubtype="0" fill="hold" nodeType="withEffect">
-                                  <p:stCondLst>
-                                    <p:cond delay="0"/>
-                                  </p:stCondLst>
-                                  <p:childTnLst>
-                                    <p:set>
-                                      <p:cBhvr>
-                                        <p:cTn id="10" dur="1" fill="hold">
-                                          <p:stCondLst>
-                                            <p:cond delay="0"/>
-                                          </p:stCondLst>
-                                        </p:cTn>
-                                        <p:tgtEl>
-                                          <p:spTgt spid="9">
-                                            <p:txEl>
-                                              <p:pRg st="2" end="2"/>
-                                            </p:txEl>
-                                          </p:spTgt>
-                                        </p:tgtEl>
-                                        <p:attrNameLst>
-                                          <p:attrName>style.visibility</p:attrName>
-                                        </p:attrNameLst>
-                                      </p:cBhvr>
-                                      <p:to>
-                                        <p:strVal val="visible"/>
-                                      </p:to>
-                                    </p:set>
-                                  </p:childTnLst>
-                                </p:cTn>
-                              </p:par>
-                              <p:par>
-                                <p:cTn id="11" presetID="1" presetClass="entr" presetSubtype="0" fill="hold" nodeType="withEffect">
-                                  <p:stCondLst>
-                                    <p:cond delay="0"/>
-                                  </p:stCondLst>
-                                  <p:childTnLst>
-                                    <p:set>
-                                      <p:cBhvr>
-                                        <p:cTn id="12" dur="1" fill="hold">
-                                          <p:stCondLst>
-                                            <p:cond delay="0"/>
-                                          </p:stCondLst>
-                                        </p:cTn>
-                                        <p:tgtEl>
-                                          <p:spTgt spid="9">
-                                            <p:txEl>
-                                              <p:pRg st="3" end="3"/>
-                                            </p:txEl>
-                                          </p:spTgt>
-                                        </p:tgtEl>
-                                        <p:attrNameLst>
-                                          <p:attrName>style.visibility</p:attrName>
-                                        </p:attrNameLst>
-                                      </p:cBhvr>
-                                      <p:to>
-                                        <p:strVal val="visible"/>
-                                      </p:to>
-                                    </p:set>
-                                  </p:childTnLst>
-                                </p:cTn>
-                              </p:par>
-                            </p:childTnLst>
-                          </p:cTn>
-                        </p:par>
-                      </p:childTnLst>
-                    </p:cTn>
-                  </p:par>
-                </p:childTnLst>
-              </p:cTn>
-              <p:prevCondLst>
-                <p:cond evt="onPrev" delay="0">
-                  <p:tgtEl>
-                    <p:sldTgt/>
-                  </p:tgtEl>
-                </p:cond>
-              </p:prevCondLst>
-              <p:nextCondLst>
-                <p:cond evt="onNext" delay="0">
-                  <p:tgtEl>
-                    <p:sldTgt/>
-                  </p:tgtEl>
-                </p:cond>
-              </p:nextCondLst>
-            </p:seq>
-          </p:childTnLst>
-        </p:cTn>
-      </p:par>
-    </p:tnLst>
-  </p:timing>
-</p:sld>
-</file>
-
-<file path=ppt/slides/slide4.xml><?xml version="1.0" encoding="utf-8"?>
-<p:sld xmlns:a="http://schemas.openxmlformats.org/drawingml/2006/main" xmlns:r="http://schemas.openxmlformats.org/officeDocument/2006/relationships" xmlns:p="http://schemas.openxmlformats.org/presentationml/2006/main">
-  <p:cSld>
-    <p:spTree>
-      <p:nvGrpSpPr>
-        <p:cNvPr id="1" name=""/>
-        <p:cNvGrpSpPr/>
-        <p:nvPr/>
-      </p:nvGrpSpPr>
-      <p:grpSpPr>
-        <a:xfrm>
-          <a:off x="0" y="0"/>
-          <a:ext cx="0" cy="0"/>
-          <a:chOff x="0" y="0"/>
-          <a:chExt cx="0" cy="0"/>
-        </a:xfrm>
-      </p:grpSpPr>
-      <p:sp>
-        <p:nvSpPr>
-          <p:cNvPr id="2" name="Title 1"/>
-          <p:cNvSpPr>
-            <a:spLocks noGrp="1"/>
-          </p:cNvSpPr>
-          <p:nvPr>
-            <p:ph type="title"/>
-          </p:nvPr>
-        </p:nvSpPr>
-        <p:spPr/>
-        <p:txBody>
-          <a:bodyPr/>
-          <a:lstStyle/>
-          <a:p>
-            <a:r>
-              <a:rPr lang="en-US" dirty="0" smtClean="0"/>
-              <a:t>Project Outline</a:t>
-            </a:r>
-            <a:endParaRPr lang="en-US" dirty="0"/>
-          </a:p>
-        </p:txBody>
-      </p:sp>
-      <p:sp>
-        <p:nvSpPr>
           <p:cNvPr id="3" name="Content Placeholder 2"/>
           <p:cNvSpPr>
             <a:spLocks noGrp="1"/>
@@ -8009,512 +10703,128 @@
         </p:nvSpPr>
         <p:spPr>
           <a:xfrm>
-            <a:off x="379704" y="2024442"/>
-            <a:ext cx="8575412" cy="3927993"/>
+            <a:off x="628650" y="2070952"/>
+            <a:ext cx="7886700" cy="4351338"/>
           </a:xfrm>
         </p:spPr>
         <p:txBody>
-          <a:bodyPr>
-            <a:normAutofit/>
-          </a:bodyPr>
+          <a:bodyPr/>
           <a:lstStyle/>
           <a:p>
             <a:r>
+              <a:rPr lang="en-US" dirty="0"/>
+              <a:t>Scan 1 </a:t>
+            </a:r>
+            <a:r>
+              <a:rPr lang="mr-IN" dirty="0"/>
+              <a:t>–</a:t>
+            </a:r>
+            <a:r>
+              <a:rPr lang="en-US" dirty="0"/>
+              <a:t> all 16 stimuli</a:t>
+            </a:r>
+          </a:p>
+          <a:p>
+            <a:pPr lvl="1"/>
+            <a:r>
+              <a:rPr lang="en-US" dirty="0"/>
+              <a:t>Baseline familiarity test</a:t>
+            </a:r>
+          </a:p>
+          <a:p>
+            <a:pPr lvl="1"/>
+            <a:r>
+              <a:rPr lang="en-US" dirty="0"/>
+              <a:t>fMRI </a:t>
+            </a:r>
+            <a:r>
               <a:rPr lang="en-US" dirty="0" smtClean="0"/>
-              <a:t>Scan 1 </a:t>
-            </a:r>
-            <a:r>
-              <a:rPr lang="mr-IN" dirty="0" smtClean="0"/>
+              <a:t>scan</a:t>
+            </a:r>
+          </a:p>
+          <a:p>
+            <a:r>
+              <a:rPr lang="en-US" dirty="0"/>
+              <a:t>Training </a:t>
+            </a:r>
+            <a:r>
+              <a:rPr lang="mr-IN" dirty="0"/>
               <a:t>–</a:t>
             </a:r>
             <a:r>
+              <a:rPr lang="en-US" dirty="0"/>
+              <a:t> 2-3 weeks </a:t>
+            </a:r>
+            <a:r>
+              <a:rPr lang="mr-IN" dirty="0"/>
+              <a:t>–</a:t>
+            </a:r>
+            <a:r>
+              <a:rPr lang="en-US" dirty="0"/>
+              <a:t> only 8 stimuli</a:t>
+            </a:r>
+          </a:p>
+          <a:p>
+            <a:pPr lvl="1"/>
+            <a:r>
+              <a:rPr lang="en-US" dirty="0"/>
+              <a:t>Music player with questions</a:t>
+            </a:r>
+          </a:p>
+          <a:p>
+            <a:pPr lvl="1"/>
+            <a:r>
+              <a:rPr lang="en-US" dirty="0"/>
+              <a:t>Lab sessions 2x per </a:t>
+            </a:r>
+            <a:r>
               <a:rPr lang="en-US" dirty="0" smtClean="0"/>
+              <a:t>week</a:t>
+            </a:r>
+          </a:p>
+          <a:p>
+            <a:r>
+              <a:rPr lang="en-US" dirty="0"/>
+              <a:t>Scan 2 </a:t>
+            </a:r>
+            <a:r>
+              <a:rPr lang="mr-IN" dirty="0"/>
+              <a:t>–</a:t>
+            </a:r>
+            <a:r>
+              <a:rPr lang="en-US" dirty="0"/>
               <a:t> all 16 stimuli</a:t>
             </a:r>
           </a:p>
           <a:p>
             <a:pPr lvl="1"/>
             <a:r>
-              <a:rPr lang="en-US" dirty="0" smtClean="0"/>
-              <a:t>Baseline familiarity test</a:t>
+              <a:rPr lang="en-US" dirty="0"/>
+              <a:t>Final familiarity test</a:t>
             </a:r>
           </a:p>
           <a:p>
             <a:pPr lvl="1"/>
             <a:r>
-              <a:rPr lang="en-US" dirty="0" smtClean="0"/>
+              <a:rPr lang="en-US" dirty="0"/>
               <a:t>fMRI scan</a:t>
             </a:r>
+          </a:p>
+          <a:p>
+            <a:endParaRPr lang="en-US" dirty="0"/>
+          </a:p>
+          <a:p>
+            <a:endParaRPr lang="en-US" dirty="0"/>
+          </a:p>
+          <a:p>
+            <a:endParaRPr lang="en-CA" dirty="0"/>
           </a:p>
         </p:txBody>
       </p:sp>
-      <p:grpSp>
-        <p:nvGrpSpPr>
-          <p:cNvPr id="4" name="Group 3"/>
-          <p:cNvGrpSpPr/>
-          <p:nvPr/>
-        </p:nvGrpSpPr>
-        <p:grpSpPr>
-          <a:xfrm>
-            <a:off x="1148522" y="1334199"/>
-            <a:ext cx="6714434" cy="485913"/>
-            <a:chOff x="1148522" y="1535043"/>
-            <a:chExt cx="6714434" cy="485913"/>
-          </a:xfrm>
-        </p:grpSpPr>
-        <p:sp>
-          <p:nvSpPr>
-            <p:cNvPr id="5" name="Rectangle 4"/>
-            <p:cNvSpPr/>
-            <p:nvPr/>
-          </p:nvSpPr>
-          <p:spPr>
-            <a:xfrm>
-              <a:off x="1148522" y="1535043"/>
-              <a:ext cx="1060174" cy="485913"/>
-            </a:xfrm>
-            <a:prstGeom prst="rect">
-              <a:avLst/>
-            </a:prstGeom>
-            <a:solidFill>
-              <a:schemeClr val="accent1"/>
-            </a:solidFill>
-            <a:ln>
-              <a:solidFill>
-                <a:schemeClr val="tx1"/>
-              </a:solidFill>
-            </a:ln>
-            <a:effectLst/>
-          </p:spPr>
-          <p:style>
-            <a:lnRef idx="1">
-              <a:schemeClr val="accent1"/>
-            </a:lnRef>
-            <a:fillRef idx="3">
-              <a:schemeClr val="accent1"/>
-            </a:fillRef>
-            <a:effectRef idx="2">
-              <a:schemeClr val="accent1"/>
-            </a:effectRef>
-            <a:fontRef idx="minor">
-              <a:schemeClr val="lt1"/>
-            </a:fontRef>
-          </p:style>
-          <p:txBody>
-            <a:bodyPr rtlCol="0" anchor="ctr"/>
-            <a:lstStyle/>
-            <a:p>
-              <a:pPr algn="ctr"/>
-              <a:r>
-                <a:rPr lang="en-US" dirty="0" smtClean="0"/>
-                <a:t>Scan 1</a:t>
-              </a:r>
-              <a:endParaRPr lang="en-US" dirty="0"/>
-            </a:p>
-          </p:txBody>
-        </p:sp>
-        <p:sp>
-          <p:nvSpPr>
-            <p:cNvPr id="6" name="Rectangle 5"/>
-            <p:cNvSpPr/>
-            <p:nvPr/>
-          </p:nvSpPr>
-          <p:spPr>
-            <a:xfrm>
-              <a:off x="2208695" y="1535043"/>
-              <a:ext cx="4594087" cy="485913"/>
-            </a:xfrm>
-            <a:prstGeom prst="rect">
-              <a:avLst/>
-            </a:prstGeom>
-            <a:solidFill>
-              <a:schemeClr val="accent4">
-                <a:alpha val="50000"/>
-              </a:schemeClr>
-            </a:solidFill>
-            <a:ln>
-              <a:solidFill>
-                <a:schemeClr val="tx1"/>
-              </a:solidFill>
-            </a:ln>
-            <a:effectLst/>
-          </p:spPr>
-          <p:style>
-            <a:lnRef idx="1">
-              <a:schemeClr val="accent1"/>
-            </a:lnRef>
-            <a:fillRef idx="3">
-              <a:schemeClr val="accent1"/>
-            </a:fillRef>
-            <a:effectRef idx="2">
-              <a:schemeClr val="accent1"/>
-            </a:effectRef>
-            <a:fontRef idx="minor">
-              <a:schemeClr val="lt1"/>
-            </a:fontRef>
-          </p:style>
-          <p:txBody>
-            <a:bodyPr rtlCol="0" anchor="ctr"/>
-            <a:lstStyle/>
-            <a:p>
-              <a:pPr algn="ctr"/>
-              <a:r>
-                <a:rPr lang="en-US" dirty="0" smtClean="0"/>
-                <a:t>Training</a:t>
-              </a:r>
-              <a:endParaRPr lang="en-US" dirty="0"/>
-            </a:p>
-          </p:txBody>
-        </p:sp>
-        <p:sp>
-          <p:nvSpPr>
-            <p:cNvPr id="7" name="Rectangle 6"/>
-            <p:cNvSpPr/>
-            <p:nvPr/>
-          </p:nvSpPr>
-          <p:spPr>
-            <a:xfrm>
-              <a:off x="6802782" y="1535043"/>
-              <a:ext cx="1060174" cy="485913"/>
-            </a:xfrm>
-            <a:prstGeom prst="rect">
-              <a:avLst/>
-            </a:prstGeom>
-            <a:solidFill>
-              <a:schemeClr val="accent1">
-                <a:alpha val="50000"/>
-              </a:schemeClr>
-            </a:solidFill>
-            <a:ln>
-              <a:solidFill>
-                <a:schemeClr val="tx1"/>
-              </a:solidFill>
-            </a:ln>
-            <a:effectLst/>
-          </p:spPr>
-          <p:style>
-            <a:lnRef idx="1">
-              <a:schemeClr val="accent1"/>
-            </a:lnRef>
-            <a:fillRef idx="3">
-              <a:schemeClr val="accent1"/>
-            </a:fillRef>
-            <a:effectRef idx="2">
-              <a:schemeClr val="accent1"/>
-            </a:effectRef>
-            <a:fontRef idx="minor">
-              <a:schemeClr val="lt1"/>
-            </a:fontRef>
-          </p:style>
-          <p:txBody>
-            <a:bodyPr rtlCol="0" anchor="ctr"/>
-            <a:lstStyle/>
-            <a:p>
-              <a:pPr algn="ctr"/>
-              <a:r>
-                <a:rPr lang="en-US" dirty="0" smtClean="0"/>
-                <a:t>Scan 2</a:t>
-              </a:r>
-              <a:endParaRPr lang="en-US" dirty="0"/>
-            </a:p>
-          </p:txBody>
-        </p:sp>
-      </p:grpSp>
     </p:spTree>
     <p:extLst>
       <p:ext uri="{BB962C8B-B14F-4D97-AF65-F5344CB8AC3E}">
-        <p14:creationId xmlns:p14="http://schemas.microsoft.com/office/powerpoint/2010/main" val="3481041210"/>
-      </p:ext>
-    </p:extLst>
-  </p:cSld>
-  <p:clrMapOvr>
-    <a:masterClrMapping/>
-  </p:clrMapOvr>
-  <p:timing>
-    <p:tnLst>
-      <p:par>
-        <p:cTn id="1" dur="indefinite" restart="never" nodeType="tmRoot"/>
-      </p:par>
-    </p:tnLst>
-  </p:timing>
-</p:sld>
-</file>
-
-<file path=ppt/slides/slide5.xml><?xml version="1.0" encoding="utf-8"?>
-<p:sld xmlns:a="http://schemas.openxmlformats.org/drawingml/2006/main" xmlns:r="http://schemas.openxmlformats.org/officeDocument/2006/relationships" xmlns:p="http://schemas.openxmlformats.org/presentationml/2006/main">
-  <p:cSld>
-    <p:spTree>
-      <p:nvGrpSpPr>
-        <p:cNvPr id="1" name=""/>
-        <p:cNvGrpSpPr/>
-        <p:nvPr/>
-      </p:nvGrpSpPr>
-      <p:grpSpPr>
-        <a:xfrm>
-          <a:off x="0" y="0"/>
-          <a:ext cx="0" cy="0"/>
-          <a:chOff x="0" y="0"/>
-          <a:chExt cx="0" cy="0"/>
-        </a:xfrm>
-      </p:grpSpPr>
-      <p:sp>
-        <p:nvSpPr>
-          <p:cNvPr id="2" name="Title 1"/>
-          <p:cNvSpPr>
-            <a:spLocks noGrp="1"/>
-          </p:cNvSpPr>
-          <p:nvPr>
-            <p:ph type="title"/>
-          </p:nvPr>
-        </p:nvSpPr>
-        <p:spPr/>
-        <p:txBody>
-          <a:bodyPr/>
-          <a:lstStyle/>
-          <a:p>
-            <a:r>
-              <a:rPr lang="en-US" dirty="0" smtClean="0"/>
-              <a:t>Project Outline</a:t>
-            </a:r>
-            <a:endParaRPr lang="en-US" dirty="0"/>
-          </a:p>
-        </p:txBody>
-      </p:sp>
-      <p:sp>
-        <p:nvSpPr>
-          <p:cNvPr id="3" name="Content Placeholder 2"/>
-          <p:cNvSpPr>
-            <a:spLocks noGrp="1"/>
-          </p:cNvSpPr>
-          <p:nvPr>
-            <p:ph idx="1"/>
-          </p:nvPr>
-        </p:nvSpPr>
-        <p:spPr>
-          <a:xfrm>
-            <a:off x="379704" y="1991313"/>
-            <a:ext cx="8575412" cy="3883818"/>
-          </a:xfrm>
-        </p:spPr>
-        <p:txBody>
-          <a:bodyPr>
-            <a:normAutofit/>
-          </a:bodyPr>
-          <a:lstStyle/>
-          <a:p>
-            <a:r>
-              <a:rPr lang="en-US" dirty="0" smtClean="0"/>
-              <a:t>Training </a:t>
-            </a:r>
-            <a:r>
-              <a:rPr lang="mr-IN" dirty="0" smtClean="0"/>
-              <a:t>–</a:t>
-            </a:r>
-            <a:r>
-              <a:rPr lang="en-US" dirty="0" smtClean="0"/>
-              <a:t> 2-3 weeks </a:t>
-            </a:r>
-            <a:r>
-              <a:rPr lang="mr-IN" dirty="0" smtClean="0"/>
-              <a:t>–</a:t>
-            </a:r>
-            <a:r>
-              <a:rPr lang="en-US" dirty="0" smtClean="0"/>
-              <a:t> only 8 stimuli</a:t>
-            </a:r>
-          </a:p>
-          <a:p>
-            <a:pPr lvl="1"/>
-            <a:r>
-              <a:rPr lang="en-US" dirty="0" smtClean="0"/>
-              <a:t>Music player with questions</a:t>
-            </a:r>
-          </a:p>
-          <a:p>
-            <a:pPr lvl="1"/>
-            <a:r>
-              <a:rPr lang="en-US" dirty="0" smtClean="0"/>
-              <a:t>Lab sessions 2x per week</a:t>
-            </a:r>
-          </a:p>
-        </p:txBody>
-      </p:sp>
-      <p:grpSp>
-        <p:nvGrpSpPr>
-          <p:cNvPr id="4" name="Group 3"/>
-          <p:cNvGrpSpPr/>
-          <p:nvPr/>
-        </p:nvGrpSpPr>
-        <p:grpSpPr>
-          <a:xfrm>
-            <a:off x="1148522" y="1334199"/>
-            <a:ext cx="6714434" cy="485913"/>
-            <a:chOff x="1148522" y="1535043"/>
-            <a:chExt cx="6714434" cy="485913"/>
-          </a:xfrm>
-        </p:grpSpPr>
-        <p:sp>
-          <p:nvSpPr>
-            <p:cNvPr id="5" name="Rectangle 4"/>
-            <p:cNvSpPr/>
-            <p:nvPr/>
-          </p:nvSpPr>
-          <p:spPr>
-            <a:xfrm>
-              <a:off x="1148522" y="1535043"/>
-              <a:ext cx="1060174" cy="485913"/>
-            </a:xfrm>
-            <a:prstGeom prst="rect">
-              <a:avLst/>
-            </a:prstGeom>
-            <a:solidFill>
-              <a:schemeClr val="accent1">
-                <a:alpha val="50000"/>
-              </a:schemeClr>
-            </a:solidFill>
-            <a:ln>
-              <a:solidFill>
-                <a:schemeClr val="tx1"/>
-              </a:solidFill>
-            </a:ln>
-            <a:effectLst/>
-          </p:spPr>
-          <p:style>
-            <a:lnRef idx="1">
-              <a:schemeClr val="accent1"/>
-            </a:lnRef>
-            <a:fillRef idx="3">
-              <a:schemeClr val="accent1"/>
-            </a:fillRef>
-            <a:effectRef idx="2">
-              <a:schemeClr val="accent1"/>
-            </a:effectRef>
-            <a:fontRef idx="minor">
-              <a:schemeClr val="lt1"/>
-            </a:fontRef>
-          </p:style>
-          <p:txBody>
-            <a:bodyPr rtlCol="0" anchor="ctr"/>
-            <a:lstStyle/>
-            <a:p>
-              <a:pPr algn="ctr"/>
-              <a:r>
-                <a:rPr lang="en-US" dirty="0" smtClean="0"/>
-                <a:t>Scan 1</a:t>
-              </a:r>
-              <a:endParaRPr lang="en-US" dirty="0"/>
-            </a:p>
-          </p:txBody>
-        </p:sp>
-        <p:sp>
-          <p:nvSpPr>
-            <p:cNvPr id="6" name="Rectangle 5"/>
-            <p:cNvSpPr/>
-            <p:nvPr/>
-          </p:nvSpPr>
-          <p:spPr>
-            <a:xfrm>
-              <a:off x="2208695" y="1535043"/>
-              <a:ext cx="4594087" cy="485913"/>
-            </a:xfrm>
-            <a:prstGeom prst="rect">
-              <a:avLst/>
-            </a:prstGeom>
-            <a:solidFill>
-              <a:schemeClr val="accent4"/>
-            </a:solidFill>
-            <a:ln>
-              <a:solidFill>
-                <a:schemeClr val="tx1"/>
-              </a:solidFill>
-            </a:ln>
-            <a:effectLst/>
-          </p:spPr>
-          <p:style>
-            <a:lnRef idx="1">
-              <a:schemeClr val="accent1"/>
-            </a:lnRef>
-            <a:fillRef idx="3">
-              <a:schemeClr val="accent1"/>
-            </a:fillRef>
-            <a:effectRef idx="2">
-              <a:schemeClr val="accent1"/>
-            </a:effectRef>
-            <a:fontRef idx="minor">
-              <a:schemeClr val="lt1"/>
-            </a:fontRef>
-          </p:style>
-          <p:txBody>
-            <a:bodyPr rtlCol="0" anchor="ctr"/>
-            <a:lstStyle/>
-            <a:p>
-              <a:pPr algn="ctr"/>
-              <a:r>
-                <a:rPr lang="en-US" dirty="0" smtClean="0"/>
-                <a:t>Training</a:t>
-              </a:r>
-              <a:endParaRPr lang="en-US" dirty="0"/>
-            </a:p>
-          </p:txBody>
-        </p:sp>
-        <p:sp>
-          <p:nvSpPr>
-            <p:cNvPr id="7" name="Rectangle 6"/>
-            <p:cNvSpPr/>
-            <p:nvPr/>
-          </p:nvSpPr>
-          <p:spPr>
-            <a:xfrm>
-              <a:off x="6802782" y="1535043"/>
-              <a:ext cx="1060174" cy="485913"/>
-            </a:xfrm>
-            <a:prstGeom prst="rect">
-              <a:avLst/>
-            </a:prstGeom>
-            <a:solidFill>
-              <a:schemeClr val="accent1">
-                <a:alpha val="50000"/>
-              </a:schemeClr>
-            </a:solidFill>
-            <a:ln>
-              <a:solidFill>
-                <a:schemeClr val="tx1"/>
-              </a:solidFill>
-            </a:ln>
-            <a:effectLst/>
-          </p:spPr>
-          <p:style>
-            <a:lnRef idx="1">
-              <a:schemeClr val="accent1"/>
-            </a:lnRef>
-            <a:fillRef idx="3">
-              <a:schemeClr val="accent1"/>
-            </a:fillRef>
-            <a:effectRef idx="2">
-              <a:schemeClr val="accent1"/>
-            </a:effectRef>
-            <a:fontRef idx="minor">
-              <a:schemeClr val="lt1"/>
-            </a:fontRef>
-          </p:style>
-          <p:txBody>
-            <a:bodyPr rtlCol="0" anchor="ctr"/>
-            <a:lstStyle/>
-            <a:p>
-              <a:pPr algn="ctr"/>
-              <a:r>
-                <a:rPr lang="en-US" dirty="0" smtClean="0"/>
-                <a:t>Scan 2</a:t>
-              </a:r>
-              <a:endParaRPr lang="en-US" dirty="0"/>
-            </a:p>
-          </p:txBody>
-        </p:sp>
-      </p:grpSp>
-    </p:spTree>
-    <p:extLst>
-      <p:ext uri="{BB962C8B-B14F-4D97-AF65-F5344CB8AC3E}">
-        <p14:creationId xmlns:p14="http://schemas.microsoft.com/office/powerpoint/2010/main" val="1599689021"/>
+        <p14:creationId xmlns:p14="http://schemas.microsoft.com/office/powerpoint/2010/main" val="4081760480"/>
       </p:ext>
     </p:extLst>
   </p:cSld>
@@ -8532,290 +10842,6 @@
 </file>
 
 <file path=ppt/slides/slide6.xml><?xml version="1.0" encoding="utf-8"?>
-<p:sld xmlns:a="http://schemas.openxmlformats.org/drawingml/2006/main" xmlns:r="http://schemas.openxmlformats.org/officeDocument/2006/relationships" xmlns:p="http://schemas.openxmlformats.org/presentationml/2006/main">
-  <p:cSld>
-    <p:spTree>
-      <p:nvGrpSpPr>
-        <p:cNvPr id="1" name=""/>
-        <p:cNvGrpSpPr/>
-        <p:nvPr/>
-      </p:nvGrpSpPr>
-      <p:grpSpPr>
-        <a:xfrm>
-          <a:off x="0" y="0"/>
-          <a:ext cx="0" cy="0"/>
-          <a:chOff x="0" y="0"/>
-          <a:chExt cx="0" cy="0"/>
-        </a:xfrm>
-      </p:grpSpPr>
-      <p:sp>
-        <p:nvSpPr>
-          <p:cNvPr id="2" name="Title 1"/>
-          <p:cNvSpPr>
-            <a:spLocks noGrp="1"/>
-          </p:cNvSpPr>
-          <p:nvPr>
-            <p:ph type="title"/>
-          </p:nvPr>
-        </p:nvSpPr>
-        <p:spPr/>
-        <p:txBody>
-          <a:bodyPr/>
-          <a:lstStyle/>
-          <a:p>
-            <a:r>
-              <a:rPr lang="en-US" dirty="0" smtClean="0"/>
-              <a:t>Project Outline</a:t>
-            </a:r>
-            <a:endParaRPr lang="en-US" dirty="0"/>
-          </a:p>
-        </p:txBody>
-      </p:sp>
-      <p:sp>
-        <p:nvSpPr>
-          <p:cNvPr id="3" name="Content Placeholder 2"/>
-          <p:cNvSpPr>
-            <a:spLocks noGrp="1"/>
-          </p:cNvSpPr>
-          <p:nvPr>
-            <p:ph idx="1"/>
-          </p:nvPr>
-        </p:nvSpPr>
-        <p:spPr>
-          <a:xfrm>
-            <a:off x="379704" y="1991312"/>
-            <a:ext cx="8575412" cy="3905905"/>
-          </a:xfrm>
-        </p:spPr>
-        <p:txBody>
-          <a:bodyPr>
-            <a:normAutofit/>
-          </a:bodyPr>
-          <a:lstStyle/>
-          <a:p>
-            <a:r>
-              <a:rPr lang="en-US" dirty="0" smtClean="0"/>
-              <a:t>Scan 2 </a:t>
-            </a:r>
-            <a:r>
-              <a:rPr lang="mr-IN" dirty="0" smtClean="0"/>
-              <a:t>–</a:t>
-            </a:r>
-            <a:r>
-              <a:rPr lang="en-US" dirty="0" smtClean="0"/>
-              <a:t> all 16 stimuli</a:t>
-            </a:r>
-          </a:p>
-          <a:p>
-            <a:pPr lvl="1"/>
-            <a:r>
-              <a:rPr lang="en-US" dirty="0" smtClean="0"/>
-              <a:t>Final familiarity test</a:t>
-            </a:r>
-          </a:p>
-          <a:p>
-            <a:pPr lvl="1"/>
-            <a:r>
-              <a:rPr lang="en-US" dirty="0" smtClean="0"/>
-              <a:t>fMRI scan</a:t>
-            </a:r>
-            <a:endParaRPr lang="en-US" dirty="0"/>
-          </a:p>
-        </p:txBody>
-      </p:sp>
-      <p:grpSp>
-        <p:nvGrpSpPr>
-          <p:cNvPr id="4" name="Group 3"/>
-          <p:cNvGrpSpPr/>
-          <p:nvPr/>
-        </p:nvGrpSpPr>
-        <p:grpSpPr>
-          <a:xfrm>
-            <a:off x="1148522" y="1334199"/>
-            <a:ext cx="6714434" cy="485913"/>
-            <a:chOff x="1148522" y="1535043"/>
-            <a:chExt cx="6714434" cy="485913"/>
-          </a:xfrm>
-        </p:grpSpPr>
-        <p:sp>
-          <p:nvSpPr>
-            <p:cNvPr id="5" name="Rectangle 4"/>
-            <p:cNvSpPr/>
-            <p:nvPr/>
-          </p:nvSpPr>
-          <p:spPr>
-            <a:xfrm>
-              <a:off x="1148522" y="1535043"/>
-              <a:ext cx="1060174" cy="485913"/>
-            </a:xfrm>
-            <a:prstGeom prst="rect">
-              <a:avLst/>
-            </a:prstGeom>
-            <a:solidFill>
-              <a:schemeClr val="accent1">
-                <a:alpha val="50000"/>
-              </a:schemeClr>
-            </a:solidFill>
-            <a:ln>
-              <a:solidFill>
-                <a:schemeClr val="tx1"/>
-              </a:solidFill>
-            </a:ln>
-            <a:effectLst/>
-          </p:spPr>
-          <p:style>
-            <a:lnRef idx="1">
-              <a:schemeClr val="accent1"/>
-            </a:lnRef>
-            <a:fillRef idx="3">
-              <a:schemeClr val="accent1"/>
-            </a:fillRef>
-            <a:effectRef idx="2">
-              <a:schemeClr val="accent1"/>
-            </a:effectRef>
-            <a:fontRef idx="minor">
-              <a:schemeClr val="lt1"/>
-            </a:fontRef>
-          </p:style>
-          <p:txBody>
-            <a:bodyPr rtlCol="0" anchor="ctr"/>
-            <a:lstStyle/>
-            <a:p>
-              <a:pPr algn="ctr"/>
-              <a:r>
-                <a:rPr lang="en-US" dirty="0" smtClean="0"/>
-                <a:t>Scan 1</a:t>
-              </a:r>
-              <a:endParaRPr lang="en-US" dirty="0"/>
-            </a:p>
-          </p:txBody>
-        </p:sp>
-        <p:sp>
-          <p:nvSpPr>
-            <p:cNvPr id="6" name="Rectangle 5"/>
-            <p:cNvSpPr/>
-            <p:nvPr/>
-          </p:nvSpPr>
-          <p:spPr>
-            <a:xfrm>
-              <a:off x="2208695" y="1535043"/>
-              <a:ext cx="4594087" cy="485913"/>
-            </a:xfrm>
-            <a:prstGeom prst="rect">
-              <a:avLst/>
-            </a:prstGeom>
-            <a:solidFill>
-              <a:schemeClr val="accent4">
-                <a:alpha val="50000"/>
-              </a:schemeClr>
-            </a:solidFill>
-            <a:ln>
-              <a:solidFill>
-                <a:schemeClr val="tx1"/>
-              </a:solidFill>
-            </a:ln>
-            <a:effectLst/>
-          </p:spPr>
-          <p:style>
-            <a:lnRef idx="1">
-              <a:schemeClr val="accent1"/>
-            </a:lnRef>
-            <a:fillRef idx="3">
-              <a:schemeClr val="accent1"/>
-            </a:fillRef>
-            <a:effectRef idx="2">
-              <a:schemeClr val="accent1"/>
-            </a:effectRef>
-            <a:fontRef idx="minor">
-              <a:schemeClr val="lt1"/>
-            </a:fontRef>
-          </p:style>
-          <p:txBody>
-            <a:bodyPr rtlCol="0" anchor="ctr"/>
-            <a:lstStyle/>
-            <a:p>
-              <a:pPr algn="ctr"/>
-              <a:r>
-                <a:rPr lang="en-US" dirty="0" smtClean="0"/>
-                <a:t>Training</a:t>
-              </a:r>
-              <a:endParaRPr lang="en-US" dirty="0"/>
-            </a:p>
-          </p:txBody>
-        </p:sp>
-        <p:sp>
-          <p:nvSpPr>
-            <p:cNvPr id="7" name="Rectangle 6"/>
-            <p:cNvSpPr/>
-            <p:nvPr/>
-          </p:nvSpPr>
-          <p:spPr>
-            <a:xfrm>
-              <a:off x="6802782" y="1535043"/>
-              <a:ext cx="1060174" cy="485913"/>
-            </a:xfrm>
-            <a:prstGeom prst="rect">
-              <a:avLst/>
-            </a:prstGeom>
-            <a:solidFill>
-              <a:schemeClr val="accent1"/>
-            </a:solidFill>
-            <a:ln>
-              <a:solidFill>
-                <a:schemeClr val="tx1"/>
-              </a:solidFill>
-            </a:ln>
-            <a:effectLst/>
-          </p:spPr>
-          <p:style>
-            <a:lnRef idx="1">
-              <a:schemeClr val="accent1"/>
-            </a:lnRef>
-            <a:fillRef idx="3">
-              <a:schemeClr val="accent1"/>
-            </a:fillRef>
-            <a:effectRef idx="2">
-              <a:schemeClr val="accent1"/>
-            </a:effectRef>
-            <a:fontRef idx="minor">
-              <a:schemeClr val="lt1"/>
-            </a:fontRef>
-          </p:style>
-          <p:txBody>
-            <a:bodyPr rtlCol="0" anchor="ctr"/>
-            <a:lstStyle/>
-            <a:p>
-              <a:pPr algn="ctr"/>
-              <a:r>
-                <a:rPr lang="en-US" dirty="0" smtClean="0"/>
-                <a:t>Scan 2</a:t>
-              </a:r>
-              <a:endParaRPr lang="en-US" dirty="0"/>
-            </a:p>
-          </p:txBody>
-        </p:sp>
-      </p:grpSp>
-    </p:spTree>
-    <p:extLst>
-      <p:ext uri="{BB962C8B-B14F-4D97-AF65-F5344CB8AC3E}">
-        <p14:creationId xmlns:p14="http://schemas.microsoft.com/office/powerpoint/2010/main" val="442356942"/>
-      </p:ext>
-    </p:extLst>
-  </p:cSld>
-  <p:clrMapOvr>
-    <a:masterClrMapping/>
-  </p:clrMapOvr>
-  <p:timing>
-    <p:tnLst>
-      <p:par>
-        <p:cTn id="1" dur="indefinite" restart="never" nodeType="tmRoot"/>
-      </p:par>
-    </p:tnLst>
-  </p:timing>
-</p:sld>
-</file>
-
-<file path=ppt/slides/slide7.xml><?xml version="1.0" encoding="utf-8"?>
 <p:sld xmlns:a="http://schemas.openxmlformats.org/drawingml/2006/main" xmlns:r="http://schemas.openxmlformats.org/officeDocument/2006/relationships" xmlns:p="http://schemas.openxmlformats.org/presentationml/2006/main">
   <p:cSld>
     <p:spTree>
@@ -9475,7 +11501,7 @@
 </p:sld>
 </file>
 
-<file path=ppt/slides/slide8.xml><?xml version="1.0" encoding="utf-8"?>
+<file path=ppt/slides/slide7.xml><?xml version="1.0" encoding="utf-8"?>
 <p:sld xmlns:a="http://schemas.openxmlformats.org/drawingml/2006/main" xmlns:r="http://schemas.openxmlformats.org/officeDocument/2006/relationships" xmlns:p="http://schemas.openxmlformats.org/presentationml/2006/main">
   <p:cSld>
     <p:spTree>
@@ -9791,7 +11817,7 @@
 </p:sld>
 </file>
 
-<file path=ppt/slides/slide9.xml><?xml version="1.0" encoding="utf-8"?>
+<file path=ppt/slides/slide8.xml><?xml version="1.0" encoding="utf-8"?>
 <p:sld xmlns:a="http://schemas.openxmlformats.org/drawingml/2006/main" xmlns:r="http://schemas.openxmlformats.org/officeDocument/2006/relationships" xmlns:p="http://schemas.openxmlformats.org/presentationml/2006/main">
   <p:cSld>
     <p:spTree>
@@ -9825,7 +11851,7 @@
           <a:p>
             <a:r>
               <a:rPr lang="en-US" dirty="0" smtClean="0"/>
-              <a:t>Preliminary Data</a:t>
+              <a:t>Data so far</a:t>
             </a:r>
             <a:endParaRPr lang="en-US" dirty="0"/>
           </a:p>
@@ -9847,33 +11873,55 @@
           <a:lstStyle/>
           <a:p>
             <a:r>
+              <a:rPr lang="en-US" dirty="0" smtClean="0"/>
+              <a:t>14</a:t>
+            </a:r>
+            <a:r>
+              <a:rPr lang="en-US" dirty="0" smtClean="0"/>
+              <a:t> </a:t>
+            </a:r>
+            <a:r>
+              <a:rPr lang="en-US" dirty="0" smtClean="0"/>
+              <a:t>participants</a:t>
+            </a:r>
+          </a:p>
+          <a:p>
+            <a:pPr lvl="1"/>
+            <a:r>
+              <a:rPr lang="en-US" dirty="0" smtClean="0"/>
+              <a:t>Average age: </a:t>
+            </a:r>
+            <a:r>
+              <a:rPr lang="en-US" dirty="0" smtClean="0"/>
+              <a:t>24</a:t>
+            </a:r>
+            <a:endParaRPr lang="en-US" dirty="0" smtClean="0"/>
+          </a:p>
+          <a:p>
+            <a:pPr lvl="1"/>
+            <a:r>
               <a:rPr lang="en-US" dirty="0"/>
-              <a:t>7</a:t>
+              <a:t>6</a:t>
             </a:r>
             <a:r>
               <a:rPr lang="en-US" dirty="0" smtClean="0"/>
-              <a:t> participants</a:t>
-            </a:r>
-          </a:p>
-          <a:p>
-            <a:pPr lvl="1"/>
+              <a:t> </a:t>
+            </a:r>
             <a:r>
               <a:rPr lang="en-US" dirty="0" smtClean="0"/>
-              <a:t>Average age: 25</a:t>
-            </a:r>
-          </a:p>
-          <a:p>
-            <a:pPr lvl="1"/>
+              <a:t>males</a:t>
+            </a:r>
+          </a:p>
+          <a:p>
             <a:r>
               <a:rPr lang="en-US" dirty="0" smtClean="0"/>
-              <a:t>3 males</a:t>
-            </a:r>
-          </a:p>
-          <a:p>
+              <a:t># of listens: </a:t>
+            </a:r>
             <a:r>
               <a:rPr lang="en-US" dirty="0" smtClean="0"/>
-              <a:t># of listens: 7-20</a:t>
-            </a:r>
+              <a:t>7-23</a:t>
+            </a:r>
+            <a:endParaRPr lang="en-US" dirty="0" smtClean="0"/>
           </a:p>
           <a:p>
             <a:r>
@@ -10021,6 +12069,320 @@
             </p:seq>
           </p:childTnLst>
         </p:cTn>
+      </p:par>
+    </p:tnLst>
+  </p:timing>
+</p:sld>
+</file>
+
+<file path=ppt/slides/slide9.xml><?xml version="1.0" encoding="utf-8"?>
+<p:sld xmlns:a="http://schemas.openxmlformats.org/drawingml/2006/main" xmlns:r="http://schemas.openxmlformats.org/officeDocument/2006/relationships" xmlns:p="http://schemas.openxmlformats.org/presentationml/2006/main">
+  <p:cSld>
+    <p:spTree>
+      <p:nvGrpSpPr>
+        <p:cNvPr id="1" name=""/>
+        <p:cNvGrpSpPr/>
+        <p:nvPr/>
+      </p:nvGrpSpPr>
+      <p:grpSpPr>
+        <a:xfrm>
+          <a:off x="0" y="0"/>
+          <a:ext cx="0" cy="0"/>
+          <a:chOff x="0" y="0"/>
+          <a:chExt cx="0" cy="0"/>
+        </a:xfrm>
+      </p:grpSpPr>
+      <p:sp>
+        <p:nvSpPr>
+          <p:cNvPr id="2" name="Title 1"/>
+          <p:cNvSpPr>
+            <a:spLocks noGrp="1"/>
+          </p:cNvSpPr>
+          <p:nvPr>
+            <p:ph type="title"/>
+          </p:nvPr>
+        </p:nvSpPr>
+        <p:spPr/>
+        <p:txBody>
+          <a:bodyPr/>
+          <a:lstStyle/>
+          <a:p>
+            <a:r>
+              <a:rPr lang="en-US" dirty="0" smtClean="0"/>
+              <a:t>Lyric Modification Task</a:t>
+            </a:r>
+            <a:endParaRPr lang="en-US" dirty="0"/>
+          </a:p>
+        </p:txBody>
+      </p:sp>
+      <p:sp>
+        <p:nvSpPr>
+          <p:cNvPr id="10" name="Right Brace 9"/>
+          <p:cNvSpPr/>
+          <p:nvPr/>
+        </p:nvSpPr>
+        <p:spPr>
+          <a:xfrm rot="5400000">
+            <a:off x="4610392" y="3840848"/>
+            <a:ext cx="331849" cy="3176539"/>
+          </a:xfrm>
+          <a:prstGeom prst="rightBrace">
+            <a:avLst>
+              <a:gd name="adj1" fmla="val 16370"/>
+              <a:gd name="adj2" fmla="val 50853"/>
+            </a:avLst>
+          </a:prstGeom>
+          <a:ln w="12700" cmpd="sng"/>
+          <a:effectLst/>
+        </p:spPr>
+        <p:style>
+          <a:lnRef idx="2">
+            <a:schemeClr val="dk1"/>
+          </a:lnRef>
+          <a:fillRef idx="0">
+            <a:schemeClr val="dk1"/>
+          </a:fillRef>
+          <a:effectRef idx="1">
+            <a:schemeClr val="dk1"/>
+          </a:effectRef>
+          <a:fontRef idx="minor">
+            <a:schemeClr val="tx1"/>
+          </a:fontRef>
+        </p:style>
+        <p:txBody>
+          <a:bodyPr rtlCol="0" anchor="ctr"/>
+          <a:lstStyle/>
+          <a:p>
+            <a:pPr algn="ctr"/>
+            <a:endParaRPr lang="en-CA"/>
+          </a:p>
+        </p:txBody>
+      </p:sp>
+      <p:graphicFrame>
+        <p:nvGraphicFramePr>
+          <p:cNvPr id="12" name="Chart 11"/>
+          <p:cNvGraphicFramePr>
+            <a:graphicFrameLocks/>
+          </p:cNvGraphicFramePr>
+          <p:nvPr>
+            <p:extLst>
+              <p:ext uri="{D42A27DB-BD31-4B8C-83A1-F6EECF244321}">
+                <p14:modId xmlns:p14="http://schemas.microsoft.com/office/powerpoint/2010/main" val="2081850024"/>
+              </p:ext>
+            </p:extLst>
+          </p:nvPr>
+        </p:nvGraphicFramePr>
+        <p:xfrm>
+          <a:off x="1318830" y="1656040"/>
+          <a:ext cx="6506339" cy="3705177"/>
+        </p:xfrm>
+        <a:graphic>
+          <a:graphicData uri="http://schemas.openxmlformats.org/drawingml/2006/chart">
+            <c:chart xmlns:c="http://schemas.openxmlformats.org/drawingml/2006/chart" xmlns:r="http://schemas.openxmlformats.org/officeDocument/2006/relationships" r:id="rId3"/>
+          </a:graphicData>
+        </a:graphic>
+      </p:graphicFrame>
+      <p:sp>
+        <p:nvSpPr>
+          <p:cNvPr id="13" name="TextBox 12"/>
+          <p:cNvSpPr txBox="1"/>
+          <p:nvPr/>
+        </p:nvSpPr>
+        <p:spPr>
+          <a:xfrm>
+            <a:off x="4013126" y="5685576"/>
+            <a:ext cx="1526380" cy="369332"/>
+          </a:xfrm>
+          <a:prstGeom prst="rect">
+            <a:avLst/>
+          </a:prstGeom>
+          <a:noFill/>
+        </p:spPr>
+        <p:txBody>
+          <a:bodyPr wrap="none" rtlCol="0">
+            <a:spAutoFit/>
+          </a:bodyPr>
+          <a:lstStyle/>
+          <a:p>
+            <a:r>
+              <a:rPr lang="en-CA" dirty="0" smtClean="0"/>
+              <a:t>In lab sessions</a:t>
+            </a:r>
+            <a:endParaRPr lang="en-CA" dirty="0"/>
+          </a:p>
+        </p:txBody>
+      </p:sp>
+      <p:sp>
+        <p:nvSpPr>
+          <p:cNvPr id="14" name="Oval 13"/>
+          <p:cNvSpPr/>
+          <p:nvPr/>
+        </p:nvSpPr>
+        <p:spPr>
+          <a:xfrm>
+            <a:off x="2185531" y="3790699"/>
+            <a:ext cx="135803" cy="144856"/>
+          </a:xfrm>
+          <a:prstGeom prst="ellipse">
+            <a:avLst/>
+          </a:prstGeom>
+          <a:solidFill>
+            <a:srgbClr val="FF0000"/>
+          </a:solidFill>
+          <a:ln>
+            <a:noFill/>
+          </a:ln>
+        </p:spPr>
+        <p:style>
+          <a:lnRef idx="2">
+            <a:schemeClr val="accent1">
+              <a:shade val="50000"/>
+            </a:schemeClr>
+          </a:lnRef>
+          <a:fillRef idx="1">
+            <a:schemeClr val="accent1"/>
+          </a:fillRef>
+          <a:effectRef idx="0">
+            <a:schemeClr val="accent1"/>
+          </a:effectRef>
+          <a:fontRef idx="minor">
+            <a:schemeClr val="lt1"/>
+          </a:fontRef>
+        </p:style>
+        <p:txBody>
+          <a:bodyPr rtlCol="0" anchor="ctr"/>
+          <a:lstStyle/>
+          <a:p>
+            <a:pPr algn="ctr"/>
+            <a:endParaRPr lang="en-CA"/>
+          </a:p>
+        </p:txBody>
+      </p:sp>
+      <p:sp>
+        <p:nvSpPr>
+          <p:cNvPr id="15" name="Oval 14"/>
+          <p:cNvSpPr/>
+          <p:nvPr/>
+        </p:nvSpPr>
+        <p:spPr>
+          <a:xfrm>
+            <a:off x="7177888" y="2135110"/>
+            <a:ext cx="135803" cy="144856"/>
+          </a:xfrm>
+          <a:prstGeom prst="ellipse">
+            <a:avLst/>
+          </a:prstGeom>
+          <a:solidFill>
+            <a:srgbClr val="FF0000"/>
+          </a:solidFill>
+          <a:ln>
+            <a:noFill/>
+          </a:ln>
+        </p:spPr>
+        <p:style>
+          <a:lnRef idx="2">
+            <a:schemeClr val="accent1">
+              <a:shade val="50000"/>
+            </a:schemeClr>
+          </a:lnRef>
+          <a:fillRef idx="1">
+            <a:schemeClr val="accent1"/>
+          </a:fillRef>
+          <a:effectRef idx="0">
+            <a:schemeClr val="accent1"/>
+          </a:effectRef>
+          <a:fontRef idx="minor">
+            <a:schemeClr val="lt1"/>
+          </a:fontRef>
+        </p:style>
+        <p:txBody>
+          <a:bodyPr rtlCol="0" anchor="ctr"/>
+          <a:lstStyle/>
+          <a:p>
+            <a:pPr algn="ctr"/>
+            <a:endParaRPr lang="en-CA"/>
+          </a:p>
+        </p:txBody>
+      </p:sp>
+      <p:cxnSp>
+        <p:nvCxnSpPr>
+          <p:cNvPr id="17" name="Straight Connector 16"/>
+          <p:cNvCxnSpPr/>
+          <p:nvPr/>
+        </p:nvCxnSpPr>
+        <p:spPr>
+          <a:xfrm flipV="1">
+            <a:off x="2198231" y="2207538"/>
+            <a:ext cx="4992357" cy="1688187"/>
+          </a:xfrm>
+          <a:prstGeom prst="line">
+            <a:avLst/>
+          </a:prstGeom>
+          <a:ln w="34925">
+            <a:solidFill>
+              <a:srgbClr val="FF0000"/>
+            </a:solidFill>
+          </a:ln>
+        </p:spPr>
+        <p:style>
+          <a:lnRef idx="1">
+            <a:schemeClr val="accent1"/>
+          </a:lnRef>
+          <a:fillRef idx="0">
+            <a:schemeClr val="accent1"/>
+          </a:fillRef>
+          <a:effectRef idx="0">
+            <a:schemeClr val="accent1"/>
+          </a:effectRef>
+          <a:fontRef idx="minor">
+            <a:schemeClr val="tx1"/>
+          </a:fontRef>
+        </p:style>
+      </p:cxnSp>
+      <p:sp>
+        <p:nvSpPr>
+          <p:cNvPr id="23" name="TextBox 22"/>
+          <p:cNvSpPr txBox="1"/>
+          <p:nvPr/>
+        </p:nvSpPr>
+        <p:spPr>
+          <a:xfrm>
+            <a:off x="446049" y="6054908"/>
+            <a:ext cx="1583575" cy="369332"/>
+          </a:xfrm>
+          <a:prstGeom prst="rect">
+            <a:avLst/>
+          </a:prstGeom>
+          <a:noFill/>
+        </p:spPr>
+        <p:txBody>
+          <a:bodyPr wrap="none" rtlCol="0">
+            <a:spAutoFit/>
+          </a:bodyPr>
+          <a:lstStyle/>
+          <a:p>
+            <a:r>
+              <a:rPr lang="en-CA" dirty="0" smtClean="0"/>
+              <a:t>14 participants</a:t>
+            </a:r>
+            <a:endParaRPr lang="en-CA" dirty="0"/>
+          </a:p>
+        </p:txBody>
+      </p:sp>
+    </p:spTree>
+    <p:extLst>
+      <p:ext uri="{BB962C8B-B14F-4D97-AF65-F5344CB8AC3E}">
+        <p14:creationId xmlns:p14="http://schemas.microsoft.com/office/powerpoint/2010/main" val="1756136429"/>
+      </p:ext>
+    </p:extLst>
+  </p:cSld>
+  <p:clrMapOvr>
+    <a:masterClrMapping/>
+  </p:clrMapOvr>
+  <p:timing>
+    <p:tnLst>
+      <p:par>
+        <p:cTn id="1" dur="indefinite" restart="never" nodeType="tmRoot"/>
       </p:par>
     </p:tnLst>
   </p:timing>

--- a/Meetings/2018.05.03-CommitteeMeeting.pptx
+++ b/Meetings/2018.05.03-CommitteeMeeting.pptx
@@ -5,7 +5,7 @@
     <p:sldMasterId id="2147483660" r:id="rId1"/>
   </p:sldMasterIdLst>
   <p:notesMasterIdLst>
-    <p:notesMasterId r:id="rId12"/>
+    <p:notesMasterId r:id="rId13"/>
   </p:notesMasterIdLst>
   <p:sldIdLst>
     <p:sldId id="269" r:id="rId2"/>
@@ -18,6 +18,7 @@
     <p:sldId id="266" r:id="rId9"/>
     <p:sldId id="267" r:id="rId10"/>
     <p:sldId id="268" r:id="rId11"/>
+    <p:sldId id="271" r:id="rId12"/>
   </p:sldIdLst>
   <p:sldSz cx="9144000" cy="6858000" type="screen4x3"/>
   <p:notesSz cx="7010400" cy="9296400"/>
@@ -1316,11 +1317,11 @@
           <c:showBubbleSize val="0"/>
         </c:dLbls>
         <c:smooth val="0"/>
-        <c:axId val="238992880"/>
-        <c:axId val="238993272"/>
+        <c:axId val="154032656"/>
+        <c:axId val="154033048"/>
       </c:lineChart>
       <c:catAx>
-        <c:axId val="238992880"/>
+        <c:axId val="154032656"/>
         <c:scaling>
           <c:orientation val="minMax"/>
         </c:scaling>
@@ -1363,7 +1364,7 @@
             <a:endParaRPr lang="en-US"/>
           </a:p>
         </c:txPr>
-        <c:crossAx val="238993272"/>
+        <c:crossAx val="154033048"/>
         <c:crosses val="autoZero"/>
         <c:auto val="1"/>
         <c:lblAlgn val="ctr"/>
@@ -1371,7 +1372,7 @@
         <c:noMultiLvlLbl val="0"/>
       </c:catAx>
       <c:valAx>
-        <c:axId val="238993272"/>
+        <c:axId val="154033048"/>
         <c:scaling>
           <c:orientation val="minMax"/>
           <c:max val="100"/>
@@ -1411,7 +1412,7 @@
             <a:endParaRPr lang="en-US"/>
           </a:p>
         </c:txPr>
-        <c:crossAx val="238992880"/>
+        <c:crossAx val="154032656"/>
         <c:crosses val="autoZero"/>
         <c:crossBetween val="between"/>
         <c:majorUnit val="20"/>
@@ -1608,11 +1609,11 @@
           <c:showPercent val="0"/>
           <c:showBubbleSize val="0"/>
         </c:dLbls>
-        <c:axId val="323152184"/>
-        <c:axId val="323151792"/>
+        <c:axId val="154033832"/>
+        <c:axId val="154034224"/>
       </c:scatterChart>
       <c:valAx>
-        <c:axId val="323152184"/>
+        <c:axId val="154033832"/>
         <c:scaling>
           <c:orientation val="minMax"/>
         </c:scaling>
@@ -1716,12 +1717,12 @@
             <a:endParaRPr lang="en-US"/>
           </a:p>
         </c:txPr>
-        <c:crossAx val="323151792"/>
+        <c:crossAx val="154034224"/>
         <c:crosses val="autoZero"/>
         <c:crossBetween val="midCat"/>
       </c:valAx>
       <c:valAx>
-        <c:axId val="323151792"/>
+        <c:axId val="154034224"/>
         <c:scaling>
           <c:orientation val="minMax"/>
           <c:min val="50"/>
@@ -1826,7 +1827,7 @@
             <a:endParaRPr lang="en-US"/>
           </a:p>
         </c:txPr>
-        <c:crossAx val="323152184"/>
+        <c:crossAx val="154033832"/>
         <c:crosses val="autoZero"/>
         <c:crossBetween val="midCat"/>
       </c:valAx>
@@ -2022,11 +2023,11 @@
           <c:showPercent val="0"/>
           <c:showBubbleSize val="0"/>
         </c:dLbls>
-        <c:axId val="323151400"/>
-        <c:axId val="361363552"/>
+        <c:axId val="154035008"/>
+        <c:axId val="154035400"/>
       </c:scatterChart>
       <c:valAx>
-        <c:axId val="323151400"/>
+        <c:axId val="154035008"/>
         <c:scaling>
           <c:orientation val="minMax"/>
         </c:scaling>
@@ -2130,12 +2131,12 @@
             <a:endParaRPr lang="en-US"/>
           </a:p>
         </c:txPr>
-        <c:crossAx val="361363552"/>
+        <c:crossAx val="154035400"/>
         <c:crosses val="autoZero"/>
         <c:crossBetween val="midCat"/>
       </c:valAx>
       <c:valAx>
-        <c:axId val="361363552"/>
+        <c:axId val="154035400"/>
         <c:scaling>
           <c:orientation val="minMax"/>
           <c:min val="50"/>
@@ -2235,7 +2236,7 @@
             <a:endParaRPr lang="en-US"/>
           </a:p>
         </c:txPr>
-        <c:crossAx val="323151400"/>
+        <c:crossAx val="154035008"/>
         <c:crosses val="autoZero"/>
         <c:crossBetween val="midCat"/>
       </c:valAx>
@@ -4024,7 +4025,7 @@
           <a:p>
             <a:fld id="{F4441845-50B6-45FE-AF8F-9F286F9BE4A8}" type="datetimeFigureOut">
               <a:rPr lang="en-CA" smtClean="0"/>
-              <a:t>30/04/2018</a:t>
+              <a:t>01/05/2018</a:t>
             </a:fld>
             <a:endParaRPr lang="en-CA"/>
           </a:p>
@@ -4881,11 +4882,7 @@
             </a:r>
             <a:r>
               <a:rPr lang="en-US" baseline="0" dirty="0" smtClean="0"/>
-              <a:t> they all get better! They are learning the </a:t>
-            </a:r>
-            <a:r>
-              <a:rPr lang="en-US" baseline="0" dirty="0" smtClean="0"/>
-              <a:t>songs</a:t>
+              <a:t> they all get better! They are learning the songs</a:t>
             </a:r>
           </a:p>
           <a:p>
@@ -5177,7 +5174,7 @@
           <a:p>
             <a:fld id="{C4FA8CDB-8DD7-4860-AB92-9053B68FDE61}" type="datetimeFigureOut">
               <a:rPr lang="en-CA" smtClean="0"/>
-              <a:t>30/04/2018</a:t>
+              <a:t>01/05/2018</a:t>
             </a:fld>
             <a:endParaRPr lang="en-CA"/>
           </a:p>
@@ -5347,7 +5344,7 @@
           <a:p>
             <a:fld id="{C4FA8CDB-8DD7-4860-AB92-9053B68FDE61}" type="datetimeFigureOut">
               <a:rPr lang="en-CA" smtClean="0"/>
-              <a:t>30/04/2018</a:t>
+              <a:t>01/05/2018</a:t>
             </a:fld>
             <a:endParaRPr lang="en-CA"/>
           </a:p>
@@ -5527,7 +5524,7 @@
           <a:p>
             <a:fld id="{C4FA8CDB-8DD7-4860-AB92-9053B68FDE61}" type="datetimeFigureOut">
               <a:rPr lang="en-CA" smtClean="0"/>
-              <a:t>30/04/2018</a:t>
+              <a:t>01/05/2018</a:t>
             </a:fld>
             <a:endParaRPr lang="en-CA"/>
           </a:p>
@@ -5697,7 +5694,7 @@
           <a:p>
             <a:fld id="{C4FA8CDB-8DD7-4860-AB92-9053B68FDE61}" type="datetimeFigureOut">
               <a:rPr lang="en-CA" smtClean="0"/>
-              <a:t>30/04/2018</a:t>
+              <a:t>01/05/2018</a:t>
             </a:fld>
             <a:endParaRPr lang="en-CA"/>
           </a:p>
@@ -5941,7 +5938,7 @@
           <a:p>
             <a:fld id="{C4FA8CDB-8DD7-4860-AB92-9053B68FDE61}" type="datetimeFigureOut">
               <a:rPr lang="en-CA" smtClean="0"/>
-              <a:t>30/04/2018</a:t>
+              <a:t>01/05/2018</a:t>
             </a:fld>
             <a:endParaRPr lang="en-CA"/>
           </a:p>
@@ -6173,7 +6170,7 @@
           <a:p>
             <a:fld id="{C4FA8CDB-8DD7-4860-AB92-9053B68FDE61}" type="datetimeFigureOut">
               <a:rPr lang="en-CA" smtClean="0"/>
-              <a:t>30/04/2018</a:t>
+              <a:t>01/05/2018</a:t>
             </a:fld>
             <a:endParaRPr lang="en-CA"/>
           </a:p>
@@ -6540,7 +6537,7 @@
           <a:p>
             <a:fld id="{C4FA8CDB-8DD7-4860-AB92-9053B68FDE61}" type="datetimeFigureOut">
               <a:rPr lang="en-CA" smtClean="0"/>
-              <a:t>30/04/2018</a:t>
+              <a:t>01/05/2018</a:t>
             </a:fld>
             <a:endParaRPr lang="en-CA"/>
           </a:p>
@@ -6658,7 +6655,7 @@
           <a:p>
             <a:fld id="{C4FA8CDB-8DD7-4860-AB92-9053B68FDE61}" type="datetimeFigureOut">
               <a:rPr lang="en-CA" smtClean="0"/>
-              <a:t>30/04/2018</a:t>
+              <a:t>01/05/2018</a:t>
             </a:fld>
             <a:endParaRPr lang="en-CA"/>
           </a:p>
@@ -6753,7 +6750,7 @@
           <a:p>
             <a:fld id="{C4FA8CDB-8DD7-4860-AB92-9053B68FDE61}" type="datetimeFigureOut">
               <a:rPr lang="en-CA" smtClean="0"/>
-              <a:t>30/04/2018</a:t>
+              <a:t>01/05/2018</a:t>
             </a:fld>
             <a:endParaRPr lang="en-CA"/>
           </a:p>
@@ -7030,7 +7027,7 @@
           <a:p>
             <a:fld id="{C4FA8CDB-8DD7-4860-AB92-9053B68FDE61}" type="datetimeFigureOut">
               <a:rPr lang="en-CA" smtClean="0"/>
-              <a:t>30/04/2018</a:t>
+              <a:t>01/05/2018</a:t>
             </a:fld>
             <a:endParaRPr lang="en-CA"/>
           </a:p>
@@ -7287,7 +7284,7 @@
           <a:p>
             <a:fld id="{C4FA8CDB-8DD7-4860-AB92-9053B68FDE61}" type="datetimeFigureOut">
               <a:rPr lang="en-CA" smtClean="0"/>
-              <a:t>30/04/2018</a:t>
+              <a:t>01/05/2018</a:t>
             </a:fld>
             <a:endParaRPr lang="en-CA"/>
           </a:p>
@@ -7500,7 +7497,7 @@
           <a:p>
             <a:fld id="{C4FA8CDB-8DD7-4860-AB92-9053B68FDE61}" type="datetimeFigureOut">
               <a:rPr lang="en-CA" smtClean="0"/>
-              <a:t>30/04/2018</a:t>
+              <a:t>01/05/2018</a:t>
             </a:fld>
             <a:endParaRPr lang="en-CA"/>
           </a:p>
@@ -8124,6 +8121,116 @@
 </p:sld>
 </file>
 
+<file path=ppt/slides/slide11.xml><?xml version="1.0" encoding="utf-8"?>
+<p:sld xmlns:a="http://schemas.openxmlformats.org/drawingml/2006/main" xmlns:r="http://schemas.openxmlformats.org/officeDocument/2006/relationships" xmlns:p="http://schemas.openxmlformats.org/presentationml/2006/main">
+  <p:cSld>
+    <p:spTree>
+      <p:nvGrpSpPr>
+        <p:cNvPr id="1" name=""/>
+        <p:cNvGrpSpPr/>
+        <p:nvPr/>
+      </p:nvGrpSpPr>
+      <p:grpSpPr>
+        <a:xfrm>
+          <a:off x="0" y="0"/>
+          <a:ext cx="0" cy="0"/>
+          <a:chOff x="0" y="0"/>
+          <a:chExt cx="0" cy="0"/>
+        </a:xfrm>
+      </p:grpSpPr>
+      <p:sp>
+        <p:nvSpPr>
+          <p:cNvPr id="2" name="Title 1"/>
+          <p:cNvSpPr>
+            <a:spLocks noGrp="1"/>
+          </p:cNvSpPr>
+          <p:nvPr>
+            <p:ph type="title"/>
+          </p:nvPr>
+        </p:nvSpPr>
+        <p:spPr/>
+        <p:txBody>
+          <a:bodyPr/>
+          <a:lstStyle/>
+          <a:p>
+            <a:r>
+              <a:rPr lang="en-CA" dirty="0" smtClean="0"/>
+              <a:t>Preliminary fMRI results</a:t>
+            </a:r>
+            <a:endParaRPr lang="en-CA" dirty="0"/>
+          </a:p>
+        </p:txBody>
+      </p:sp>
+      <p:sp>
+        <p:nvSpPr>
+          <p:cNvPr id="3" name="Content Placeholder 2"/>
+          <p:cNvSpPr>
+            <a:spLocks noGrp="1"/>
+          </p:cNvSpPr>
+          <p:nvPr>
+            <p:ph idx="1"/>
+          </p:nvPr>
+        </p:nvSpPr>
+        <p:spPr/>
+        <p:txBody>
+          <a:bodyPr/>
+          <a:lstStyle/>
+          <a:p>
+            <a:r>
+              <a:rPr lang="en-CA" dirty="0" smtClean="0"/>
+              <a:t>Familiarity </a:t>
+            </a:r>
+            <a:r>
+              <a:rPr lang="en-CA" dirty="0" err="1" smtClean="0"/>
+              <a:t>covaries</a:t>
+            </a:r>
+            <a:r>
+              <a:rPr lang="en-CA" dirty="0" smtClean="0"/>
+              <a:t> with auditory activity in the superior temporal gyrus</a:t>
+            </a:r>
+          </a:p>
+          <a:p>
+            <a:pPr lvl="1"/>
+            <a:r>
+              <a:rPr lang="en-CA" dirty="0" smtClean="0"/>
+              <a:t>More activity the less familiar the songs are</a:t>
+            </a:r>
+          </a:p>
+          <a:p>
+            <a:pPr lvl="1"/>
+            <a:endParaRPr lang="en-CA" dirty="0" smtClean="0"/>
+          </a:p>
+          <a:p>
+            <a:r>
+              <a:rPr lang="en-CA" dirty="0" smtClean="0"/>
+              <a:t>Familiarity X presence of lyrics</a:t>
+            </a:r>
+          </a:p>
+          <a:p>
+            <a:pPr lvl="1"/>
+            <a:r>
+              <a:rPr lang="en-CA" dirty="0" smtClean="0"/>
+              <a:t>Striatum shows more activation to familiar music with lyrics than familiar music without lyrics or unfamiliar music</a:t>
+            </a:r>
+          </a:p>
+          <a:p>
+            <a:endParaRPr lang="en-CA" dirty="0"/>
+          </a:p>
+        </p:txBody>
+      </p:sp>
+    </p:spTree>
+    <p:extLst>
+      <p:ext uri="{BB962C8B-B14F-4D97-AF65-F5344CB8AC3E}">
+        <p14:creationId xmlns:p14="http://schemas.microsoft.com/office/powerpoint/2010/main" val="1956721779"/>
+      </p:ext>
+    </p:extLst>
+  </p:cSld>
+  <p:clrMapOvr>
+    <a:masterClrMapping/>
+  </p:clrMapOvr>
+</p:sld>
+</file>
+
 <file path=ppt/slides/slide2.xml><?xml version="1.0" encoding="utf-8"?>
 <p:sld xmlns:a="http://schemas.openxmlformats.org/drawingml/2006/main" xmlns:r="http://schemas.openxmlformats.org/officeDocument/2006/relationships" xmlns:p="http://schemas.openxmlformats.org/presentationml/2006/main">
   <p:cSld>
@@ -8183,11 +8290,36 @@
           <a:p>
             <a:r>
               <a:rPr lang="en-CA" dirty="0" smtClean="0"/>
-              <a:t>How </a:t>
+              <a:t>How does </a:t>
             </a:r>
             <a:r>
               <a:rPr lang="en-CA" dirty="0" smtClean="0"/>
-              <a:t>does our processing of music change as we age?</a:t>
+              <a:t>the </a:t>
+            </a:r>
+            <a:r>
+              <a:rPr lang="en-CA" dirty="0" smtClean="0"/>
+              <a:t>way the brain </a:t>
+            </a:r>
+            <a:r>
+              <a:rPr lang="en-CA" dirty="0" smtClean="0"/>
+              <a:t>processes </a:t>
+            </a:r>
+            <a:r>
+              <a:rPr lang="en-CA" dirty="0" smtClean="0"/>
+              <a:t>music change as we age</a:t>
+            </a:r>
+            <a:r>
+              <a:rPr lang="en-CA" dirty="0" smtClean="0"/>
+              <a:t>?</a:t>
+            </a:r>
+          </a:p>
+          <a:p>
+            <a:endParaRPr lang="en-CA" dirty="0"/>
+          </a:p>
+          <a:p>
+            <a:r>
+              <a:rPr lang="en-CA" dirty="0" smtClean="0"/>
+              <a:t>Using:</a:t>
             </a:r>
             <a:endParaRPr lang="en-CA" dirty="0" smtClean="0"/>
           </a:p>
@@ -8389,7 +8521,7 @@
         </p:nvSpPr>
         <p:spPr>
           <a:xfrm>
-            <a:off x="492972" y="1525841"/>
+            <a:off x="492972" y="1012885"/>
             <a:ext cx="3016313" cy="1376127"/>
           </a:xfrm>
           <a:prstGeom prst="rect">
@@ -8500,7 +8632,7 @@
         </p:nvSpPr>
         <p:spPr>
           <a:xfrm>
-            <a:off x="492973" y="2901968"/>
+            <a:off x="492973" y="2389012"/>
             <a:ext cx="3016313" cy="1756372"/>
           </a:xfrm>
           <a:prstGeom prst="rect">
@@ -8589,21 +8721,8 @@
                   <a:schemeClr val="tx1"/>
                 </a:solidFill>
               </a:rPr>
-              <a:t>BOLD fMRI </a:t>
-            </a:r>
-            <a:r>
-              <a:rPr lang="en-CA" sz="1200" dirty="0" smtClean="0">
-                <a:solidFill>
-                  <a:schemeClr val="tx1"/>
-                </a:solidFill>
-              </a:rPr>
-              <a:t>data</a:t>
-            </a:r>
-            <a:endParaRPr lang="en-CA" sz="1200" dirty="0" smtClean="0">
-              <a:solidFill>
-                <a:schemeClr val="tx1"/>
-              </a:solidFill>
-            </a:endParaRPr>
+              <a:t>BOLD fMRI data</a:t>
+            </a:r>
           </a:p>
         </p:txBody>
       </p:sp>
@@ -8615,7 +8734,7 @@
         </p:nvSpPr>
         <p:spPr>
           <a:xfrm>
-            <a:off x="3660174" y="1516643"/>
+            <a:off x="3660174" y="1003687"/>
             <a:ext cx="3016313" cy="1376127"/>
           </a:xfrm>
           <a:prstGeom prst="rect">
@@ -8707,7 +8826,7 @@
         </p:nvSpPr>
         <p:spPr>
           <a:xfrm>
-            <a:off x="3660175" y="2892915"/>
+            <a:off x="3660175" y="2379959"/>
             <a:ext cx="3016313" cy="1756372"/>
           </a:xfrm>
           <a:prstGeom prst="rect">
@@ -8804,21 +8923,8 @@
                   <a:schemeClr val="tx1"/>
                 </a:solidFill>
               </a:rPr>
-              <a:t>Synchrony to long known music as </a:t>
-            </a:r>
-            <a:r>
-              <a:rPr lang="en-CA" sz="1200" dirty="0" smtClean="0">
-                <a:solidFill>
-                  <a:schemeClr val="tx1"/>
-                </a:solidFill>
-              </a:rPr>
-              <a:t>comparison</a:t>
-            </a:r>
-            <a:endParaRPr lang="en-CA" sz="1200" dirty="0" smtClean="0">
-              <a:solidFill>
-                <a:schemeClr val="tx1"/>
-              </a:solidFill>
-            </a:endParaRPr>
+              <a:t>Synchrony to long known music as comparison</a:t>
+            </a:r>
           </a:p>
         </p:txBody>
       </p:sp>
@@ -8830,7 +8936,7 @@
         </p:nvSpPr>
         <p:spPr>
           <a:xfrm>
-            <a:off x="6730806" y="3105671"/>
+            <a:off x="6730806" y="2592715"/>
             <a:ext cx="2098214" cy="3105338"/>
           </a:xfrm>
           <a:prstGeom prst="rect">
@@ -8899,15 +9005,7 @@
                   <a:schemeClr val="tx1"/>
                 </a:solidFill>
               </a:rPr>
-              <a:t>How does cognition change as we age</a:t>
-            </a:r>
-            <a:r>
-              <a:rPr lang="en-CA" sz="1200" b="1" dirty="0" smtClean="0">
-                <a:solidFill>
-                  <a:schemeClr val="tx1"/>
-                </a:solidFill>
-              </a:rPr>
-              <a:t>?</a:t>
+              <a:t>How does cognition change as we age?</a:t>
             </a:r>
             <a:endParaRPr lang="en-CA" sz="1200" dirty="0">
               <a:solidFill>
@@ -8950,15 +9048,7 @@
                   <a:schemeClr val="tx1"/>
                 </a:solidFill>
               </a:rPr>
-              <a:t> </a:t>
-            </a:r>
-            <a:r>
-              <a:rPr lang="en-CA" sz="1200" dirty="0" smtClean="0">
-                <a:solidFill>
-                  <a:schemeClr val="tx1"/>
-                </a:solidFill>
-              </a:rPr>
-              <a:t>scores</a:t>
+              <a:t> scores</a:t>
             </a:r>
           </a:p>
           <a:p>
@@ -8998,7 +9088,7 @@
         </p:nvSpPr>
         <p:spPr>
           <a:xfrm>
-            <a:off x="492971" y="4644885"/>
+            <a:off x="492971" y="4131929"/>
             <a:ext cx="3016313" cy="1778879"/>
           </a:xfrm>
           <a:prstGeom prst="rect">
@@ -9095,21 +9185,8 @@
                   <a:schemeClr val="tx1"/>
                 </a:solidFill>
               </a:rPr>
-              <a:t>Long known stim </a:t>
-            </a:r>
-            <a:r>
-              <a:rPr lang="en-CA" sz="1200" dirty="0" smtClean="0">
-                <a:solidFill>
-                  <a:schemeClr val="tx1"/>
-                </a:solidFill>
-              </a:rPr>
-              <a:t>only</a:t>
-            </a:r>
-            <a:endParaRPr lang="en-CA" sz="1200" dirty="0" smtClean="0">
-              <a:solidFill>
-                <a:schemeClr val="tx1"/>
-              </a:solidFill>
-            </a:endParaRPr>
+              <a:t>Long known stim only</a:t>
+            </a:r>
           </a:p>
         </p:txBody>
       </p:sp>
@@ -9136,7 +9213,7 @@
         </p:blipFill>
         <p:spPr bwMode="auto">
           <a:xfrm>
-            <a:off x="3105310" y="1577438"/>
+            <a:off x="3105310" y="1064482"/>
             <a:ext cx="269317" cy="280657"/>
           </a:xfrm>
           <a:prstGeom prst="rect">
@@ -9145,7 +9222,7 @@
           <a:noFill/>
           <a:extLst>
             <a:ext uri="{909E8E84-426E-40dd-AFC4-6F175D3DCCD1}">
-              <a14:hiddenFill xmlns:a14="http://schemas.microsoft.com/office/drawing/2010/main" xmlns="">
+              <a14:hiddenFill xmlns="" xmlns:a14="http://schemas.microsoft.com/office/drawing/2010/main">
                 <a:solidFill>
                   <a:srgbClr val="FFFFFF"/>
                 </a:solidFill>
@@ -9177,7 +9254,7 @@
         </p:blipFill>
         <p:spPr bwMode="auto">
           <a:xfrm>
-            <a:off x="6328433" y="1577438"/>
+            <a:off x="6328433" y="1064482"/>
             <a:ext cx="269317" cy="280657"/>
           </a:xfrm>
           <a:prstGeom prst="rect">
@@ -9186,7 +9263,7 @@
           <a:noFill/>
           <a:extLst>
             <a:ext uri="{909E8E84-426E-40dd-AFC4-6F175D3DCCD1}">
-              <a14:hiddenFill xmlns:a14="http://schemas.microsoft.com/office/drawing/2010/main" xmlns="">
+              <a14:hiddenFill xmlns="" xmlns:a14="http://schemas.microsoft.com/office/drawing/2010/main">
                 <a:solidFill>
                   <a:srgbClr val="FFFFFF"/>
                 </a:solidFill>
@@ -9203,7 +9280,7 @@
         </p:nvCxnSpPr>
         <p:spPr>
           <a:xfrm>
-            <a:off x="589607" y="2723901"/>
+            <a:off x="589607" y="2210945"/>
             <a:ext cx="0" cy="356134"/>
           </a:xfrm>
           <a:prstGeom prst="straightConnector1">
@@ -9240,7 +9317,7 @@
         </p:nvCxnSpPr>
         <p:spPr>
           <a:xfrm>
-            <a:off x="3783590" y="2723901"/>
+            <a:off x="3783590" y="2210945"/>
             <a:ext cx="0" cy="356134"/>
           </a:xfrm>
           <a:prstGeom prst="straightConnector1">
@@ -9277,7 +9354,7 @@
         </p:nvCxnSpPr>
         <p:spPr>
           <a:xfrm flipV="1">
-            <a:off x="6535518" y="3780154"/>
+            <a:off x="6535518" y="3267198"/>
             <a:ext cx="400452" cy="1399"/>
           </a:xfrm>
           <a:prstGeom prst="straightConnector1">
@@ -9329,7 +9406,7 @@
         </p:blipFill>
         <p:spPr bwMode="auto">
           <a:xfrm>
-            <a:off x="574407" y="1067117"/>
+            <a:off x="574407" y="554161"/>
             <a:ext cx="269317" cy="280657"/>
           </a:xfrm>
           <a:prstGeom prst="rect">
@@ -9338,7 +9415,7 @@
           <a:noFill/>
           <a:extLst>
             <a:ext uri="{909E8E84-426E-40dd-AFC4-6F175D3DCCD1}">
-              <a14:hiddenFill xmlns:a14="http://schemas.microsoft.com/office/drawing/2010/main" xmlns="">
+              <a14:hiddenFill xmlns="" xmlns:a14="http://schemas.microsoft.com/office/drawing/2010/main">
                 <a:solidFill>
                   <a:srgbClr val="FFFFFF"/>
                 </a:solidFill>
@@ -9355,8 +9432,8 @@
         </p:nvSpPr>
         <p:spPr>
           <a:xfrm>
-            <a:off x="709065" y="1070398"/>
-            <a:ext cx="1947777" cy="307777"/>
+            <a:off x="709065" y="557442"/>
+            <a:ext cx="2859885" cy="307777"/>
           </a:xfrm>
           <a:prstGeom prst="rect">
             <a:avLst/>
@@ -9371,7 +9448,11 @@
           <a:p>
             <a:r>
               <a:rPr lang="en-CA" sz="1400" dirty="0" smtClean="0"/>
-              <a:t>= data collection started</a:t>
+              <a:t>= data collection </a:t>
+            </a:r>
+            <a:r>
+              <a:rPr lang="en-CA" sz="1400" dirty="0" smtClean="0"/>
+              <a:t>&amp; analysis ongoing</a:t>
             </a:r>
             <a:endParaRPr lang="en-CA" sz="1400" dirty="0"/>
           </a:p>
@@ -9385,7 +9466,7 @@
         </p:nvSpPr>
         <p:spPr>
           <a:xfrm>
-            <a:off x="3665620" y="4649432"/>
+            <a:off x="3665620" y="4136476"/>
             <a:ext cx="3010867" cy="1778879"/>
           </a:xfrm>
           <a:prstGeom prst="rect">
@@ -9459,21 +9540,8 @@
                   <a:schemeClr val="tx1"/>
                 </a:solidFill>
               </a:rPr>
-              <a:t>Synchrony to long known stim </a:t>
-            </a:r>
-            <a:r>
-              <a:rPr lang="en-CA" sz="1200" dirty="0" smtClean="0">
-                <a:solidFill>
-                  <a:schemeClr val="tx1"/>
-                </a:solidFill>
-              </a:rPr>
-              <a:t>only</a:t>
-            </a:r>
-            <a:endParaRPr lang="en-CA" sz="1200" dirty="0" smtClean="0">
-              <a:solidFill>
-                <a:schemeClr val="tx1"/>
-              </a:solidFill>
-            </a:endParaRPr>
+              <a:t>Synchrony to long known stim only</a:t>
+            </a:r>
           </a:p>
         </p:txBody>
       </p:sp>
@@ -9485,7 +9553,7 @@
         </p:nvCxnSpPr>
         <p:spPr>
           <a:xfrm>
-            <a:off x="589607" y="4560246"/>
+            <a:off x="589607" y="4047290"/>
             <a:ext cx="0" cy="356134"/>
           </a:xfrm>
           <a:prstGeom prst="straightConnector1">
@@ -9522,7 +9590,7 @@
         </p:nvCxnSpPr>
         <p:spPr>
           <a:xfrm>
-            <a:off x="3783590" y="4560246"/>
+            <a:off x="3783590" y="4047290"/>
             <a:ext cx="0" cy="356134"/>
           </a:xfrm>
           <a:prstGeom prst="straightConnector1">
@@ -9574,7 +9642,7 @@
         </p:blipFill>
         <p:spPr bwMode="auto">
           <a:xfrm>
-            <a:off x="8469446" y="3202226"/>
+            <a:off x="8469446" y="2689270"/>
             <a:ext cx="269317" cy="280657"/>
           </a:xfrm>
           <a:prstGeom prst="rect">
@@ -9583,7 +9651,7 @@
           <a:noFill/>
           <a:extLst>
             <a:ext uri="{909E8E84-426E-40dd-AFC4-6F175D3DCCD1}">
-              <a14:hiddenFill xmlns:a14="http://schemas.microsoft.com/office/drawing/2010/main" xmlns="">
+              <a14:hiddenFill xmlns="" xmlns:a14="http://schemas.microsoft.com/office/drawing/2010/main">
                 <a:solidFill>
                   <a:srgbClr val="FFFFFF"/>
                 </a:solidFill>
@@ -9600,7 +9668,7 @@
         </p:nvCxnSpPr>
         <p:spPr>
           <a:xfrm flipV="1">
-            <a:off x="6535518" y="5534324"/>
+            <a:off x="6535518" y="5021368"/>
             <a:ext cx="400452" cy="1399"/>
           </a:xfrm>
           <a:prstGeom prst="straightConnector1">
@@ -9637,7 +9705,7 @@
         </p:nvSpPr>
         <p:spPr>
           <a:xfrm>
-            <a:off x="3660174" y="4342699"/>
+            <a:off x="3660174" y="3829743"/>
             <a:ext cx="1024511" cy="276999"/>
           </a:xfrm>
           <a:prstGeom prst="rect">
@@ -9662,11 +9730,6 @@
               </a:rPr>
               <a:t>CBS scores</a:t>
             </a:r>
-            <a:endParaRPr lang="en-CA" sz="1200" dirty="0">
-              <a:solidFill>
-                <a:srgbClr val="C00000"/>
-              </a:solidFill>
-            </a:endParaRPr>
           </a:p>
         </p:txBody>
       </p:sp>
@@ -9678,7 +9741,7 @@
         </p:nvSpPr>
         <p:spPr>
           <a:xfrm>
-            <a:off x="492969" y="4365998"/>
+            <a:off x="492969" y="3853042"/>
             <a:ext cx="1024511" cy="276999"/>
           </a:xfrm>
           <a:prstGeom prst="rect">
@@ -9703,11 +9766,6 @@
               </a:rPr>
               <a:t>CBS scores</a:t>
             </a:r>
-            <a:endParaRPr lang="en-CA" sz="1200" dirty="0">
-              <a:solidFill>
-                <a:srgbClr val="C00000"/>
-              </a:solidFill>
-            </a:endParaRPr>
           </a:p>
         </p:txBody>
       </p:sp>
@@ -9719,7 +9777,7 @@
         </p:nvSpPr>
         <p:spPr>
           <a:xfrm>
-            <a:off x="3660174" y="5960571"/>
+            <a:off x="3660174" y="5447615"/>
             <a:ext cx="1024511" cy="276999"/>
           </a:xfrm>
           <a:prstGeom prst="rect">
@@ -9744,11 +9802,6 @@
               </a:rPr>
               <a:t>CBS scores</a:t>
             </a:r>
-            <a:endParaRPr lang="en-CA" sz="1200" dirty="0">
-              <a:solidFill>
-                <a:srgbClr val="C00000"/>
-              </a:solidFill>
-            </a:endParaRPr>
           </a:p>
         </p:txBody>
       </p:sp>
@@ -9760,7 +9813,7 @@
         </p:nvSpPr>
         <p:spPr>
           <a:xfrm>
-            <a:off x="492968" y="6034467"/>
+            <a:off x="492968" y="5521511"/>
             <a:ext cx="1024511" cy="276999"/>
           </a:xfrm>
           <a:prstGeom prst="rect">
@@ -9785,11 +9838,6 @@
               </a:rPr>
               <a:t>CBS scores</a:t>
             </a:r>
-            <a:endParaRPr lang="en-CA" sz="1200" dirty="0">
-              <a:solidFill>
-                <a:srgbClr val="C00000"/>
-              </a:solidFill>
-            </a:endParaRPr>
           </a:p>
         </p:txBody>
       </p:sp>
@@ -11874,28 +11922,15 @@
           <a:p>
             <a:r>
               <a:rPr lang="en-US" dirty="0" smtClean="0"/>
-              <a:t>14</a:t>
-            </a:r>
+              <a:t>14 participants</a:t>
+            </a:r>
+          </a:p>
+          <a:p>
+            <a:pPr lvl="1"/>
             <a:r>
               <a:rPr lang="en-US" dirty="0" smtClean="0"/>
-              <a:t> </a:t>
-            </a:r>
-            <a:r>
-              <a:rPr lang="en-US" dirty="0" smtClean="0"/>
-              <a:t>participants</a:t>
-            </a:r>
-          </a:p>
-          <a:p>
-            <a:pPr lvl="1"/>
-            <a:r>
-              <a:rPr lang="en-US" dirty="0" smtClean="0"/>
-              <a:t>Average age: </a:t>
-            </a:r>
-            <a:r>
-              <a:rPr lang="en-US" dirty="0" smtClean="0"/>
-              <a:t>24</a:t>
-            </a:r>
-            <a:endParaRPr lang="en-US" dirty="0" smtClean="0"/>
+              <a:t>Average age: 24</a:t>
+            </a:r>
           </a:p>
           <a:p>
             <a:pPr lvl="1"/>
@@ -11905,23 +11940,14 @@
             </a:r>
             <a:r>
               <a:rPr lang="en-US" dirty="0" smtClean="0"/>
-              <a:t> </a:t>
-            </a:r>
+              <a:t> males</a:t>
+            </a:r>
+          </a:p>
+          <a:p>
             <a:r>
               <a:rPr lang="en-US" dirty="0" smtClean="0"/>
-              <a:t>males</a:t>
-            </a:r>
-          </a:p>
-          <a:p>
-            <a:r>
-              <a:rPr lang="en-US" dirty="0" smtClean="0"/>
-              <a:t># of listens: </a:t>
-            </a:r>
-            <a:r>
-              <a:rPr lang="en-US" dirty="0" smtClean="0"/>
-              <a:t>7-23</a:t>
-            </a:r>
-            <a:endParaRPr lang="en-US" dirty="0" smtClean="0"/>
+              <a:t># of listens: 7-23</a:t>
+            </a:r>
           </a:p>
           <a:p>
             <a:r>

--- a/Meetings/2018.05.03-CommitteeMeeting.pptx
+++ b/Meetings/2018.05.03-CommitteeMeeting.pptx
@@ -119,7 +119,7 @@
   </p:defaultTextStyle>
   <p:extLst>
     <p:ext uri="{EFAFB233-063F-42B5-8137-9DF3F51BA10A}">
-      <p15:sldGuideLst xmlns:p15="http://schemas.microsoft.com/office/powerpoint/2012/main">
+      <p15:sldGuideLst xmlns:p15="http://schemas.microsoft.com/office/powerpoint/2012/main" xmlns="">
         <p15:guide id="1" orient="horz" pos="2160">
           <p15:clr>
             <a:srgbClr val="A4A3A4"/>
@@ -215,22 +215,22 @@
                 <c:formatCode>General</c:formatCode>
                 <c:ptCount val="6"/>
                 <c:pt idx="0">
-                  <c:v>28.571400000000001</c:v>
+                  <c:v>28.5714</c:v>
                 </c:pt>
                 <c:pt idx="1">
-                  <c:v>60</c:v>
+                  <c:v>60.0</c:v>
                 </c:pt>
                 <c:pt idx="2">
-                  <c:v>50</c:v>
+                  <c:v>50.0</c:v>
                 </c:pt>
                 <c:pt idx="3">
-                  <c:v>80</c:v>
+                  <c:v>80.0</c:v>
                 </c:pt>
                 <c:pt idx="4">
-                  <c:v>90</c:v>
+                  <c:v>90.0</c:v>
                 </c:pt>
                 <c:pt idx="5">
-                  <c:v>66.667000000000002</c:v>
+                  <c:v>66.667</c:v>
                 </c:pt>
               </c:numCache>
             </c:numRef>
@@ -296,22 +296,22 @@
                 <c:formatCode>General</c:formatCode>
                 <c:ptCount val="6"/>
                 <c:pt idx="0">
-                  <c:v>37.930999999999997</c:v>
+                  <c:v>37.931</c:v>
                 </c:pt>
                 <c:pt idx="1">
-                  <c:v>80</c:v>
+                  <c:v>80.0</c:v>
                 </c:pt>
                 <c:pt idx="2">
-                  <c:v>100</c:v>
+                  <c:v>100.0</c:v>
                 </c:pt>
                 <c:pt idx="3">
-                  <c:v>100</c:v>
+                  <c:v>100.0</c:v>
                 </c:pt>
                 <c:pt idx="4">
-                  <c:v>100</c:v>
+                  <c:v>100.0</c:v>
                 </c:pt>
                 <c:pt idx="5">
-                  <c:v>100</c:v>
+                  <c:v>100.0</c:v>
                 </c:pt>
               </c:numCache>
             </c:numRef>
@@ -380,19 +380,19 @@
                   <c:v>23.8095</c:v>
                 </c:pt>
                 <c:pt idx="1">
-                  <c:v>50</c:v>
+                  <c:v>50.0</c:v>
                 </c:pt>
                 <c:pt idx="2">
-                  <c:v>40</c:v>
+                  <c:v>40.0</c:v>
                 </c:pt>
                 <c:pt idx="3">
-                  <c:v>70</c:v>
+                  <c:v>70.0</c:v>
                 </c:pt>
                 <c:pt idx="4">
-                  <c:v>90</c:v>
+                  <c:v>90.0</c:v>
                 </c:pt>
                 <c:pt idx="5">
-                  <c:v>66.667000000000002</c:v>
+                  <c:v>66.667</c:v>
                 </c:pt>
               </c:numCache>
             </c:numRef>
@@ -461,19 +461,19 @@
                   <c:v>51.7241</c:v>
                 </c:pt>
                 <c:pt idx="1">
-                  <c:v>70</c:v>
+                  <c:v>70.0</c:v>
                 </c:pt>
                 <c:pt idx="2">
-                  <c:v>90</c:v>
+                  <c:v>90.0</c:v>
                 </c:pt>
                 <c:pt idx="3">
-                  <c:v>80</c:v>
+                  <c:v>80.0</c:v>
                 </c:pt>
                 <c:pt idx="4">
-                  <c:v>90</c:v>
+                  <c:v>90.0</c:v>
                 </c:pt>
                 <c:pt idx="5">
-                  <c:v>82.758600000000001</c:v>
+                  <c:v>82.7586</c:v>
                 </c:pt>
               </c:numCache>
             </c:numRef>
@@ -539,22 +539,22 @@
                 <c:formatCode>General</c:formatCode>
                 <c:ptCount val="6"/>
                 <c:pt idx="0">
-                  <c:v>33.332999999999998</c:v>
+                  <c:v>33.33300000000001</c:v>
                 </c:pt>
                 <c:pt idx="1">
-                  <c:v>60</c:v>
+                  <c:v>60.0</c:v>
                 </c:pt>
                 <c:pt idx="2">
-                  <c:v>50</c:v>
+                  <c:v>50.0</c:v>
                 </c:pt>
                 <c:pt idx="3">
-                  <c:v>80</c:v>
+                  <c:v>80.0</c:v>
                 </c:pt>
                 <c:pt idx="4">
-                  <c:v>80</c:v>
+                  <c:v>80.0</c:v>
                 </c:pt>
                 <c:pt idx="5">
-                  <c:v>85.714299999999994</c:v>
+                  <c:v>85.7143</c:v>
                 </c:pt>
               </c:numCache>
             </c:numRef>
@@ -623,19 +623,19 @@
                   <c:v>51.7241</c:v>
                 </c:pt>
                 <c:pt idx="1">
-                  <c:v>90</c:v>
+                  <c:v>90.0</c:v>
                 </c:pt>
                 <c:pt idx="2">
-                  <c:v>80</c:v>
+                  <c:v>80.0</c:v>
                 </c:pt>
                 <c:pt idx="3">
-                  <c:v>80</c:v>
+                  <c:v>80.0</c:v>
                 </c:pt>
                 <c:pt idx="4">
-                  <c:v>60</c:v>
+                  <c:v>60.0</c:v>
                 </c:pt>
                 <c:pt idx="5">
-                  <c:v>79.310299999999998</c:v>
+                  <c:v>79.31030000000001</c:v>
                 </c:pt>
               </c:numCache>
             </c:numRef>
@@ -706,19 +706,19 @@
                   <c:v>23.8095</c:v>
                 </c:pt>
                 <c:pt idx="1">
-                  <c:v>70</c:v>
+                  <c:v>70.0</c:v>
                 </c:pt>
                 <c:pt idx="2">
-                  <c:v>60</c:v>
+                  <c:v>60.0</c:v>
                 </c:pt>
                 <c:pt idx="3">
-                  <c:v>60</c:v>
+                  <c:v>60.0</c:v>
                 </c:pt>
                 <c:pt idx="4">
-                  <c:v>70</c:v>
+                  <c:v>70.0</c:v>
                 </c:pt>
                 <c:pt idx="5">
-                  <c:v>80.952399999999997</c:v>
+                  <c:v>80.95239999999998</c:v>
                 </c:pt>
               </c:numCache>
             </c:numRef>
@@ -789,16 +789,16 @@
                   <c:v>48.2759</c:v>
                 </c:pt>
                 <c:pt idx="1">
-                  <c:v>60</c:v>
+                  <c:v>60.0</c:v>
                 </c:pt>
                 <c:pt idx="2">
-                  <c:v>90</c:v>
+                  <c:v>90.0</c:v>
                 </c:pt>
                 <c:pt idx="3">
-                  <c:v>80</c:v>
+                  <c:v>80.0</c:v>
                 </c:pt>
                 <c:pt idx="4">
-                  <c:v>70</c:v>
+                  <c:v>70.0</c:v>
                 </c:pt>
                 <c:pt idx="5">
                   <c:v>86.29</c:v>
@@ -872,19 +872,19 @@
                   <c:v>48.2759</c:v>
                 </c:pt>
                 <c:pt idx="1">
-                  <c:v>80</c:v>
+                  <c:v>80.0</c:v>
                 </c:pt>
                 <c:pt idx="2">
-                  <c:v>90</c:v>
+                  <c:v>90.0</c:v>
                 </c:pt>
                 <c:pt idx="3">
-                  <c:v>90</c:v>
+                  <c:v>90.0</c:v>
                 </c:pt>
                 <c:pt idx="4">
-                  <c:v>90</c:v>
+                  <c:v>90.0</c:v>
                 </c:pt>
                 <c:pt idx="5">
-                  <c:v>100</c:v>
+                  <c:v>100.0</c:v>
                 </c:pt>
               </c:numCache>
             </c:numRef>
@@ -955,19 +955,19 @@
                   <c:v>14.2857</c:v>
                 </c:pt>
                 <c:pt idx="1">
-                  <c:v>40</c:v>
+                  <c:v>40.0</c:v>
                 </c:pt>
                 <c:pt idx="2">
-                  <c:v>50</c:v>
+                  <c:v>50.0</c:v>
                 </c:pt>
                 <c:pt idx="3">
-                  <c:v>50</c:v>
+                  <c:v>50.0</c:v>
                 </c:pt>
                 <c:pt idx="4">
-                  <c:v>50</c:v>
+                  <c:v>50.0</c:v>
                 </c:pt>
                 <c:pt idx="5">
-                  <c:v>90.746200000000002</c:v>
+                  <c:v>90.7462</c:v>
                 </c:pt>
               </c:numCache>
             </c:numRef>
@@ -1038,19 +1038,19 @@
                   <c:v>48.2759</c:v>
                 </c:pt>
                 <c:pt idx="1">
-                  <c:v>70</c:v>
+                  <c:v>70.0</c:v>
                 </c:pt>
                 <c:pt idx="2">
-                  <c:v>60</c:v>
+                  <c:v>60.0</c:v>
                 </c:pt>
                 <c:pt idx="3">
-                  <c:v>60</c:v>
+                  <c:v>60.0</c:v>
                 </c:pt>
                 <c:pt idx="4">
-                  <c:v>70</c:v>
+                  <c:v>70.0</c:v>
                 </c:pt>
                 <c:pt idx="5">
-                  <c:v>75.862099999999998</c:v>
+                  <c:v>75.8621</c:v>
                 </c:pt>
               </c:numCache>
             </c:numRef>
@@ -1118,22 +1118,22 @@
                 <c:formatCode>General</c:formatCode>
                 <c:ptCount val="6"/>
                 <c:pt idx="0">
-                  <c:v>38.095199999999998</c:v>
+                  <c:v>38.09520000000001</c:v>
                 </c:pt>
                 <c:pt idx="1">
-                  <c:v>50</c:v>
+                  <c:v>50.0</c:v>
                 </c:pt>
                 <c:pt idx="2">
-                  <c:v>60</c:v>
+                  <c:v>60.0</c:v>
                 </c:pt>
                 <c:pt idx="3">
-                  <c:v>30</c:v>
+                  <c:v>30.0</c:v>
                 </c:pt>
                 <c:pt idx="4">
-                  <c:v>40</c:v>
+                  <c:v>40.0</c:v>
                 </c:pt>
                 <c:pt idx="5">
-                  <c:v>80.952399999999997</c:v>
+                  <c:v>80.95239999999998</c:v>
                 </c:pt>
               </c:numCache>
             </c:numRef>
@@ -1202,22 +1202,22 @@
                 <c:formatCode>General</c:formatCode>
                 <c:ptCount val="6"/>
                 <c:pt idx="0">
-                  <c:v>44.827599999999997</c:v>
+                  <c:v>44.8276</c:v>
                 </c:pt>
                 <c:pt idx="1">
-                  <c:v>50</c:v>
+                  <c:v>50.0</c:v>
                 </c:pt>
                 <c:pt idx="2">
-                  <c:v>80</c:v>
+                  <c:v>80.0</c:v>
                 </c:pt>
                 <c:pt idx="3">
-                  <c:v>70</c:v>
+                  <c:v>70.0</c:v>
                 </c:pt>
                 <c:pt idx="4">
-                  <c:v>80</c:v>
+                  <c:v>80.0</c:v>
                 </c:pt>
                 <c:pt idx="5">
-                  <c:v>79.310299999999998</c:v>
+                  <c:v>79.31030000000001</c:v>
                 </c:pt>
               </c:numCache>
             </c:numRef>
@@ -1286,19 +1286,19 @@
                 <c:formatCode>General</c:formatCode>
                 <c:ptCount val="6"/>
                 <c:pt idx="0">
-                  <c:v>19.047599999999999</c:v>
+                  <c:v>19.0476</c:v>
                 </c:pt>
                 <c:pt idx="1">
-                  <c:v>70</c:v>
+                  <c:v>70.0</c:v>
                 </c:pt>
                 <c:pt idx="2">
-                  <c:v>70</c:v>
+                  <c:v>70.0</c:v>
                 </c:pt>
                 <c:pt idx="3">
-                  <c:v>60</c:v>
+                  <c:v>60.0</c:v>
                 </c:pt>
                 <c:pt idx="4">
-                  <c:v>100</c:v>
+                  <c:v>100.0</c:v>
                 </c:pt>
                 <c:pt idx="5">
                   <c:v>76.1905</c:v>
@@ -1316,12 +1316,13 @@
           <c:showPercent val="0"/>
           <c:showBubbleSize val="0"/>
         </c:dLbls>
+        <c:marker val="1"/>
         <c:smooth val="0"/>
-        <c:axId val="154032656"/>
-        <c:axId val="154033048"/>
+        <c:axId val="-2141150920"/>
+        <c:axId val="-2141154536"/>
       </c:lineChart>
       <c:catAx>
-        <c:axId val="154032656"/>
+        <c:axId val="-2141150920"/>
         <c:scaling>
           <c:orientation val="minMax"/>
         </c:scaling>
@@ -1364,7 +1365,7 @@
             <a:endParaRPr lang="en-US"/>
           </a:p>
         </c:txPr>
-        <c:crossAx val="154033048"/>
+        <c:crossAx val="-2141154536"/>
         <c:crosses val="autoZero"/>
         <c:auto val="1"/>
         <c:lblAlgn val="ctr"/>
@@ -1372,10 +1373,10 @@
         <c:noMultiLvlLbl val="0"/>
       </c:catAx>
       <c:valAx>
-        <c:axId val="154033048"/>
+        <c:axId val="-2141154536"/>
         <c:scaling>
           <c:orientation val="minMax"/>
-          <c:max val="100"/>
+          <c:max val="100.0"/>
         </c:scaling>
         <c:delete val="0"/>
         <c:axPos val="l"/>
@@ -1412,10 +1413,10 @@
             <a:endParaRPr lang="en-US"/>
           </a:p>
         </c:txPr>
-        <c:crossAx val="154032656"/>
+        <c:crossAx val="-2141150920"/>
         <c:crosses val="autoZero"/>
         <c:crossBetween val="between"/>
-        <c:majorUnit val="20"/>
+        <c:majorUnit val="20.0"/>
       </c:valAx>
       <c:spPr>
         <a:noFill/>
@@ -1446,7 +1447,7 @@
       <a:endParaRPr lang="en-US"/>
     </a:p>
   </c:txPr>
-  <c:externalData r:id="rId3">
+  <c:externalData r:id="rId1">
     <c:autoUpdate val="0"/>
   </c:externalData>
 </c:chartSpace>
@@ -1516,7 +1517,7 @@
                   <c:v>20.375</c:v>
                 </c:pt>
                 <c:pt idx="4">
-                  <c:v>17</c:v>
+                  <c:v>17.0</c:v>
                 </c:pt>
                 <c:pt idx="5">
                   <c:v>18.5</c:v>
@@ -1555,43 +1556,43 @@
                 <c:formatCode>General</c:formatCode>
                 <c:ptCount val="14"/>
                 <c:pt idx="0">
-                  <c:v>66.667000000000002</c:v>
+                  <c:v>66.667</c:v>
                 </c:pt>
                 <c:pt idx="1">
-                  <c:v>100</c:v>
+                  <c:v>100.0</c:v>
                 </c:pt>
                 <c:pt idx="2">
-                  <c:v>66.667000000000002</c:v>
+                  <c:v>66.667</c:v>
                 </c:pt>
                 <c:pt idx="3">
-                  <c:v>82.758600000000001</c:v>
+                  <c:v>82.7586</c:v>
                 </c:pt>
                 <c:pt idx="4">
-                  <c:v>85.714299999999994</c:v>
+                  <c:v>85.7143</c:v>
                 </c:pt>
                 <c:pt idx="5">
-                  <c:v>79.310299999999998</c:v>
+                  <c:v>79.31030000000001</c:v>
                 </c:pt>
                 <c:pt idx="6">
-                  <c:v>80.952399999999997</c:v>
+                  <c:v>80.95239999999998</c:v>
                 </c:pt>
                 <c:pt idx="7">
                   <c:v>86.29</c:v>
                 </c:pt>
                 <c:pt idx="8">
-                  <c:v>100</c:v>
+                  <c:v>100.0</c:v>
                 </c:pt>
                 <c:pt idx="9">
-                  <c:v>90.746200000000002</c:v>
+                  <c:v>90.7462</c:v>
                 </c:pt>
                 <c:pt idx="10">
-                  <c:v>75.862099999999998</c:v>
+                  <c:v>75.8621</c:v>
                 </c:pt>
                 <c:pt idx="11">
-                  <c:v>80.952399999999997</c:v>
+                  <c:v>80.95239999999998</c:v>
                 </c:pt>
                 <c:pt idx="12">
-                  <c:v>79.310299999999998</c:v>
+                  <c:v>79.31030000000001</c:v>
                 </c:pt>
                 <c:pt idx="13">
                   <c:v>76.1905</c:v>
@@ -1609,11 +1610,11 @@
           <c:showPercent val="0"/>
           <c:showBubbleSize val="0"/>
         </c:dLbls>
-        <c:axId val="154033832"/>
-        <c:axId val="154034224"/>
+        <c:axId val="-2142377336"/>
+        <c:axId val="-2142387352"/>
       </c:scatterChart>
       <c:valAx>
-        <c:axId val="154033832"/>
+        <c:axId val="-2142377336"/>
         <c:scaling>
           <c:orientation val="minMax"/>
         </c:scaling>
@@ -1622,31 +1623,16 @@
         <c:title>
           <c:tx>
             <c:rich>
-              <a:bodyPr rot="0" spcFirstLastPara="1" vertOverflow="ellipsis" vert="horz" wrap="square" anchor="ctr" anchorCtr="1"/>
+              <a:bodyPr rot="0" vert="horz"/>
               <a:lstStyle/>
               <a:p>
                 <a:pPr>
-                  <a:defRPr sz="1200" b="0" i="0" u="none" strike="noStrike" kern="1200" baseline="0">
-                    <a:solidFill>
-                      <a:schemeClr val="tx1">
-                        <a:lumMod val="65000"/>
-                        <a:lumOff val="35000"/>
-                      </a:schemeClr>
-                    </a:solidFill>
-                    <a:latin typeface="+mn-lt"/>
-                    <a:ea typeface="+mn-ea"/>
-                    <a:cs typeface="+mn-cs"/>
-                  </a:defRPr>
+                  <a:defRPr/>
                 </a:pPr>
                 <a:r>
-                  <a:rPr lang="en-CA" sz="1200"/>
-                  <a:t>Average</a:t>
+                  <a:rPr lang="en-CA"/>
+                  <a:t>Average Number of Listens</a:t>
                 </a:r>
-                <a:r>
-                  <a:rPr lang="en-CA" sz="1200" baseline="0"/>
-                  <a:t> Number of Listens</a:t>
-                </a:r>
-                <a:endParaRPr lang="en-CA" sz="1200"/>
               </a:p>
             </c:rich>
           </c:tx>
@@ -1659,26 +1645,6 @@
             </a:ln>
             <a:effectLst/>
           </c:spPr>
-          <c:txPr>
-            <a:bodyPr rot="0" spcFirstLastPara="1" vertOverflow="ellipsis" vert="horz" wrap="square" anchor="ctr" anchorCtr="1"/>
-            <a:lstStyle/>
-            <a:p>
-              <a:pPr>
-                <a:defRPr sz="1200" b="0" i="0" u="none" strike="noStrike" kern="1200" baseline="0">
-                  <a:solidFill>
-                    <a:schemeClr val="tx1">
-                      <a:lumMod val="65000"/>
-                      <a:lumOff val="35000"/>
-                    </a:schemeClr>
-                  </a:solidFill>
-                  <a:latin typeface="+mn-lt"/>
-                  <a:ea typeface="+mn-ea"/>
-                  <a:cs typeface="+mn-cs"/>
-                </a:defRPr>
-              </a:pPr>
-              <a:endParaRPr lang="en-US"/>
-            </a:p>
-          </c:txPr>
         </c:title>
         <c:numFmt formatCode="General" sourceLinked="1"/>
         <c:majorTickMark val="none"/>
@@ -1698,65 +1664,41 @@
           <a:effectLst/>
         </c:spPr>
         <c:txPr>
-          <a:bodyPr rot="-60000000" spcFirstLastPara="1" vertOverflow="ellipsis" vert="horz" wrap="square" anchor="ctr" anchorCtr="1"/>
+          <a:bodyPr rot="-60000000" vert="horz"/>
           <a:lstStyle/>
           <a:p>
             <a:pPr>
-              <a:defRPr sz="900" b="0" i="0" u="none" strike="noStrike" kern="1200" baseline="0">
-                <a:solidFill>
-                  <a:schemeClr val="tx1">
-                    <a:lumMod val="65000"/>
-                    <a:lumOff val="35000"/>
-                  </a:schemeClr>
-                </a:solidFill>
-                <a:latin typeface="+mn-lt"/>
-                <a:ea typeface="+mn-ea"/>
-                <a:cs typeface="+mn-cs"/>
-              </a:defRPr>
+              <a:defRPr/>
             </a:pPr>
             <a:endParaRPr lang="en-US"/>
           </a:p>
         </c:txPr>
-        <c:crossAx val="154034224"/>
+        <c:crossAx val="-2142387352"/>
         <c:crosses val="autoZero"/>
         <c:crossBetween val="midCat"/>
       </c:valAx>
       <c:valAx>
-        <c:axId val="154034224"/>
+        <c:axId val="-2142387352"/>
         <c:scaling>
           <c:orientation val="minMax"/>
-          <c:min val="50"/>
+          <c:max val="100.0"/>
+          <c:min val="50.0"/>
         </c:scaling>
         <c:delete val="0"/>
         <c:axPos val="l"/>
         <c:title>
           <c:tx>
             <c:rich>
-              <a:bodyPr rot="-5400000" spcFirstLastPara="1" vertOverflow="ellipsis" vert="horz" wrap="square" anchor="ctr" anchorCtr="1"/>
+              <a:bodyPr rot="-5400000" vert="horz"/>
               <a:lstStyle/>
               <a:p>
                 <a:pPr>
-                  <a:defRPr sz="1200" b="0" i="0" u="none" strike="noStrike" kern="1200" baseline="0">
-                    <a:solidFill>
-                      <a:schemeClr val="tx1">
-                        <a:lumMod val="65000"/>
-                        <a:lumOff val="35000"/>
-                      </a:schemeClr>
-                    </a:solidFill>
-                    <a:latin typeface="+mn-lt"/>
-                    <a:ea typeface="+mn-ea"/>
-                    <a:cs typeface="+mn-cs"/>
-                  </a:defRPr>
+                  <a:defRPr/>
                 </a:pPr>
                 <a:r>
-                  <a:rPr lang="en-CA" sz="1200"/>
-                  <a:t>Final Lyric Modification</a:t>
+                  <a:rPr lang="en-CA"/>
+                  <a:t>Final Lyric Modification Score</a:t>
                 </a:r>
-                <a:r>
-                  <a:rPr lang="en-CA" sz="1200" baseline="0"/>
-                  <a:t> Score</a:t>
-                </a:r>
-                <a:endParaRPr lang="en-CA" sz="1200"/>
               </a:p>
             </c:rich>
           </c:tx>
@@ -1769,26 +1711,6 @@
             </a:ln>
             <a:effectLst/>
           </c:spPr>
-          <c:txPr>
-            <a:bodyPr rot="-5400000" spcFirstLastPara="1" vertOverflow="ellipsis" vert="horz" wrap="square" anchor="ctr" anchorCtr="1"/>
-            <a:lstStyle/>
-            <a:p>
-              <a:pPr>
-                <a:defRPr sz="1200" b="0" i="0" u="none" strike="noStrike" kern="1200" baseline="0">
-                  <a:solidFill>
-                    <a:schemeClr val="tx1">
-                      <a:lumMod val="65000"/>
-                      <a:lumOff val="35000"/>
-                    </a:schemeClr>
-                  </a:solidFill>
-                  <a:latin typeface="+mn-lt"/>
-                  <a:ea typeface="+mn-ea"/>
-                  <a:cs typeface="+mn-cs"/>
-                </a:defRPr>
-              </a:pPr>
-              <a:endParaRPr lang="en-US"/>
-            </a:p>
-          </c:txPr>
         </c:title>
         <c:numFmt formatCode="General" sourceLinked="1"/>
         <c:majorTickMark val="none"/>
@@ -1808,26 +1730,16 @@
           <a:effectLst/>
         </c:spPr>
         <c:txPr>
-          <a:bodyPr rot="-60000000" spcFirstLastPara="1" vertOverflow="ellipsis" vert="horz" wrap="square" anchor="ctr" anchorCtr="1"/>
+          <a:bodyPr rot="-60000000" vert="horz"/>
           <a:lstStyle/>
           <a:p>
             <a:pPr>
-              <a:defRPr sz="900" b="0" i="0" u="none" strike="noStrike" kern="1200" baseline="0">
-                <a:solidFill>
-                  <a:schemeClr val="tx1">
-                    <a:lumMod val="65000"/>
-                    <a:lumOff val="35000"/>
-                  </a:schemeClr>
-                </a:solidFill>
-                <a:latin typeface="+mn-lt"/>
-                <a:ea typeface="+mn-ea"/>
-                <a:cs typeface="+mn-cs"/>
-              </a:defRPr>
+              <a:defRPr/>
             </a:pPr>
             <a:endParaRPr lang="en-US"/>
           </a:p>
         </c:txPr>
-        <c:crossAx val="154033832"/>
+        <c:crossAx val="-2142377336"/>
         <c:crosses val="autoZero"/>
         <c:crossBetween val="midCat"/>
       </c:valAx>
@@ -1855,12 +1767,16 @@
     <a:lstStyle/>
     <a:p>
       <a:pPr>
-        <a:defRPr/>
+        <a:defRPr>
+          <a:solidFill>
+            <a:schemeClr val="tx1"/>
+          </a:solidFill>
+        </a:defRPr>
       </a:pPr>
       <a:endParaRPr lang="en-US"/>
     </a:p>
   </c:txPr>
-  <c:externalData r:id="rId3">
+  <c:externalData r:id="rId1">
     <c:autoUpdate val="0"/>
   </c:externalData>
 </c:chartSpace>
@@ -1930,7 +1846,7 @@
                   <c:v>20.375</c:v>
                 </c:pt>
                 <c:pt idx="4">
-                  <c:v>17</c:v>
+                  <c:v>17.0</c:v>
                 </c:pt>
                 <c:pt idx="5">
                   <c:v>18.5</c:v>
@@ -1969,46 +1885,46 @@
                 <c:formatCode>General</c:formatCode>
                 <c:ptCount val="14"/>
                 <c:pt idx="0">
-                  <c:v>91.304299999999998</c:v>
+                  <c:v>91.30430000000001</c:v>
                 </c:pt>
                 <c:pt idx="1">
-                  <c:v>95.652199999999993</c:v>
+                  <c:v>95.65219999999998</c:v>
                 </c:pt>
                 <c:pt idx="2">
-                  <c:v>100</c:v>
+                  <c:v>100.0</c:v>
                 </c:pt>
                 <c:pt idx="3">
-                  <c:v>90.304299999999998</c:v>
+                  <c:v>90.30430000000001</c:v>
                 </c:pt>
                 <c:pt idx="4">
-                  <c:v>91.304299999999998</c:v>
+                  <c:v>91.30430000000001</c:v>
                 </c:pt>
                 <c:pt idx="5">
-                  <c:v>86.959599999999995</c:v>
+                  <c:v>86.9596</c:v>
                 </c:pt>
                 <c:pt idx="6">
-                  <c:v>82.608699999999999</c:v>
+                  <c:v>82.60869999999998</c:v>
                 </c:pt>
                 <c:pt idx="7">
-                  <c:v>82.608699999999999</c:v>
+                  <c:v>82.60869999999998</c:v>
                 </c:pt>
                 <c:pt idx="8">
-                  <c:v>95.652199999999993</c:v>
+                  <c:v>95.65219999999998</c:v>
                 </c:pt>
                 <c:pt idx="9">
-                  <c:v>100</c:v>
+                  <c:v>100.0</c:v>
                 </c:pt>
                 <c:pt idx="10">
-                  <c:v>86.956500000000005</c:v>
+                  <c:v>86.9565</c:v>
                 </c:pt>
                 <c:pt idx="11">
-                  <c:v>100</c:v>
+                  <c:v>100.0</c:v>
                 </c:pt>
                 <c:pt idx="12">
-                  <c:v>95.652199999999993</c:v>
+                  <c:v>95.65219999999998</c:v>
                 </c:pt>
                 <c:pt idx="13">
-                  <c:v>95.652199999999993</c:v>
+                  <c:v>95.65219999999998</c:v>
                 </c:pt>
               </c:numCache>
             </c:numRef>
@@ -2023,11 +1939,11 @@
           <c:showPercent val="0"/>
           <c:showBubbleSize val="0"/>
         </c:dLbls>
-        <c:axId val="154035008"/>
-        <c:axId val="154035400"/>
+        <c:axId val="-2142388504"/>
+        <c:axId val="-2142620904"/>
       </c:scatterChart>
       <c:valAx>
-        <c:axId val="154035008"/>
+        <c:axId val="-2142388504"/>
         <c:scaling>
           <c:orientation val="minMax"/>
         </c:scaling>
@@ -2036,31 +1952,16 @@
         <c:title>
           <c:tx>
             <c:rich>
-              <a:bodyPr rot="0" spcFirstLastPara="1" vertOverflow="ellipsis" vert="horz" wrap="square" anchor="ctr" anchorCtr="1"/>
+              <a:bodyPr rot="0" vert="horz"/>
               <a:lstStyle/>
               <a:p>
                 <a:pPr>
-                  <a:defRPr sz="1200" b="0" i="0" u="none" strike="noStrike" kern="1200" baseline="0">
-                    <a:solidFill>
-                      <a:schemeClr val="tx1">
-                        <a:lumMod val="65000"/>
-                        <a:lumOff val="35000"/>
-                      </a:schemeClr>
-                    </a:solidFill>
-                    <a:latin typeface="+mn-lt"/>
-                    <a:ea typeface="+mn-ea"/>
-                    <a:cs typeface="+mn-cs"/>
-                  </a:defRPr>
+                  <a:defRPr/>
                 </a:pPr>
                 <a:r>
-                  <a:rPr lang="en-CA" sz="1200"/>
-                  <a:t>Average</a:t>
+                  <a:rPr lang="en-CA"/>
+                  <a:t>Average Number of Listens</a:t>
                 </a:r>
-                <a:r>
-                  <a:rPr lang="en-CA" sz="1200" baseline="0"/>
-                  <a:t> Number of Listens</a:t>
-                </a:r>
-                <a:endParaRPr lang="en-CA" sz="1200"/>
               </a:p>
             </c:rich>
           </c:tx>
@@ -2073,26 +1974,6 @@
             </a:ln>
             <a:effectLst/>
           </c:spPr>
-          <c:txPr>
-            <a:bodyPr rot="0" spcFirstLastPara="1" vertOverflow="ellipsis" vert="horz" wrap="square" anchor="ctr" anchorCtr="1"/>
-            <a:lstStyle/>
-            <a:p>
-              <a:pPr>
-                <a:defRPr sz="1200" b="0" i="0" u="none" strike="noStrike" kern="1200" baseline="0">
-                  <a:solidFill>
-                    <a:schemeClr val="tx1">
-                      <a:lumMod val="65000"/>
-                      <a:lumOff val="35000"/>
-                    </a:schemeClr>
-                  </a:solidFill>
-                  <a:latin typeface="+mn-lt"/>
-                  <a:ea typeface="+mn-ea"/>
-                  <a:cs typeface="+mn-cs"/>
-                </a:defRPr>
-              </a:pPr>
-              <a:endParaRPr lang="en-US"/>
-            </a:p>
-          </c:txPr>
         </c:title>
         <c:numFmt formatCode="General" sourceLinked="1"/>
         <c:majorTickMark val="none"/>
@@ -2112,58 +1993,39 @@
           <a:effectLst/>
         </c:spPr>
         <c:txPr>
-          <a:bodyPr rot="-60000000" spcFirstLastPara="1" vertOverflow="ellipsis" vert="horz" wrap="square" anchor="ctr" anchorCtr="1"/>
+          <a:bodyPr rot="-60000000" vert="horz"/>
           <a:lstStyle/>
           <a:p>
             <a:pPr>
-              <a:defRPr sz="900" b="0" i="0" u="none" strike="noStrike" kern="1200" baseline="0">
-                <a:solidFill>
-                  <a:schemeClr val="tx1">
-                    <a:lumMod val="65000"/>
-                    <a:lumOff val="35000"/>
-                  </a:schemeClr>
-                </a:solidFill>
-                <a:latin typeface="+mn-lt"/>
-                <a:ea typeface="+mn-ea"/>
-                <a:cs typeface="+mn-cs"/>
-              </a:defRPr>
+              <a:defRPr/>
             </a:pPr>
             <a:endParaRPr lang="en-US"/>
           </a:p>
         </c:txPr>
-        <c:crossAx val="154035400"/>
+        <c:crossAx val="-2142620904"/>
         <c:crosses val="autoZero"/>
         <c:crossBetween val="midCat"/>
       </c:valAx>
       <c:valAx>
-        <c:axId val="154035400"/>
+        <c:axId val="-2142620904"/>
         <c:scaling>
           <c:orientation val="minMax"/>
-          <c:min val="50"/>
+          <c:max val="100.0"/>
+          <c:min val="50.0"/>
         </c:scaling>
         <c:delete val="0"/>
         <c:axPos val="l"/>
         <c:title>
           <c:tx>
             <c:rich>
-              <a:bodyPr rot="-5400000" spcFirstLastPara="1" vertOverflow="ellipsis" vert="horz" wrap="square" anchor="ctr" anchorCtr="1"/>
+              <a:bodyPr rot="-5400000" vert="horz"/>
               <a:lstStyle/>
               <a:p>
                 <a:pPr>
-                  <a:defRPr sz="1200" b="0" i="0" u="none" strike="noStrike" kern="1200" baseline="0">
-                    <a:solidFill>
-                      <a:schemeClr val="tx1">
-                        <a:lumMod val="65000"/>
-                        <a:lumOff val="35000"/>
-                      </a:schemeClr>
-                    </a:solidFill>
-                    <a:latin typeface="+mn-lt"/>
-                    <a:ea typeface="+mn-ea"/>
-                    <a:cs typeface="+mn-cs"/>
-                  </a:defRPr>
+                  <a:defRPr/>
                 </a:pPr>
                 <a:r>
-                  <a:rPr lang="en-CA" sz="1200"/>
+                  <a:rPr lang="en-CA"/>
                   <a:t>Melody Memory Score</a:t>
                 </a:r>
               </a:p>
@@ -2178,26 +2040,6 @@
             </a:ln>
             <a:effectLst/>
           </c:spPr>
-          <c:txPr>
-            <a:bodyPr rot="-5400000" spcFirstLastPara="1" vertOverflow="ellipsis" vert="horz" wrap="square" anchor="ctr" anchorCtr="1"/>
-            <a:lstStyle/>
-            <a:p>
-              <a:pPr>
-                <a:defRPr sz="1200" b="0" i="0" u="none" strike="noStrike" kern="1200" baseline="0">
-                  <a:solidFill>
-                    <a:schemeClr val="tx1">
-                      <a:lumMod val="65000"/>
-                      <a:lumOff val="35000"/>
-                    </a:schemeClr>
-                  </a:solidFill>
-                  <a:latin typeface="+mn-lt"/>
-                  <a:ea typeface="+mn-ea"/>
-                  <a:cs typeface="+mn-cs"/>
-                </a:defRPr>
-              </a:pPr>
-              <a:endParaRPr lang="en-US"/>
-            </a:p>
-          </c:txPr>
         </c:title>
         <c:numFmt formatCode="General" sourceLinked="1"/>
         <c:majorTickMark val="none"/>
@@ -2217,26 +2059,16 @@
           <a:effectLst/>
         </c:spPr>
         <c:txPr>
-          <a:bodyPr rot="-60000000" spcFirstLastPara="1" vertOverflow="ellipsis" vert="horz" wrap="square" anchor="ctr" anchorCtr="1"/>
+          <a:bodyPr rot="-60000000" vert="horz"/>
           <a:lstStyle/>
           <a:p>
             <a:pPr>
-              <a:defRPr sz="900" b="0" i="0" u="none" strike="noStrike" kern="1200" baseline="0">
-                <a:solidFill>
-                  <a:schemeClr val="tx1">
-                    <a:lumMod val="65000"/>
-                    <a:lumOff val="35000"/>
-                  </a:schemeClr>
-                </a:solidFill>
-                <a:latin typeface="+mn-lt"/>
-                <a:ea typeface="+mn-ea"/>
-                <a:cs typeface="+mn-cs"/>
-              </a:defRPr>
+              <a:defRPr/>
             </a:pPr>
             <a:endParaRPr lang="en-US"/>
           </a:p>
         </c:txPr>
-        <c:crossAx val="154035008"/>
+        <c:crossAx val="-2142388504"/>
         <c:crosses val="autoZero"/>
         <c:crossBetween val="midCat"/>
       </c:valAx>
@@ -2264,12 +2096,16 @@
     <a:lstStyle/>
     <a:p>
       <a:pPr>
-        <a:defRPr/>
+        <a:defRPr>
+          <a:solidFill>
+            <a:srgbClr val="000000"/>
+          </a:solidFill>
+        </a:defRPr>
       </a:pPr>
       <a:endParaRPr lang="en-US"/>
     </a:p>
   </c:txPr>
-  <c:externalData r:id="rId3">
+  <c:externalData r:id="rId1">
     <c:autoUpdate val="0"/>
   </c:externalData>
 </c:chartSpace>
@@ -3943,6 +3779,2727 @@
 </cs:chartStyle>
 </file>
 
+<file path=ppt/diagrams/colors1.xml><?xml version="1.0" encoding="utf-8"?>
+<dgm:colorsDef xmlns:dgm="http://schemas.openxmlformats.org/drawingml/2006/diagram" xmlns:a="http://schemas.openxmlformats.org/drawingml/2006/main" uniqueId="urn:microsoft.com/office/officeart/2005/8/colors/accent1_2">
+  <dgm:title val=""/>
+  <dgm:desc val=""/>
+  <dgm:catLst>
+    <dgm:cat type="accent1" pri="11200"/>
+  </dgm:catLst>
+  <dgm:styleLbl name="node0">
+    <dgm:fillClrLst meth="repeat">
+      <a:schemeClr val="accent1"/>
+    </dgm:fillClrLst>
+    <dgm:linClrLst meth="repeat">
+      <a:schemeClr val="lt1"/>
+    </dgm:linClrLst>
+    <dgm:effectClrLst/>
+    <dgm:txLinClrLst/>
+    <dgm:txFillClrLst/>
+    <dgm:txEffectClrLst/>
+  </dgm:styleLbl>
+  <dgm:styleLbl name="alignNode1">
+    <dgm:fillClrLst meth="repeat">
+      <a:schemeClr val="accent1"/>
+    </dgm:fillClrLst>
+    <dgm:linClrLst meth="repeat">
+      <a:schemeClr val="accent1"/>
+    </dgm:linClrLst>
+    <dgm:effectClrLst/>
+    <dgm:txLinClrLst/>
+    <dgm:txFillClrLst/>
+    <dgm:txEffectClrLst/>
+  </dgm:styleLbl>
+  <dgm:styleLbl name="node1">
+    <dgm:fillClrLst meth="repeat">
+      <a:schemeClr val="accent1"/>
+    </dgm:fillClrLst>
+    <dgm:linClrLst meth="repeat">
+      <a:schemeClr val="lt1"/>
+    </dgm:linClrLst>
+    <dgm:effectClrLst/>
+    <dgm:txLinClrLst/>
+    <dgm:txFillClrLst/>
+    <dgm:txEffectClrLst/>
+  </dgm:styleLbl>
+  <dgm:styleLbl name="lnNode1">
+    <dgm:fillClrLst meth="repeat">
+      <a:schemeClr val="accent1"/>
+    </dgm:fillClrLst>
+    <dgm:linClrLst meth="repeat">
+      <a:schemeClr val="lt1"/>
+    </dgm:linClrLst>
+    <dgm:effectClrLst/>
+    <dgm:txLinClrLst/>
+    <dgm:txFillClrLst/>
+    <dgm:txEffectClrLst/>
+  </dgm:styleLbl>
+  <dgm:styleLbl name="vennNode1">
+    <dgm:fillClrLst meth="repeat">
+      <a:schemeClr val="accent1">
+        <a:alpha val="50000"/>
+      </a:schemeClr>
+    </dgm:fillClrLst>
+    <dgm:linClrLst meth="repeat">
+      <a:schemeClr val="lt1"/>
+    </dgm:linClrLst>
+    <dgm:effectClrLst/>
+    <dgm:txLinClrLst/>
+    <dgm:txFillClrLst/>
+    <dgm:txEffectClrLst/>
+  </dgm:styleLbl>
+  <dgm:styleLbl name="node2">
+    <dgm:fillClrLst meth="repeat">
+      <a:schemeClr val="accent1"/>
+    </dgm:fillClrLst>
+    <dgm:linClrLst meth="repeat">
+      <a:schemeClr val="lt1"/>
+    </dgm:linClrLst>
+    <dgm:effectClrLst/>
+    <dgm:txLinClrLst/>
+    <dgm:txFillClrLst/>
+    <dgm:txEffectClrLst/>
+  </dgm:styleLbl>
+  <dgm:styleLbl name="node3">
+    <dgm:fillClrLst meth="repeat">
+      <a:schemeClr val="accent1"/>
+    </dgm:fillClrLst>
+    <dgm:linClrLst meth="repeat">
+      <a:schemeClr val="lt1"/>
+    </dgm:linClrLst>
+    <dgm:effectClrLst/>
+    <dgm:txLinClrLst/>
+    <dgm:txFillClrLst/>
+    <dgm:txEffectClrLst/>
+  </dgm:styleLbl>
+  <dgm:styleLbl name="node4">
+    <dgm:fillClrLst meth="repeat">
+      <a:schemeClr val="accent1"/>
+    </dgm:fillClrLst>
+    <dgm:linClrLst meth="repeat">
+      <a:schemeClr val="lt1"/>
+    </dgm:linClrLst>
+    <dgm:effectClrLst/>
+    <dgm:txLinClrLst/>
+    <dgm:txFillClrLst/>
+    <dgm:txEffectClrLst/>
+  </dgm:styleLbl>
+  <dgm:styleLbl name="fgImgPlace1">
+    <dgm:fillClrLst meth="repeat">
+      <a:schemeClr val="accent1">
+        <a:tint val="50000"/>
+      </a:schemeClr>
+    </dgm:fillClrLst>
+    <dgm:linClrLst meth="repeat">
+      <a:schemeClr val="lt1"/>
+    </dgm:linClrLst>
+    <dgm:effectClrLst/>
+    <dgm:txLinClrLst/>
+    <dgm:txFillClrLst meth="repeat">
+      <a:schemeClr val="lt1"/>
+    </dgm:txFillClrLst>
+    <dgm:txEffectClrLst/>
+  </dgm:styleLbl>
+  <dgm:styleLbl name="alignImgPlace1">
+    <dgm:fillClrLst meth="repeat">
+      <a:schemeClr val="accent1">
+        <a:tint val="50000"/>
+      </a:schemeClr>
+    </dgm:fillClrLst>
+    <dgm:linClrLst meth="repeat">
+      <a:schemeClr val="lt1"/>
+    </dgm:linClrLst>
+    <dgm:effectClrLst/>
+    <dgm:txLinClrLst/>
+    <dgm:txFillClrLst meth="repeat">
+      <a:schemeClr val="lt1"/>
+    </dgm:txFillClrLst>
+    <dgm:txEffectClrLst/>
+  </dgm:styleLbl>
+  <dgm:styleLbl name="bgImgPlace1">
+    <dgm:fillClrLst meth="repeat">
+      <a:schemeClr val="accent1">
+        <a:tint val="50000"/>
+      </a:schemeClr>
+    </dgm:fillClrLst>
+    <dgm:linClrLst meth="repeat">
+      <a:schemeClr val="lt1"/>
+    </dgm:linClrLst>
+    <dgm:effectClrLst/>
+    <dgm:txLinClrLst/>
+    <dgm:txFillClrLst meth="repeat">
+      <a:schemeClr val="lt1"/>
+    </dgm:txFillClrLst>
+    <dgm:txEffectClrLst/>
+  </dgm:styleLbl>
+  <dgm:styleLbl name="sibTrans2D1">
+    <dgm:fillClrLst meth="repeat">
+      <a:schemeClr val="accent1">
+        <a:tint val="60000"/>
+      </a:schemeClr>
+    </dgm:fillClrLst>
+    <dgm:linClrLst meth="repeat">
+      <a:schemeClr val="accent1">
+        <a:tint val="60000"/>
+      </a:schemeClr>
+    </dgm:linClrLst>
+    <dgm:effectClrLst/>
+    <dgm:txLinClrLst/>
+    <dgm:txFillClrLst/>
+    <dgm:txEffectClrLst/>
+  </dgm:styleLbl>
+  <dgm:styleLbl name="fgSibTrans2D1">
+    <dgm:fillClrLst meth="repeat">
+      <a:schemeClr val="accent1">
+        <a:tint val="60000"/>
+      </a:schemeClr>
+    </dgm:fillClrLst>
+    <dgm:linClrLst meth="repeat">
+      <a:schemeClr val="accent1">
+        <a:tint val="60000"/>
+      </a:schemeClr>
+    </dgm:linClrLst>
+    <dgm:effectClrLst/>
+    <dgm:txLinClrLst/>
+    <dgm:txFillClrLst/>
+    <dgm:txEffectClrLst/>
+  </dgm:styleLbl>
+  <dgm:styleLbl name="bgSibTrans2D1">
+    <dgm:fillClrLst meth="repeat">
+      <a:schemeClr val="accent1">
+        <a:tint val="60000"/>
+      </a:schemeClr>
+    </dgm:fillClrLst>
+    <dgm:linClrLst meth="repeat">
+      <a:schemeClr val="accent1">
+        <a:tint val="60000"/>
+      </a:schemeClr>
+    </dgm:linClrLst>
+    <dgm:effectClrLst/>
+    <dgm:txLinClrLst/>
+    <dgm:txFillClrLst/>
+    <dgm:txEffectClrLst/>
+  </dgm:styleLbl>
+  <dgm:styleLbl name="sibTrans1D1">
+    <dgm:fillClrLst meth="repeat">
+      <a:schemeClr val="accent1"/>
+    </dgm:fillClrLst>
+    <dgm:linClrLst meth="repeat">
+      <a:schemeClr val="accent1"/>
+    </dgm:linClrLst>
+    <dgm:effectClrLst/>
+    <dgm:txLinClrLst/>
+    <dgm:txFillClrLst meth="repeat">
+      <a:schemeClr val="tx1"/>
+    </dgm:txFillClrLst>
+    <dgm:txEffectClrLst/>
+  </dgm:styleLbl>
+  <dgm:styleLbl name="callout">
+    <dgm:fillClrLst meth="repeat">
+      <a:schemeClr val="accent1"/>
+    </dgm:fillClrLst>
+    <dgm:linClrLst meth="repeat">
+      <a:schemeClr val="accent1">
+        <a:tint val="50000"/>
+      </a:schemeClr>
+    </dgm:linClrLst>
+    <dgm:effectClrLst/>
+    <dgm:txLinClrLst/>
+    <dgm:txFillClrLst meth="repeat">
+      <a:schemeClr val="tx1"/>
+    </dgm:txFillClrLst>
+    <dgm:txEffectClrLst/>
+  </dgm:styleLbl>
+  <dgm:styleLbl name="asst0">
+    <dgm:fillClrLst meth="repeat">
+      <a:schemeClr val="accent1"/>
+    </dgm:fillClrLst>
+    <dgm:linClrLst meth="repeat">
+      <a:schemeClr val="lt1"/>
+    </dgm:linClrLst>
+    <dgm:effectClrLst/>
+    <dgm:txLinClrLst/>
+    <dgm:txFillClrLst/>
+    <dgm:txEffectClrLst/>
+  </dgm:styleLbl>
+  <dgm:styleLbl name="asst1">
+    <dgm:fillClrLst meth="repeat">
+      <a:schemeClr val="accent1"/>
+    </dgm:fillClrLst>
+    <dgm:linClrLst meth="repeat">
+      <a:schemeClr val="lt1"/>
+    </dgm:linClrLst>
+    <dgm:effectClrLst/>
+    <dgm:txLinClrLst/>
+    <dgm:txFillClrLst/>
+    <dgm:txEffectClrLst/>
+  </dgm:styleLbl>
+  <dgm:styleLbl name="asst2">
+    <dgm:fillClrLst meth="repeat">
+      <a:schemeClr val="accent1"/>
+    </dgm:fillClrLst>
+    <dgm:linClrLst meth="repeat">
+      <a:schemeClr val="lt1"/>
+    </dgm:linClrLst>
+    <dgm:effectClrLst/>
+    <dgm:txLinClrLst/>
+    <dgm:txFillClrLst/>
+    <dgm:txEffectClrLst/>
+  </dgm:styleLbl>
+  <dgm:styleLbl name="asst3">
+    <dgm:fillClrLst meth="repeat">
+      <a:schemeClr val="accent1"/>
+    </dgm:fillClrLst>
+    <dgm:linClrLst meth="repeat">
+      <a:schemeClr val="lt1"/>
+    </dgm:linClrLst>
+    <dgm:effectClrLst/>
+    <dgm:txLinClrLst/>
+    <dgm:txFillClrLst/>
+    <dgm:txEffectClrLst/>
+  </dgm:styleLbl>
+  <dgm:styleLbl name="asst4">
+    <dgm:fillClrLst meth="repeat">
+      <a:schemeClr val="accent1"/>
+    </dgm:fillClrLst>
+    <dgm:linClrLst meth="repeat">
+      <a:schemeClr val="lt1"/>
+    </dgm:linClrLst>
+    <dgm:effectClrLst/>
+    <dgm:txLinClrLst/>
+    <dgm:txFillClrLst/>
+    <dgm:txEffectClrLst/>
+  </dgm:styleLbl>
+  <dgm:styleLbl name="parChTrans2D1">
+    <dgm:fillClrLst meth="repeat">
+      <a:schemeClr val="accent1">
+        <a:tint val="60000"/>
+      </a:schemeClr>
+    </dgm:fillClrLst>
+    <dgm:linClrLst meth="repeat">
+      <a:schemeClr val="accent1">
+        <a:tint val="60000"/>
+      </a:schemeClr>
+    </dgm:linClrLst>
+    <dgm:effectClrLst/>
+    <dgm:txLinClrLst/>
+    <dgm:txFillClrLst meth="repeat">
+      <a:schemeClr val="lt1"/>
+    </dgm:txFillClrLst>
+    <dgm:txEffectClrLst/>
+  </dgm:styleLbl>
+  <dgm:styleLbl name="parChTrans2D2">
+    <dgm:fillClrLst meth="repeat">
+      <a:schemeClr val="accent1"/>
+    </dgm:fillClrLst>
+    <dgm:linClrLst meth="repeat">
+      <a:schemeClr val="accent1"/>
+    </dgm:linClrLst>
+    <dgm:effectClrLst/>
+    <dgm:txLinClrLst/>
+    <dgm:txFillClrLst meth="repeat">
+      <a:schemeClr val="lt1"/>
+    </dgm:txFillClrLst>
+    <dgm:txEffectClrLst/>
+  </dgm:styleLbl>
+  <dgm:styleLbl name="parChTrans2D3">
+    <dgm:fillClrLst meth="repeat">
+      <a:schemeClr val="accent1"/>
+    </dgm:fillClrLst>
+    <dgm:linClrLst meth="repeat">
+      <a:schemeClr val="accent1"/>
+    </dgm:linClrLst>
+    <dgm:effectClrLst/>
+    <dgm:txLinClrLst/>
+    <dgm:txFillClrLst meth="repeat">
+      <a:schemeClr val="lt1"/>
+    </dgm:txFillClrLst>
+    <dgm:txEffectClrLst/>
+  </dgm:styleLbl>
+  <dgm:styleLbl name="parChTrans2D4">
+    <dgm:fillClrLst meth="repeat">
+      <a:schemeClr val="accent1"/>
+    </dgm:fillClrLst>
+    <dgm:linClrLst meth="repeat">
+      <a:schemeClr val="accent1"/>
+    </dgm:linClrLst>
+    <dgm:effectClrLst/>
+    <dgm:txLinClrLst/>
+    <dgm:txFillClrLst meth="repeat">
+      <a:schemeClr val="lt1"/>
+    </dgm:txFillClrLst>
+    <dgm:txEffectClrLst/>
+  </dgm:styleLbl>
+  <dgm:styleLbl name="parChTrans1D1">
+    <dgm:fillClrLst meth="repeat">
+      <a:schemeClr val="accent1"/>
+    </dgm:fillClrLst>
+    <dgm:linClrLst meth="repeat">
+      <a:schemeClr val="accent1">
+        <a:shade val="60000"/>
+      </a:schemeClr>
+    </dgm:linClrLst>
+    <dgm:effectClrLst/>
+    <dgm:txLinClrLst/>
+    <dgm:txFillClrLst meth="repeat">
+      <a:schemeClr val="tx1"/>
+    </dgm:txFillClrLst>
+    <dgm:txEffectClrLst/>
+  </dgm:styleLbl>
+  <dgm:styleLbl name="parChTrans1D2">
+    <dgm:fillClrLst meth="repeat">
+      <a:schemeClr val="accent1"/>
+    </dgm:fillClrLst>
+    <dgm:linClrLst meth="repeat">
+      <a:schemeClr val="accent1">
+        <a:shade val="60000"/>
+      </a:schemeClr>
+    </dgm:linClrLst>
+    <dgm:effectClrLst/>
+    <dgm:txLinClrLst/>
+    <dgm:txFillClrLst meth="repeat">
+      <a:schemeClr val="tx1"/>
+    </dgm:txFillClrLst>
+    <dgm:txEffectClrLst/>
+  </dgm:styleLbl>
+  <dgm:styleLbl name="parChTrans1D3">
+    <dgm:fillClrLst meth="repeat">
+      <a:schemeClr val="accent1"/>
+    </dgm:fillClrLst>
+    <dgm:linClrLst meth="repeat">
+      <a:schemeClr val="accent1">
+        <a:shade val="80000"/>
+      </a:schemeClr>
+    </dgm:linClrLst>
+    <dgm:effectClrLst/>
+    <dgm:txLinClrLst/>
+    <dgm:txFillClrLst meth="repeat">
+      <a:schemeClr val="tx1"/>
+    </dgm:txFillClrLst>
+    <dgm:txEffectClrLst/>
+  </dgm:styleLbl>
+  <dgm:styleLbl name="parChTrans1D4">
+    <dgm:fillClrLst meth="repeat">
+      <a:schemeClr val="accent1"/>
+    </dgm:fillClrLst>
+    <dgm:linClrLst meth="repeat">
+      <a:schemeClr val="accent1">
+        <a:shade val="80000"/>
+      </a:schemeClr>
+    </dgm:linClrLst>
+    <dgm:effectClrLst/>
+    <dgm:txLinClrLst/>
+    <dgm:txFillClrLst meth="repeat">
+      <a:schemeClr val="tx1"/>
+    </dgm:txFillClrLst>
+    <dgm:txEffectClrLst/>
+  </dgm:styleLbl>
+  <dgm:styleLbl name="fgAcc1">
+    <dgm:fillClrLst meth="repeat">
+      <a:schemeClr val="lt1">
+        <a:alpha val="90000"/>
+      </a:schemeClr>
+    </dgm:fillClrLst>
+    <dgm:linClrLst meth="repeat">
+      <a:schemeClr val="accent1"/>
+    </dgm:linClrLst>
+    <dgm:effectClrLst/>
+    <dgm:txLinClrLst/>
+    <dgm:txFillClrLst meth="repeat">
+      <a:schemeClr val="dk1"/>
+    </dgm:txFillClrLst>
+    <dgm:txEffectClrLst/>
+  </dgm:styleLbl>
+  <dgm:styleLbl name="conFgAcc1">
+    <dgm:fillClrLst meth="repeat">
+      <a:schemeClr val="lt1">
+        <a:alpha val="90000"/>
+      </a:schemeClr>
+    </dgm:fillClrLst>
+    <dgm:linClrLst meth="repeat">
+      <a:schemeClr val="accent1"/>
+    </dgm:linClrLst>
+    <dgm:effectClrLst/>
+    <dgm:txLinClrLst/>
+    <dgm:txFillClrLst meth="repeat">
+      <a:schemeClr val="dk1"/>
+    </dgm:txFillClrLst>
+    <dgm:txEffectClrLst/>
+  </dgm:styleLbl>
+  <dgm:styleLbl name="alignAcc1">
+    <dgm:fillClrLst meth="repeat">
+      <a:schemeClr val="lt1">
+        <a:alpha val="90000"/>
+      </a:schemeClr>
+    </dgm:fillClrLst>
+    <dgm:linClrLst meth="repeat">
+      <a:schemeClr val="accent1"/>
+    </dgm:linClrLst>
+    <dgm:effectClrLst/>
+    <dgm:txLinClrLst/>
+    <dgm:txFillClrLst meth="repeat">
+      <a:schemeClr val="dk1"/>
+    </dgm:txFillClrLst>
+    <dgm:txEffectClrLst/>
+  </dgm:styleLbl>
+  <dgm:styleLbl name="trAlignAcc1">
+    <dgm:fillClrLst meth="repeat">
+      <a:schemeClr val="lt1">
+        <a:alpha val="40000"/>
+      </a:schemeClr>
+    </dgm:fillClrLst>
+    <dgm:linClrLst meth="repeat">
+      <a:schemeClr val="accent1"/>
+    </dgm:linClrLst>
+    <dgm:effectClrLst/>
+    <dgm:txLinClrLst/>
+    <dgm:txFillClrLst meth="repeat">
+      <a:schemeClr val="dk1"/>
+    </dgm:txFillClrLst>
+    <dgm:txEffectClrLst/>
+  </dgm:styleLbl>
+  <dgm:styleLbl name="bgAcc1">
+    <dgm:fillClrLst meth="repeat">
+      <a:schemeClr val="lt1">
+        <a:alpha val="90000"/>
+      </a:schemeClr>
+    </dgm:fillClrLst>
+    <dgm:linClrLst meth="repeat">
+      <a:schemeClr val="accent1"/>
+    </dgm:linClrLst>
+    <dgm:effectClrLst/>
+    <dgm:txLinClrLst/>
+    <dgm:txFillClrLst meth="repeat">
+      <a:schemeClr val="dk1"/>
+    </dgm:txFillClrLst>
+    <dgm:txEffectClrLst/>
+  </dgm:styleLbl>
+  <dgm:styleLbl name="solidFgAcc1">
+    <dgm:fillClrLst meth="repeat">
+      <a:schemeClr val="lt1"/>
+    </dgm:fillClrLst>
+    <dgm:linClrLst meth="repeat">
+      <a:schemeClr val="accent1"/>
+    </dgm:linClrLst>
+    <dgm:effectClrLst/>
+    <dgm:txLinClrLst/>
+    <dgm:txFillClrLst meth="repeat">
+      <a:schemeClr val="dk1"/>
+    </dgm:txFillClrLst>
+    <dgm:txEffectClrLst/>
+  </dgm:styleLbl>
+  <dgm:styleLbl name="solidAlignAcc1">
+    <dgm:fillClrLst meth="repeat">
+      <a:schemeClr val="lt1"/>
+    </dgm:fillClrLst>
+    <dgm:linClrLst meth="repeat">
+      <a:schemeClr val="accent1"/>
+    </dgm:linClrLst>
+    <dgm:effectClrLst/>
+    <dgm:txLinClrLst/>
+    <dgm:txFillClrLst meth="repeat">
+      <a:schemeClr val="dk1"/>
+    </dgm:txFillClrLst>
+    <dgm:txEffectClrLst/>
+  </dgm:styleLbl>
+  <dgm:styleLbl name="solidBgAcc1">
+    <dgm:fillClrLst meth="repeat">
+      <a:schemeClr val="lt1"/>
+    </dgm:fillClrLst>
+    <dgm:linClrLst meth="repeat">
+      <a:schemeClr val="accent1"/>
+    </dgm:linClrLst>
+    <dgm:effectClrLst/>
+    <dgm:txLinClrLst/>
+    <dgm:txFillClrLst meth="repeat">
+      <a:schemeClr val="dk1"/>
+    </dgm:txFillClrLst>
+    <dgm:txEffectClrLst/>
+  </dgm:styleLbl>
+  <dgm:styleLbl name="fgAccFollowNode1">
+    <dgm:fillClrLst meth="repeat">
+      <a:schemeClr val="accent1">
+        <a:alpha val="90000"/>
+        <a:tint val="40000"/>
+      </a:schemeClr>
+    </dgm:fillClrLst>
+    <dgm:linClrLst meth="repeat">
+      <a:schemeClr val="accent1">
+        <a:alpha val="90000"/>
+        <a:tint val="40000"/>
+      </a:schemeClr>
+    </dgm:linClrLst>
+    <dgm:effectClrLst/>
+    <dgm:txLinClrLst/>
+    <dgm:txFillClrLst meth="repeat">
+      <a:schemeClr val="dk1"/>
+    </dgm:txFillClrLst>
+    <dgm:txEffectClrLst/>
+  </dgm:styleLbl>
+  <dgm:styleLbl name="alignAccFollowNode1">
+    <dgm:fillClrLst meth="repeat">
+      <a:schemeClr val="accent1">
+        <a:alpha val="90000"/>
+        <a:tint val="40000"/>
+      </a:schemeClr>
+    </dgm:fillClrLst>
+    <dgm:linClrLst meth="repeat">
+      <a:schemeClr val="accent1">
+        <a:alpha val="90000"/>
+        <a:tint val="40000"/>
+      </a:schemeClr>
+    </dgm:linClrLst>
+    <dgm:effectClrLst/>
+    <dgm:txLinClrLst/>
+    <dgm:txFillClrLst meth="repeat">
+      <a:schemeClr val="dk1"/>
+    </dgm:txFillClrLst>
+    <dgm:txEffectClrLst/>
+  </dgm:styleLbl>
+  <dgm:styleLbl name="bgAccFollowNode1">
+    <dgm:fillClrLst meth="repeat">
+      <a:schemeClr val="accent1">
+        <a:alpha val="90000"/>
+        <a:tint val="40000"/>
+      </a:schemeClr>
+    </dgm:fillClrLst>
+    <dgm:linClrLst meth="repeat">
+      <a:schemeClr val="accent1">
+        <a:alpha val="90000"/>
+        <a:tint val="40000"/>
+      </a:schemeClr>
+    </dgm:linClrLst>
+    <dgm:effectClrLst/>
+    <dgm:txLinClrLst/>
+    <dgm:txFillClrLst meth="repeat">
+      <a:schemeClr val="dk1"/>
+    </dgm:txFillClrLst>
+    <dgm:txEffectClrLst/>
+  </dgm:styleLbl>
+  <dgm:styleLbl name="fgAcc0">
+    <dgm:fillClrLst meth="repeat">
+      <a:schemeClr val="lt1">
+        <a:alpha val="90000"/>
+      </a:schemeClr>
+    </dgm:fillClrLst>
+    <dgm:linClrLst meth="repeat">
+      <a:schemeClr val="accent1"/>
+    </dgm:linClrLst>
+    <dgm:effectClrLst/>
+    <dgm:txLinClrLst/>
+    <dgm:txFillClrLst meth="repeat">
+      <a:schemeClr val="dk1"/>
+    </dgm:txFillClrLst>
+    <dgm:txEffectClrLst/>
+  </dgm:styleLbl>
+  <dgm:styleLbl name="fgAcc2">
+    <dgm:fillClrLst meth="repeat">
+      <a:schemeClr val="lt1">
+        <a:alpha val="90000"/>
+      </a:schemeClr>
+    </dgm:fillClrLst>
+    <dgm:linClrLst meth="repeat">
+      <a:schemeClr val="accent1"/>
+    </dgm:linClrLst>
+    <dgm:effectClrLst/>
+    <dgm:txLinClrLst/>
+    <dgm:txFillClrLst meth="repeat">
+      <a:schemeClr val="dk1"/>
+    </dgm:txFillClrLst>
+    <dgm:txEffectClrLst/>
+  </dgm:styleLbl>
+  <dgm:styleLbl name="fgAcc3">
+    <dgm:fillClrLst meth="repeat">
+      <a:schemeClr val="lt1">
+        <a:alpha val="90000"/>
+      </a:schemeClr>
+    </dgm:fillClrLst>
+    <dgm:linClrLst meth="repeat">
+      <a:schemeClr val="accent1"/>
+    </dgm:linClrLst>
+    <dgm:effectClrLst/>
+    <dgm:txLinClrLst/>
+    <dgm:txFillClrLst meth="repeat">
+      <a:schemeClr val="dk1"/>
+    </dgm:txFillClrLst>
+    <dgm:txEffectClrLst/>
+  </dgm:styleLbl>
+  <dgm:styleLbl name="fgAcc4">
+    <dgm:fillClrLst meth="repeat">
+      <a:schemeClr val="lt1">
+        <a:alpha val="90000"/>
+      </a:schemeClr>
+    </dgm:fillClrLst>
+    <dgm:linClrLst meth="repeat">
+      <a:schemeClr val="accent1"/>
+    </dgm:linClrLst>
+    <dgm:effectClrLst/>
+    <dgm:txLinClrLst/>
+    <dgm:txFillClrLst meth="repeat">
+      <a:schemeClr val="dk1"/>
+    </dgm:txFillClrLst>
+    <dgm:txEffectClrLst/>
+  </dgm:styleLbl>
+  <dgm:styleLbl name="bgShp">
+    <dgm:fillClrLst meth="repeat">
+      <a:schemeClr val="accent1">
+        <a:tint val="40000"/>
+      </a:schemeClr>
+    </dgm:fillClrLst>
+    <dgm:linClrLst meth="repeat">
+      <a:schemeClr val="accent1"/>
+    </dgm:linClrLst>
+    <dgm:effectClrLst/>
+    <dgm:txLinClrLst/>
+    <dgm:txFillClrLst meth="repeat">
+      <a:schemeClr val="dk1"/>
+    </dgm:txFillClrLst>
+    <dgm:txEffectClrLst/>
+  </dgm:styleLbl>
+  <dgm:styleLbl name="dkBgShp">
+    <dgm:fillClrLst meth="repeat">
+      <a:schemeClr val="accent1">
+        <a:shade val="80000"/>
+      </a:schemeClr>
+    </dgm:fillClrLst>
+    <dgm:linClrLst meth="repeat">
+      <a:schemeClr val="accent1"/>
+    </dgm:linClrLst>
+    <dgm:effectClrLst/>
+    <dgm:txLinClrLst/>
+    <dgm:txFillClrLst meth="repeat">
+      <a:schemeClr val="lt1"/>
+    </dgm:txFillClrLst>
+    <dgm:txEffectClrLst/>
+  </dgm:styleLbl>
+  <dgm:styleLbl name="trBgShp">
+    <dgm:fillClrLst meth="repeat">
+      <a:schemeClr val="accent1">
+        <a:tint val="50000"/>
+        <a:alpha val="40000"/>
+      </a:schemeClr>
+    </dgm:fillClrLst>
+    <dgm:linClrLst meth="repeat">
+      <a:schemeClr val="accent1"/>
+    </dgm:linClrLst>
+    <dgm:effectClrLst/>
+    <dgm:txLinClrLst/>
+    <dgm:txFillClrLst meth="repeat">
+      <a:schemeClr val="lt1"/>
+    </dgm:txFillClrLst>
+    <dgm:txEffectClrLst/>
+  </dgm:styleLbl>
+  <dgm:styleLbl name="fgShp">
+    <dgm:fillClrLst meth="repeat">
+      <a:schemeClr val="accent1">
+        <a:tint val="60000"/>
+      </a:schemeClr>
+    </dgm:fillClrLst>
+    <dgm:linClrLst meth="repeat">
+      <a:schemeClr val="lt1"/>
+    </dgm:linClrLst>
+    <dgm:effectClrLst/>
+    <dgm:txLinClrLst/>
+    <dgm:txFillClrLst meth="repeat">
+      <a:schemeClr val="dk1"/>
+    </dgm:txFillClrLst>
+    <dgm:txEffectClrLst/>
+  </dgm:styleLbl>
+  <dgm:styleLbl name="revTx">
+    <dgm:fillClrLst meth="repeat">
+      <a:schemeClr val="lt1">
+        <a:alpha val="0"/>
+      </a:schemeClr>
+    </dgm:fillClrLst>
+    <dgm:linClrLst meth="repeat">
+      <a:schemeClr val="dk1">
+        <a:alpha val="0"/>
+      </a:schemeClr>
+    </dgm:linClrLst>
+    <dgm:effectClrLst/>
+    <dgm:txLinClrLst/>
+    <dgm:txFillClrLst meth="repeat">
+      <a:schemeClr val="tx1"/>
+    </dgm:txFillClrLst>
+    <dgm:txEffectClrLst/>
+  </dgm:styleLbl>
+</dgm:colorsDef>
+</file>
+
+<file path=ppt/diagrams/data1.xml><?xml version="1.0" encoding="utf-8"?>
+<dgm:dataModel xmlns:dgm="http://schemas.openxmlformats.org/drawingml/2006/diagram" xmlns:a="http://schemas.openxmlformats.org/drawingml/2006/main">
+  <dgm:ptLst>
+    <dgm:pt modelId="{C04DA9D2-F5AB-A243-8A01-08C39905B9C5}" type="doc">
+      <dgm:prSet loTypeId="urn:microsoft.com/office/officeart/2005/8/layout/cycle7" loCatId="" qsTypeId="urn:microsoft.com/office/officeart/2005/8/quickstyle/simple4" qsCatId="simple" csTypeId="urn:microsoft.com/office/officeart/2005/8/colors/accent1_2" csCatId="accent1" phldr="1"/>
+      <dgm:spPr/>
+      <dgm:t>
+        <a:bodyPr/>
+        <a:lstStyle/>
+        <a:p>
+          <a:endParaRPr lang="en-CA"/>
+        </a:p>
+      </dgm:t>
+    </dgm:pt>
+    <dgm:pt modelId="{525647EA-6978-D540-A9DD-1C731B2DD947}">
+      <dgm:prSet phldrT="[Text]"/>
+      <dgm:spPr>
+        <a:solidFill>
+          <a:srgbClr val="660066"/>
+        </a:solidFill>
+      </dgm:spPr>
+      <dgm:t>
+        <a:bodyPr/>
+        <a:lstStyle/>
+        <a:p>
+          <a:r>
+            <a:rPr lang="en-CA" dirty="0" smtClean="0"/>
+            <a:t>Memory</a:t>
+          </a:r>
+          <a:endParaRPr lang="en-CA" dirty="0"/>
+        </a:p>
+      </dgm:t>
+    </dgm:pt>
+    <dgm:pt modelId="{241F79B9-8E2E-F946-90C0-48D59F508A4F}" type="parTrans" cxnId="{61D8A860-8671-E645-8DF8-02712E543C1E}">
+      <dgm:prSet/>
+      <dgm:spPr/>
+      <dgm:t>
+        <a:bodyPr/>
+        <a:lstStyle/>
+        <a:p>
+          <a:endParaRPr lang="en-CA"/>
+        </a:p>
+      </dgm:t>
+    </dgm:pt>
+    <dgm:pt modelId="{B5988F7F-34AC-1B4D-B170-5A3ABAE86F11}" type="sibTrans" cxnId="{61D8A860-8671-E645-8DF8-02712E543C1E}">
+      <dgm:prSet/>
+      <dgm:spPr>
+        <a:solidFill>
+          <a:schemeClr val="bg2">
+            <a:lumMod val="50000"/>
+          </a:schemeClr>
+        </a:solidFill>
+      </dgm:spPr>
+      <dgm:t>
+        <a:bodyPr/>
+        <a:lstStyle/>
+        <a:p>
+          <a:endParaRPr lang="en-CA">
+            <a:solidFill>
+              <a:schemeClr val="accent1"/>
+            </a:solidFill>
+            <a:effectLst/>
+          </a:endParaRPr>
+        </a:p>
+      </dgm:t>
+    </dgm:pt>
+    <dgm:pt modelId="{D2D4A342-F2DF-D442-8C50-0C5FEA196E08}">
+      <dgm:prSet phldrT="[Text]"/>
+      <dgm:spPr>
+        <a:solidFill>
+          <a:srgbClr val="660066"/>
+        </a:solidFill>
+      </dgm:spPr>
+      <dgm:t>
+        <a:bodyPr/>
+        <a:lstStyle/>
+        <a:p>
+          <a:r>
+            <a:rPr lang="en-CA" dirty="0" smtClean="0"/>
+            <a:t>Music</a:t>
+          </a:r>
+          <a:endParaRPr lang="en-CA" dirty="0"/>
+        </a:p>
+      </dgm:t>
+    </dgm:pt>
+    <dgm:pt modelId="{E5A55C8D-C0A3-914A-9403-2E83F1907193}" type="parTrans" cxnId="{F28F887F-E464-B543-A11D-3378500885CA}">
+      <dgm:prSet/>
+      <dgm:spPr/>
+      <dgm:t>
+        <a:bodyPr/>
+        <a:lstStyle/>
+        <a:p>
+          <a:endParaRPr lang="en-CA"/>
+        </a:p>
+      </dgm:t>
+    </dgm:pt>
+    <dgm:pt modelId="{AEA84BFB-3025-284F-9C5F-1403BB16486C}" type="sibTrans" cxnId="{F28F887F-E464-B543-A11D-3378500885CA}">
+      <dgm:prSet/>
+      <dgm:spPr>
+        <a:solidFill>
+          <a:schemeClr val="bg2">
+            <a:lumMod val="50000"/>
+          </a:schemeClr>
+        </a:solidFill>
+      </dgm:spPr>
+      <dgm:t>
+        <a:bodyPr/>
+        <a:lstStyle/>
+        <a:p>
+          <a:endParaRPr lang="en-CA">
+            <a:solidFill>
+              <a:schemeClr val="accent1"/>
+            </a:solidFill>
+            <a:effectLst/>
+          </a:endParaRPr>
+        </a:p>
+      </dgm:t>
+    </dgm:pt>
+    <dgm:pt modelId="{F40AE1DB-6BD9-6940-9945-6DF414C1E5A6}">
+      <dgm:prSet phldrT="[Text]"/>
+      <dgm:spPr>
+        <a:solidFill>
+          <a:srgbClr val="660066"/>
+        </a:solidFill>
+      </dgm:spPr>
+      <dgm:t>
+        <a:bodyPr/>
+        <a:lstStyle/>
+        <a:p>
+          <a:r>
+            <a:rPr lang="en-CA" dirty="0" smtClean="0"/>
+            <a:t>Aging</a:t>
+          </a:r>
+          <a:endParaRPr lang="en-CA" dirty="0"/>
+        </a:p>
+      </dgm:t>
+    </dgm:pt>
+    <dgm:pt modelId="{25ECECD3-5644-9246-BE9D-5F4497DA6BE2}" type="parTrans" cxnId="{70B13E82-AC7B-7146-B7D4-B48F9BDAA00E}">
+      <dgm:prSet/>
+      <dgm:spPr/>
+      <dgm:t>
+        <a:bodyPr/>
+        <a:lstStyle/>
+        <a:p>
+          <a:endParaRPr lang="en-CA"/>
+        </a:p>
+      </dgm:t>
+    </dgm:pt>
+    <dgm:pt modelId="{EC4AC7D9-7D9D-7C4B-AD6B-0196D4E5A92F}" type="sibTrans" cxnId="{70B13E82-AC7B-7146-B7D4-B48F9BDAA00E}">
+      <dgm:prSet/>
+      <dgm:spPr>
+        <a:solidFill>
+          <a:schemeClr val="bg2">
+            <a:lumMod val="50000"/>
+          </a:schemeClr>
+        </a:solidFill>
+      </dgm:spPr>
+      <dgm:t>
+        <a:bodyPr/>
+        <a:lstStyle/>
+        <a:p>
+          <a:endParaRPr lang="en-CA">
+            <a:solidFill>
+              <a:schemeClr val="accent1"/>
+            </a:solidFill>
+            <a:effectLst/>
+          </a:endParaRPr>
+        </a:p>
+      </dgm:t>
+    </dgm:pt>
+    <dgm:pt modelId="{912D9117-5A39-9E4F-9CC6-35A29F1CF96C}" type="pres">
+      <dgm:prSet presAssocID="{C04DA9D2-F5AB-A243-8A01-08C39905B9C5}" presName="Name0" presStyleCnt="0">
+        <dgm:presLayoutVars>
+          <dgm:dir/>
+          <dgm:resizeHandles val="exact"/>
+        </dgm:presLayoutVars>
+      </dgm:prSet>
+      <dgm:spPr/>
+      <dgm:t>
+        <a:bodyPr/>
+        <a:lstStyle/>
+        <a:p>
+          <a:endParaRPr lang="en-CA"/>
+        </a:p>
+      </dgm:t>
+    </dgm:pt>
+    <dgm:pt modelId="{E1759158-09C5-644C-8CEE-4FBC52A3F1F5}" type="pres">
+      <dgm:prSet presAssocID="{525647EA-6978-D540-A9DD-1C731B2DD947}" presName="node" presStyleLbl="node1" presStyleIdx="0" presStyleCnt="3">
+        <dgm:presLayoutVars>
+          <dgm:bulletEnabled val="1"/>
+        </dgm:presLayoutVars>
+      </dgm:prSet>
+      <dgm:spPr/>
+      <dgm:t>
+        <a:bodyPr/>
+        <a:lstStyle/>
+        <a:p>
+          <a:endParaRPr lang="en-CA"/>
+        </a:p>
+      </dgm:t>
+    </dgm:pt>
+    <dgm:pt modelId="{07A235EB-32D2-6745-AB92-414663E9F6F8}" type="pres">
+      <dgm:prSet presAssocID="{B5988F7F-34AC-1B4D-B170-5A3ABAE86F11}" presName="sibTrans" presStyleLbl="sibTrans2D1" presStyleIdx="0" presStyleCnt="3"/>
+      <dgm:spPr/>
+      <dgm:t>
+        <a:bodyPr/>
+        <a:lstStyle/>
+        <a:p>
+          <a:endParaRPr lang="en-CA"/>
+        </a:p>
+      </dgm:t>
+    </dgm:pt>
+    <dgm:pt modelId="{12E5E754-CB72-4845-8E20-C868F032858A}" type="pres">
+      <dgm:prSet presAssocID="{B5988F7F-34AC-1B4D-B170-5A3ABAE86F11}" presName="connectorText" presStyleLbl="sibTrans2D1" presStyleIdx="0" presStyleCnt="3"/>
+      <dgm:spPr/>
+      <dgm:t>
+        <a:bodyPr/>
+        <a:lstStyle/>
+        <a:p>
+          <a:endParaRPr lang="en-CA"/>
+        </a:p>
+      </dgm:t>
+    </dgm:pt>
+    <dgm:pt modelId="{1B54A8DC-08AC-3249-B668-ED4EF578918A}" type="pres">
+      <dgm:prSet presAssocID="{D2D4A342-F2DF-D442-8C50-0C5FEA196E08}" presName="node" presStyleLbl="node1" presStyleIdx="1" presStyleCnt="3">
+        <dgm:presLayoutVars>
+          <dgm:bulletEnabled val="1"/>
+        </dgm:presLayoutVars>
+      </dgm:prSet>
+      <dgm:spPr/>
+      <dgm:t>
+        <a:bodyPr/>
+        <a:lstStyle/>
+        <a:p>
+          <a:endParaRPr lang="en-CA"/>
+        </a:p>
+      </dgm:t>
+    </dgm:pt>
+    <dgm:pt modelId="{C2C29C40-17C2-6742-85B8-576C2DE32727}" type="pres">
+      <dgm:prSet presAssocID="{AEA84BFB-3025-284F-9C5F-1403BB16486C}" presName="sibTrans" presStyleLbl="sibTrans2D1" presStyleIdx="1" presStyleCnt="3"/>
+      <dgm:spPr/>
+      <dgm:t>
+        <a:bodyPr/>
+        <a:lstStyle/>
+        <a:p>
+          <a:endParaRPr lang="en-CA"/>
+        </a:p>
+      </dgm:t>
+    </dgm:pt>
+    <dgm:pt modelId="{E4B96785-D4BD-4442-A1A6-D264B9AF9707}" type="pres">
+      <dgm:prSet presAssocID="{AEA84BFB-3025-284F-9C5F-1403BB16486C}" presName="connectorText" presStyleLbl="sibTrans2D1" presStyleIdx="1" presStyleCnt="3"/>
+      <dgm:spPr/>
+      <dgm:t>
+        <a:bodyPr/>
+        <a:lstStyle/>
+        <a:p>
+          <a:endParaRPr lang="en-CA"/>
+        </a:p>
+      </dgm:t>
+    </dgm:pt>
+    <dgm:pt modelId="{EBB81B58-21FC-F443-8B95-7102DA9B419F}" type="pres">
+      <dgm:prSet presAssocID="{F40AE1DB-6BD9-6940-9945-6DF414C1E5A6}" presName="node" presStyleLbl="node1" presStyleIdx="2" presStyleCnt="3">
+        <dgm:presLayoutVars>
+          <dgm:bulletEnabled val="1"/>
+        </dgm:presLayoutVars>
+      </dgm:prSet>
+      <dgm:spPr/>
+      <dgm:t>
+        <a:bodyPr/>
+        <a:lstStyle/>
+        <a:p>
+          <a:endParaRPr lang="en-CA"/>
+        </a:p>
+      </dgm:t>
+    </dgm:pt>
+    <dgm:pt modelId="{6A111FCF-B8C0-C247-96C4-5FEB052520F0}" type="pres">
+      <dgm:prSet presAssocID="{EC4AC7D9-7D9D-7C4B-AD6B-0196D4E5A92F}" presName="sibTrans" presStyleLbl="sibTrans2D1" presStyleIdx="2" presStyleCnt="3"/>
+      <dgm:spPr/>
+      <dgm:t>
+        <a:bodyPr/>
+        <a:lstStyle/>
+        <a:p>
+          <a:endParaRPr lang="en-CA"/>
+        </a:p>
+      </dgm:t>
+    </dgm:pt>
+    <dgm:pt modelId="{547ABB14-3BAC-2B43-B7E6-2C785C940C51}" type="pres">
+      <dgm:prSet presAssocID="{EC4AC7D9-7D9D-7C4B-AD6B-0196D4E5A92F}" presName="connectorText" presStyleLbl="sibTrans2D1" presStyleIdx="2" presStyleCnt="3"/>
+      <dgm:spPr/>
+      <dgm:t>
+        <a:bodyPr/>
+        <a:lstStyle/>
+        <a:p>
+          <a:endParaRPr lang="en-CA"/>
+        </a:p>
+      </dgm:t>
+    </dgm:pt>
+  </dgm:ptLst>
+  <dgm:cxnLst>
+    <dgm:cxn modelId="{C7A0010A-2006-A240-82F1-2456DBD1AAB3}" type="presOf" srcId="{EC4AC7D9-7D9D-7C4B-AD6B-0196D4E5A92F}" destId="{6A111FCF-B8C0-C247-96C4-5FEB052520F0}" srcOrd="0" destOrd="0" presId="urn:microsoft.com/office/officeart/2005/8/layout/cycle7"/>
+    <dgm:cxn modelId="{A8C99874-BC44-674C-B674-A7852F0526DC}" type="presOf" srcId="{B5988F7F-34AC-1B4D-B170-5A3ABAE86F11}" destId="{12E5E754-CB72-4845-8E20-C868F032858A}" srcOrd="1" destOrd="0" presId="urn:microsoft.com/office/officeart/2005/8/layout/cycle7"/>
+    <dgm:cxn modelId="{CE192D12-063A-884F-B138-83ED3C77B97D}" type="presOf" srcId="{C04DA9D2-F5AB-A243-8A01-08C39905B9C5}" destId="{912D9117-5A39-9E4F-9CC6-35A29F1CF96C}" srcOrd="0" destOrd="0" presId="urn:microsoft.com/office/officeart/2005/8/layout/cycle7"/>
+    <dgm:cxn modelId="{61D8A860-8671-E645-8DF8-02712E543C1E}" srcId="{C04DA9D2-F5AB-A243-8A01-08C39905B9C5}" destId="{525647EA-6978-D540-A9DD-1C731B2DD947}" srcOrd="0" destOrd="0" parTransId="{241F79B9-8E2E-F946-90C0-48D59F508A4F}" sibTransId="{B5988F7F-34AC-1B4D-B170-5A3ABAE86F11}"/>
+    <dgm:cxn modelId="{885E0DA1-D9D3-694D-A3EA-F733EE8E5FC3}" type="presOf" srcId="{AEA84BFB-3025-284F-9C5F-1403BB16486C}" destId="{E4B96785-D4BD-4442-A1A6-D264B9AF9707}" srcOrd="1" destOrd="0" presId="urn:microsoft.com/office/officeart/2005/8/layout/cycle7"/>
+    <dgm:cxn modelId="{9B6CE04E-AB5B-7D4B-A182-DAC37A6983D9}" type="presOf" srcId="{525647EA-6978-D540-A9DD-1C731B2DD947}" destId="{E1759158-09C5-644C-8CEE-4FBC52A3F1F5}" srcOrd="0" destOrd="0" presId="urn:microsoft.com/office/officeart/2005/8/layout/cycle7"/>
+    <dgm:cxn modelId="{ADB87301-8B25-0040-BC59-0C1161084BD9}" type="presOf" srcId="{B5988F7F-34AC-1B4D-B170-5A3ABAE86F11}" destId="{07A235EB-32D2-6745-AB92-414663E9F6F8}" srcOrd="0" destOrd="0" presId="urn:microsoft.com/office/officeart/2005/8/layout/cycle7"/>
+    <dgm:cxn modelId="{70B13E82-AC7B-7146-B7D4-B48F9BDAA00E}" srcId="{C04DA9D2-F5AB-A243-8A01-08C39905B9C5}" destId="{F40AE1DB-6BD9-6940-9945-6DF414C1E5A6}" srcOrd="2" destOrd="0" parTransId="{25ECECD3-5644-9246-BE9D-5F4497DA6BE2}" sibTransId="{EC4AC7D9-7D9D-7C4B-AD6B-0196D4E5A92F}"/>
+    <dgm:cxn modelId="{4266E8BD-8D49-F246-A526-9B2A7FD1270C}" type="presOf" srcId="{AEA84BFB-3025-284F-9C5F-1403BB16486C}" destId="{C2C29C40-17C2-6742-85B8-576C2DE32727}" srcOrd="0" destOrd="0" presId="urn:microsoft.com/office/officeart/2005/8/layout/cycle7"/>
+    <dgm:cxn modelId="{A3B69863-B2F8-B049-8DE7-A967496A308C}" type="presOf" srcId="{EC4AC7D9-7D9D-7C4B-AD6B-0196D4E5A92F}" destId="{547ABB14-3BAC-2B43-B7E6-2C785C940C51}" srcOrd="1" destOrd="0" presId="urn:microsoft.com/office/officeart/2005/8/layout/cycle7"/>
+    <dgm:cxn modelId="{8DEB9B13-9313-5642-9AF0-DAB1DC42BB35}" type="presOf" srcId="{D2D4A342-F2DF-D442-8C50-0C5FEA196E08}" destId="{1B54A8DC-08AC-3249-B668-ED4EF578918A}" srcOrd="0" destOrd="0" presId="urn:microsoft.com/office/officeart/2005/8/layout/cycle7"/>
+    <dgm:cxn modelId="{F28F887F-E464-B543-A11D-3378500885CA}" srcId="{C04DA9D2-F5AB-A243-8A01-08C39905B9C5}" destId="{D2D4A342-F2DF-D442-8C50-0C5FEA196E08}" srcOrd="1" destOrd="0" parTransId="{E5A55C8D-C0A3-914A-9403-2E83F1907193}" sibTransId="{AEA84BFB-3025-284F-9C5F-1403BB16486C}"/>
+    <dgm:cxn modelId="{903C75F1-DF1C-2B4B-81DA-76214E745068}" type="presOf" srcId="{F40AE1DB-6BD9-6940-9945-6DF414C1E5A6}" destId="{EBB81B58-21FC-F443-8B95-7102DA9B419F}" srcOrd="0" destOrd="0" presId="urn:microsoft.com/office/officeart/2005/8/layout/cycle7"/>
+    <dgm:cxn modelId="{B5B3A6D4-EAB8-D948-AA93-EB3969985C85}" type="presParOf" srcId="{912D9117-5A39-9E4F-9CC6-35A29F1CF96C}" destId="{E1759158-09C5-644C-8CEE-4FBC52A3F1F5}" srcOrd="0" destOrd="0" presId="urn:microsoft.com/office/officeart/2005/8/layout/cycle7"/>
+    <dgm:cxn modelId="{27E04A46-4887-B643-BA73-88A6C56142EA}" type="presParOf" srcId="{912D9117-5A39-9E4F-9CC6-35A29F1CF96C}" destId="{07A235EB-32D2-6745-AB92-414663E9F6F8}" srcOrd="1" destOrd="0" presId="urn:microsoft.com/office/officeart/2005/8/layout/cycle7"/>
+    <dgm:cxn modelId="{840FE5AD-8736-4848-8CE7-D78F31E042E9}" type="presParOf" srcId="{07A235EB-32D2-6745-AB92-414663E9F6F8}" destId="{12E5E754-CB72-4845-8E20-C868F032858A}" srcOrd="0" destOrd="0" presId="urn:microsoft.com/office/officeart/2005/8/layout/cycle7"/>
+    <dgm:cxn modelId="{89B24718-3DEF-0047-AAE5-9BEF18BB40C7}" type="presParOf" srcId="{912D9117-5A39-9E4F-9CC6-35A29F1CF96C}" destId="{1B54A8DC-08AC-3249-B668-ED4EF578918A}" srcOrd="2" destOrd="0" presId="urn:microsoft.com/office/officeart/2005/8/layout/cycle7"/>
+    <dgm:cxn modelId="{72C8273E-0E84-4540-87FF-4C719DAD1AB1}" type="presParOf" srcId="{912D9117-5A39-9E4F-9CC6-35A29F1CF96C}" destId="{C2C29C40-17C2-6742-85B8-576C2DE32727}" srcOrd="3" destOrd="0" presId="urn:microsoft.com/office/officeart/2005/8/layout/cycle7"/>
+    <dgm:cxn modelId="{D1F89708-4CF5-F046-AB2F-954F19BEEAA2}" type="presParOf" srcId="{C2C29C40-17C2-6742-85B8-576C2DE32727}" destId="{E4B96785-D4BD-4442-A1A6-D264B9AF9707}" srcOrd="0" destOrd="0" presId="urn:microsoft.com/office/officeart/2005/8/layout/cycle7"/>
+    <dgm:cxn modelId="{838337FF-31B9-5046-8320-C18D8511882E}" type="presParOf" srcId="{912D9117-5A39-9E4F-9CC6-35A29F1CF96C}" destId="{EBB81B58-21FC-F443-8B95-7102DA9B419F}" srcOrd="4" destOrd="0" presId="urn:microsoft.com/office/officeart/2005/8/layout/cycle7"/>
+    <dgm:cxn modelId="{53D71F59-F4F9-B445-8300-C9F666826B0E}" type="presParOf" srcId="{912D9117-5A39-9E4F-9CC6-35A29F1CF96C}" destId="{6A111FCF-B8C0-C247-96C4-5FEB052520F0}" srcOrd="5" destOrd="0" presId="urn:microsoft.com/office/officeart/2005/8/layout/cycle7"/>
+    <dgm:cxn modelId="{65731E7A-6115-C549-863B-39A776A5F082}" type="presParOf" srcId="{6A111FCF-B8C0-C247-96C4-5FEB052520F0}" destId="{547ABB14-3BAC-2B43-B7E6-2C785C940C51}" srcOrd="0" destOrd="0" presId="urn:microsoft.com/office/officeart/2005/8/layout/cycle7"/>
+  </dgm:cxnLst>
+  <dgm:bg/>
+  <dgm:whole/>
+  <dgm:extLst>
+    <a:ext uri="http://schemas.microsoft.com/office/drawing/2008/diagram">
+      <dsp:dataModelExt xmlns:dsp="http://schemas.microsoft.com/office/drawing/2008/diagram" relId="rId7" minVer="http://schemas.openxmlformats.org/drawingml/2006/diagram"/>
+    </a:ext>
+  </dgm:extLst>
+</dgm:dataModel>
+</file>
+
+<file path=ppt/diagrams/drawing1.xml><?xml version="1.0" encoding="utf-8"?>
+<dsp:drawing xmlns:dgm="http://schemas.openxmlformats.org/drawingml/2006/diagram" xmlns:dsp="http://schemas.microsoft.com/office/drawing/2008/diagram" xmlns:a="http://schemas.openxmlformats.org/drawingml/2006/main">
+  <dsp:spTree>
+    <dsp:nvGrpSpPr>
+      <dsp:cNvPr id="0" name=""/>
+      <dsp:cNvGrpSpPr/>
+    </dsp:nvGrpSpPr>
+    <dsp:grpSpPr/>
+    <dsp:sp modelId="{E1759158-09C5-644C-8CEE-4FBC52A3F1F5}">
+      <dsp:nvSpPr>
+        <dsp:cNvPr id="0" name=""/>
+        <dsp:cNvSpPr/>
+      </dsp:nvSpPr>
+      <dsp:spPr>
+        <a:xfrm>
+          <a:off x="1517177" y="783"/>
+          <a:ext cx="1178770" cy="589385"/>
+        </a:xfrm>
+        <a:prstGeom prst="roundRect">
+          <a:avLst>
+            <a:gd name="adj" fmla="val 10000"/>
+          </a:avLst>
+        </a:prstGeom>
+        <a:solidFill>
+          <a:srgbClr val="660066"/>
+        </a:solidFill>
+        <a:ln>
+          <a:noFill/>
+        </a:ln>
+        <a:effectLst/>
+      </dsp:spPr>
+      <dsp:style>
+        <a:lnRef idx="0">
+          <a:scrgbClr r="0" g="0" b="0"/>
+        </a:lnRef>
+        <a:fillRef idx="3">
+          <a:scrgbClr r="0" g="0" b="0"/>
+        </a:fillRef>
+        <a:effectRef idx="2">
+          <a:scrgbClr r="0" g="0" b="0"/>
+        </a:effectRef>
+        <a:fontRef idx="minor">
+          <a:schemeClr val="lt1"/>
+        </a:fontRef>
+      </dsp:style>
+      <dsp:txBody>
+        <a:bodyPr spcFirstLastPara="0" vert="horz" wrap="square" lIns="83820" tIns="83820" rIns="83820" bIns="83820" numCol="1" spcCol="1270" anchor="ctr" anchorCtr="0">
+          <a:noAutofit/>
+        </a:bodyPr>
+        <a:lstStyle/>
+        <a:p>
+          <a:pPr lvl="0" algn="ctr" defTabSz="977900">
+            <a:lnSpc>
+              <a:spcPct val="90000"/>
+            </a:lnSpc>
+            <a:spcBef>
+              <a:spcPct val="0"/>
+            </a:spcBef>
+            <a:spcAft>
+              <a:spcPct val="35000"/>
+            </a:spcAft>
+          </a:pPr>
+          <a:r>
+            <a:rPr lang="en-CA" sz="2200" kern="1200" dirty="0" smtClean="0"/>
+            <a:t>Memory</a:t>
+          </a:r>
+          <a:endParaRPr lang="en-CA" sz="2200" kern="1200" dirty="0"/>
+        </a:p>
+      </dsp:txBody>
+      <dsp:txXfrm>
+        <a:off x="1534439" y="18045"/>
+        <a:ext cx="1144246" cy="554861"/>
+      </dsp:txXfrm>
+    </dsp:sp>
+    <dsp:sp modelId="{07A235EB-32D2-6745-AB92-414663E9F6F8}">
+      <dsp:nvSpPr>
+        <dsp:cNvPr id="0" name=""/>
+        <dsp:cNvSpPr/>
+      </dsp:nvSpPr>
+      <dsp:spPr>
+        <a:xfrm rot="3600000">
+          <a:off x="2285955" y="1035599"/>
+          <a:ext cx="614935" cy="206284"/>
+        </a:xfrm>
+        <a:prstGeom prst="leftRightArrow">
+          <a:avLst>
+            <a:gd name="adj1" fmla="val 60000"/>
+            <a:gd name="adj2" fmla="val 50000"/>
+          </a:avLst>
+        </a:prstGeom>
+        <a:solidFill>
+          <a:schemeClr val="bg2">
+            <a:lumMod val="50000"/>
+          </a:schemeClr>
+        </a:solidFill>
+        <a:ln>
+          <a:noFill/>
+        </a:ln>
+        <a:effectLst/>
+      </dsp:spPr>
+      <dsp:style>
+        <a:lnRef idx="0">
+          <a:scrgbClr r="0" g="0" b="0"/>
+        </a:lnRef>
+        <a:fillRef idx="3">
+          <a:scrgbClr r="0" g="0" b="0"/>
+        </a:fillRef>
+        <a:effectRef idx="2">
+          <a:scrgbClr r="0" g="0" b="0"/>
+        </a:effectRef>
+        <a:fontRef idx="minor">
+          <a:schemeClr val="lt1"/>
+        </a:fontRef>
+      </dsp:style>
+      <dsp:txBody>
+        <a:bodyPr spcFirstLastPara="0" vert="horz" wrap="square" lIns="0" tIns="0" rIns="0" bIns="0" numCol="1" spcCol="1270" anchor="ctr" anchorCtr="0">
+          <a:noAutofit/>
+        </a:bodyPr>
+        <a:lstStyle/>
+        <a:p>
+          <a:pPr lvl="0" algn="ctr" defTabSz="355600">
+            <a:lnSpc>
+              <a:spcPct val="90000"/>
+            </a:lnSpc>
+            <a:spcBef>
+              <a:spcPct val="0"/>
+            </a:spcBef>
+            <a:spcAft>
+              <a:spcPct val="35000"/>
+            </a:spcAft>
+          </a:pPr>
+          <a:endParaRPr lang="en-CA" sz="800" kern="1200">
+            <a:solidFill>
+              <a:schemeClr val="accent1"/>
+            </a:solidFill>
+            <a:effectLst/>
+          </a:endParaRPr>
+        </a:p>
+      </dsp:txBody>
+      <dsp:txXfrm>
+        <a:off x="2347840" y="1076856"/>
+        <a:ext cx="491165" cy="123770"/>
+      </dsp:txXfrm>
+    </dsp:sp>
+    <dsp:sp modelId="{1B54A8DC-08AC-3249-B668-ED4EF578918A}">
+      <dsp:nvSpPr>
+        <dsp:cNvPr id="0" name=""/>
+        <dsp:cNvSpPr/>
+      </dsp:nvSpPr>
+      <dsp:spPr>
+        <a:xfrm>
+          <a:off x="2490897" y="1687315"/>
+          <a:ext cx="1178770" cy="589385"/>
+        </a:xfrm>
+        <a:prstGeom prst="roundRect">
+          <a:avLst>
+            <a:gd name="adj" fmla="val 10000"/>
+          </a:avLst>
+        </a:prstGeom>
+        <a:solidFill>
+          <a:srgbClr val="660066"/>
+        </a:solidFill>
+        <a:ln>
+          <a:noFill/>
+        </a:ln>
+        <a:effectLst/>
+      </dsp:spPr>
+      <dsp:style>
+        <a:lnRef idx="0">
+          <a:scrgbClr r="0" g="0" b="0"/>
+        </a:lnRef>
+        <a:fillRef idx="3">
+          <a:scrgbClr r="0" g="0" b="0"/>
+        </a:fillRef>
+        <a:effectRef idx="2">
+          <a:scrgbClr r="0" g="0" b="0"/>
+        </a:effectRef>
+        <a:fontRef idx="minor">
+          <a:schemeClr val="lt1"/>
+        </a:fontRef>
+      </dsp:style>
+      <dsp:txBody>
+        <a:bodyPr spcFirstLastPara="0" vert="horz" wrap="square" lIns="83820" tIns="83820" rIns="83820" bIns="83820" numCol="1" spcCol="1270" anchor="ctr" anchorCtr="0">
+          <a:noAutofit/>
+        </a:bodyPr>
+        <a:lstStyle/>
+        <a:p>
+          <a:pPr lvl="0" algn="ctr" defTabSz="977900">
+            <a:lnSpc>
+              <a:spcPct val="90000"/>
+            </a:lnSpc>
+            <a:spcBef>
+              <a:spcPct val="0"/>
+            </a:spcBef>
+            <a:spcAft>
+              <a:spcPct val="35000"/>
+            </a:spcAft>
+          </a:pPr>
+          <a:r>
+            <a:rPr lang="en-CA" sz="2200" kern="1200" dirty="0" smtClean="0"/>
+            <a:t>Music</a:t>
+          </a:r>
+          <a:endParaRPr lang="en-CA" sz="2200" kern="1200" dirty="0"/>
+        </a:p>
+      </dsp:txBody>
+      <dsp:txXfrm>
+        <a:off x="2508159" y="1704577"/>
+        <a:ext cx="1144246" cy="554861"/>
+      </dsp:txXfrm>
+    </dsp:sp>
+    <dsp:sp modelId="{C2C29C40-17C2-6742-85B8-576C2DE32727}">
+      <dsp:nvSpPr>
+        <dsp:cNvPr id="0" name=""/>
+        <dsp:cNvSpPr/>
+      </dsp:nvSpPr>
+      <dsp:spPr>
+        <a:xfrm rot="10800000">
+          <a:off x="1799095" y="1878865"/>
+          <a:ext cx="614935" cy="206284"/>
+        </a:xfrm>
+        <a:prstGeom prst="leftRightArrow">
+          <a:avLst>
+            <a:gd name="adj1" fmla="val 60000"/>
+            <a:gd name="adj2" fmla="val 50000"/>
+          </a:avLst>
+        </a:prstGeom>
+        <a:solidFill>
+          <a:schemeClr val="bg2">
+            <a:lumMod val="50000"/>
+          </a:schemeClr>
+        </a:solidFill>
+        <a:ln>
+          <a:noFill/>
+        </a:ln>
+        <a:effectLst/>
+      </dsp:spPr>
+      <dsp:style>
+        <a:lnRef idx="0">
+          <a:scrgbClr r="0" g="0" b="0"/>
+        </a:lnRef>
+        <a:fillRef idx="3">
+          <a:scrgbClr r="0" g="0" b="0"/>
+        </a:fillRef>
+        <a:effectRef idx="2">
+          <a:scrgbClr r="0" g="0" b="0"/>
+        </a:effectRef>
+        <a:fontRef idx="minor">
+          <a:schemeClr val="lt1"/>
+        </a:fontRef>
+      </dsp:style>
+      <dsp:txBody>
+        <a:bodyPr spcFirstLastPara="0" vert="horz" wrap="square" lIns="0" tIns="0" rIns="0" bIns="0" numCol="1" spcCol="1270" anchor="ctr" anchorCtr="0">
+          <a:noAutofit/>
+        </a:bodyPr>
+        <a:lstStyle/>
+        <a:p>
+          <a:pPr lvl="0" algn="ctr" defTabSz="355600">
+            <a:lnSpc>
+              <a:spcPct val="90000"/>
+            </a:lnSpc>
+            <a:spcBef>
+              <a:spcPct val="0"/>
+            </a:spcBef>
+            <a:spcAft>
+              <a:spcPct val="35000"/>
+            </a:spcAft>
+          </a:pPr>
+          <a:endParaRPr lang="en-CA" sz="800" kern="1200">
+            <a:solidFill>
+              <a:schemeClr val="accent1"/>
+            </a:solidFill>
+            <a:effectLst/>
+          </a:endParaRPr>
+        </a:p>
+      </dsp:txBody>
+      <dsp:txXfrm rot="10800000">
+        <a:off x="1860980" y="1920122"/>
+        <a:ext cx="491165" cy="123770"/>
+      </dsp:txXfrm>
+    </dsp:sp>
+    <dsp:sp modelId="{EBB81B58-21FC-F443-8B95-7102DA9B419F}">
+      <dsp:nvSpPr>
+        <dsp:cNvPr id="0" name=""/>
+        <dsp:cNvSpPr/>
+      </dsp:nvSpPr>
+      <dsp:spPr>
+        <a:xfrm>
+          <a:off x="543458" y="1687315"/>
+          <a:ext cx="1178770" cy="589385"/>
+        </a:xfrm>
+        <a:prstGeom prst="roundRect">
+          <a:avLst>
+            <a:gd name="adj" fmla="val 10000"/>
+          </a:avLst>
+        </a:prstGeom>
+        <a:solidFill>
+          <a:srgbClr val="660066"/>
+        </a:solidFill>
+        <a:ln>
+          <a:noFill/>
+        </a:ln>
+        <a:effectLst/>
+      </dsp:spPr>
+      <dsp:style>
+        <a:lnRef idx="0">
+          <a:scrgbClr r="0" g="0" b="0"/>
+        </a:lnRef>
+        <a:fillRef idx="3">
+          <a:scrgbClr r="0" g="0" b="0"/>
+        </a:fillRef>
+        <a:effectRef idx="2">
+          <a:scrgbClr r="0" g="0" b="0"/>
+        </a:effectRef>
+        <a:fontRef idx="minor">
+          <a:schemeClr val="lt1"/>
+        </a:fontRef>
+      </dsp:style>
+      <dsp:txBody>
+        <a:bodyPr spcFirstLastPara="0" vert="horz" wrap="square" lIns="83820" tIns="83820" rIns="83820" bIns="83820" numCol="1" spcCol="1270" anchor="ctr" anchorCtr="0">
+          <a:noAutofit/>
+        </a:bodyPr>
+        <a:lstStyle/>
+        <a:p>
+          <a:pPr lvl="0" algn="ctr" defTabSz="977900">
+            <a:lnSpc>
+              <a:spcPct val="90000"/>
+            </a:lnSpc>
+            <a:spcBef>
+              <a:spcPct val="0"/>
+            </a:spcBef>
+            <a:spcAft>
+              <a:spcPct val="35000"/>
+            </a:spcAft>
+          </a:pPr>
+          <a:r>
+            <a:rPr lang="en-CA" sz="2200" kern="1200" dirty="0" smtClean="0"/>
+            <a:t>Aging</a:t>
+          </a:r>
+          <a:endParaRPr lang="en-CA" sz="2200" kern="1200" dirty="0"/>
+        </a:p>
+      </dsp:txBody>
+      <dsp:txXfrm>
+        <a:off x="560720" y="1704577"/>
+        <a:ext cx="1144246" cy="554861"/>
+      </dsp:txXfrm>
+    </dsp:sp>
+    <dsp:sp modelId="{6A111FCF-B8C0-C247-96C4-5FEB052520F0}">
+      <dsp:nvSpPr>
+        <dsp:cNvPr id="0" name=""/>
+        <dsp:cNvSpPr/>
+      </dsp:nvSpPr>
+      <dsp:spPr>
+        <a:xfrm rot="18000000">
+          <a:off x="1312235" y="1035599"/>
+          <a:ext cx="614935" cy="206284"/>
+        </a:xfrm>
+        <a:prstGeom prst="leftRightArrow">
+          <a:avLst>
+            <a:gd name="adj1" fmla="val 60000"/>
+            <a:gd name="adj2" fmla="val 50000"/>
+          </a:avLst>
+        </a:prstGeom>
+        <a:solidFill>
+          <a:schemeClr val="bg2">
+            <a:lumMod val="50000"/>
+          </a:schemeClr>
+        </a:solidFill>
+        <a:ln>
+          <a:noFill/>
+        </a:ln>
+        <a:effectLst/>
+      </dsp:spPr>
+      <dsp:style>
+        <a:lnRef idx="0">
+          <a:scrgbClr r="0" g="0" b="0"/>
+        </a:lnRef>
+        <a:fillRef idx="3">
+          <a:scrgbClr r="0" g="0" b="0"/>
+        </a:fillRef>
+        <a:effectRef idx="2">
+          <a:scrgbClr r="0" g="0" b="0"/>
+        </a:effectRef>
+        <a:fontRef idx="minor">
+          <a:schemeClr val="lt1"/>
+        </a:fontRef>
+      </dsp:style>
+      <dsp:txBody>
+        <a:bodyPr spcFirstLastPara="0" vert="horz" wrap="square" lIns="0" tIns="0" rIns="0" bIns="0" numCol="1" spcCol="1270" anchor="ctr" anchorCtr="0">
+          <a:noAutofit/>
+        </a:bodyPr>
+        <a:lstStyle/>
+        <a:p>
+          <a:pPr lvl="0" algn="ctr" defTabSz="355600">
+            <a:lnSpc>
+              <a:spcPct val="90000"/>
+            </a:lnSpc>
+            <a:spcBef>
+              <a:spcPct val="0"/>
+            </a:spcBef>
+            <a:spcAft>
+              <a:spcPct val="35000"/>
+            </a:spcAft>
+          </a:pPr>
+          <a:endParaRPr lang="en-CA" sz="800" kern="1200">
+            <a:solidFill>
+              <a:schemeClr val="accent1"/>
+            </a:solidFill>
+            <a:effectLst/>
+          </a:endParaRPr>
+        </a:p>
+      </dsp:txBody>
+      <dsp:txXfrm>
+        <a:off x="1374120" y="1076856"/>
+        <a:ext cx="491165" cy="123770"/>
+      </dsp:txXfrm>
+    </dsp:sp>
+  </dsp:spTree>
+</dsp:drawing>
+</file>
+
+<file path=ppt/diagrams/layout1.xml><?xml version="1.0" encoding="utf-8"?>
+<dgm:layoutDef xmlns:dgm="http://schemas.openxmlformats.org/drawingml/2006/diagram" xmlns:a="http://schemas.openxmlformats.org/drawingml/2006/main" uniqueId="urn:microsoft.com/office/officeart/2005/8/layout/cycle7">
+  <dgm:title val=""/>
+  <dgm:desc val=""/>
+  <dgm:catLst>
+    <dgm:cat type="cycle" pri="6000"/>
+  </dgm:catLst>
+  <dgm:sampData>
+    <dgm:dataModel>
+      <dgm:ptLst>
+        <dgm:pt modelId="0" type="doc"/>
+        <dgm:pt modelId="1">
+          <dgm:prSet phldr="1"/>
+        </dgm:pt>
+        <dgm:pt modelId="2">
+          <dgm:prSet phldr="1"/>
+        </dgm:pt>
+        <dgm:pt modelId="3">
+          <dgm:prSet phldr="1"/>
+        </dgm:pt>
+      </dgm:ptLst>
+      <dgm:cxnLst>
+        <dgm:cxn modelId="6" srcId="0" destId="1" srcOrd="0" destOrd="0"/>
+        <dgm:cxn modelId="7" srcId="0" destId="2" srcOrd="1" destOrd="0"/>
+        <dgm:cxn modelId="8" srcId="0" destId="3" srcOrd="2" destOrd="0"/>
+      </dgm:cxnLst>
+      <dgm:bg/>
+      <dgm:whole/>
+    </dgm:dataModel>
+  </dgm:sampData>
+  <dgm:styleData>
+    <dgm:dataModel>
+      <dgm:ptLst>
+        <dgm:pt modelId="0" type="doc"/>
+        <dgm:pt modelId="1"/>
+        <dgm:pt modelId="2"/>
+        <dgm:pt modelId="3"/>
+      </dgm:ptLst>
+      <dgm:cxnLst>
+        <dgm:cxn modelId="4" srcId="0" destId="1" srcOrd="0" destOrd="0"/>
+        <dgm:cxn modelId="5" srcId="0" destId="2" srcOrd="1" destOrd="0"/>
+        <dgm:cxn modelId="6" srcId="0" destId="3" srcOrd="2" destOrd="0"/>
+      </dgm:cxnLst>
+      <dgm:bg/>
+      <dgm:whole/>
+    </dgm:dataModel>
+  </dgm:styleData>
+  <dgm:clrData>
+    <dgm:dataModel>
+      <dgm:ptLst>
+        <dgm:pt modelId="0" type="doc"/>
+        <dgm:pt modelId="1"/>
+        <dgm:pt modelId="2"/>
+        <dgm:pt modelId="3"/>
+        <dgm:pt modelId="4"/>
+        <dgm:pt modelId="5"/>
+        <dgm:pt modelId="6"/>
+      </dgm:ptLst>
+      <dgm:cxnLst>
+        <dgm:cxn modelId="7" srcId="0" destId="1" srcOrd="0" destOrd="0"/>
+        <dgm:cxn modelId="8" srcId="0" destId="2" srcOrd="1" destOrd="0"/>
+        <dgm:cxn modelId="9" srcId="0" destId="3" srcOrd="2" destOrd="0"/>
+        <dgm:cxn modelId="10" srcId="0" destId="4" srcOrd="3" destOrd="0"/>
+        <dgm:cxn modelId="11" srcId="0" destId="5" srcOrd="4" destOrd="0"/>
+        <dgm:cxn modelId="12" srcId="0" destId="6" srcOrd="5" destOrd="0"/>
+      </dgm:cxnLst>
+      <dgm:bg/>
+      <dgm:whole/>
+    </dgm:dataModel>
+  </dgm:clrData>
+  <dgm:layoutNode name="Name0">
+    <dgm:varLst>
+      <dgm:dir/>
+      <dgm:resizeHandles val="exact"/>
+    </dgm:varLst>
+    <dgm:choose name="Name1">
+      <dgm:if name="Name2" func="var" arg="dir" op="equ" val="norm">
+        <dgm:alg type="cycle">
+          <dgm:param type="stAng" val="0"/>
+          <dgm:param type="spanAng" val="360"/>
+        </dgm:alg>
+      </dgm:if>
+      <dgm:else name="Name3">
+        <dgm:alg type="cycle">
+          <dgm:param type="stAng" val="0"/>
+          <dgm:param type="spanAng" val="-360"/>
+        </dgm:alg>
+      </dgm:else>
+    </dgm:choose>
+    <dgm:shape xmlns:r="http://schemas.openxmlformats.org/officeDocument/2006/relationships" r:blip="">
+      <dgm:adjLst/>
+    </dgm:shape>
+    <dgm:presOf/>
+    <dgm:constrLst>
+      <dgm:constr type="diam" refType="w"/>
+      <dgm:constr type="w" for="ch" ptType="node" refType="w"/>
+      <dgm:constr type="primFontSz" for="ch" ptType="node" op="equ" val="65"/>
+      <dgm:constr type="w" for="ch" forName="sibTrans" refType="w" refFor="ch" refPtType="node" op="equ" fact="0.35"/>
+      <dgm:constr type="connDist" for="ch" forName="sibTrans" op="equ"/>
+      <dgm:constr type="primFontSz" for="des" forName="connectorText" op="equ" val="55"/>
+      <dgm:constr type="primFontSz" for="des" forName="connectorText" refType="primFontSz" refFor="ch" refPtType="node" op="lte" fact="0.8"/>
+      <dgm:constr type="sibSp" refType="w" refFor="ch" refPtType="node" op="equ" fact="0.65"/>
+    </dgm:constrLst>
+    <dgm:ruleLst/>
+    <dgm:forEach name="nodesForEach" axis="ch" ptType="node">
+      <dgm:layoutNode name="node">
+        <dgm:varLst>
+          <dgm:bulletEnabled val="1"/>
+        </dgm:varLst>
+        <dgm:alg type="tx"/>
+        <dgm:shape xmlns:r="http://schemas.openxmlformats.org/officeDocument/2006/relationships" type="roundRect" r:blip="">
+          <dgm:adjLst>
+            <dgm:adj idx="1" val="0.1"/>
+          </dgm:adjLst>
+        </dgm:shape>
+        <dgm:presOf axis="desOrSelf" ptType="node"/>
+        <dgm:constrLst>
+          <dgm:constr type="h" refType="w" fact="0.5"/>
+          <dgm:constr type="tMarg" refType="primFontSz" fact="0.3"/>
+          <dgm:constr type="bMarg" refType="primFontSz" fact="0.3"/>
+          <dgm:constr type="lMarg" refType="primFontSz" fact="0.3"/>
+          <dgm:constr type="rMarg" refType="primFontSz" fact="0.3"/>
+        </dgm:constrLst>
+        <dgm:ruleLst>
+          <dgm:rule type="primFontSz" val="5" fact="NaN" max="NaN"/>
+        </dgm:ruleLst>
+      </dgm:layoutNode>
+      <dgm:choose name="Name4">
+        <dgm:if name="Name5" axis="par ch" ptType="doc node" func="cnt" op="gt" val="1">
+          <dgm:forEach name="sibTransForEach" axis="followSib" ptType="sibTrans" hideLastTrans="0" cnt="1">
+            <dgm:layoutNode name="sibTrans">
+              <dgm:choose name="Name6">
+                <dgm:if name="Name7" axis="par ch" ptType="doc node" func="posEven" op="equ" val="1">
+                  <dgm:alg type="conn">
+                    <dgm:param type="begPts" val="radial"/>
+                    <dgm:param type="endPts" val="radial"/>
+                    <dgm:param type="begSty" val="arr"/>
+                    <dgm:param type="endSty" val="arr"/>
+                  </dgm:alg>
+                </dgm:if>
+                <dgm:else name="Name8">
+                  <dgm:alg type="conn">
+                    <dgm:param type="begPts" val="auto"/>
+                    <dgm:param type="endPts" val="auto"/>
+                    <dgm:param type="begSty" val="arr"/>
+                    <dgm:param type="endSty" val="arr"/>
+                  </dgm:alg>
+                </dgm:else>
+              </dgm:choose>
+              <dgm:shape xmlns:r="http://schemas.openxmlformats.org/officeDocument/2006/relationships" type="conn" r:blip="">
+                <dgm:adjLst/>
+              </dgm:shape>
+              <dgm:presOf axis="self"/>
+              <dgm:constrLst>
+                <dgm:constr type="h" refType="w" fact="0.5"/>
+                <dgm:constr type="connDist"/>
+                <dgm:constr type="begPad" refType="connDist" fact="0.1"/>
+                <dgm:constr type="endPad" refType="connDist" fact="0.1"/>
+              </dgm:constrLst>
+              <dgm:ruleLst/>
+              <dgm:layoutNode name="connectorText">
+                <dgm:alg type="tx">
+                  <dgm:param type="autoTxRot" val="grav"/>
+                </dgm:alg>
+                <dgm:shape xmlns:r="http://schemas.openxmlformats.org/officeDocument/2006/relationships" type="conn" r:blip="" hideGeom="1">
+                  <dgm:adjLst/>
+                </dgm:shape>
+                <dgm:presOf axis="self"/>
+                <dgm:constrLst>
+                  <dgm:constr type="lMarg"/>
+                  <dgm:constr type="rMarg"/>
+                  <dgm:constr type="tMarg"/>
+                  <dgm:constr type="bMarg"/>
+                </dgm:constrLst>
+                <dgm:ruleLst>
+                  <dgm:rule type="primFontSz" val="5" fact="NaN" max="NaN"/>
+                </dgm:ruleLst>
+              </dgm:layoutNode>
+            </dgm:layoutNode>
+          </dgm:forEach>
+        </dgm:if>
+        <dgm:else name="Name9"/>
+      </dgm:choose>
+    </dgm:forEach>
+  </dgm:layoutNode>
+</dgm:layoutDef>
+</file>
+
+<file path=ppt/diagrams/quickStyle1.xml><?xml version="1.0" encoding="utf-8"?>
+<dgm:styleDef xmlns:dgm="http://schemas.openxmlformats.org/drawingml/2006/diagram" xmlns:a="http://schemas.openxmlformats.org/drawingml/2006/main" uniqueId="urn:microsoft.com/office/officeart/2005/8/quickstyle/simple4">
+  <dgm:title val=""/>
+  <dgm:desc val=""/>
+  <dgm:catLst>
+    <dgm:cat type="simple" pri="10400"/>
+  </dgm:catLst>
+  <dgm:scene3d>
+    <a:camera prst="orthographicFront"/>
+    <a:lightRig rig="threePt" dir="t"/>
+  </dgm:scene3d>
+  <dgm:styleLbl name="node0">
+    <dgm:scene3d>
+      <a:camera prst="orthographicFront"/>
+      <a:lightRig rig="threePt" dir="t"/>
+    </dgm:scene3d>
+    <dgm:sp3d/>
+    <dgm:txPr/>
+    <dgm:style>
+      <a:lnRef idx="0">
+        <a:scrgbClr r="0" g="0" b="0"/>
+      </a:lnRef>
+      <a:fillRef idx="3">
+        <a:scrgbClr r="0" g="0" b="0"/>
+      </a:fillRef>
+      <a:effectRef idx="2">
+        <a:scrgbClr r="0" g="0" b="0"/>
+      </a:effectRef>
+      <a:fontRef idx="minor">
+        <a:schemeClr val="lt1"/>
+      </a:fontRef>
+    </dgm:style>
+  </dgm:styleLbl>
+  <dgm:styleLbl name="lnNode1">
+    <dgm:scene3d>
+      <a:camera prst="orthographicFront"/>
+      <a:lightRig rig="threePt" dir="t"/>
+    </dgm:scene3d>
+    <dgm:sp3d/>
+    <dgm:txPr/>
+    <dgm:style>
+      <a:lnRef idx="1">
+        <a:scrgbClr r="0" g="0" b="0"/>
+      </a:lnRef>
+      <a:fillRef idx="3">
+        <a:scrgbClr r="0" g="0" b="0"/>
+      </a:fillRef>
+      <a:effectRef idx="2">
+        <a:scrgbClr r="0" g="0" b="0"/>
+      </a:effectRef>
+      <a:fontRef idx="minor">
+        <a:schemeClr val="lt1"/>
+      </a:fontRef>
+    </dgm:style>
+  </dgm:styleLbl>
+  <dgm:styleLbl name="vennNode1">
+    <dgm:scene3d>
+      <a:camera prst="orthographicFront"/>
+      <a:lightRig rig="threePt" dir="t"/>
+    </dgm:scene3d>
+    <dgm:sp3d/>
+    <dgm:txPr/>
+    <dgm:style>
+      <a:lnRef idx="0">
+        <a:scrgbClr r="0" g="0" b="0"/>
+      </a:lnRef>
+      <a:fillRef idx="3">
+        <a:scrgbClr r="0" g="0" b="0"/>
+      </a:fillRef>
+      <a:effectRef idx="0">
+        <a:scrgbClr r="0" g="0" b="0"/>
+      </a:effectRef>
+      <a:fontRef idx="minor">
+        <a:schemeClr val="tx1"/>
+      </a:fontRef>
+    </dgm:style>
+  </dgm:styleLbl>
+  <dgm:styleLbl name="alignNode1">
+    <dgm:scene3d>
+      <a:camera prst="orthographicFront"/>
+      <a:lightRig rig="threePt" dir="t"/>
+    </dgm:scene3d>
+    <dgm:sp3d/>
+    <dgm:txPr/>
+    <dgm:style>
+      <a:lnRef idx="1">
+        <a:scrgbClr r="0" g="0" b="0"/>
+      </a:lnRef>
+      <a:fillRef idx="3">
+        <a:scrgbClr r="0" g="0" b="0"/>
+      </a:fillRef>
+      <a:effectRef idx="2">
+        <a:scrgbClr r="0" g="0" b="0"/>
+      </a:effectRef>
+      <a:fontRef idx="minor">
+        <a:schemeClr val="lt1"/>
+      </a:fontRef>
+    </dgm:style>
+  </dgm:styleLbl>
+  <dgm:styleLbl name="node1">
+    <dgm:scene3d>
+      <a:camera prst="orthographicFront"/>
+      <a:lightRig rig="threePt" dir="t"/>
+    </dgm:scene3d>
+    <dgm:sp3d/>
+    <dgm:txPr/>
+    <dgm:style>
+      <a:lnRef idx="0">
+        <a:scrgbClr r="0" g="0" b="0"/>
+      </a:lnRef>
+      <a:fillRef idx="3">
+        <a:scrgbClr r="0" g="0" b="0"/>
+      </a:fillRef>
+      <a:effectRef idx="2">
+        <a:scrgbClr r="0" g="0" b="0"/>
+      </a:effectRef>
+      <a:fontRef idx="minor">
+        <a:schemeClr val="lt1"/>
+      </a:fontRef>
+    </dgm:style>
+  </dgm:styleLbl>
+  <dgm:styleLbl name="node2">
+    <dgm:scene3d>
+      <a:camera prst="orthographicFront"/>
+      <a:lightRig rig="threePt" dir="t"/>
+    </dgm:scene3d>
+    <dgm:sp3d/>
+    <dgm:txPr/>
+    <dgm:style>
+      <a:lnRef idx="0">
+        <a:scrgbClr r="0" g="0" b="0"/>
+      </a:lnRef>
+      <a:fillRef idx="3">
+        <a:scrgbClr r="0" g="0" b="0"/>
+      </a:fillRef>
+      <a:effectRef idx="2">
+        <a:scrgbClr r="0" g="0" b="0"/>
+      </a:effectRef>
+      <a:fontRef idx="minor">
+        <a:schemeClr val="lt1"/>
+      </a:fontRef>
+    </dgm:style>
+  </dgm:styleLbl>
+  <dgm:styleLbl name="node3">
+    <dgm:scene3d>
+      <a:camera prst="orthographicFront"/>
+      <a:lightRig rig="threePt" dir="t"/>
+    </dgm:scene3d>
+    <dgm:sp3d/>
+    <dgm:txPr/>
+    <dgm:style>
+      <a:lnRef idx="0">
+        <a:scrgbClr r="0" g="0" b="0"/>
+      </a:lnRef>
+      <a:fillRef idx="3">
+        <a:scrgbClr r="0" g="0" b="0"/>
+      </a:fillRef>
+      <a:effectRef idx="2">
+        <a:scrgbClr r="0" g="0" b="0"/>
+      </a:effectRef>
+      <a:fontRef idx="minor">
+        <a:schemeClr val="lt1"/>
+      </a:fontRef>
+    </dgm:style>
+  </dgm:styleLbl>
+  <dgm:styleLbl name="node4">
+    <dgm:scene3d>
+      <a:camera prst="orthographicFront"/>
+      <a:lightRig rig="threePt" dir="t"/>
+    </dgm:scene3d>
+    <dgm:sp3d/>
+    <dgm:txPr/>
+    <dgm:style>
+      <a:lnRef idx="0">
+        <a:scrgbClr r="0" g="0" b="0"/>
+      </a:lnRef>
+      <a:fillRef idx="3">
+        <a:scrgbClr r="0" g="0" b="0"/>
+      </a:fillRef>
+      <a:effectRef idx="2">
+        <a:scrgbClr r="0" g="0" b="0"/>
+      </a:effectRef>
+      <a:fontRef idx="minor">
+        <a:schemeClr val="lt1"/>
+      </a:fontRef>
+    </dgm:style>
+  </dgm:styleLbl>
+  <dgm:styleLbl name="fgImgPlace1">
+    <dgm:scene3d>
+      <a:camera prst="orthographicFront"/>
+      <a:lightRig rig="threePt" dir="t"/>
+    </dgm:scene3d>
+    <dgm:sp3d/>
+    <dgm:txPr/>
+    <dgm:style>
+      <a:lnRef idx="0">
+        <a:scrgbClr r="0" g="0" b="0"/>
+      </a:lnRef>
+      <a:fillRef idx="1">
+        <a:scrgbClr r="0" g="0" b="0"/>
+      </a:fillRef>
+      <a:effectRef idx="2">
+        <a:scrgbClr r="0" g="0" b="0"/>
+      </a:effectRef>
+      <a:fontRef idx="minor"/>
+    </dgm:style>
+  </dgm:styleLbl>
+  <dgm:styleLbl name="alignImgPlace1">
+    <dgm:scene3d>
+      <a:camera prst="orthographicFront"/>
+      <a:lightRig rig="threePt" dir="t"/>
+    </dgm:scene3d>
+    <dgm:sp3d/>
+    <dgm:txPr/>
+    <dgm:style>
+      <a:lnRef idx="0">
+        <a:scrgbClr r="0" g="0" b="0"/>
+      </a:lnRef>
+      <a:fillRef idx="1">
+        <a:scrgbClr r="0" g="0" b="0"/>
+      </a:fillRef>
+      <a:effectRef idx="2">
+        <a:scrgbClr r="0" g="0" b="0"/>
+      </a:effectRef>
+      <a:fontRef idx="minor"/>
+    </dgm:style>
+  </dgm:styleLbl>
+  <dgm:styleLbl name="bgImgPlace1">
+    <dgm:scene3d>
+      <a:camera prst="orthographicFront"/>
+      <a:lightRig rig="threePt" dir="t"/>
+    </dgm:scene3d>
+    <dgm:sp3d/>
+    <dgm:txPr/>
+    <dgm:style>
+      <a:lnRef idx="0">
+        <a:scrgbClr r="0" g="0" b="0"/>
+      </a:lnRef>
+      <a:fillRef idx="1">
+        <a:scrgbClr r="0" g="0" b="0"/>
+      </a:fillRef>
+      <a:effectRef idx="2">
+        <a:scrgbClr r="0" g="0" b="0"/>
+      </a:effectRef>
+      <a:fontRef idx="minor"/>
+    </dgm:style>
+  </dgm:styleLbl>
+  <dgm:styleLbl name="sibTrans2D1">
+    <dgm:scene3d>
+      <a:camera prst="orthographicFront"/>
+      <a:lightRig rig="threePt" dir="t"/>
+    </dgm:scene3d>
+    <dgm:sp3d/>
+    <dgm:txPr/>
+    <dgm:style>
+      <a:lnRef idx="0">
+        <a:scrgbClr r="0" g="0" b="0"/>
+      </a:lnRef>
+      <a:fillRef idx="3">
+        <a:scrgbClr r="0" g="0" b="0"/>
+      </a:fillRef>
+      <a:effectRef idx="2">
+        <a:scrgbClr r="0" g="0" b="0"/>
+      </a:effectRef>
+      <a:fontRef idx="minor">
+        <a:schemeClr val="lt1"/>
+      </a:fontRef>
+    </dgm:style>
+  </dgm:styleLbl>
+  <dgm:styleLbl name="fgSibTrans2D1">
+    <dgm:scene3d>
+      <a:camera prst="orthographicFront"/>
+      <a:lightRig rig="threePt" dir="t"/>
+    </dgm:scene3d>
+    <dgm:sp3d/>
+    <dgm:txPr/>
+    <dgm:style>
+      <a:lnRef idx="0">
+        <a:scrgbClr r="0" g="0" b="0"/>
+      </a:lnRef>
+      <a:fillRef idx="3">
+        <a:scrgbClr r="0" g="0" b="0"/>
+      </a:fillRef>
+      <a:effectRef idx="2">
+        <a:scrgbClr r="0" g="0" b="0"/>
+      </a:effectRef>
+      <a:fontRef idx="minor">
+        <a:schemeClr val="lt1"/>
+      </a:fontRef>
+    </dgm:style>
+  </dgm:styleLbl>
+  <dgm:styleLbl name="bgSibTrans2D1">
+    <dgm:scene3d>
+      <a:camera prst="orthographicFront"/>
+      <a:lightRig rig="threePt" dir="t"/>
+    </dgm:scene3d>
+    <dgm:sp3d/>
+    <dgm:txPr/>
+    <dgm:style>
+      <a:lnRef idx="0">
+        <a:scrgbClr r="0" g="0" b="0"/>
+      </a:lnRef>
+      <a:fillRef idx="3">
+        <a:scrgbClr r="0" g="0" b="0"/>
+      </a:fillRef>
+      <a:effectRef idx="2">
+        <a:scrgbClr r="0" g="0" b="0"/>
+      </a:effectRef>
+      <a:fontRef idx="minor">
+        <a:schemeClr val="lt1"/>
+      </a:fontRef>
+    </dgm:style>
+  </dgm:styleLbl>
+  <dgm:styleLbl name="sibTrans1D1">
+    <dgm:scene3d>
+      <a:camera prst="orthographicFront"/>
+      <a:lightRig rig="threePt" dir="t"/>
+    </dgm:scene3d>
+    <dgm:sp3d/>
+    <dgm:txPr/>
+    <dgm:style>
+      <a:lnRef idx="1">
+        <a:scrgbClr r="0" g="0" b="0"/>
+      </a:lnRef>
+      <a:fillRef idx="0">
+        <a:scrgbClr r="0" g="0" b="0"/>
+      </a:fillRef>
+      <a:effectRef idx="0">
+        <a:scrgbClr r="0" g="0" b="0"/>
+      </a:effectRef>
+      <a:fontRef idx="minor"/>
+    </dgm:style>
+  </dgm:styleLbl>
+  <dgm:styleLbl name="callout">
+    <dgm:scene3d>
+      <a:camera prst="orthographicFront"/>
+      <a:lightRig rig="threePt" dir="t"/>
+    </dgm:scene3d>
+    <dgm:sp3d/>
+    <dgm:txPr/>
+    <dgm:style>
+      <a:lnRef idx="2">
+        <a:scrgbClr r="0" g="0" b="0"/>
+      </a:lnRef>
+      <a:fillRef idx="1">
+        <a:scrgbClr r="0" g="0" b="0"/>
+      </a:fillRef>
+      <a:effectRef idx="1">
+        <a:scrgbClr r="0" g="0" b="0"/>
+      </a:effectRef>
+      <a:fontRef idx="minor"/>
+    </dgm:style>
+  </dgm:styleLbl>
+  <dgm:styleLbl name="asst0">
+    <dgm:scene3d>
+      <a:camera prst="orthographicFront"/>
+      <a:lightRig rig="threePt" dir="t"/>
+    </dgm:scene3d>
+    <dgm:sp3d/>
+    <dgm:txPr/>
+    <dgm:style>
+      <a:lnRef idx="0">
+        <a:scrgbClr r="0" g="0" b="0"/>
+      </a:lnRef>
+      <a:fillRef idx="3">
+        <a:scrgbClr r="0" g="0" b="0"/>
+      </a:fillRef>
+      <a:effectRef idx="2">
+        <a:scrgbClr r="0" g="0" b="0"/>
+      </a:effectRef>
+      <a:fontRef idx="minor">
+        <a:schemeClr val="lt1"/>
+      </a:fontRef>
+    </dgm:style>
+  </dgm:styleLbl>
+  <dgm:styleLbl name="asst1">
+    <dgm:scene3d>
+      <a:camera prst="orthographicFront"/>
+      <a:lightRig rig="threePt" dir="t"/>
+    </dgm:scene3d>
+    <dgm:sp3d/>
+    <dgm:txPr/>
+    <dgm:style>
+      <a:lnRef idx="0">
+        <a:scrgbClr r="0" g="0" b="0"/>
+      </a:lnRef>
+      <a:fillRef idx="3">
+        <a:scrgbClr r="0" g="0" b="0"/>
+      </a:fillRef>
+      <a:effectRef idx="2">
+        <a:scrgbClr r="0" g="0" b="0"/>
+      </a:effectRef>
+      <a:fontRef idx="minor">
+        <a:schemeClr val="lt1"/>
+      </a:fontRef>
+    </dgm:style>
+  </dgm:styleLbl>
+  <dgm:styleLbl name="asst2">
+    <dgm:scene3d>
+      <a:camera prst="orthographicFront"/>
+      <a:lightRig rig="threePt" dir="t"/>
+    </dgm:scene3d>
+    <dgm:sp3d/>
+    <dgm:txPr/>
+    <dgm:style>
+      <a:lnRef idx="0">
+        <a:scrgbClr r="0" g="0" b="0"/>
+      </a:lnRef>
+      <a:fillRef idx="3">
+        <a:scrgbClr r="0" g="0" b="0"/>
+      </a:fillRef>
+      <a:effectRef idx="2">
+        <a:scrgbClr r="0" g="0" b="0"/>
+      </a:effectRef>
+      <a:fontRef idx="minor">
+        <a:schemeClr val="lt1"/>
+      </a:fontRef>
+    </dgm:style>
+  </dgm:styleLbl>
+  <dgm:styleLbl name="asst3">
+    <dgm:scene3d>
+      <a:camera prst="orthographicFront"/>
+      <a:lightRig rig="threePt" dir="t"/>
+    </dgm:scene3d>
+    <dgm:sp3d/>
+    <dgm:txPr/>
+    <dgm:style>
+      <a:lnRef idx="0">
+        <a:scrgbClr r="0" g="0" b="0"/>
+      </a:lnRef>
+      <a:fillRef idx="3">
+        <a:scrgbClr r="0" g="0" b="0"/>
+      </a:fillRef>
+      <a:effectRef idx="2">
+        <a:scrgbClr r="0" g="0" b="0"/>
+      </a:effectRef>
+      <a:fontRef idx="minor">
+        <a:schemeClr val="lt1"/>
+      </a:fontRef>
+    </dgm:style>
+  </dgm:styleLbl>
+  <dgm:styleLbl name="asst4">
+    <dgm:scene3d>
+      <a:camera prst="orthographicFront"/>
+      <a:lightRig rig="threePt" dir="t"/>
+    </dgm:scene3d>
+    <dgm:sp3d/>
+    <dgm:txPr/>
+    <dgm:style>
+      <a:lnRef idx="0">
+        <a:scrgbClr r="0" g="0" b="0"/>
+      </a:lnRef>
+      <a:fillRef idx="3">
+        <a:scrgbClr r="0" g="0" b="0"/>
+      </a:fillRef>
+      <a:effectRef idx="2">
+        <a:scrgbClr r="0" g="0" b="0"/>
+      </a:effectRef>
+      <a:fontRef idx="minor">
+        <a:schemeClr val="lt1"/>
+      </a:fontRef>
+    </dgm:style>
+  </dgm:styleLbl>
+  <dgm:styleLbl name="parChTrans2D1">
+    <dgm:scene3d>
+      <a:camera prst="orthographicFront"/>
+      <a:lightRig rig="threePt" dir="t"/>
+    </dgm:scene3d>
+    <dgm:sp3d/>
+    <dgm:txPr/>
+    <dgm:style>
+      <a:lnRef idx="0">
+        <a:scrgbClr r="0" g="0" b="0"/>
+      </a:lnRef>
+      <a:fillRef idx="3">
+        <a:scrgbClr r="0" g="0" b="0"/>
+      </a:fillRef>
+      <a:effectRef idx="2">
+        <a:scrgbClr r="0" g="0" b="0"/>
+      </a:effectRef>
+      <a:fontRef idx="minor">
+        <a:schemeClr val="lt1"/>
+      </a:fontRef>
+    </dgm:style>
+  </dgm:styleLbl>
+  <dgm:styleLbl name="parChTrans2D2">
+    <dgm:scene3d>
+      <a:camera prst="orthographicFront"/>
+      <a:lightRig rig="threePt" dir="t"/>
+    </dgm:scene3d>
+    <dgm:sp3d/>
+    <dgm:txPr/>
+    <dgm:style>
+      <a:lnRef idx="0">
+        <a:scrgbClr r="0" g="0" b="0"/>
+      </a:lnRef>
+      <a:fillRef idx="3">
+        <a:scrgbClr r="0" g="0" b="0"/>
+      </a:fillRef>
+      <a:effectRef idx="2">
+        <a:scrgbClr r="0" g="0" b="0"/>
+      </a:effectRef>
+      <a:fontRef idx="minor">
+        <a:schemeClr val="lt1"/>
+      </a:fontRef>
+    </dgm:style>
+  </dgm:styleLbl>
+  <dgm:styleLbl name="parChTrans2D3">
+    <dgm:scene3d>
+      <a:camera prst="orthographicFront"/>
+      <a:lightRig rig="threePt" dir="t"/>
+    </dgm:scene3d>
+    <dgm:sp3d/>
+    <dgm:txPr/>
+    <dgm:style>
+      <a:lnRef idx="1">
+        <a:scrgbClr r="0" g="0" b="0"/>
+      </a:lnRef>
+      <a:fillRef idx="3">
+        <a:scrgbClr r="0" g="0" b="0"/>
+      </a:fillRef>
+      <a:effectRef idx="2">
+        <a:scrgbClr r="0" g="0" b="0"/>
+      </a:effectRef>
+      <a:fontRef idx="minor">
+        <a:schemeClr val="lt1"/>
+      </a:fontRef>
+    </dgm:style>
+  </dgm:styleLbl>
+  <dgm:styleLbl name="parChTrans2D4">
+    <dgm:scene3d>
+      <a:camera prst="orthographicFront"/>
+      <a:lightRig rig="threePt" dir="t"/>
+    </dgm:scene3d>
+    <dgm:sp3d/>
+    <dgm:txPr/>
+    <dgm:style>
+      <a:lnRef idx="1">
+        <a:scrgbClr r="0" g="0" b="0"/>
+      </a:lnRef>
+      <a:fillRef idx="3">
+        <a:scrgbClr r="0" g="0" b="0"/>
+      </a:fillRef>
+      <a:effectRef idx="2">
+        <a:scrgbClr r="0" g="0" b="0"/>
+      </a:effectRef>
+      <a:fontRef idx="minor">
+        <a:schemeClr val="lt1"/>
+      </a:fontRef>
+    </dgm:style>
+  </dgm:styleLbl>
+  <dgm:styleLbl name="parChTrans1D1">
+    <dgm:scene3d>
+      <a:camera prst="orthographicFront"/>
+      <a:lightRig rig="threePt" dir="t"/>
+    </dgm:scene3d>
+    <dgm:sp3d/>
+    <dgm:txPr/>
+    <dgm:style>
+      <a:lnRef idx="1">
+        <a:scrgbClr r="0" g="0" b="0"/>
+      </a:lnRef>
+      <a:fillRef idx="0">
+        <a:scrgbClr r="0" g="0" b="0"/>
+      </a:fillRef>
+      <a:effectRef idx="0">
+        <a:scrgbClr r="0" g="0" b="0"/>
+      </a:effectRef>
+      <a:fontRef idx="minor"/>
+    </dgm:style>
+  </dgm:styleLbl>
+  <dgm:styleLbl name="parChTrans1D2">
+    <dgm:scene3d>
+      <a:camera prst="orthographicFront"/>
+      <a:lightRig rig="threePt" dir="t"/>
+    </dgm:scene3d>
+    <dgm:sp3d/>
+    <dgm:txPr/>
+    <dgm:style>
+      <a:lnRef idx="1">
+        <a:scrgbClr r="0" g="0" b="0"/>
+      </a:lnRef>
+      <a:fillRef idx="0">
+        <a:scrgbClr r="0" g="0" b="0"/>
+      </a:fillRef>
+      <a:effectRef idx="0">
+        <a:scrgbClr r="0" g="0" b="0"/>
+      </a:effectRef>
+      <a:fontRef idx="minor"/>
+    </dgm:style>
+  </dgm:styleLbl>
+  <dgm:styleLbl name="parChTrans1D3">
+    <dgm:scene3d>
+      <a:camera prst="orthographicFront"/>
+      <a:lightRig rig="threePt" dir="t"/>
+    </dgm:scene3d>
+    <dgm:sp3d/>
+    <dgm:txPr/>
+    <dgm:style>
+      <a:lnRef idx="1">
+        <a:scrgbClr r="0" g="0" b="0"/>
+      </a:lnRef>
+      <a:fillRef idx="0">
+        <a:scrgbClr r="0" g="0" b="0"/>
+      </a:fillRef>
+      <a:effectRef idx="0">
+        <a:scrgbClr r="0" g="0" b="0"/>
+      </a:effectRef>
+      <a:fontRef idx="minor"/>
+    </dgm:style>
+  </dgm:styleLbl>
+  <dgm:styleLbl name="parChTrans1D4">
+    <dgm:scene3d>
+      <a:camera prst="orthographicFront"/>
+      <a:lightRig rig="threePt" dir="t"/>
+    </dgm:scene3d>
+    <dgm:sp3d/>
+    <dgm:txPr/>
+    <dgm:style>
+      <a:lnRef idx="1">
+        <a:scrgbClr r="0" g="0" b="0"/>
+      </a:lnRef>
+      <a:fillRef idx="0">
+        <a:scrgbClr r="0" g="0" b="0"/>
+      </a:fillRef>
+      <a:effectRef idx="0">
+        <a:scrgbClr r="0" g="0" b="0"/>
+      </a:effectRef>
+      <a:fontRef idx="minor"/>
+    </dgm:style>
+  </dgm:styleLbl>
+  <dgm:styleLbl name="fgAcc1">
+    <dgm:scene3d>
+      <a:camera prst="orthographicFront"/>
+      <a:lightRig rig="threePt" dir="t"/>
+    </dgm:scene3d>
+    <dgm:sp3d/>
+    <dgm:txPr/>
+    <dgm:style>
+      <a:lnRef idx="1">
+        <a:scrgbClr r="0" g="0" b="0"/>
+      </a:lnRef>
+      <a:fillRef idx="1">
+        <a:scrgbClr r="0" g="0" b="0"/>
+      </a:fillRef>
+      <a:effectRef idx="0">
+        <a:scrgbClr r="0" g="0" b="0"/>
+      </a:effectRef>
+      <a:fontRef idx="minor"/>
+    </dgm:style>
+  </dgm:styleLbl>
+  <dgm:styleLbl name="conFgAcc1">
+    <dgm:scene3d>
+      <a:camera prst="orthographicFront"/>
+      <a:lightRig rig="threePt" dir="t"/>
+    </dgm:scene3d>
+    <dgm:sp3d/>
+    <dgm:txPr/>
+    <dgm:style>
+      <a:lnRef idx="1">
+        <a:scrgbClr r="0" g="0" b="0"/>
+      </a:lnRef>
+      <a:fillRef idx="1">
+        <a:scrgbClr r="0" g="0" b="0"/>
+      </a:fillRef>
+      <a:effectRef idx="0">
+        <a:scrgbClr r="0" g="0" b="0"/>
+      </a:effectRef>
+      <a:fontRef idx="minor"/>
+    </dgm:style>
+  </dgm:styleLbl>
+  <dgm:styleLbl name="alignAcc1">
+    <dgm:scene3d>
+      <a:camera prst="orthographicFront"/>
+      <a:lightRig rig="threePt" dir="t"/>
+    </dgm:scene3d>
+    <dgm:sp3d/>
+    <dgm:txPr/>
+    <dgm:style>
+      <a:lnRef idx="1">
+        <a:scrgbClr r="0" g="0" b="0"/>
+      </a:lnRef>
+      <a:fillRef idx="1">
+        <a:scrgbClr r="0" g="0" b="0"/>
+      </a:fillRef>
+      <a:effectRef idx="0">
+        <a:scrgbClr r="0" g="0" b="0"/>
+      </a:effectRef>
+      <a:fontRef idx="minor"/>
+    </dgm:style>
+  </dgm:styleLbl>
+  <dgm:styleLbl name="trAlignAcc1">
+    <dgm:scene3d>
+      <a:camera prst="orthographicFront"/>
+      <a:lightRig rig="threePt" dir="t"/>
+    </dgm:scene3d>
+    <dgm:sp3d/>
+    <dgm:txPr/>
+    <dgm:style>
+      <a:lnRef idx="1">
+        <a:scrgbClr r="0" g="0" b="0"/>
+      </a:lnRef>
+      <a:fillRef idx="1">
+        <a:scrgbClr r="0" g="0" b="0"/>
+      </a:fillRef>
+      <a:effectRef idx="0">
+        <a:scrgbClr r="0" g="0" b="0"/>
+      </a:effectRef>
+      <a:fontRef idx="minor"/>
+    </dgm:style>
+  </dgm:styleLbl>
+  <dgm:styleLbl name="bgAcc1">
+    <dgm:scene3d>
+      <a:camera prst="orthographicFront"/>
+      <a:lightRig rig="threePt" dir="t"/>
+    </dgm:scene3d>
+    <dgm:sp3d/>
+    <dgm:txPr/>
+    <dgm:style>
+      <a:lnRef idx="1">
+        <a:scrgbClr r="0" g="0" b="0"/>
+      </a:lnRef>
+      <a:fillRef idx="1">
+        <a:scrgbClr r="0" g="0" b="0"/>
+      </a:fillRef>
+      <a:effectRef idx="0">
+        <a:scrgbClr r="0" g="0" b="0"/>
+      </a:effectRef>
+      <a:fontRef idx="minor"/>
+    </dgm:style>
+  </dgm:styleLbl>
+  <dgm:styleLbl name="solidFgAcc1">
+    <dgm:scene3d>
+      <a:camera prst="orthographicFront"/>
+      <a:lightRig rig="threePt" dir="t"/>
+    </dgm:scene3d>
+    <dgm:sp3d/>
+    <dgm:txPr/>
+    <dgm:style>
+      <a:lnRef idx="1">
+        <a:scrgbClr r="0" g="0" b="0"/>
+      </a:lnRef>
+      <a:fillRef idx="1">
+        <a:scrgbClr r="0" g="0" b="0"/>
+      </a:fillRef>
+      <a:effectRef idx="0">
+        <a:scrgbClr r="0" g="0" b="0"/>
+      </a:effectRef>
+      <a:fontRef idx="minor"/>
+    </dgm:style>
+  </dgm:styleLbl>
+  <dgm:styleLbl name="solidAlignAcc1">
+    <dgm:scene3d>
+      <a:camera prst="orthographicFront"/>
+      <a:lightRig rig="threePt" dir="t"/>
+    </dgm:scene3d>
+    <dgm:sp3d/>
+    <dgm:txPr/>
+    <dgm:style>
+      <a:lnRef idx="1">
+        <a:scrgbClr r="0" g="0" b="0"/>
+      </a:lnRef>
+      <a:fillRef idx="1">
+        <a:scrgbClr r="0" g="0" b="0"/>
+      </a:fillRef>
+      <a:effectRef idx="0">
+        <a:scrgbClr r="0" g="0" b="0"/>
+      </a:effectRef>
+      <a:fontRef idx="minor"/>
+    </dgm:style>
+  </dgm:styleLbl>
+  <dgm:styleLbl name="solidBgAcc1">
+    <dgm:scene3d>
+      <a:camera prst="orthographicFront"/>
+      <a:lightRig rig="threePt" dir="t"/>
+    </dgm:scene3d>
+    <dgm:sp3d/>
+    <dgm:txPr/>
+    <dgm:style>
+      <a:lnRef idx="1">
+        <a:scrgbClr r="0" g="0" b="0"/>
+      </a:lnRef>
+      <a:fillRef idx="1">
+        <a:scrgbClr r="0" g="0" b="0"/>
+      </a:fillRef>
+      <a:effectRef idx="0">
+        <a:scrgbClr r="0" g="0" b="0"/>
+      </a:effectRef>
+      <a:fontRef idx="minor"/>
+    </dgm:style>
+  </dgm:styleLbl>
+  <dgm:styleLbl name="fgAccFollowNode1">
+    <dgm:scene3d>
+      <a:camera prst="orthographicFront"/>
+      <a:lightRig rig="threePt" dir="t"/>
+    </dgm:scene3d>
+    <dgm:sp3d/>
+    <dgm:txPr/>
+    <dgm:style>
+      <a:lnRef idx="1">
+        <a:scrgbClr r="0" g="0" b="0"/>
+      </a:lnRef>
+      <a:fillRef idx="1">
+        <a:scrgbClr r="0" g="0" b="0"/>
+      </a:fillRef>
+      <a:effectRef idx="0">
+        <a:scrgbClr r="0" g="0" b="0"/>
+      </a:effectRef>
+      <a:fontRef idx="minor"/>
+    </dgm:style>
+  </dgm:styleLbl>
+  <dgm:styleLbl name="alignAccFollowNode1">
+    <dgm:scene3d>
+      <a:camera prst="orthographicFront"/>
+      <a:lightRig rig="threePt" dir="t"/>
+    </dgm:scene3d>
+    <dgm:sp3d/>
+    <dgm:txPr/>
+    <dgm:style>
+      <a:lnRef idx="1">
+        <a:scrgbClr r="0" g="0" b="0"/>
+      </a:lnRef>
+      <a:fillRef idx="1">
+        <a:scrgbClr r="0" g="0" b="0"/>
+      </a:fillRef>
+      <a:effectRef idx="0">
+        <a:scrgbClr r="0" g="0" b="0"/>
+      </a:effectRef>
+      <a:fontRef idx="minor"/>
+    </dgm:style>
+  </dgm:styleLbl>
+  <dgm:styleLbl name="bgAccFollowNode1">
+    <dgm:scene3d>
+      <a:camera prst="orthographicFront"/>
+      <a:lightRig rig="threePt" dir="t"/>
+    </dgm:scene3d>
+    <dgm:sp3d/>
+    <dgm:txPr/>
+    <dgm:style>
+      <a:lnRef idx="1">
+        <a:scrgbClr r="0" g="0" b="0"/>
+      </a:lnRef>
+      <a:fillRef idx="1">
+        <a:scrgbClr r="0" g="0" b="0"/>
+      </a:fillRef>
+      <a:effectRef idx="0">
+        <a:scrgbClr r="0" g="0" b="0"/>
+      </a:effectRef>
+      <a:fontRef idx="minor"/>
+    </dgm:style>
+  </dgm:styleLbl>
+  <dgm:styleLbl name="fgAcc0">
+    <dgm:scene3d>
+      <a:camera prst="orthographicFront"/>
+      <a:lightRig rig="threePt" dir="t"/>
+    </dgm:scene3d>
+    <dgm:sp3d/>
+    <dgm:txPr/>
+    <dgm:style>
+      <a:lnRef idx="1">
+        <a:scrgbClr r="0" g="0" b="0"/>
+      </a:lnRef>
+      <a:fillRef idx="1">
+        <a:scrgbClr r="0" g="0" b="0"/>
+      </a:fillRef>
+      <a:effectRef idx="0">
+        <a:scrgbClr r="0" g="0" b="0"/>
+      </a:effectRef>
+      <a:fontRef idx="minor"/>
+    </dgm:style>
+  </dgm:styleLbl>
+  <dgm:styleLbl name="fgAcc2">
+    <dgm:scene3d>
+      <a:camera prst="orthographicFront"/>
+      <a:lightRig rig="threePt" dir="t"/>
+    </dgm:scene3d>
+    <dgm:sp3d/>
+    <dgm:txPr/>
+    <dgm:style>
+      <a:lnRef idx="1">
+        <a:scrgbClr r="0" g="0" b="0"/>
+      </a:lnRef>
+      <a:fillRef idx="1">
+        <a:scrgbClr r="0" g="0" b="0"/>
+      </a:fillRef>
+      <a:effectRef idx="0">
+        <a:scrgbClr r="0" g="0" b="0"/>
+      </a:effectRef>
+      <a:fontRef idx="minor"/>
+    </dgm:style>
+  </dgm:styleLbl>
+  <dgm:styleLbl name="fgAcc3">
+    <dgm:scene3d>
+      <a:camera prst="orthographicFront"/>
+      <a:lightRig rig="threePt" dir="t"/>
+    </dgm:scene3d>
+    <dgm:sp3d/>
+    <dgm:txPr/>
+    <dgm:style>
+      <a:lnRef idx="1">
+        <a:scrgbClr r="0" g="0" b="0"/>
+      </a:lnRef>
+      <a:fillRef idx="1">
+        <a:scrgbClr r="0" g="0" b="0"/>
+      </a:fillRef>
+      <a:effectRef idx="0">
+        <a:scrgbClr r="0" g="0" b="0"/>
+      </a:effectRef>
+      <a:fontRef idx="minor"/>
+    </dgm:style>
+  </dgm:styleLbl>
+  <dgm:styleLbl name="fgAcc4">
+    <dgm:scene3d>
+      <a:camera prst="orthographicFront"/>
+      <a:lightRig rig="threePt" dir="t"/>
+    </dgm:scene3d>
+    <dgm:sp3d/>
+    <dgm:txPr/>
+    <dgm:style>
+      <a:lnRef idx="1">
+        <a:scrgbClr r="0" g="0" b="0"/>
+      </a:lnRef>
+      <a:fillRef idx="1">
+        <a:scrgbClr r="0" g="0" b="0"/>
+      </a:fillRef>
+      <a:effectRef idx="0">
+        <a:scrgbClr r="0" g="0" b="0"/>
+      </a:effectRef>
+      <a:fontRef idx="minor"/>
+    </dgm:style>
+  </dgm:styleLbl>
+  <dgm:styleLbl name="bgShp">
+    <dgm:scene3d>
+      <a:camera prst="orthographicFront"/>
+      <a:lightRig rig="threePt" dir="t"/>
+    </dgm:scene3d>
+    <dgm:sp3d/>
+    <dgm:txPr/>
+    <dgm:style>
+      <a:lnRef idx="0">
+        <a:scrgbClr r="0" g="0" b="0"/>
+      </a:lnRef>
+      <a:fillRef idx="1">
+        <a:scrgbClr r="0" g="0" b="0"/>
+      </a:fillRef>
+      <a:effectRef idx="2">
+        <a:scrgbClr r="0" g="0" b="0"/>
+      </a:effectRef>
+      <a:fontRef idx="minor"/>
+    </dgm:style>
+  </dgm:styleLbl>
+  <dgm:styleLbl name="dkBgShp">
+    <dgm:scene3d>
+      <a:camera prst="orthographicFront"/>
+      <a:lightRig rig="threePt" dir="t"/>
+    </dgm:scene3d>
+    <dgm:sp3d/>
+    <dgm:txPr/>
+    <dgm:style>
+      <a:lnRef idx="0">
+        <a:scrgbClr r="0" g="0" b="0"/>
+      </a:lnRef>
+      <a:fillRef idx="1">
+        <a:scrgbClr r="0" g="0" b="0"/>
+      </a:fillRef>
+      <a:effectRef idx="2">
+        <a:scrgbClr r="0" g="0" b="0"/>
+      </a:effectRef>
+      <a:fontRef idx="minor"/>
+    </dgm:style>
+  </dgm:styleLbl>
+  <dgm:styleLbl name="trBgShp">
+    <dgm:scene3d>
+      <a:camera prst="orthographicFront"/>
+      <a:lightRig rig="threePt" dir="t"/>
+    </dgm:scene3d>
+    <dgm:sp3d/>
+    <dgm:txPr/>
+    <dgm:style>
+      <a:lnRef idx="0">
+        <a:scrgbClr r="0" g="0" b="0"/>
+      </a:lnRef>
+      <a:fillRef idx="1">
+        <a:scrgbClr r="0" g="0" b="0"/>
+      </a:fillRef>
+      <a:effectRef idx="0">
+        <a:scrgbClr r="0" g="0" b="0"/>
+      </a:effectRef>
+      <a:fontRef idx="minor"/>
+    </dgm:style>
+  </dgm:styleLbl>
+  <dgm:styleLbl name="fgShp">
+    <dgm:scene3d>
+      <a:camera prst="orthographicFront"/>
+      <a:lightRig rig="threePt" dir="t"/>
+    </dgm:scene3d>
+    <dgm:sp3d/>
+    <dgm:txPr/>
+    <dgm:style>
+      <a:lnRef idx="0">
+        <a:scrgbClr r="0" g="0" b="0"/>
+      </a:lnRef>
+      <a:fillRef idx="3">
+        <a:scrgbClr r="0" g="0" b="0"/>
+      </a:fillRef>
+      <a:effectRef idx="2">
+        <a:scrgbClr r="0" g="0" b="0"/>
+      </a:effectRef>
+      <a:fontRef idx="minor"/>
+    </dgm:style>
+  </dgm:styleLbl>
+  <dgm:styleLbl name="revTx">
+    <dgm:scene3d>
+      <a:camera prst="orthographicFront"/>
+      <a:lightRig rig="threePt" dir="t"/>
+    </dgm:scene3d>
+    <dgm:sp3d/>
+    <dgm:txPr/>
+    <dgm:style>
+      <a:lnRef idx="0">
+        <a:scrgbClr r="0" g="0" b="0"/>
+      </a:lnRef>
+      <a:fillRef idx="0">
+        <a:scrgbClr r="0" g="0" b="0"/>
+      </a:fillRef>
+      <a:effectRef idx="0">
+        <a:scrgbClr r="0" g="0" b="0"/>
+      </a:effectRef>
+      <a:fontRef idx="minor"/>
+    </dgm:style>
+  </dgm:styleLbl>
+</dgm:styleDef>
+</file>
+
 <file path=ppt/notesMasters/notesMaster1.xml><?xml version="1.0" encoding="utf-8"?>
 <p:notesMaster xmlns:a="http://schemas.openxmlformats.org/drawingml/2006/main" xmlns:r="http://schemas.openxmlformats.org/officeDocument/2006/relationships" xmlns:p="http://schemas.openxmlformats.org/presentationml/2006/main">
   <p:cSld>
@@ -4025,7 +6582,7 @@
           <a:p>
             <a:fld id="{F4441845-50B6-45FE-AF8F-9F286F9BE4A8}" type="datetimeFigureOut">
               <a:rPr lang="en-CA" smtClean="0"/>
-              <a:t>01/05/2018</a:t>
+              <a:t>18-05-03</a:t>
             </a:fld>
             <a:endParaRPr lang="en-CA"/>
           </a:p>
@@ -4486,26 +7043,28 @@
           <a:bodyPr/>
           <a:lstStyle/>
           <a:p>
-            <a:r>
-              <a:rPr lang="en-CA" dirty="0" smtClean="0"/>
-              <a:t>Over 2-3 weeks,</a:t>
-            </a:r>
-            <a:r>
-              <a:rPr lang="en-CA" baseline="0" dirty="0" smtClean="0"/>
-              <a:t> participants listen to 8 stimuli using an online music player that records each time they listen to the songs. </a:t>
-            </a:r>
-          </a:p>
-          <a:p>
-            <a:r>
-              <a:rPr lang="en-CA" baseline="0" dirty="0" smtClean="0"/>
-              <a:t>They also come in to the lab twice a week to listen to the songs in lab (to make sure that they are at least listening to them that much) and to fill out a number of questionnaires. </a:t>
-            </a:r>
-          </a:p>
-          <a:p>
-            <a:endParaRPr lang="en-CA" baseline="0" dirty="0" smtClean="0"/>
-          </a:p>
-          <a:p>
-            <a:endParaRPr lang="en-CA" dirty="0"/>
+            <a:endParaRPr lang="en-CA"/>
+          </a:p>
+          <a:p>
+            <a:r>
+              <a:rPr lang="en-CA"/>
+              <a:t>----- Meeting Notes (18-05-03 13:27) -----</a:t>
+            </a:r>
+          </a:p>
+          <a:p>
+            <a:r>
+              <a:rPr lang="en-CA"/>
+              <a:t>Add CBS to young adults - email out to young adults</a:t>
+            </a:r>
+          </a:p>
+          <a:p>
+            <a:endParaRPr lang="en-CA"/>
+          </a:p>
+          <a:p>
+            <a:r>
+              <a:rPr lang="en-CA"/>
+              <a:t>hampshire - cbs &amp; synchrony</a:t>
+            </a:r>
           </a:p>
         </p:txBody>
       </p:sp>
@@ -4524,18 +7083,18 @@
           <a:bodyPr/>
           <a:lstStyle/>
           <a:p>
-            <a:fld id="{717BCE6A-23B2-F447-8723-4FF14C692392}" type="slidenum">
-              <a:rPr lang="en-US" smtClean="0"/>
-              <a:t>5</a:t>
+            <a:fld id="{2B2789B2-826E-41BD-B1F7-A734C17E5E7B}" type="slidenum">
+              <a:rPr lang="en-CA" smtClean="0"/>
+              <a:t>4</a:t>
             </a:fld>
-            <a:endParaRPr lang="en-US"/>
+            <a:endParaRPr lang="en-CA"/>
           </a:p>
         </p:txBody>
       </p:sp>
     </p:spTree>
     <p:extLst>
       <p:ext uri="{BB962C8B-B14F-4D97-AF65-F5344CB8AC3E}">
-        <p14:creationId xmlns:p14="http://schemas.microsoft.com/office/powerpoint/2010/main" val="1997794781"/>
+        <p14:creationId xmlns:p14="http://schemas.microsoft.com/office/powerpoint/2010/main" val="2060370308"/>
       </p:ext>
     </p:extLst>
   </p:cSld>
@@ -4591,8 +7150,23 @@
           <a:p>
             <a:r>
               <a:rPr lang="en-CA" dirty="0" smtClean="0"/>
-              <a:t>Describe what the two familiarity tests are</a:t>
-            </a:r>
+              <a:t>Over 2-3 weeks,</a:t>
+            </a:r>
+            <a:r>
+              <a:rPr lang="en-CA" baseline="0" dirty="0" smtClean="0"/>
+              <a:t> participants listen to 8 stimuli using an online music player that records each time they listen to the songs. </a:t>
+            </a:r>
+          </a:p>
+          <a:p>
+            <a:r>
+              <a:rPr lang="en-CA" baseline="0" dirty="0" smtClean="0"/>
+              <a:t>They also come in to the lab twice a week to listen to the songs in lab (to make sure that they are at least listening to them that much) and to fill out a number of questionnaires. </a:t>
+            </a:r>
+          </a:p>
+          <a:p>
+            <a:endParaRPr lang="en-CA" baseline="0" dirty="0" smtClean="0"/>
+          </a:p>
+          <a:p>
             <a:endParaRPr lang="en-CA" dirty="0"/>
           </a:p>
         </p:txBody>
@@ -4612,9 +7186,9 @@
           <a:bodyPr/>
           <a:lstStyle/>
           <a:p>
-            <a:fld id="{BA0C90E3-8C05-AF43-8579-8D2D04A296B0}" type="slidenum">
+            <a:fld id="{717BCE6A-23B2-F447-8723-4FF14C692392}" type="slidenum">
               <a:rPr lang="en-US" smtClean="0"/>
-              <a:t>6</a:t>
+              <a:t>5</a:t>
             </a:fld>
             <a:endParaRPr lang="en-US"/>
           </a:p>
@@ -4623,7 +7197,7 @@
     </p:spTree>
     <p:extLst>
       <p:ext uri="{BB962C8B-B14F-4D97-AF65-F5344CB8AC3E}">
-        <p14:creationId xmlns:p14="http://schemas.microsoft.com/office/powerpoint/2010/main" val="2051879234"/>
+        <p14:creationId xmlns:p14="http://schemas.microsoft.com/office/powerpoint/2010/main" val="1997794781"/>
       </p:ext>
     </p:extLst>
   </p:cSld>
@@ -4702,7 +7276,7 @@
           <a:p>
             <a:fld id="{BA0C90E3-8C05-AF43-8579-8D2D04A296B0}" type="slidenum">
               <a:rPr lang="en-US" smtClean="0"/>
-              <a:t>7</a:t>
+              <a:t>6</a:t>
             </a:fld>
             <a:endParaRPr lang="en-US"/>
           </a:p>
@@ -4711,7 +7285,7 @@
     </p:spTree>
     <p:extLst>
       <p:ext uri="{BB962C8B-B14F-4D97-AF65-F5344CB8AC3E}">
-        <p14:creationId xmlns:p14="http://schemas.microsoft.com/office/powerpoint/2010/main" val="3280679086"/>
+        <p14:creationId xmlns:p14="http://schemas.microsoft.com/office/powerpoint/2010/main" val="2051879234"/>
       </p:ext>
     </p:extLst>
   </p:cSld>
@@ -4765,7 +7339,11 @@
           <a:bodyPr/>
           <a:lstStyle/>
           <a:p>
-            <a:endParaRPr lang="en-US" dirty="0"/>
+            <a:r>
+              <a:rPr lang="en-CA" dirty="0" smtClean="0"/>
+              <a:t>Describe what the two familiarity tests are</a:t>
+            </a:r>
+            <a:endParaRPr lang="en-CA" dirty="0"/>
           </a:p>
         </p:txBody>
       </p:sp>
@@ -4784,9 +7362,9 @@
           <a:bodyPr/>
           <a:lstStyle/>
           <a:p>
-            <a:fld id="{717BCE6A-23B2-F447-8723-4FF14C692392}" type="slidenum">
+            <a:fld id="{BA0C90E3-8C05-AF43-8579-8D2D04A296B0}" type="slidenum">
               <a:rPr lang="en-US" smtClean="0"/>
-              <a:t>8</a:t>
+              <a:t>7</a:t>
             </a:fld>
             <a:endParaRPr lang="en-US"/>
           </a:p>
@@ -4795,7 +7373,7 @@
     </p:spTree>
     <p:extLst>
       <p:ext uri="{BB962C8B-B14F-4D97-AF65-F5344CB8AC3E}">
-        <p14:creationId xmlns:p14="http://schemas.microsoft.com/office/powerpoint/2010/main" val="3863261666"/>
+        <p14:creationId xmlns:p14="http://schemas.microsoft.com/office/powerpoint/2010/main" val="3280679086"/>
       </p:ext>
     </p:extLst>
   </p:cSld>
@@ -4849,53 +7427,6 @@
           <a:bodyPr/>
           <a:lstStyle/>
           <a:p>
-            <a:r>
-              <a:rPr lang="en-US" dirty="0" smtClean="0"/>
-              <a:t>Lab</a:t>
-            </a:r>
-            <a:r>
-              <a:rPr lang="en-US" baseline="0" dirty="0" smtClean="0"/>
-              <a:t> session 1= baseline</a:t>
-            </a:r>
-          </a:p>
-          <a:p>
-            <a:r>
-              <a:rPr lang="en-US" baseline="0" dirty="0" smtClean="0"/>
-              <a:t>Lab session 6 = after scan 2</a:t>
-            </a:r>
-          </a:p>
-          <a:p>
-            <a:endParaRPr lang="en-US" dirty="0" smtClean="0"/>
-          </a:p>
-          <a:p>
-            <a:r>
-              <a:rPr lang="en-US" dirty="0" smtClean="0"/>
-              <a:t>Each line is one participant</a:t>
-            </a:r>
-            <a:r>
-              <a:rPr lang="en-US" baseline="0" dirty="0" smtClean="0"/>
-              <a:t> </a:t>
-            </a:r>
-            <a:r>
-              <a:rPr lang="mr-IN" baseline="0" dirty="0" smtClean="0"/>
-              <a:t>–</a:t>
-            </a:r>
-            <a:r>
-              <a:rPr lang="en-US" baseline="0" dirty="0" smtClean="0"/>
-              <a:t> they all get better! They are learning the songs</a:t>
-            </a:r>
-          </a:p>
-          <a:p>
-            <a:r>
-              <a:rPr lang="en-US" baseline="0" dirty="0" smtClean="0"/>
-              <a:t>Average before scan 1 = 36.5%</a:t>
-            </a:r>
-          </a:p>
-          <a:p>
-            <a:r>
-              <a:rPr lang="en-US" baseline="0" dirty="0" smtClean="0"/>
-              <a:t>Average after scan 2 = 82%</a:t>
-            </a:r>
             <a:endParaRPr lang="en-US" dirty="0"/>
           </a:p>
         </p:txBody>
@@ -4917,7 +7448,7 @@
           <a:p>
             <a:fld id="{717BCE6A-23B2-F447-8723-4FF14C692392}" type="slidenum">
               <a:rPr lang="en-US" smtClean="0"/>
-              <a:t>9</a:t>
+              <a:t>8</a:t>
             </a:fld>
             <a:endParaRPr lang="en-US"/>
           </a:p>
@@ -4926,7 +7457,7 @@
     </p:spTree>
     <p:extLst>
       <p:ext uri="{BB962C8B-B14F-4D97-AF65-F5344CB8AC3E}">
-        <p14:creationId xmlns:p14="http://schemas.microsoft.com/office/powerpoint/2010/main" val="131717076"/>
+        <p14:creationId xmlns:p14="http://schemas.microsoft.com/office/powerpoint/2010/main" val="3863261666"/>
       </p:ext>
     </p:extLst>
   </p:cSld>
@@ -4982,26 +7513,50 @@
           <a:p>
             <a:r>
               <a:rPr lang="en-US" dirty="0" smtClean="0"/>
-              <a:t>How</a:t>
+              <a:t>Lab</a:t>
             </a:r>
             <a:r>
               <a:rPr lang="en-US" baseline="0" dirty="0" smtClean="0"/>
-              <a:t> do the familiarity test scores after scan 2 relate to the number of times a participant heard the song</a:t>
-            </a:r>
-          </a:p>
-          <a:p>
-            <a:endParaRPr lang="en-US" baseline="0" dirty="0" smtClean="0"/>
+              <a:t> session 1= baseline</a:t>
+            </a:r>
           </a:p>
           <a:p>
             <a:r>
               <a:rPr lang="en-US" baseline="0" dirty="0" smtClean="0"/>
-              <a:t>Doesn’t look related to lyric modification score</a:t>
-            </a:r>
-          </a:p>
-          <a:p>
+              <a:t>Lab session 6 = after scan 2</a:t>
+            </a:r>
+          </a:p>
+          <a:p>
+            <a:endParaRPr lang="en-US" dirty="0" smtClean="0"/>
+          </a:p>
+          <a:p>
+            <a:r>
+              <a:rPr lang="en-US" dirty="0" smtClean="0"/>
+              <a:t>Each line is one participant</a:t>
+            </a:r>
             <a:r>
               <a:rPr lang="en-US" baseline="0" dirty="0" smtClean="0"/>
-              <a:t>Looks related to melody memory score</a:t>
+              <a:t> </a:t>
+            </a:r>
+            <a:r>
+              <a:rPr lang="mr-IN" baseline="0" dirty="0" smtClean="0"/>
+              <a:t>–</a:t>
+            </a:r>
+            <a:r>
+              <a:rPr lang="en-US" baseline="0" dirty="0" smtClean="0"/>
+              <a:t> they all get better! They are learning the songs</a:t>
+            </a:r>
+          </a:p>
+          <a:p>
+            <a:r>
+              <a:rPr lang="en-US" baseline="0" dirty="0" smtClean="0"/>
+              <a:t>Average before scan 1 = 36.5%</a:t>
+            </a:r>
+          </a:p>
+          <a:p>
+            <a:r>
+              <a:rPr lang="en-US" baseline="0" dirty="0" smtClean="0"/>
+              <a:t>Average after scan 2 = 82%</a:t>
             </a:r>
             <a:endParaRPr lang="en-US" dirty="0"/>
           </a:p>
@@ -5024,6 +7579,131 @@
           <a:p>
             <a:fld id="{717BCE6A-23B2-F447-8723-4FF14C692392}" type="slidenum">
               <a:rPr lang="en-US" smtClean="0"/>
+              <a:t>9</a:t>
+            </a:fld>
+            <a:endParaRPr lang="en-US"/>
+          </a:p>
+        </p:txBody>
+      </p:sp>
+    </p:spTree>
+    <p:extLst>
+      <p:ext uri="{BB962C8B-B14F-4D97-AF65-F5344CB8AC3E}">
+        <p14:creationId xmlns:p14="http://schemas.microsoft.com/office/powerpoint/2010/main" val="131717076"/>
+      </p:ext>
+    </p:extLst>
+  </p:cSld>
+  <p:clrMapOvr>
+    <a:masterClrMapping/>
+  </p:clrMapOvr>
+</p:notes>
+</file>
+
+<file path=ppt/notesSlides/notesSlide8.xml><?xml version="1.0" encoding="utf-8"?>
+<p:notes xmlns:a="http://schemas.openxmlformats.org/drawingml/2006/main" xmlns:r="http://schemas.openxmlformats.org/officeDocument/2006/relationships" xmlns:p="http://schemas.openxmlformats.org/presentationml/2006/main">
+  <p:cSld>
+    <p:spTree>
+      <p:nvGrpSpPr>
+        <p:cNvPr id="1" name=""/>
+        <p:cNvGrpSpPr/>
+        <p:nvPr/>
+      </p:nvGrpSpPr>
+      <p:grpSpPr>
+        <a:xfrm>
+          <a:off x="0" y="0"/>
+          <a:ext cx="0" cy="0"/>
+          <a:chOff x="0" y="0"/>
+          <a:chExt cx="0" cy="0"/>
+        </a:xfrm>
+      </p:grpSpPr>
+      <p:sp>
+        <p:nvSpPr>
+          <p:cNvPr id="2" name="Slide Image Placeholder 1"/>
+          <p:cNvSpPr>
+            <a:spLocks noGrp="1" noRot="1" noChangeAspect="1"/>
+          </p:cNvSpPr>
+          <p:nvPr>
+            <p:ph type="sldImg"/>
+          </p:nvPr>
+        </p:nvSpPr>
+        <p:spPr/>
+      </p:sp>
+      <p:sp>
+        <p:nvSpPr>
+          <p:cNvPr id="3" name="Notes Placeholder 2"/>
+          <p:cNvSpPr>
+            <a:spLocks noGrp="1"/>
+          </p:cNvSpPr>
+          <p:nvPr>
+            <p:ph type="body" idx="1"/>
+          </p:nvPr>
+        </p:nvSpPr>
+        <p:spPr/>
+        <p:txBody>
+          <a:bodyPr/>
+          <a:lstStyle/>
+          <a:p>
+            <a:r>
+              <a:rPr lang="en-US" dirty="0" smtClean="0"/>
+              <a:t>How</a:t>
+            </a:r>
+            <a:r>
+              <a:rPr lang="en-US" baseline="0" dirty="0" smtClean="0"/>
+              <a:t> do the familiarity test scores after scan 2 relate to the number of times a participant heard the song</a:t>
+            </a:r>
+          </a:p>
+          <a:p>
+            <a:endParaRPr lang="en-US" baseline="0" dirty="0" smtClean="0"/>
+          </a:p>
+          <a:p>
+            <a:r>
+              <a:rPr lang="en-US" baseline="0" dirty="0" smtClean="0"/>
+              <a:t>Doesn’t look related to lyric modification score</a:t>
+            </a:r>
+          </a:p>
+          <a:p>
+            <a:r>
+              <a:rPr lang="en-US" baseline="0" dirty="0" smtClean="0"/>
+              <a:t>Looks related to melody memory score</a:t>
+            </a:r>
+          </a:p>
+          <a:p>
+            <a:r>
+              <a:rPr lang="en-US" baseline="0" dirty="0" smtClean="0"/>
+              <a:t>----- Meeting Notes (18-05-03 13:27) -----</a:t>
+            </a:r>
+          </a:p>
+          <a:p>
+            <a:r>
+              <a:rPr lang="en-US" baseline="0" dirty="0" smtClean="0"/>
+              <a:t>melodic memory related to lyric mod?</a:t>
+            </a:r>
+          </a:p>
+          <a:p>
+            <a:r>
+              <a:rPr lang="en-US" baseline="0" dirty="0" smtClean="0"/>
+              <a:t>behavioural results related to fmri results</a:t>
+            </a:r>
+            <a:endParaRPr lang="en-US" dirty="0"/>
+          </a:p>
+        </p:txBody>
+      </p:sp>
+      <p:sp>
+        <p:nvSpPr>
+          <p:cNvPr id="4" name="Slide Number Placeholder 3"/>
+          <p:cNvSpPr>
+            <a:spLocks noGrp="1"/>
+          </p:cNvSpPr>
+          <p:nvPr>
+            <p:ph type="sldNum" sz="quarter" idx="10"/>
+          </p:nvPr>
+        </p:nvSpPr>
+        <p:spPr/>
+        <p:txBody>
+          <a:bodyPr/>
+          <a:lstStyle/>
+          <a:p>
+            <a:fld id="{717BCE6A-23B2-F447-8723-4FF14C692392}" type="slidenum">
+              <a:rPr lang="en-US" smtClean="0"/>
               <a:t>10</a:t>
             </a:fld>
             <a:endParaRPr lang="en-US"/>
@@ -5034,6 +7714,105 @@
     <p:extLst>
       <p:ext uri="{BB962C8B-B14F-4D97-AF65-F5344CB8AC3E}">
         <p14:creationId xmlns:p14="http://schemas.microsoft.com/office/powerpoint/2010/main" val="3656719292"/>
+      </p:ext>
+    </p:extLst>
+  </p:cSld>
+  <p:clrMapOvr>
+    <a:masterClrMapping/>
+  </p:clrMapOvr>
+</p:notes>
+</file>
+
+<file path=ppt/notesSlides/notesSlide9.xml><?xml version="1.0" encoding="utf-8"?>
+<p:notes xmlns:a="http://schemas.openxmlformats.org/drawingml/2006/main" xmlns:r="http://schemas.openxmlformats.org/officeDocument/2006/relationships" xmlns:p="http://schemas.openxmlformats.org/presentationml/2006/main">
+  <p:cSld>
+    <p:spTree>
+      <p:nvGrpSpPr>
+        <p:cNvPr id="1" name=""/>
+        <p:cNvGrpSpPr/>
+        <p:nvPr/>
+      </p:nvGrpSpPr>
+      <p:grpSpPr>
+        <a:xfrm>
+          <a:off x="0" y="0"/>
+          <a:ext cx="0" cy="0"/>
+          <a:chOff x="0" y="0"/>
+          <a:chExt cx="0" cy="0"/>
+        </a:xfrm>
+      </p:grpSpPr>
+      <p:sp>
+        <p:nvSpPr>
+          <p:cNvPr id="2" name="Slide Image Placeholder 1"/>
+          <p:cNvSpPr>
+            <a:spLocks noGrp="1" noRot="1" noChangeAspect="1"/>
+          </p:cNvSpPr>
+          <p:nvPr>
+            <p:ph type="sldImg"/>
+          </p:nvPr>
+        </p:nvSpPr>
+        <p:spPr/>
+      </p:sp>
+      <p:sp>
+        <p:nvSpPr>
+          <p:cNvPr id="3" name="Notes Placeholder 2"/>
+          <p:cNvSpPr>
+            <a:spLocks noGrp="1"/>
+          </p:cNvSpPr>
+          <p:nvPr>
+            <p:ph type="body" idx="1"/>
+          </p:nvPr>
+        </p:nvSpPr>
+        <p:spPr/>
+        <p:txBody>
+          <a:bodyPr/>
+          <a:lstStyle/>
+          <a:p>
+            <a:endParaRPr lang="en-CA"/>
+          </a:p>
+          <a:p>
+            <a:r>
+              <a:rPr lang="en-CA"/>
+              <a:t>----- Meeting Notes (18-05-03 13:27) -----</a:t>
+            </a:r>
+          </a:p>
+          <a:p>
+            <a:r>
+              <a:rPr lang="en-CA"/>
+              <a:t>effects of interest - F interest</a:t>
+            </a:r>
+          </a:p>
+          <a:p>
+            <a:endParaRPr lang="en-CA"/>
+          </a:p>
+        </p:txBody>
+      </p:sp>
+      <p:sp>
+        <p:nvSpPr>
+          <p:cNvPr id="4" name="Slide Number Placeholder 3"/>
+          <p:cNvSpPr>
+            <a:spLocks noGrp="1"/>
+          </p:cNvSpPr>
+          <p:nvPr>
+            <p:ph type="sldNum" sz="quarter" idx="10"/>
+          </p:nvPr>
+        </p:nvSpPr>
+        <p:spPr/>
+        <p:txBody>
+          <a:bodyPr/>
+          <a:lstStyle/>
+          <a:p>
+            <a:fld id="{2B2789B2-826E-41BD-B1F7-A734C17E5E7B}" type="slidenum">
+              <a:rPr lang="en-CA" smtClean="0"/>
+              <a:t>11</a:t>
+            </a:fld>
+            <a:endParaRPr lang="en-CA"/>
+          </a:p>
+        </p:txBody>
+      </p:sp>
+    </p:spTree>
+    <p:extLst>
+      <p:ext uri="{BB962C8B-B14F-4D97-AF65-F5344CB8AC3E}">
+        <p14:creationId xmlns:p14="http://schemas.microsoft.com/office/powerpoint/2010/main" val="3713593579"/>
       </p:ext>
     </p:extLst>
   </p:cSld>
@@ -5174,7 +7953,7 @@
           <a:p>
             <a:fld id="{C4FA8CDB-8DD7-4860-AB92-9053B68FDE61}" type="datetimeFigureOut">
               <a:rPr lang="en-CA" smtClean="0"/>
-              <a:t>01/05/2018</a:t>
+              <a:t>18-05-03</a:t>
             </a:fld>
             <a:endParaRPr lang="en-CA"/>
           </a:p>
@@ -5344,7 +8123,7 @@
           <a:p>
             <a:fld id="{C4FA8CDB-8DD7-4860-AB92-9053B68FDE61}" type="datetimeFigureOut">
               <a:rPr lang="en-CA" smtClean="0"/>
-              <a:t>01/05/2018</a:t>
+              <a:t>18-05-03</a:t>
             </a:fld>
             <a:endParaRPr lang="en-CA"/>
           </a:p>
@@ -5524,7 +8303,7 @@
           <a:p>
             <a:fld id="{C4FA8CDB-8DD7-4860-AB92-9053B68FDE61}" type="datetimeFigureOut">
               <a:rPr lang="en-CA" smtClean="0"/>
-              <a:t>01/05/2018</a:t>
+              <a:t>18-05-03</a:t>
             </a:fld>
             <a:endParaRPr lang="en-CA"/>
           </a:p>
@@ -5694,7 +8473,7 @@
           <a:p>
             <a:fld id="{C4FA8CDB-8DD7-4860-AB92-9053B68FDE61}" type="datetimeFigureOut">
               <a:rPr lang="en-CA" smtClean="0"/>
-              <a:t>01/05/2018</a:t>
+              <a:t>18-05-03</a:t>
             </a:fld>
             <a:endParaRPr lang="en-CA"/>
           </a:p>
@@ -5938,7 +8717,7 @@
           <a:p>
             <a:fld id="{C4FA8CDB-8DD7-4860-AB92-9053B68FDE61}" type="datetimeFigureOut">
               <a:rPr lang="en-CA" smtClean="0"/>
-              <a:t>01/05/2018</a:t>
+              <a:t>18-05-03</a:t>
             </a:fld>
             <a:endParaRPr lang="en-CA"/>
           </a:p>
@@ -6170,7 +8949,7 @@
           <a:p>
             <a:fld id="{C4FA8CDB-8DD7-4860-AB92-9053B68FDE61}" type="datetimeFigureOut">
               <a:rPr lang="en-CA" smtClean="0"/>
-              <a:t>01/05/2018</a:t>
+              <a:t>18-05-03</a:t>
             </a:fld>
             <a:endParaRPr lang="en-CA"/>
           </a:p>
@@ -6537,7 +9316,7 @@
           <a:p>
             <a:fld id="{C4FA8CDB-8DD7-4860-AB92-9053B68FDE61}" type="datetimeFigureOut">
               <a:rPr lang="en-CA" smtClean="0"/>
-              <a:t>01/05/2018</a:t>
+              <a:t>18-05-03</a:t>
             </a:fld>
             <a:endParaRPr lang="en-CA"/>
           </a:p>
@@ -6655,7 +9434,7 @@
           <a:p>
             <a:fld id="{C4FA8CDB-8DD7-4860-AB92-9053B68FDE61}" type="datetimeFigureOut">
               <a:rPr lang="en-CA" smtClean="0"/>
-              <a:t>01/05/2018</a:t>
+              <a:t>18-05-03</a:t>
             </a:fld>
             <a:endParaRPr lang="en-CA"/>
           </a:p>
@@ -6750,7 +9529,7 @@
           <a:p>
             <a:fld id="{C4FA8CDB-8DD7-4860-AB92-9053B68FDE61}" type="datetimeFigureOut">
               <a:rPr lang="en-CA" smtClean="0"/>
-              <a:t>01/05/2018</a:t>
+              <a:t>18-05-03</a:t>
             </a:fld>
             <a:endParaRPr lang="en-CA"/>
           </a:p>
@@ -7027,7 +9806,7 @@
           <a:p>
             <a:fld id="{C4FA8CDB-8DD7-4860-AB92-9053B68FDE61}" type="datetimeFigureOut">
               <a:rPr lang="en-CA" smtClean="0"/>
-              <a:t>01/05/2018</a:t>
+              <a:t>18-05-03</a:t>
             </a:fld>
             <a:endParaRPr lang="en-CA"/>
           </a:p>
@@ -7284,7 +10063,7 @@
           <a:p>
             <a:fld id="{C4FA8CDB-8DD7-4860-AB92-9053B68FDE61}" type="datetimeFigureOut">
               <a:rPr lang="en-CA" smtClean="0"/>
-              <a:t>01/05/2018</a:t>
+              <a:t>18-05-03</a:t>
             </a:fld>
             <a:endParaRPr lang="en-CA"/>
           </a:p>
@@ -7497,7 +10276,7 @@
           <a:p>
             <a:fld id="{C4FA8CDB-8DD7-4860-AB92-9053B68FDE61}" type="datetimeFigureOut">
               <a:rPr lang="en-CA" smtClean="0"/>
-              <a:t>01/05/2018</a:t>
+              <a:t>18-05-03</a:t>
             </a:fld>
             <a:endParaRPr lang="en-CA"/>
           </a:p>
@@ -7961,7 +10740,7 @@
   <p:timing>
     <p:tnLst>
       <p:par>
-        <p:cTn id="1" dur="indefinite" restart="never" nodeType="tmRoot"/>
+        <p:cTn xmlns:p14="http://schemas.microsoft.com/office/powerpoint/2010/main" id="1" dur="indefinite" restart="never" nodeType="tmRoot"/>
       </p:par>
     </p:tnLst>
   </p:timing>
@@ -8062,7 +10841,7 @@
           <p:nvPr>
             <p:extLst>
               <p:ext uri="{D42A27DB-BD31-4B8C-83A1-F6EECF244321}">
-                <p14:modId xmlns:p14="http://schemas.microsoft.com/office/powerpoint/2010/main" val="1368744080"/>
+                <p14:modId xmlns:p14="http://schemas.microsoft.com/office/powerpoint/2010/main" val="4153437661"/>
               </p:ext>
             </p:extLst>
           </p:nvPr>
@@ -8086,7 +10865,7 @@
           <p:nvPr>
             <p:extLst>
               <p:ext uri="{D42A27DB-BD31-4B8C-83A1-F6EECF244321}">
-                <p14:modId xmlns:p14="http://schemas.microsoft.com/office/powerpoint/2010/main" val="2311668354"/>
+                <p14:modId xmlns:p14="http://schemas.microsoft.com/office/powerpoint/2010/main" val="405411358"/>
               </p:ext>
             </p:extLst>
           </p:nvPr>
@@ -8114,7 +10893,7 @@
   <p:timing>
     <p:tnLst>
       <p:par>
-        <p:cTn id="1" dur="indefinite" restart="never" nodeType="tmRoot"/>
+        <p:cTn xmlns:p14="http://schemas.microsoft.com/office/powerpoint/2010/main" id="1" dur="indefinite" restart="never" nodeType="tmRoot"/>
       </p:par>
     </p:tnLst>
   </p:timing>
@@ -8148,7 +10927,12 @@
             <p:ph type="title"/>
           </p:nvPr>
         </p:nvSpPr>
-        <p:spPr/>
+        <p:spPr>
+          <a:xfrm>
+            <a:off x="251866" y="0"/>
+            <a:ext cx="7886700" cy="1325563"/>
+          </a:xfrm>
+        </p:spPr>
         <p:txBody>
           <a:bodyPr/>
           <a:lstStyle/>
@@ -8171,9 +10955,16 @@
             <p:ph idx="1"/>
           </p:nvPr>
         </p:nvSpPr>
-        <p:spPr/>
+        <p:spPr>
+          <a:xfrm>
+            <a:off x="377460" y="1434835"/>
+            <a:ext cx="4967297" cy="5236493"/>
+          </a:xfrm>
+        </p:spPr>
         <p:txBody>
-          <a:bodyPr/>
+          <a:bodyPr>
+            <a:normAutofit lnSpcReduction="10000"/>
+          </a:bodyPr>
           <a:lstStyle/>
           <a:p>
             <a:r>
@@ -8201,6 +10992,10 @@
             <a:endParaRPr lang="en-CA" dirty="0" smtClean="0"/>
           </a:p>
           <a:p>
+            <a:pPr lvl="1"/>
+            <a:endParaRPr lang="en-CA" dirty="0" smtClean="0"/>
+          </a:p>
+          <a:p>
             <a:r>
               <a:rPr lang="en-CA" dirty="0" smtClean="0"/>
               <a:t>Familiarity X presence of lyrics</a:t>
@@ -8210,14 +11005,94 @@
             <a:pPr lvl="1"/>
             <a:r>
               <a:rPr lang="en-CA" dirty="0" smtClean="0"/>
-              <a:t>Striatum shows more activation to familiar music with lyrics than familiar music without lyrics or unfamiliar music</a:t>
-            </a:r>
-          </a:p>
-          <a:p>
+              <a:t>More activation to familiar music with lyrics than familiar music without lyrics or unfamiliar music</a:t>
+            </a:r>
+          </a:p>
+          <a:p>
+            <a:endParaRPr lang="en-CA" sz="1600" dirty="0" smtClean="0"/>
+          </a:p>
+          <a:p>
+            <a:pPr marL="0" indent="0">
+              <a:buNone/>
+            </a:pPr>
+            <a:endParaRPr lang="en-CA" sz="1600" dirty="0"/>
+          </a:p>
+          <a:p>
+            <a:pPr marL="0" indent="0">
+              <a:buNone/>
+            </a:pPr>
+            <a:r>
+              <a:rPr lang="en-CA" sz="1600" dirty="0" smtClean="0"/>
+              <a:t>Both significant at the cluster level</a:t>
+            </a:r>
+          </a:p>
+          <a:p>
+            <a:pPr marL="0" indent="0">
+              <a:buNone/>
+            </a:pPr>
             <a:endParaRPr lang="en-CA" dirty="0"/>
           </a:p>
         </p:txBody>
       </p:sp>
+      <p:pic>
+        <p:nvPicPr>
+          <p:cNvPr id="6" name="Picture 5" descr="Screen Shot 2018-05-02 at 7.12.49 PM.png"/>
+          <p:cNvPicPr>
+            <a:picLocks noChangeAspect="1"/>
+          </p:cNvPicPr>
+          <p:nvPr/>
+        </p:nvPicPr>
+        <p:blipFill rotWithShape="1">
+          <a:blip r:embed="rId3">
+            <a:extLst>
+              <a:ext uri="{28A0092B-C50C-407E-A947-70E740481C1C}">
+                <a14:useLocalDpi xmlns:a14="http://schemas.microsoft.com/office/drawing/2010/main" val="0"/>
+              </a:ext>
+            </a:extLst>
+          </a:blip>
+          <a:srcRect t="13635" b="5164"/>
+          <a:stretch/>
+        </p:blipFill>
+        <p:spPr>
+          <a:xfrm>
+            <a:off x="5855153" y="1073047"/>
+            <a:ext cx="2741114" cy="2569666"/>
+          </a:xfrm>
+          <a:prstGeom prst="rect">
+            <a:avLst/>
+          </a:prstGeom>
+        </p:spPr>
+      </p:pic>
+      <p:pic>
+        <p:nvPicPr>
+          <p:cNvPr id="7" name="Picture 6" descr="Screen Shot 2018-05-02 at 7.31.51 PM.png"/>
+          <p:cNvPicPr>
+            <a:picLocks noChangeAspect="1"/>
+          </p:cNvPicPr>
+          <p:nvPr/>
+        </p:nvPicPr>
+        <p:blipFill>
+          <a:blip r:embed="rId4">
+            <a:extLst>
+              <a:ext uri="{28A0092B-C50C-407E-A947-70E740481C1C}">
+                <a14:useLocalDpi xmlns:a14="http://schemas.microsoft.com/office/drawing/2010/main" val="0"/>
+              </a:ext>
+            </a:extLst>
+          </a:blip>
+          <a:stretch>
+            <a:fillRect/>
+          </a:stretch>
+        </p:blipFill>
+        <p:spPr>
+          <a:xfrm>
+            <a:off x="5844038" y="3941437"/>
+            <a:ext cx="2751244" cy="2692956"/>
+          </a:xfrm>
+          <a:prstGeom prst="rect">
+            <a:avLst/>
+          </a:prstGeom>
+        </p:spPr>
+      </p:pic>
     </p:spTree>
     <p:extLst>
       <p:ext uri="{BB962C8B-B14F-4D97-AF65-F5344CB8AC3E}">
@@ -8228,6 +11103,13 @@
   <p:clrMapOvr>
     <a:masterClrMapping/>
   </p:clrMapOvr>
+  <p:timing>
+    <p:tnLst>
+      <p:par>
+        <p:cTn xmlns:p14="http://schemas.microsoft.com/office/powerpoint/2010/main" id="1" dur="indefinite" restart="never" nodeType="tmRoot"/>
+      </p:par>
+    </p:tnLst>
+  </p:timing>
 </p:sld>
 </file>
 
@@ -8281,7 +11163,12 @@
             <p:ph idx="1"/>
           </p:nvPr>
         </p:nvSpPr>
-        <p:spPr/>
+        <p:spPr>
+          <a:xfrm>
+            <a:off x="336685" y="1576720"/>
+            <a:ext cx="7736167" cy="5036741"/>
+          </a:xfrm>
+        </p:spPr>
         <p:txBody>
           <a:bodyPr>
             <a:normAutofit/>
@@ -8290,23 +11177,28 @@
           <a:p>
             <a:r>
               <a:rPr lang="en-CA" dirty="0" smtClean="0"/>
-              <a:t>How does </a:t>
-            </a:r>
+              <a:t>Evidence that memory for music is preserved in late stages of Alzheimer’s disease</a:t>
+            </a:r>
+          </a:p>
+          <a:p>
+            <a:endParaRPr lang="en-CA" dirty="0" smtClean="0"/>
+          </a:p>
+          <a:p>
             <a:r>
               <a:rPr lang="en-CA" dirty="0" smtClean="0"/>
-              <a:t>the </a:t>
+              <a:t>Why </a:t>
+            </a:r>
+            <a:r>
+              <a:rPr lang="en-CA" dirty="0"/>
+              <a:t>is </a:t>
             </a:r>
             <a:r>
               <a:rPr lang="en-CA" dirty="0" smtClean="0"/>
-              <a:t>way the brain </a:t>
-            </a:r>
-            <a:r>
-              <a:rPr lang="en-CA" dirty="0" smtClean="0"/>
-              <a:t>processes </a:t>
-            </a:r>
-            <a:r>
-              <a:rPr lang="en-CA" dirty="0" smtClean="0"/>
-              <a:t>music change as we age</a:t>
+              <a:t>memory </a:t>
+            </a:r>
+            <a:r>
+              <a:rPr lang="en-CA" dirty="0"/>
+              <a:t>for music ‘special’</a:t>
             </a:r>
             <a:r>
               <a:rPr lang="en-CA" dirty="0" smtClean="0"/>
@@ -8314,6 +11206,41 @@
             </a:r>
           </a:p>
           <a:p>
+            <a:pPr marL="0" indent="0">
+              <a:buNone/>
+            </a:pPr>
+            <a:r>
+              <a:rPr lang="en-CA" sz="2000" dirty="0" smtClean="0"/>
+              <a:t>How </a:t>
+            </a:r>
+            <a:r>
+              <a:rPr lang="en-CA" sz="2000" dirty="0"/>
+              <a:t>does the way the brain </a:t>
+            </a:r>
+            <a:r>
+              <a:rPr lang="en-CA" sz="2000" dirty="0" smtClean="0"/>
+              <a:t>processes or remembers</a:t>
+            </a:r>
+            <a:br>
+              <a:rPr lang="en-CA" sz="2000" dirty="0" smtClean="0"/>
+            </a:br>
+            <a:r>
+              <a:rPr lang="en-CA" sz="2000" dirty="0" smtClean="0"/>
+              <a:t> music change </a:t>
+            </a:r>
+            <a:r>
+              <a:rPr lang="en-CA" sz="2000" dirty="0"/>
+              <a:t>as we age</a:t>
+            </a:r>
+            <a:r>
+              <a:rPr lang="en-CA" sz="2000" dirty="0" smtClean="0"/>
+              <a:t>?</a:t>
+            </a:r>
+          </a:p>
+          <a:p>
+            <a:pPr marL="457200" lvl="1" indent="0">
+              <a:buNone/>
+            </a:pPr>
             <a:endParaRPr lang="en-CA" dirty="0"/>
           </a:p>
           <a:p>
@@ -8321,7 +11248,6 @@
               <a:rPr lang="en-CA" dirty="0" smtClean="0"/>
               <a:t>Using:</a:t>
             </a:r>
-            <a:endParaRPr lang="en-CA" dirty="0" smtClean="0"/>
           </a:p>
           <a:p>
             <a:pPr lvl="1"/>
@@ -8346,6 +11272,28 @@
           </a:p>
         </p:txBody>
       </p:sp>
+      <p:graphicFrame>
+        <p:nvGraphicFramePr>
+          <p:cNvPr id="5" name="Diagram 4"/>
+          <p:cNvGraphicFramePr/>
+          <p:nvPr>
+            <p:extLst>
+              <p:ext uri="{D42A27DB-BD31-4B8C-83A1-F6EECF244321}">
+                <p14:modId xmlns:p14="http://schemas.microsoft.com/office/powerpoint/2010/main" val="2128338899"/>
+              </p:ext>
+            </p:extLst>
+          </p:nvPr>
+        </p:nvGraphicFramePr>
+        <p:xfrm>
+          <a:off x="4969198" y="2569471"/>
+          <a:ext cx="4213126" cy="2277484"/>
+        </p:xfrm>
+        <a:graphic>
+          <a:graphicData uri="http://schemas.openxmlformats.org/drawingml/2006/diagram">
+            <dgm:relIds xmlns:dgm="http://schemas.openxmlformats.org/drawingml/2006/diagram" xmlns:r="http://schemas.openxmlformats.org/officeDocument/2006/relationships" r:dm="rId3" r:lo="rId4" r:qs="rId5" r:cs="rId6"/>
+          </a:graphicData>
+        </a:graphic>
+      </p:graphicFrame>
     </p:spTree>
     <p:extLst>
       <p:ext uri="{BB962C8B-B14F-4D97-AF65-F5344CB8AC3E}">
@@ -8359,9 +11307,273 @@
   <p:timing>
     <p:tnLst>
       <p:par>
-        <p:cTn id="1" dur="indefinite" restart="never" nodeType="tmRoot"/>
+        <p:cTn xmlns:p14="http://schemas.microsoft.com/office/powerpoint/2010/main" id="1" dur="indefinite" restart="never" nodeType="tmRoot">
+          <p:childTnLst>
+            <p:seq concurrent="1" nextAc="seek">
+              <p:cTn id="2" dur="indefinite" nodeType="mainSeq">
+                <p:childTnLst>
+                  <p:par>
+                    <p:cTn id="3" fill="hold">
+                      <p:stCondLst>
+                        <p:cond delay="indefinite"/>
+                      </p:stCondLst>
+                      <p:childTnLst>
+                        <p:par>
+                          <p:cTn id="4" fill="hold">
+                            <p:stCondLst>
+                              <p:cond delay="0"/>
+                            </p:stCondLst>
+                            <p:childTnLst>
+                              <p:par>
+                                <p:cTn id="5" presetID="1" presetClass="entr" presetSubtype="0" fill="hold" nodeType="clickEffect">
+                                  <p:stCondLst>
+                                    <p:cond delay="0"/>
+                                  </p:stCondLst>
+                                  <p:childTnLst>
+                                    <p:set>
+                                      <p:cBhvr>
+                                        <p:cTn id="6" dur="1" fill="hold">
+                                          <p:stCondLst>
+                                            <p:cond delay="0"/>
+                                          </p:stCondLst>
+                                        </p:cTn>
+                                        <p:tgtEl>
+                                          <p:spTgt spid="3">
+                                            <p:txEl>
+                                              <p:pRg st="2" end="2"/>
+                                            </p:txEl>
+                                          </p:spTgt>
+                                        </p:tgtEl>
+                                        <p:attrNameLst>
+                                          <p:attrName>style.visibility</p:attrName>
+                                        </p:attrNameLst>
+                                      </p:cBhvr>
+                                      <p:to>
+                                        <p:strVal val="visible"/>
+                                      </p:to>
+                                    </p:set>
+                                  </p:childTnLst>
+                                </p:cTn>
+                              </p:par>
+                              <p:par>
+                                <p:cTn id="7" presetID="1" presetClass="entr" presetSubtype="0" fill="hold" nodeType="withEffect">
+                                  <p:stCondLst>
+                                    <p:cond delay="0"/>
+                                  </p:stCondLst>
+                                  <p:childTnLst>
+                                    <p:set>
+                                      <p:cBhvr>
+                                        <p:cTn id="8" dur="1" fill="hold">
+                                          <p:stCondLst>
+                                            <p:cond delay="0"/>
+                                          </p:stCondLst>
+                                        </p:cTn>
+                                        <p:tgtEl>
+                                          <p:spTgt spid="3">
+                                            <p:txEl>
+                                              <p:pRg st="3" end="3"/>
+                                            </p:txEl>
+                                          </p:spTgt>
+                                        </p:tgtEl>
+                                        <p:attrNameLst>
+                                          <p:attrName>style.visibility</p:attrName>
+                                        </p:attrNameLst>
+                                      </p:cBhvr>
+                                      <p:to>
+                                        <p:strVal val="visible"/>
+                                      </p:to>
+                                    </p:set>
+                                  </p:childTnLst>
+                                </p:cTn>
+                              </p:par>
+                            </p:childTnLst>
+                          </p:cTn>
+                        </p:par>
+                      </p:childTnLst>
+                    </p:cTn>
+                  </p:par>
+                  <p:par>
+                    <p:cTn id="9" fill="hold">
+                      <p:stCondLst>
+                        <p:cond delay="indefinite"/>
+                      </p:stCondLst>
+                      <p:childTnLst>
+                        <p:par>
+                          <p:cTn id="10" fill="hold">
+                            <p:stCondLst>
+                              <p:cond delay="0"/>
+                            </p:stCondLst>
+                            <p:childTnLst>
+                              <p:par>
+                                <p:cTn id="11" presetID="1" presetClass="entr" presetSubtype="0" fill="hold" grpId="0" nodeType="clickEffect">
+                                  <p:stCondLst>
+                                    <p:cond delay="0"/>
+                                  </p:stCondLst>
+                                  <p:childTnLst>
+                                    <p:set>
+                                      <p:cBhvr>
+                                        <p:cTn id="12" dur="1" fill="hold">
+                                          <p:stCondLst>
+                                            <p:cond delay="0"/>
+                                          </p:stCondLst>
+                                        </p:cTn>
+                                        <p:tgtEl>
+                                          <p:spTgt spid="5"/>
+                                        </p:tgtEl>
+                                        <p:attrNameLst>
+                                          <p:attrName>style.visibility</p:attrName>
+                                        </p:attrNameLst>
+                                      </p:cBhvr>
+                                      <p:to>
+                                        <p:strVal val="visible"/>
+                                      </p:to>
+                                    </p:set>
+                                  </p:childTnLst>
+                                </p:cTn>
+                              </p:par>
+                            </p:childTnLst>
+                          </p:cTn>
+                        </p:par>
+                      </p:childTnLst>
+                    </p:cTn>
+                  </p:par>
+                  <p:par>
+                    <p:cTn id="13" fill="hold">
+                      <p:stCondLst>
+                        <p:cond delay="indefinite"/>
+                      </p:stCondLst>
+                      <p:childTnLst>
+                        <p:par>
+                          <p:cTn id="14" fill="hold">
+                            <p:stCondLst>
+                              <p:cond delay="0"/>
+                            </p:stCondLst>
+                            <p:childTnLst>
+                              <p:par>
+                                <p:cTn id="15" presetID="1" presetClass="entr" presetSubtype="0" fill="hold" nodeType="clickEffect">
+                                  <p:stCondLst>
+                                    <p:cond delay="0"/>
+                                  </p:stCondLst>
+                                  <p:childTnLst>
+                                    <p:set>
+                                      <p:cBhvr>
+                                        <p:cTn id="16" dur="1" fill="hold">
+                                          <p:stCondLst>
+                                            <p:cond delay="0"/>
+                                          </p:stCondLst>
+                                        </p:cTn>
+                                        <p:tgtEl>
+                                          <p:spTgt spid="3">
+                                            <p:txEl>
+                                              <p:pRg st="5" end="5"/>
+                                            </p:txEl>
+                                          </p:spTgt>
+                                        </p:tgtEl>
+                                        <p:attrNameLst>
+                                          <p:attrName>style.visibility</p:attrName>
+                                        </p:attrNameLst>
+                                      </p:cBhvr>
+                                      <p:to>
+                                        <p:strVal val="visible"/>
+                                      </p:to>
+                                    </p:set>
+                                  </p:childTnLst>
+                                </p:cTn>
+                              </p:par>
+                              <p:par>
+                                <p:cTn id="17" presetID="1" presetClass="entr" presetSubtype="0" fill="hold" nodeType="withEffect">
+                                  <p:stCondLst>
+                                    <p:cond delay="0"/>
+                                  </p:stCondLst>
+                                  <p:childTnLst>
+                                    <p:set>
+                                      <p:cBhvr>
+                                        <p:cTn id="18" dur="1" fill="hold">
+                                          <p:stCondLst>
+                                            <p:cond delay="0"/>
+                                          </p:stCondLst>
+                                        </p:cTn>
+                                        <p:tgtEl>
+                                          <p:spTgt spid="3">
+                                            <p:txEl>
+                                              <p:pRg st="6" end="6"/>
+                                            </p:txEl>
+                                          </p:spTgt>
+                                        </p:tgtEl>
+                                        <p:attrNameLst>
+                                          <p:attrName>style.visibility</p:attrName>
+                                        </p:attrNameLst>
+                                      </p:cBhvr>
+                                      <p:to>
+                                        <p:strVal val="visible"/>
+                                      </p:to>
+                                    </p:set>
+                                  </p:childTnLst>
+                                </p:cTn>
+                              </p:par>
+                              <p:par>
+                                <p:cTn id="19" presetID="1" presetClass="entr" presetSubtype="0" fill="hold" nodeType="withEffect">
+                                  <p:stCondLst>
+                                    <p:cond delay="0"/>
+                                  </p:stCondLst>
+                                  <p:childTnLst>
+                                    <p:set>
+                                      <p:cBhvr>
+                                        <p:cTn id="20" dur="1" fill="hold">
+                                          <p:stCondLst>
+                                            <p:cond delay="0"/>
+                                          </p:stCondLst>
+                                        </p:cTn>
+                                        <p:tgtEl>
+                                          <p:spTgt spid="3">
+                                            <p:txEl>
+                                              <p:pRg st="7" end="7"/>
+                                            </p:txEl>
+                                          </p:spTgt>
+                                        </p:tgtEl>
+                                        <p:attrNameLst>
+                                          <p:attrName>style.visibility</p:attrName>
+                                        </p:attrNameLst>
+                                      </p:cBhvr>
+                                      <p:to>
+                                        <p:strVal val="visible"/>
+                                      </p:to>
+                                    </p:set>
+                                  </p:childTnLst>
+                                </p:cTn>
+                              </p:par>
+                            </p:childTnLst>
+                          </p:cTn>
+                        </p:par>
+                      </p:childTnLst>
+                    </p:cTn>
+                  </p:par>
+                </p:childTnLst>
+              </p:cTn>
+              <p:prevCondLst>
+                <p:cond evt="onPrev" delay="0">
+                  <p:tgtEl>
+                    <p:sldTgt/>
+                  </p:tgtEl>
+                </p:cond>
+              </p:prevCondLst>
+              <p:nextCondLst>
+                <p:cond evt="onNext" delay="0">
+                  <p:tgtEl>
+                    <p:sldTgt/>
+                  </p:tgtEl>
+                </p:cond>
+              </p:nextCondLst>
+            </p:seq>
+          </p:childTnLst>
+        </p:cTn>
       </p:par>
     </p:tnLst>
+    <p:bldLst>
+      <p:bldGraphic spid="5" grpId="0">
+        <p:bldAsOne/>
+      </p:bldGraphic>
+    </p:bldLst>
   </p:timing>
 </p:sld>
 </file>
@@ -8489,7 +11701,141 @@
   <p:timing>
     <p:tnLst>
       <p:par>
-        <p:cTn id="1" dur="indefinite" restart="never" nodeType="tmRoot"/>
+        <p:cTn xmlns:p14="http://schemas.microsoft.com/office/powerpoint/2010/main" id="1" dur="indefinite" restart="never" nodeType="tmRoot">
+          <p:childTnLst>
+            <p:seq concurrent="1" nextAc="seek">
+              <p:cTn id="2" dur="indefinite" nodeType="mainSeq">
+                <p:childTnLst>
+                  <p:par>
+                    <p:cTn id="3" fill="hold">
+                      <p:stCondLst>
+                        <p:cond delay="indefinite"/>
+                      </p:stCondLst>
+                      <p:childTnLst>
+                        <p:par>
+                          <p:cTn id="4" fill="hold">
+                            <p:stCondLst>
+                              <p:cond delay="0"/>
+                            </p:stCondLst>
+                            <p:childTnLst>
+                              <p:par>
+                                <p:cTn id="5" presetID="1" presetClass="entr" presetSubtype="0" fill="hold" nodeType="clickEffect">
+                                  <p:stCondLst>
+                                    <p:cond delay="0"/>
+                                  </p:stCondLst>
+                                  <p:childTnLst>
+                                    <p:set>
+                                      <p:cBhvr>
+                                        <p:cTn id="6" dur="1" fill="hold">
+                                          <p:stCondLst>
+                                            <p:cond delay="0"/>
+                                          </p:stCondLst>
+                                        </p:cTn>
+                                        <p:tgtEl>
+                                          <p:spTgt spid="3">
+                                            <p:txEl>
+                                              <p:pRg st="2" end="2"/>
+                                            </p:txEl>
+                                          </p:spTgt>
+                                        </p:tgtEl>
+                                        <p:attrNameLst>
+                                          <p:attrName>style.visibility</p:attrName>
+                                        </p:attrNameLst>
+                                      </p:cBhvr>
+                                      <p:to>
+                                        <p:strVal val="visible"/>
+                                      </p:to>
+                                    </p:set>
+                                  </p:childTnLst>
+                                </p:cTn>
+                              </p:par>
+                              <p:par>
+                                <p:cTn id="7" presetID="1" presetClass="entr" presetSubtype="0" fill="hold" nodeType="withEffect">
+                                  <p:stCondLst>
+                                    <p:cond delay="0"/>
+                                  </p:stCondLst>
+                                  <p:childTnLst>
+                                    <p:set>
+                                      <p:cBhvr>
+                                        <p:cTn id="8" dur="1" fill="hold">
+                                          <p:stCondLst>
+                                            <p:cond delay="0"/>
+                                          </p:stCondLst>
+                                        </p:cTn>
+                                        <p:tgtEl>
+                                          <p:spTgt spid="3">
+                                            <p:txEl>
+                                              <p:pRg st="3" end="3"/>
+                                            </p:txEl>
+                                          </p:spTgt>
+                                        </p:tgtEl>
+                                        <p:attrNameLst>
+                                          <p:attrName>style.visibility</p:attrName>
+                                        </p:attrNameLst>
+                                      </p:cBhvr>
+                                      <p:to>
+                                        <p:strVal val="visible"/>
+                                      </p:to>
+                                    </p:set>
+                                  </p:childTnLst>
+                                </p:cTn>
+                              </p:par>
+                              <p:par>
+                                <p:cTn id="9" presetID="1" presetClass="entr" presetSubtype="0" fill="hold" nodeType="withEffect">
+                                  <p:stCondLst>
+                                    <p:cond delay="0"/>
+                                  </p:stCondLst>
+                                  <p:childTnLst>
+                                    <p:set>
+                                      <p:cBhvr>
+                                        <p:cTn id="10" dur="1" fill="hold">
+                                          <p:stCondLst>
+                                            <p:cond delay="0"/>
+                                          </p:stCondLst>
+                                        </p:cTn>
+                                        <p:tgtEl>
+                                          <p:spTgt spid="3">
+                                            <p:txEl>
+                                              <p:pRg st="4" end="4"/>
+                                            </p:txEl>
+                                          </p:spTgt>
+                                        </p:tgtEl>
+                                        <p:attrNameLst>
+                                          <p:attrName>style.visibility</p:attrName>
+                                        </p:attrNameLst>
+                                      </p:cBhvr>
+                                      <p:to>
+                                        <p:strVal val="visible"/>
+                                      </p:to>
+                                    </p:set>
+                                  </p:childTnLst>
+                                </p:cTn>
+                              </p:par>
+                            </p:childTnLst>
+                          </p:cTn>
+                        </p:par>
+                      </p:childTnLst>
+                    </p:cTn>
+                  </p:par>
+                </p:childTnLst>
+              </p:cTn>
+              <p:prevCondLst>
+                <p:cond evt="onPrev" delay="0">
+                  <p:tgtEl>
+                    <p:sldTgt/>
+                  </p:tgtEl>
+                </p:cond>
+              </p:prevCondLst>
+              <p:nextCondLst>
+                <p:cond evt="onNext" delay="0">
+                  <p:tgtEl>
+                    <p:sldTgt/>
+                  </p:tgtEl>
+                </p:cond>
+              </p:nextCondLst>
+            </p:seq>
+          </p:childTnLst>
+        </p:cTn>
       </p:par>
     </p:tnLst>
   </p:timing>
@@ -9199,7 +12545,7 @@
           <p:nvPr/>
         </p:nvPicPr>
         <p:blipFill>
-          <a:blip r:embed="rId2" cstate="print">
+          <a:blip r:embed="rId3" cstate="print">
             <a:extLst>
               <a:ext uri="{28A0092B-C50C-407E-A947-70E740481C1C}">
                 <a14:useLocalDpi xmlns:a14="http://schemas.microsoft.com/office/drawing/2010/main" val="0"/>
@@ -9222,7 +12568,7 @@
           <a:noFill/>
           <a:extLst>
             <a:ext uri="{909E8E84-426E-40dd-AFC4-6F175D3DCCD1}">
-              <a14:hiddenFill xmlns="" xmlns:a14="http://schemas.microsoft.com/office/drawing/2010/main">
+              <a14:hiddenFill xmlns:a14="http://schemas.microsoft.com/office/drawing/2010/main">
                 <a:solidFill>
                   <a:srgbClr val="FFFFFF"/>
                 </a:solidFill>
@@ -9240,7 +12586,7 @@
           <p:nvPr/>
         </p:nvPicPr>
         <p:blipFill>
-          <a:blip r:embed="rId2" cstate="print">
+          <a:blip r:embed="rId3" cstate="print">
             <a:extLst>
               <a:ext uri="{28A0092B-C50C-407E-A947-70E740481C1C}">
                 <a14:useLocalDpi xmlns:a14="http://schemas.microsoft.com/office/drawing/2010/main" val="0"/>
@@ -9263,7 +12609,7 @@
           <a:noFill/>
           <a:extLst>
             <a:ext uri="{909E8E84-426E-40dd-AFC4-6F175D3DCCD1}">
-              <a14:hiddenFill xmlns="" xmlns:a14="http://schemas.microsoft.com/office/drawing/2010/main">
+              <a14:hiddenFill xmlns:a14="http://schemas.microsoft.com/office/drawing/2010/main">
                 <a:solidFill>
                   <a:srgbClr val="FFFFFF"/>
                 </a:solidFill>
@@ -9392,7 +12738,7 @@
           <p:nvPr/>
         </p:nvPicPr>
         <p:blipFill>
-          <a:blip r:embed="rId2" cstate="print">
+          <a:blip r:embed="rId3" cstate="print">
             <a:extLst>
               <a:ext uri="{28A0092B-C50C-407E-A947-70E740481C1C}">
                 <a14:useLocalDpi xmlns:a14="http://schemas.microsoft.com/office/drawing/2010/main" val="0"/>
@@ -9415,7 +12761,7 @@
           <a:noFill/>
           <a:extLst>
             <a:ext uri="{909E8E84-426E-40dd-AFC4-6F175D3DCCD1}">
-              <a14:hiddenFill xmlns="" xmlns:a14="http://schemas.microsoft.com/office/drawing/2010/main">
+              <a14:hiddenFill xmlns:a14="http://schemas.microsoft.com/office/drawing/2010/main">
                 <a:solidFill>
                   <a:srgbClr val="FFFFFF"/>
                 </a:solidFill>
@@ -9448,11 +12794,7 @@
           <a:p>
             <a:r>
               <a:rPr lang="en-CA" sz="1400" dirty="0" smtClean="0"/>
-              <a:t>= data collection </a:t>
-            </a:r>
-            <a:r>
-              <a:rPr lang="en-CA" sz="1400" dirty="0" smtClean="0"/>
-              <a:t>&amp; analysis ongoing</a:t>
+              <a:t>= data collection &amp; analysis ongoing</a:t>
             </a:r>
             <a:endParaRPr lang="en-CA" sz="1400" dirty="0"/>
           </a:p>
@@ -9628,7 +12970,7 @@
           <p:nvPr/>
         </p:nvPicPr>
         <p:blipFill>
-          <a:blip r:embed="rId2" cstate="print">
+          <a:blip r:embed="rId3" cstate="print">
             <a:extLst>
               <a:ext uri="{28A0092B-C50C-407E-A947-70E740481C1C}">
                 <a14:useLocalDpi xmlns:a14="http://schemas.microsoft.com/office/drawing/2010/main" val="0"/>
@@ -9651,7 +12993,7 @@
           <a:noFill/>
           <a:extLst>
             <a:ext uri="{909E8E84-426E-40dd-AFC4-6F175D3DCCD1}">
-              <a14:hiddenFill xmlns="" xmlns:a14="http://schemas.microsoft.com/office/drawing/2010/main">
+              <a14:hiddenFill xmlns:a14="http://schemas.microsoft.com/office/drawing/2010/main">
                 <a:solidFill>
                   <a:srgbClr val="FFFFFF"/>
                 </a:solidFill>
@@ -9854,7 +13196,7 @@
   <p:timing>
     <p:tnLst>
       <p:par>
-        <p:cTn id="1" dur="indefinite" restart="never" nodeType="tmRoot">
+        <p:cTn xmlns:p14="http://schemas.microsoft.com/office/powerpoint/2010/main" id="1" dur="indefinite" restart="never" nodeType="tmRoot">
           <p:childTnLst>
             <p:seq concurrent="1" nextAc="seek">
               <p:cTn id="2" dur="indefinite" nodeType="mainSeq">
@@ -10882,7 +14224,7 @@
   <p:timing>
     <p:tnLst>
       <p:par>
-        <p:cTn id="1" dur="indefinite" restart="never" nodeType="tmRoot"/>
+        <p:cTn xmlns:p14="http://schemas.microsoft.com/office/powerpoint/2010/main" id="1" dur="indefinite" restart="never" nodeType="tmRoot"/>
       </p:par>
     </p:tnLst>
   </p:timing>
@@ -10965,15 +14307,220 @@
           </a:p>
         </p:txBody>
       </p:sp>
+      <p:sp>
+        <p:nvSpPr>
+          <p:cNvPr id="8" name="Rectangle 7"/>
+          <p:cNvSpPr/>
+          <p:nvPr/>
+        </p:nvSpPr>
+        <p:spPr>
+          <a:xfrm>
+            <a:off x="150881" y="2677619"/>
+            <a:ext cx="8760441" cy="3158434"/>
+          </a:xfrm>
+          <a:prstGeom prst="rect">
+            <a:avLst/>
+          </a:prstGeom>
+          <a:solidFill>
+            <a:schemeClr val="tx1"/>
+          </a:solidFill>
+          <a:effectLst/>
+        </p:spPr>
+        <p:style>
+          <a:lnRef idx="1">
+            <a:schemeClr val="accent1"/>
+          </a:lnRef>
+          <a:fillRef idx="3">
+            <a:schemeClr val="accent1"/>
+          </a:fillRef>
+          <a:effectRef idx="2">
+            <a:schemeClr val="accent1"/>
+          </a:effectRef>
+          <a:fontRef idx="minor">
+            <a:schemeClr val="lt1"/>
+          </a:fontRef>
+        </p:style>
+        <p:txBody>
+          <a:bodyPr rtlCol="0" anchor="ctr"/>
+          <a:lstStyle/>
+          <a:p>
+            <a:pPr algn="ctr"/>
+            <a:r>
+              <a:rPr lang="en-US" dirty="0" smtClean="0"/>
+              <a:t>1. But don’t rush me now, I can hear you coming</a:t>
+            </a:r>
+          </a:p>
+          <a:p>
+            <a:pPr algn="ctr"/>
+            <a:endParaRPr lang="en-US" dirty="0"/>
+          </a:p>
+          <a:p>
+            <a:pPr algn="ctr"/>
+            <a:r>
+              <a:rPr lang="en-US" dirty="0" smtClean="0"/>
+              <a:t>2. But don’t rush me now, I can hear you calling</a:t>
+            </a:r>
+            <a:endParaRPr lang="en-US" dirty="0"/>
+          </a:p>
+        </p:txBody>
+      </p:sp>
+    </p:spTree>
+    <p:extLst>
+      <p:ext uri="{BB962C8B-B14F-4D97-AF65-F5344CB8AC3E}">
+        <p14:creationId xmlns:p14="http://schemas.microsoft.com/office/powerpoint/2010/main" val="3857514399"/>
+      </p:ext>
+    </p:extLst>
+  </p:cSld>
+  <p:clrMapOvr>
+    <a:masterClrMapping/>
+  </p:clrMapOvr>
+  <p:timing>
+    <p:tnLst>
+      <p:par>
+        <p:cTn xmlns:p14="http://schemas.microsoft.com/office/powerpoint/2010/main" id="1" dur="indefinite" restart="never" nodeType="tmRoot"/>
+      </p:par>
+    </p:tnLst>
+  </p:timing>
+</p:sld>
+</file>
+
+<file path=ppt/slides/slide7.xml><?xml version="1.0" encoding="utf-8"?>
+<p:sld xmlns:a="http://schemas.openxmlformats.org/drawingml/2006/main" xmlns:r="http://schemas.openxmlformats.org/officeDocument/2006/relationships" xmlns:p="http://schemas.openxmlformats.org/presentationml/2006/main">
+  <p:cSld>
+    <p:spTree>
+      <p:nvGrpSpPr>
+        <p:cNvPr id="1" name=""/>
+        <p:cNvGrpSpPr/>
+        <p:nvPr/>
+      </p:nvGrpSpPr>
+      <p:grpSpPr>
+        <a:xfrm>
+          <a:off x="0" y="0"/>
+          <a:ext cx="0" cy="0"/>
+          <a:chOff x="0" y="0"/>
+          <a:chExt cx="0" cy="0"/>
+        </a:xfrm>
+      </p:grpSpPr>
+      <p:sp>
+        <p:nvSpPr>
+          <p:cNvPr id="2" name="Title 1"/>
+          <p:cNvSpPr>
+            <a:spLocks noGrp="1"/>
+          </p:cNvSpPr>
+          <p:nvPr>
+            <p:ph type="title"/>
+          </p:nvPr>
+        </p:nvSpPr>
+        <p:spPr/>
+        <p:txBody>
+          <a:bodyPr/>
+          <a:lstStyle/>
+          <a:p>
+            <a:r>
+              <a:rPr lang="en-US" dirty="0" smtClean="0"/>
+              <a:t>Familiarity test 2</a:t>
+            </a:r>
+            <a:endParaRPr lang="en-US" dirty="0"/>
+          </a:p>
+        </p:txBody>
+      </p:sp>
+      <p:sp>
+        <p:nvSpPr>
+          <p:cNvPr id="3" name="Content Placeholder 2"/>
+          <p:cNvSpPr>
+            <a:spLocks noGrp="1"/>
+          </p:cNvSpPr>
+          <p:nvPr>
+            <p:ph idx="1"/>
+          </p:nvPr>
+        </p:nvSpPr>
+        <p:spPr>
+          <a:xfrm>
+            <a:off x="418824" y="1334199"/>
+            <a:ext cx="8237054" cy="4351338"/>
+          </a:xfrm>
+        </p:spPr>
+        <p:txBody>
+          <a:bodyPr>
+            <a:normAutofit/>
+          </a:bodyPr>
+          <a:lstStyle/>
+          <a:p>
+            <a:r>
+              <a:rPr lang="en-US" dirty="0" smtClean="0"/>
+              <a:t>Melody Familiarity</a:t>
+            </a:r>
+          </a:p>
+          <a:p>
+            <a:pPr lvl="1"/>
+            <a:r>
+              <a:rPr lang="en-US" dirty="0" smtClean="0"/>
+              <a:t>Forced choice between 2 sec clips </a:t>
+            </a:r>
+          </a:p>
+          <a:p>
+            <a:pPr lvl="1"/>
+            <a:r>
+              <a:rPr lang="en-US" dirty="0" smtClean="0"/>
+              <a:t>Familiar </a:t>
+            </a:r>
+            <a:r>
+              <a:rPr lang="en-US" dirty="0" err="1" smtClean="0"/>
+              <a:t>vs</a:t>
+            </a:r>
+            <a:r>
+              <a:rPr lang="en-US" dirty="0" smtClean="0"/>
+              <a:t> Unfamiliar</a:t>
+            </a:r>
+          </a:p>
+        </p:txBody>
+      </p:sp>
+      <p:sp>
+        <p:nvSpPr>
+          <p:cNvPr id="10" name="TextBox 9"/>
+          <p:cNvSpPr txBox="1"/>
+          <p:nvPr/>
+        </p:nvSpPr>
+        <p:spPr>
+          <a:xfrm>
+            <a:off x="6835920" y="3609156"/>
+            <a:ext cx="1159617" cy="646331"/>
+          </a:xfrm>
+          <a:prstGeom prst="rect">
+            <a:avLst/>
+          </a:prstGeom>
+          <a:noFill/>
+        </p:spPr>
+        <p:txBody>
+          <a:bodyPr wrap="none" rtlCol="0">
+            <a:spAutoFit/>
+          </a:bodyPr>
+          <a:lstStyle/>
+          <a:p>
+            <a:pPr algn="ctr"/>
+            <a:r>
+              <a:rPr lang="en-US" dirty="0" smtClean="0"/>
+              <a:t>Full set </a:t>
+            </a:r>
+          </a:p>
+          <a:p>
+            <a:pPr algn="ctr"/>
+            <a:r>
+              <a:rPr lang="en-US" dirty="0" smtClean="0"/>
+              <a:t>(25 pairs)</a:t>
+            </a:r>
+          </a:p>
+        </p:txBody>
+      </p:sp>
       <p:grpSp>
         <p:nvGrpSpPr>
-          <p:cNvPr id="4" name="Group 3"/>
+          <p:cNvPr id="11" name="Group 10"/>
           <p:cNvGrpSpPr/>
           <p:nvPr/>
         </p:nvGrpSpPr>
         <p:grpSpPr>
           <a:xfrm>
-            <a:off x="1214783" y="3068025"/>
+            <a:off x="1221513" y="3071511"/>
             <a:ext cx="6714434" cy="485913"/>
             <a:chOff x="1148522" y="1535043"/>
             <a:chExt cx="6714434" cy="485913"/>
@@ -10981,7 +14528,7 @@
         </p:grpSpPr>
         <p:sp>
           <p:nvSpPr>
-            <p:cNvPr id="5" name="Rectangle 4"/>
+            <p:cNvPr id="12" name="Rectangle 11"/>
             <p:cNvSpPr/>
             <p:nvPr/>
           </p:nvSpPr>
@@ -11032,7 +14579,7 @@
         </p:sp>
         <p:sp>
           <p:nvSpPr>
-            <p:cNvPr id="6" name="Rectangle 5"/>
+            <p:cNvPr id="13" name="Rectangle 12"/>
             <p:cNvSpPr/>
             <p:nvPr/>
           </p:nvSpPr>
@@ -11045,7 +14592,7 @@
               <a:avLst/>
             </a:prstGeom>
             <a:solidFill>
-              <a:schemeClr val="accent4"/>
+              <a:srgbClr val="7030A0"/>
             </a:solidFill>
             <a:ln>
               <a:solidFill>
@@ -11083,7 +14630,7 @@
         </p:sp>
         <p:sp>
           <p:nvSpPr>
-            <p:cNvPr id="7" name="Rectangle 6"/>
+            <p:cNvPr id="14" name="Rectangle 13"/>
             <p:cNvSpPr/>
             <p:nvPr/>
           </p:nvSpPr>
@@ -11133,718 +14680,6 @@
           </p:txBody>
         </p:sp>
       </p:grpSp>
-      <p:sp>
-        <p:nvSpPr>
-          <p:cNvPr id="8" name="Rectangle 7"/>
-          <p:cNvSpPr/>
-          <p:nvPr/>
-        </p:nvSpPr>
-        <p:spPr>
-          <a:xfrm>
-            <a:off x="194675" y="2850431"/>
-            <a:ext cx="8760441" cy="3158434"/>
-          </a:xfrm>
-          <a:prstGeom prst="rect">
-            <a:avLst/>
-          </a:prstGeom>
-          <a:solidFill>
-            <a:schemeClr val="tx1"/>
-          </a:solidFill>
-          <a:effectLst/>
-        </p:spPr>
-        <p:style>
-          <a:lnRef idx="1">
-            <a:schemeClr val="accent1"/>
-          </a:lnRef>
-          <a:fillRef idx="3">
-            <a:schemeClr val="accent1"/>
-          </a:fillRef>
-          <a:effectRef idx="2">
-            <a:schemeClr val="accent1"/>
-          </a:effectRef>
-          <a:fontRef idx="minor">
-            <a:schemeClr val="lt1"/>
-          </a:fontRef>
-        </p:style>
-        <p:txBody>
-          <a:bodyPr rtlCol="0" anchor="ctr"/>
-          <a:lstStyle/>
-          <a:p>
-            <a:pPr algn="ctr"/>
-            <a:r>
-              <a:rPr lang="en-US" dirty="0" smtClean="0"/>
-              <a:t>1. But don’t rush me now, I can hear you coming</a:t>
-            </a:r>
-          </a:p>
-          <a:p>
-            <a:pPr algn="ctr"/>
-            <a:endParaRPr lang="en-US" dirty="0"/>
-          </a:p>
-          <a:p>
-            <a:pPr algn="ctr"/>
-            <a:r>
-              <a:rPr lang="en-US" dirty="0" smtClean="0"/>
-              <a:t>2. But don’t rush me now, I can hear you calling</a:t>
-            </a:r>
-            <a:endParaRPr lang="en-US" dirty="0"/>
-          </a:p>
-        </p:txBody>
-      </p:sp>
-      <p:sp>
-        <p:nvSpPr>
-          <p:cNvPr id="9" name="TextBox 8"/>
-          <p:cNvSpPr txBox="1"/>
-          <p:nvPr/>
-        </p:nvSpPr>
-        <p:spPr>
-          <a:xfrm>
-            <a:off x="1137488" y="3609156"/>
-            <a:ext cx="1159617" cy="646331"/>
-          </a:xfrm>
-          <a:prstGeom prst="rect">
-            <a:avLst/>
-          </a:prstGeom>
-          <a:noFill/>
-        </p:spPr>
-        <p:txBody>
-          <a:bodyPr wrap="none" rtlCol="0">
-            <a:spAutoFit/>
-          </a:bodyPr>
-          <a:lstStyle/>
-          <a:p>
-            <a:pPr algn="ctr"/>
-            <a:r>
-              <a:rPr lang="en-US" dirty="0" smtClean="0"/>
-              <a:t>Full set </a:t>
-            </a:r>
-          </a:p>
-          <a:p>
-            <a:pPr algn="ctr"/>
-            <a:r>
-              <a:rPr lang="en-US" dirty="0" smtClean="0"/>
-              <a:t>(25 pairs)</a:t>
-            </a:r>
-          </a:p>
-        </p:txBody>
-      </p:sp>
-      <p:sp>
-        <p:nvSpPr>
-          <p:cNvPr id="10" name="TextBox 9"/>
-          <p:cNvSpPr txBox="1"/>
-          <p:nvPr/>
-        </p:nvSpPr>
-        <p:spPr>
-          <a:xfrm>
-            <a:off x="6835920" y="3609156"/>
-            <a:ext cx="1159617" cy="646331"/>
-          </a:xfrm>
-          <a:prstGeom prst="rect">
-            <a:avLst/>
-          </a:prstGeom>
-          <a:noFill/>
-        </p:spPr>
-        <p:txBody>
-          <a:bodyPr wrap="none" rtlCol="0">
-            <a:spAutoFit/>
-          </a:bodyPr>
-          <a:lstStyle/>
-          <a:p>
-            <a:pPr algn="ctr"/>
-            <a:r>
-              <a:rPr lang="en-US" dirty="0" smtClean="0"/>
-              <a:t>Full set </a:t>
-            </a:r>
-          </a:p>
-          <a:p>
-            <a:pPr algn="ctr"/>
-            <a:r>
-              <a:rPr lang="en-US" dirty="0" smtClean="0"/>
-              <a:t>(25 pairs)</a:t>
-            </a:r>
-          </a:p>
-        </p:txBody>
-      </p:sp>
-      <p:sp>
-        <p:nvSpPr>
-          <p:cNvPr id="11" name="TextBox 10"/>
-          <p:cNvSpPr txBox="1"/>
-          <p:nvPr/>
-        </p:nvSpPr>
-        <p:spPr>
-          <a:xfrm>
-            <a:off x="3962409" y="3609156"/>
-            <a:ext cx="1159617" cy="646331"/>
-          </a:xfrm>
-          <a:prstGeom prst="rect">
-            <a:avLst/>
-          </a:prstGeom>
-          <a:noFill/>
-        </p:spPr>
-        <p:txBody>
-          <a:bodyPr wrap="none" rtlCol="0">
-            <a:spAutoFit/>
-          </a:bodyPr>
-          <a:lstStyle/>
-          <a:p>
-            <a:pPr algn="ctr"/>
-            <a:r>
-              <a:rPr lang="en-US" dirty="0" smtClean="0"/>
-              <a:t>Subset </a:t>
-            </a:r>
-          </a:p>
-          <a:p>
-            <a:pPr algn="ctr"/>
-            <a:r>
-              <a:rPr lang="en-US" dirty="0" smtClean="0"/>
-              <a:t>(10 pairs)</a:t>
-            </a:r>
-          </a:p>
-        </p:txBody>
-      </p:sp>
-    </p:spTree>
-    <p:extLst>
-      <p:ext uri="{BB962C8B-B14F-4D97-AF65-F5344CB8AC3E}">
-        <p14:creationId xmlns:p14="http://schemas.microsoft.com/office/powerpoint/2010/main" val="3857514399"/>
-      </p:ext>
-    </p:extLst>
-  </p:cSld>
-  <p:clrMapOvr>
-    <a:masterClrMapping/>
-  </p:clrMapOvr>
-  <p:timing>
-    <p:tnLst>
-      <p:par>
-        <p:cTn id="1" dur="indefinite" restart="never" nodeType="tmRoot">
-          <p:childTnLst>
-            <p:seq concurrent="1" nextAc="seek">
-              <p:cTn id="2" dur="indefinite" nodeType="mainSeq">
-                <p:childTnLst>
-                  <p:par>
-                    <p:cTn id="3" fill="hold">
-                      <p:stCondLst>
-                        <p:cond delay="indefinite"/>
-                      </p:stCondLst>
-                      <p:childTnLst>
-                        <p:par>
-                          <p:cTn id="4" fill="hold">
-                            <p:stCondLst>
-                              <p:cond delay="0"/>
-                            </p:stCondLst>
-                            <p:childTnLst>
-                              <p:par>
-                                <p:cTn id="5" presetID="1" presetClass="entr" presetSubtype="0" fill="hold" grpId="0" nodeType="clickEffect">
-                                  <p:stCondLst>
-                                    <p:cond delay="0"/>
-                                  </p:stCondLst>
-                                  <p:childTnLst>
-                                    <p:set>
-                                      <p:cBhvr>
-                                        <p:cTn id="6" dur="1" fill="hold">
-                                          <p:stCondLst>
-                                            <p:cond delay="0"/>
-                                          </p:stCondLst>
-                                        </p:cTn>
-                                        <p:tgtEl>
-                                          <p:spTgt spid="8"/>
-                                        </p:tgtEl>
-                                        <p:attrNameLst>
-                                          <p:attrName>style.visibility</p:attrName>
-                                        </p:attrNameLst>
-                                      </p:cBhvr>
-                                      <p:to>
-                                        <p:strVal val="visible"/>
-                                      </p:to>
-                                    </p:set>
-                                  </p:childTnLst>
-                                </p:cTn>
-                              </p:par>
-                            </p:childTnLst>
-                          </p:cTn>
-                        </p:par>
-                      </p:childTnLst>
-                    </p:cTn>
-                  </p:par>
-                  <p:par>
-                    <p:cTn id="7" fill="hold">
-                      <p:stCondLst>
-                        <p:cond delay="indefinite"/>
-                      </p:stCondLst>
-                      <p:childTnLst>
-                        <p:par>
-                          <p:cTn id="8" fill="hold">
-                            <p:stCondLst>
-                              <p:cond delay="0"/>
-                            </p:stCondLst>
-                            <p:childTnLst>
-                              <p:par>
-                                <p:cTn id="9" presetID="1" presetClass="exit" presetSubtype="0" fill="hold" grpId="1" nodeType="clickEffect">
-                                  <p:stCondLst>
-                                    <p:cond delay="0"/>
-                                  </p:stCondLst>
-                                  <p:childTnLst>
-                                    <p:set>
-                                      <p:cBhvr>
-                                        <p:cTn id="10" dur="1" fill="hold">
-                                          <p:stCondLst>
-                                            <p:cond delay="0"/>
-                                          </p:stCondLst>
-                                        </p:cTn>
-                                        <p:tgtEl>
-                                          <p:spTgt spid="8"/>
-                                        </p:tgtEl>
-                                        <p:attrNameLst>
-                                          <p:attrName>style.visibility</p:attrName>
-                                        </p:attrNameLst>
-                                      </p:cBhvr>
-                                      <p:to>
-                                        <p:strVal val="hidden"/>
-                                      </p:to>
-                                    </p:set>
-                                  </p:childTnLst>
-                                </p:cTn>
-                              </p:par>
-                              <p:par>
-                                <p:cTn id="11" presetID="1" presetClass="entr" presetSubtype="0" fill="hold" nodeType="withEffect">
-                                  <p:stCondLst>
-                                    <p:cond delay="0"/>
-                                  </p:stCondLst>
-                                  <p:childTnLst>
-                                    <p:set>
-                                      <p:cBhvr>
-                                        <p:cTn id="12" dur="1" fill="hold">
-                                          <p:stCondLst>
-                                            <p:cond delay="0"/>
-                                          </p:stCondLst>
-                                        </p:cTn>
-                                        <p:tgtEl>
-                                          <p:spTgt spid="4"/>
-                                        </p:tgtEl>
-                                        <p:attrNameLst>
-                                          <p:attrName>style.visibility</p:attrName>
-                                        </p:attrNameLst>
-                                      </p:cBhvr>
-                                      <p:to>
-                                        <p:strVal val="visible"/>
-                                      </p:to>
-                                    </p:set>
-                                  </p:childTnLst>
-                                </p:cTn>
-                              </p:par>
-                              <p:par>
-                                <p:cTn id="13" presetID="1" presetClass="entr" presetSubtype="0" fill="hold" grpId="0" nodeType="withEffect">
-                                  <p:stCondLst>
-                                    <p:cond delay="0"/>
-                                  </p:stCondLst>
-                                  <p:childTnLst>
-                                    <p:set>
-                                      <p:cBhvr>
-                                        <p:cTn id="14" dur="1" fill="hold">
-                                          <p:stCondLst>
-                                            <p:cond delay="0"/>
-                                          </p:stCondLst>
-                                        </p:cTn>
-                                        <p:tgtEl>
-                                          <p:spTgt spid="9"/>
-                                        </p:tgtEl>
-                                        <p:attrNameLst>
-                                          <p:attrName>style.visibility</p:attrName>
-                                        </p:attrNameLst>
-                                      </p:cBhvr>
-                                      <p:to>
-                                        <p:strVal val="visible"/>
-                                      </p:to>
-                                    </p:set>
-                                  </p:childTnLst>
-                                </p:cTn>
-                              </p:par>
-                              <p:par>
-                                <p:cTn id="15" presetID="1" presetClass="entr" presetSubtype="0" fill="hold" grpId="0" nodeType="withEffect">
-                                  <p:stCondLst>
-                                    <p:cond delay="0"/>
-                                  </p:stCondLst>
-                                  <p:childTnLst>
-                                    <p:set>
-                                      <p:cBhvr>
-                                        <p:cTn id="16" dur="1" fill="hold">
-                                          <p:stCondLst>
-                                            <p:cond delay="0"/>
-                                          </p:stCondLst>
-                                        </p:cTn>
-                                        <p:tgtEl>
-                                          <p:spTgt spid="11"/>
-                                        </p:tgtEl>
-                                        <p:attrNameLst>
-                                          <p:attrName>style.visibility</p:attrName>
-                                        </p:attrNameLst>
-                                      </p:cBhvr>
-                                      <p:to>
-                                        <p:strVal val="visible"/>
-                                      </p:to>
-                                    </p:set>
-                                  </p:childTnLst>
-                                </p:cTn>
-                              </p:par>
-                              <p:par>
-                                <p:cTn id="17" presetID="1" presetClass="entr" presetSubtype="0" fill="hold" grpId="0" nodeType="withEffect">
-                                  <p:stCondLst>
-                                    <p:cond delay="0"/>
-                                  </p:stCondLst>
-                                  <p:childTnLst>
-                                    <p:set>
-                                      <p:cBhvr>
-                                        <p:cTn id="18" dur="1" fill="hold">
-                                          <p:stCondLst>
-                                            <p:cond delay="0"/>
-                                          </p:stCondLst>
-                                        </p:cTn>
-                                        <p:tgtEl>
-                                          <p:spTgt spid="10"/>
-                                        </p:tgtEl>
-                                        <p:attrNameLst>
-                                          <p:attrName>style.visibility</p:attrName>
-                                        </p:attrNameLst>
-                                      </p:cBhvr>
-                                      <p:to>
-                                        <p:strVal val="visible"/>
-                                      </p:to>
-                                    </p:set>
-                                  </p:childTnLst>
-                                </p:cTn>
-                              </p:par>
-                            </p:childTnLst>
-                          </p:cTn>
-                        </p:par>
-                      </p:childTnLst>
-                    </p:cTn>
-                  </p:par>
-                </p:childTnLst>
-              </p:cTn>
-              <p:prevCondLst>
-                <p:cond evt="onPrev" delay="0">
-                  <p:tgtEl>
-                    <p:sldTgt/>
-                  </p:tgtEl>
-                </p:cond>
-              </p:prevCondLst>
-              <p:nextCondLst>
-                <p:cond evt="onNext" delay="0">
-                  <p:tgtEl>
-                    <p:sldTgt/>
-                  </p:tgtEl>
-                </p:cond>
-              </p:nextCondLst>
-            </p:seq>
-          </p:childTnLst>
-        </p:cTn>
-      </p:par>
-    </p:tnLst>
-    <p:bldLst>
-      <p:bldP spid="8" grpId="0" animBg="1"/>
-      <p:bldP spid="8" grpId="1" animBg="1"/>
-      <p:bldP spid="9" grpId="0"/>
-      <p:bldP spid="10" grpId="0"/>
-      <p:bldP spid="11" grpId="0"/>
-    </p:bldLst>
-  </p:timing>
-</p:sld>
-</file>
-
-<file path=ppt/slides/slide7.xml><?xml version="1.0" encoding="utf-8"?>
-<p:sld xmlns:a="http://schemas.openxmlformats.org/drawingml/2006/main" xmlns:r="http://schemas.openxmlformats.org/officeDocument/2006/relationships" xmlns:p="http://schemas.openxmlformats.org/presentationml/2006/main">
-  <p:cSld>
-    <p:spTree>
-      <p:nvGrpSpPr>
-        <p:cNvPr id="1" name=""/>
-        <p:cNvGrpSpPr/>
-        <p:nvPr/>
-      </p:nvGrpSpPr>
-      <p:grpSpPr>
-        <a:xfrm>
-          <a:off x="0" y="0"/>
-          <a:ext cx="0" cy="0"/>
-          <a:chOff x="0" y="0"/>
-          <a:chExt cx="0" cy="0"/>
-        </a:xfrm>
-      </p:grpSpPr>
-      <p:sp>
-        <p:nvSpPr>
-          <p:cNvPr id="2" name="Title 1"/>
-          <p:cNvSpPr>
-            <a:spLocks noGrp="1"/>
-          </p:cNvSpPr>
-          <p:nvPr>
-            <p:ph type="title"/>
-          </p:nvPr>
-        </p:nvSpPr>
-        <p:spPr/>
-        <p:txBody>
-          <a:bodyPr/>
-          <a:lstStyle/>
-          <a:p>
-            <a:r>
-              <a:rPr lang="en-US" dirty="0" smtClean="0"/>
-              <a:t>Familiarity test 2</a:t>
-            </a:r>
-            <a:endParaRPr lang="en-US" dirty="0"/>
-          </a:p>
-        </p:txBody>
-      </p:sp>
-      <p:sp>
-        <p:nvSpPr>
-          <p:cNvPr id="3" name="Content Placeholder 2"/>
-          <p:cNvSpPr>
-            <a:spLocks noGrp="1"/>
-          </p:cNvSpPr>
-          <p:nvPr>
-            <p:ph idx="1"/>
-          </p:nvPr>
-        </p:nvSpPr>
-        <p:spPr>
-          <a:xfrm>
-            <a:off x="418824" y="1334199"/>
-            <a:ext cx="8237054" cy="4351338"/>
-          </a:xfrm>
-        </p:spPr>
-        <p:txBody>
-          <a:bodyPr>
-            <a:normAutofit/>
-          </a:bodyPr>
-          <a:lstStyle/>
-          <a:p>
-            <a:r>
-              <a:rPr lang="en-US" dirty="0" smtClean="0"/>
-              <a:t>Melody Familiarity</a:t>
-            </a:r>
-          </a:p>
-          <a:p>
-            <a:pPr lvl="1"/>
-            <a:r>
-              <a:rPr lang="en-US" dirty="0" smtClean="0"/>
-              <a:t>Forced choice between 2 sec clips </a:t>
-            </a:r>
-          </a:p>
-          <a:p>
-            <a:pPr lvl="1"/>
-            <a:r>
-              <a:rPr lang="en-US" dirty="0" smtClean="0"/>
-              <a:t>Familiar </a:t>
-            </a:r>
-            <a:r>
-              <a:rPr lang="en-US" dirty="0" err="1" smtClean="0"/>
-              <a:t>vs</a:t>
-            </a:r>
-            <a:r>
-              <a:rPr lang="en-US" dirty="0" smtClean="0"/>
-              <a:t> Unfamiliar</a:t>
-            </a:r>
-          </a:p>
-        </p:txBody>
-      </p:sp>
-      <p:grpSp>
-        <p:nvGrpSpPr>
-          <p:cNvPr id="4" name="Group 3"/>
-          <p:cNvGrpSpPr/>
-          <p:nvPr/>
-        </p:nvGrpSpPr>
-        <p:grpSpPr>
-          <a:xfrm>
-            <a:off x="1214783" y="3068025"/>
-            <a:ext cx="6714434" cy="485913"/>
-            <a:chOff x="1148522" y="1535043"/>
-            <a:chExt cx="6714434" cy="485913"/>
-          </a:xfrm>
-        </p:grpSpPr>
-        <p:sp>
-          <p:nvSpPr>
-            <p:cNvPr id="5" name="Rectangle 4"/>
-            <p:cNvSpPr/>
-            <p:nvPr/>
-          </p:nvSpPr>
-          <p:spPr>
-            <a:xfrm>
-              <a:off x="1148522" y="1535043"/>
-              <a:ext cx="1060174" cy="485913"/>
-            </a:xfrm>
-            <a:prstGeom prst="rect">
-              <a:avLst/>
-            </a:prstGeom>
-            <a:solidFill>
-              <a:schemeClr val="accent1"/>
-            </a:solidFill>
-            <a:ln>
-              <a:solidFill>
-                <a:schemeClr val="tx1"/>
-              </a:solidFill>
-            </a:ln>
-            <a:effectLst/>
-          </p:spPr>
-          <p:style>
-            <a:lnRef idx="1">
-              <a:schemeClr val="accent1"/>
-            </a:lnRef>
-            <a:fillRef idx="3">
-              <a:schemeClr val="accent1"/>
-            </a:fillRef>
-            <a:effectRef idx="2">
-              <a:schemeClr val="accent1"/>
-            </a:effectRef>
-            <a:fontRef idx="minor">
-              <a:schemeClr val="lt1"/>
-            </a:fontRef>
-          </p:style>
-          <p:txBody>
-            <a:bodyPr rtlCol="0" anchor="ctr"/>
-            <a:lstStyle/>
-            <a:p>
-              <a:pPr algn="ctr"/>
-              <a:r>
-                <a:rPr lang="en-US" dirty="0" smtClean="0"/>
-                <a:t>Scan 1</a:t>
-              </a:r>
-              <a:endParaRPr lang="en-US" dirty="0"/>
-            </a:p>
-          </p:txBody>
-        </p:sp>
-        <p:sp>
-          <p:nvSpPr>
-            <p:cNvPr id="6" name="Rectangle 5"/>
-            <p:cNvSpPr/>
-            <p:nvPr/>
-          </p:nvSpPr>
-          <p:spPr>
-            <a:xfrm>
-              <a:off x="2208695" y="1535043"/>
-              <a:ext cx="4594087" cy="485913"/>
-            </a:xfrm>
-            <a:prstGeom prst="rect">
-              <a:avLst/>
-            </a:prstGeom>
-            <a:solidFill>
-              <a:schemeClr val="accent4"/>
-            </a:solidFill>
-            <a:ln>
-              <a:solidFill>
-                <a:schemeClr val="tx1"/>
-              </a:solidFill>
-            </a:ln>
-            <a:effectLst/>
-          </p:spPr>
-          <p:style>
-            <a:lnRef idx="1">
-              <a:schemeClr val="accent1"/>
-            </a:lnRef>
-            <a:fillRef idx="3">
-              <a:schemeClr val="accent1"/>
-            </a:fillRef>
-            <a:effectRef idx="2">
-              <a:schemeClr val="accent1"/>
-            </a:effectRef>
-            <a:fontRef idx="minor">
-              <a:schemeClr val="lt1"/>
-            </a:fontRef>
-          </p:style>
-          <p:txBody>
-            <a:bodyPr rtlCol="0" anchor="ctr"/>
-            <a:lstStyle/>
-            <a:p>
-              <a:pPr algn="ctr"/>
-              <a:r>
-                <a:rPr lang="en-US" dirty="0" smtClean="0"/>
-                <a:t>Training</a:t>
-              </a:r>
-              <a:endParaRPr lang="en-US" dirty="0"/>
-            </a:p>
-          </p:txBody>
-        </p:sp>
-        <p:sp>
-          <p:nvSpPr>
-            <p:cNvPr id="7" name="Rectangle 6"/>
-            <p:cNvSpPr/>
-            <p:nvPr/>
-          </p:nvSpPr>
-          <p:spPr>
-            <a:xfrm>
-              <a:off x="6802782" y="1535043"/>
-              <a:ext cx="1060174" cy="485913"/>
-            </a:xfrm>
-            <a:prstGeom prst="rect">
-              <a:avLst/>
-            </a:prstGeom>
-            <a:solidFill>
-              <a:schemeClr val="accent1"/>
-            </a:solidFill>
-            <a:ln>
-              <a:solidFill>
-                <a:schemeClr val="tx1"/>
-              </a:solidFill>
-            </a:ln>
-            <a:effectLst/>
-          </p:spPr>
-          <p:style>
-            <a:lnRef idx="1">
-              <a:schemeClr val="accent1"/>
-            </a:lnRef>
-            <a:fillRef idx="3">
-              <a:schemeClr val="accent1"/>
-            </a:fillRef>
-            <a:effectRef idx="2">
-              <a:schemeClr val="accent1"/>
-            </a:effectRef>
-            <a:fontRef idx="minor">
-              <a:schemeClr val="lt1"/>
-            </a:fontRef>
-          </p:style>
-          <p:txBody>
-            <a:bodyPr rtlCol="0" anchor="ctr"/>
-            <a:lstStyle/>
-            <a:p>
-              <a:pPr algn="ctr"/>
-              <a:r>
-                <a:rPr lang="en-US" dirty="0" smtClean="0"/>
-                <a:t>Scan 2</a:t>
-              </a:r>
-              <a:endParaRPr lang="en-US" dirty="0"/>
-            </a:p>
-          </p:txBody>
-        </p:sp>
-      </p:grpSp>
-      <p:sp>
-        <p:nvSpPr>
-          <p:cNvPr id="10" name="TextBox 9"/>
-          <p:cNvSpPr txBox="1"/>
-          <p:nvPr/>
-        </p:nvSpPr>
-        <p:spPr>
-          <a:xfrm>
-            <a:off x="6835920" y="3609156"/>
-            <a:ext cx="1159617" cy="646331"/>
-          </a:xfrm>
-          <a:prstGeom prst="rect">
-            <a:avLst/>
-          </a:prstGeom>
-          <a:noFill/>
-        </p:spPr>
-        <p:txBody>
-          <a:bodyPr wrap="none" rtlCol="0">
-            <a:spAutoFit/>
-          </a:bodyPr>
-          <a:lstStyle/>
-          <a:p>
-            <a:pPr algn="ctr"/>
-            <a:r>
-              <a:rPr lang="en-US" dirty="0" smtClean="0"/>
-              <a:t>Full set </a:t>
-            </a:r>
-          </a:p>
-          <a:p>
-            <a:pPr algn="ctr"/>
-            <a:r>
-              <a:rPr lang="en-US" dirty="0" smtClean="0"/>
-              <a:t>(25 pairs)</a:t>
-            </a:r>
-          </a:p>
-        </p:txBody>
-      </p:sp>
     </p:spTree>
     <p:extLst>
       <p:ext uri="{BB962C8B-B14F-4D97-AF65-F5344CB8AC3E}">
@@ -11858,7 +14693,7 @@
   <p:timing>
     <p:tnLst>
       <p:par>
-        <p:cTn id="1" dur="indefinite" restart="never" nodeType="tmRoot"/>
+        <p:cTn xmlns:p14="http://schemas.microsoft.com/office/powerpoint/2010/main" id="1" dur="indefinite" restart="never" nodeType="tmRoot"/>
       </p:par>
     </p:tnLst>
   </p:timing>
@@ -11973,128 +14808,7 @@
   <p:timing>
     <p:tnLst>
       <p:par>
-        <p:cTn id="1" dur="indefinite" restart="never" nodeType="tmRoot">
-          <p:childTnLst>
-            <p:seq concurrent="1" nextAc="seek">
-              <p:cTn id="2" dur="indefinite" nodeType="mainSeq">
-                <p:childTnLst>
-                  <p:par>
-                    <p:cTn id="3" fill="hold">
-                      <p:stCondLst>
-                        <p:cond delay="indefinite"/>
-                      </p:stCondLst>
-                      <p:childTnLst>
-                        <p:par>
-                          <p:cTn id="4" fill="hold">
-                            <p:stCondLst>
-                              <p:cond delay="0"/>
-                            </p:stCondLst>
-                            <p:childTnLst>
-                              <p:par>
-                                <p:cTn id="5" presetID="1" presetClass="entr" presetSubtype="0" fill="hold" nodeType="clickEffect">
-                                  <p:stCondLst>
-                                    <p:cond delay="0"/>
-                                  </p:stCondLst>
-                                  <p:childTnLst>
-                                    <p:set>
-                                      <p:cBhvr>
-                                        <p:cTn id="6" dur="1" fill="hold">
-                                          <p:stCondLst>
-                                            <p:cond delay="0"/>
-                                          </p:stCondLst>
-                                        </p:cTn>
-                                        <p:tgtEl>
-                                          <p:spTgt spid="3">
-                                            <p:txEl>
-                                              <p:pRg st="3" end="3"/>
-                                            </p:txEl>
-                                          </p:spTgt>
-                                        </p:tgtEl>
-                                        <p:attrNameLst>
-                                          <p:attrName>style.visibility</p:attrName>
-                                        </p:attrNameLst>
-                                      </p:cBhvr>
-                                      <p:to>
-                                        <p:strVal val="visible"/>
-                                      </p:to>
-                                    </p:set>
-                                  </p:childTnLst>
-                                </p:cTn>
-                              </p:par>
-                            </p:childTnLst>
-                          </p:cTn>
-                        </p:par>
-                      </p:childTnLst>
-                    </p:cTn>
-                  </p:par>
-                  <p:par>
-                    <p:cTn id="7" fill="hold">
-                      <p:stCondLst>
-                        <p:cond delay="indefinite"/>
-                      </p:stCondLst>
-                      <p:childTnLst>
-                        <p:par>
-                          <p:cTn id="8" fill="hold">
-                            <p:stCondLst>
-                              <p:cond delay="0"/>
-                            </p:stCondLst>
-                            <p:childTnLst>
-                              <p:par>
-                                <p:cTn id="9" presetID="1" presetClass="entr" presetSubtype="0" fill="hold" nodeType="clickEffect">
-                                  <p:stCondLst>
-                                    <p:cond delay="0"/>
-                                  </p:stCondLst>
-                                  <p:childTnLst>
-                                    <p:set>
-                                      <p:cBhvr>
-                                        <p:cTn id="10" dur="1" fill="hold">
-                                          <p:stCondLst>
-                                            <p:cond delay="0"/>
-                                          </p:stCondLst>
-                                        </p:cTn>
-                                        <p:tgtEl>
-                                          <p:spTgt spid="3">
-                                            <p:txEl>
-                                              <p:pRg st="4" end="4"/>
-                                            </p:txEl>
-                                          </p:spTgt>
-                                        </p:tgtEl>
-                                        <p:attrNameLst>
-                                          <p:attrName>style.visibility</p:attrName>
-                                        </p:attrNameLst>
-                                      </p:cBhvr>
-                                      <p:to>
-                                        <p:strVal val="visible"/>
-                                      </p:to>
-                                    </p:set>
-                                  </p:childTnLst>
-                                </p:cTn>
-                              </p:par>
-                            </p:childTnLst>
-                          </p:cTn>
-                        </p:par>
-                      </p:childTnLst>
-                    </p:cTn>
-                  </p:par>
-                </p:childTnLst>
-              </p:cTn>
-              <p:prevCondLst>
-                <p:cond evt="onPrev" delay="0">
-                  <p:tgtEl>
-                    <p:sldTgt/>
-                  </p:tgtEl>
-                </p:cond>
-              </p:prevCondLst>
-              <p:nextCondLst>
-                <p:cond evt="onNext" delay="0">
-                  <p:tgtEl>
-                    <p:sldTgt/>
-                  </p:tgtEl>
-                </p:cond>
-              </p:nextCondLst>
-            </p:seq>
-          </p:childTnLst>
-        </p:cTn>
+        <p:cTn xmlns:p14="http://schemas.microsoft.com/office/powerpoint/2010/main" id="1" dur="indefinite" restart="never" nodeType="tmRoot"/>
       </p:par>
     </p:tnLst>
   </p:timing>
@@ -12408,7 +15122,7 @@
   <p:timing>
     <p:tnLst>
       <p:par>
-        <p:cTn id="1" dur="indefinite" restart="never" nodeType="tmRoot"/>
+        <p:cTn xmlns:p14="http://schemas.microsoft.com/office/powerpoint/2010/main" id="1" dur="indefinite" restart="never" nodeType="tmRoot"/>
       </p:par>
     </p:tnLst>
   </p:timing>
@@ -12670,7 +15384,7 @@
   <a:extraClrSchemeLst/>
   <a:extLst>
     <a:ext uri="{05A4C25C-085E-4340-85A3-A5531E510DB2}">
-      <thm15:themeFamily xmlns:thm15="http://schemas.microsoft.com/office/thememl/2012/main" name="Office Theme" id="{62F939B6-93AF-4DB8-9C6B-D6C7DFDC589F}" vid="{4A3C46E8-61CC-4603-A589-7422A47A8E4A}"/>
+      <thm15:themeFamily xmlns:thm15="http://schemas.microsoft.com/office/thememl/2012/main" xmlns="" name="Office Theme" id="{62F939B6-93AF-4DB8-9C6B-D6C7DFDC589F}" vid="{4A3C46E8-61CC-4603-A589-7422A47A8E4A}"/>
     </a:ext>
   </a:extLst>
 </a:theme>
@@ -12719,7 +15433,7 @@
     </a:clrScheme>
     <a:fontScheme name="Office">
       <a:majorFont>
-        <a:latin typeface="Calibri Light" panose="020F0302020204030204"/>
+        <a:latin typeface="Calibri Light"/>
         <a:ea typeface=""/>
         <a:cs typeface=""/>
         <a:font script="Jpan" typeface="ＭＳ Ｐゴシック"/>
@@ -12754,7 +15468,7 @@
         <a:font script="Geor" typeface="Sylfaen"/>
       </a:majorFont>
       <a:minorFont>
-        <a:latin typeface="Calibri" panose="020F0502020204030204"/>
+        <a:latin typeface="Calibri"/>
         <a:ea typeface=""/>
         <a:cs typeface=""/>
         <a:font script="Jpan" typeface="ＭＳ Ｐゴシック"/>
@@ -12931,7 +15645,7 @@
   <a:extraClrSchemeLst/>
   <a:extLst>
     <a:ext uri="{05A4C25C-085E-4340-85A3-A5531E510DB2}">
-      <thm15:themeFamily xmlns:thm15="http://schemas.microsoft.com/office/thememl/2012/main" name="Office Theme" id="{62F939B6-93AF-4DB8-9C6B-D6C7DFDC589F}" vid="{4A3C46E8-61CC-4603-A589-7422A47A8E4A}"/>
+      <thm15:themeFamily xmlns:thm15="http://schemas.microsoft.com/office/thememl/2012/main" xmlns="" name="Office Theme" id="{62F939B6-93AF-4DB8-9C6B-D6C7DFDC589F}" vid="{4A3C46E8-61CC-4603-A589-7422A47A8E4A}"/>
     </a:ext>
   </a:extLst>
 </a:theme>
